--- a/Assets/Class/NavMesh Agent/PPT Data/NavMesh Example.pptx
+++ b/Assets/Class/NavMesh Agent/PPT Data/NavMesh Example.pptx
@@ -2,7 +2,7 @@
 <file path=ppt/presentation.xml><?xml version="1.0" encoding="utf-8"?>
 <p:presentation xmlns:a="http://schemas.openxmlformats.org/drawingml/2006/main" xmlns:r="http://schemas.openxmlformats.org/officeDocument/2006/relationships" xmlns:p="http://schemas.openxmlformats.org/presentationml/2006/main" xmlns:p14="http://schemas.microsoft.com/office/powerpoint/2010/main" saveSubsetFonts="1" firstSlideNum="0">
   <p:sldMasterIdLst>
-    <p:sldMasterId id="2147486041" r:id="rId12"/>
+    <p:sldMasterId id="2147486042" r:id="rId12"/>
   </p:sldMasterIdLst>
   <p:notesMasterIdLst>
     <p:notesMasterId r:id="rId14"/>
@@ -6006,9 +6006,9 @@
           <p:nvPr/>
         </p:nvSpPr>
         <p:spPr>
-          <a:xfrm rot="0">
+          <a:xfrm>
             <a:off x="1086485" y="3433445"/>
-            <a:ext cx="4238625" cy="647065"/>
+            <a:ext cx="4239260" cy="647065"/>
           </a:xfrm>
           <a:prstGeom prst="rect"/>
           <a:noFill/>
@@ -6028,6 +6028,23 @@
               <a:buNone/>
             </a:pPr>
             <a:r>
+              <a:rPr sz="1800" b="1">
+                <a:solidFill>
+                  <a:srgbClr val="0611F2"/>
+                </a:solidFill>
+                <a:latin typeface="맑은 고딕" charset="0"/>
+                <a:ea typeface="맑은 고딕" charset="0"/>
+              </a:rPr>
+              <a:t>1.</a:t>
+            </a:r>
+            <a:r>
+              <a:rPr sz="1800">
+                <a:latin typeface="맑은 고딕" charset="0"/>
+                <a:ea typeface="맑은 고딕" charset="0"/>
+              </a:rPr>
+              <a:t> </a:t>
+            </a:r>
+            <a:r>
               <a:rPr sz="1800">
                 <a:latin typeface="맑은 고딕" charset="0"/>
                 <a:ea typeface="맑은 고딕" charset="0"/>
@@ -6043,7 +6060,7 @@
       </p:sp>
       <p:pic>
         <p:nvPicPr>
-          <p:cNvPr id="1165" name="그림 58" descr="C:/Users/Admin1/AppData/Roaming/PolarisOffice/ETemp/53580_14075816/fImage725725741.png"/>
+          <p:cNvPr id="1165" name="그림 58"/>
           <p:cNvPicPr>
             <a:picLocks noChangeAspect="1"/>
           </p:cNvPicPr>
@@ -6072,7 +6089,7 @@
       </p:pic>
       <p:pic>
         <p:nvPicPr>
-          <p:cNvPr id="1166" name="그림 59" descr="C:/Users/Admin1/AppData/Roaming/PolarisOffice/ETemp/53580_14075816/fImage1437532588467.png"/>
+          <p:cNvPr id="1166" name="그림 59"/>
           <p:cNvPicPr>
             <a:picLocks noChangeAspect="1"/>
           </p:cNvPicPr>
@@ -6101,7 +6118,7 @@
       </p:pic>
       <p:pic>
         <p:nvPicPr>
-          <p:cNvPr id="1167" name="그림 60" descr="C:/Users/Admin1/AppData/Roaming/PolarisOffice/ETemp/53580_14075816/fImage51372596334.png"/>
+          <p:cNvPr id="1167" name="그림 60"/>
           <p:cNvPicPr>
             <a:picLocks noChangeAspect="1"/>
           </p:cNvPicPr>
@@ -6130,7 +6147,7 @@
       </p:pic>
       <p:pic>
         <p:nvPicPr>
-          <p:cNvPr id="1169" name="그림 62" descr="C:/Users/Admin1/AppData/Roaming/PolarisOffice/ETemp/53580_14075816/fImage48472616500.png"/>
+          <p:cNvPr id="1169" name="그림 62"/>
           <p:cNvPicPr>
             <a:picLocks noChangeAspect="1"/>
           </p:cNvPicPr>
@@ -6217,7 +6234,7 @@
       </p:sp>
       <p:pic>
         <p:nvPicPr>
-          <p:cNvPr id="1171" name="그림 65" descr="C:/Users/Admin1/AppData/Roaming/PolarisOffice/ETemp/53580_14075816/fImage48852649169.png"/>
+          <p:cNvPr id="1171" name="그림 65"/>
           <p:cNvPicPr>
             <a:picLocks noChangeAspect="1"/>
           </p:cNvPicPr>
@@ -6253,9 +6270,9 @@
           <p:nvPr/>
         </p:nvSpPr>
         <p:spPr>
-          <a:xfrm rot="0">
+          <a:xfrm>
             <a:off x="1082040" y="5267325"/>
-            <a:ext cx="4233545" cy="1200785"/>
+            <a:ext cx="4234180" cy="1200785"/>
           </a:xfrm>
           <a:prstGeom prst="rect"/>
           <a:noFill/>
@@ -6275,10 +6292,37 @@
               <a:buNone/>
             </a:pPr>
             <a:r>
+              <a:rPr sz="1800" b="1">
+                <a:solidFill>
+                  <a:srgbClr val="0611F2"/>
+                </a:solidFill>
+                <a:latin typeface="맑은 고딕" charset="0"/>
+                <a:ea typeface="맑은 고딕" charset="0"/>
+              </a:rPr>
+              <a:t>2</a:t>
+            </a:r>
+            <a:r>
+              <a:rPr sz="1800" b="1">
+                <a:solidFill>
+                  <a:srgbClr val="0611F2"/>
+                </a:solidFill>
+                <a:latin typeface="맑은 고딕" charset="0"/>
+                <a:ea typeface="맑은 고딕" charset="0"/>
+              </a:rPr>
+              <a:t>.</a:t>
+            </a:r>
+            <a:r>
               <a:rPr sz="1800">
                 <a:latin typeface="맑은 고딕" charset="0"/>
                 <a:ea typeface="맑은 고딕" charset="0"/>
               </a:rPr>
+              <a:t> </a:t>
+            </a:r>
+            <a:r>
+              <a:rPr sz="1800">
+                <a:latin typeface="맑은 고딕" charset="0"/>
+                <a:ea typeface="맑은 고딕" charset="0"/>
+              </a:rPr>
               <a:t>그리</a:t>
             </a:r>
             <a:r>
@@ -6286,7 +6330,175 @@
                 <a:latin typeface="맑은 고딕" charset="0"/>
                 <a:ea typeface="맑은 고딕" charset="0"/>
               </a:rPr>
-              <a:t>고 Character라는 이름으로 변경한 다음 Main Camera 오브젝트를 Character 오브젝트의 하위 오브젝트로 설정합니다.</a:t>
+              <a:t>고</a:t>
+            </a:r>
+            <a:r>
+              <a:rPr lang="ko-KR" sz="1800">
+                <a:latin typeface="맑은 고딕" charset="0"/>
+                <a:ea typeface="맑은 고딕" charset="0"/>
+              </a:rPr>
+              <a:t> </a:t>
+            </a:r>
+            <a:r>
+              <a:rPr lang="ko-KR" sz="1800">
+                <a:latin typeface="맑은 고딕" charset="0"/>
+                <a:ea typeface="맑은 고딕" charset="0"/>
+              </a:rPr>
+              <a:t>Character라는</a:t>
+            </a:r>
+            <a:r>
+              <a:rPr lang="ko-KR" sz="1800">
+                <a:latin typeface="맑은 고딕" charset="0"/>
+                <a:ea typeface="맑은 고딕" charset="0"/>
+              </a:rPr>
+              <a:t> </a:t>
+            </a:r>
+            <a:r>
+              <a:rPr lang="ko-KR" sz="1800">
+                <a:latin typeface="맑은 고딕" charset="0"/>
+                <a:ea typeface="맑은 고딕" charset="0"/>
+              </a:rPr>
+              <a:t>이름으로</a:t>
+            </a:r>
+            <a:r>
+              <a:rPr lang="ko-KR" sz="1800">
+                <a:latin typeface="맑은 고딕" charset="0"/>
+                <a:ea typeface="맑은 고딕" charset="0"/>
+              </a:rPr>
+              <a:t> </a:t>
+            </a:r>
+            <a:r>
+              <a:rPr lang="ko-KR" sz="1800">
+                <a:latin typeface="맑은 고딕" charset="0"/>
+                <a:ea typeface="맑은 고딕" charset="0"/>
+              </a:rPr>
+              <a:t>변경한</a:t>
+            </a:r>
+            <a:r>
+              <a:rPr lang="ko-KR" sz="1800">
+                <a:latin typeface="맑은 고딕" charset="0"/>
+                <a:ea typeface="맑은 고딕" charset="0"/>
+              </a:rPr>
+              <a:t> </a:t>
+            </a:r>
+            <a:r>
+              <a:rPr lang="ko-KR" sz="1800">
+                <a:latin typeface="맑은 고딕" charset="0"/>
+                <a:ea typeface="맑은 고딕" charset="0"/>
+              </a:rPr>
+              <a:t>다음</a:t>
+            </a:r>
+            <a:r>
+              <a:rPr lang="ko-KR" sz="1800">
+                <a:latin typeface="맑은 고딕" charset="0"/>
+                <a:ea typeface="맑은 고딕" charset="0"/>
+              </a:rPr>
+              <a:t> </a:t>
+            </a:r>
+            <a:r>
+              <a:rPr lang="ko-KR" sz="1800">
+                <a:latin typeface="맑은 고딕" charset="0"/>
+                <a:ea typeface="맑은 고딕" charset="0"/>
+              </a:rPr>
+              <a:t>Main</a:t>
+            </a:r>
+            <a:r>
+              <a:rPr lang="ko-KR" sz="1800">
+                <a:latin typeface="맑은 고딕" charset="0"/>
+                <a:ea typeface="맑은 고딕" charset="0"/>
+              </a:rPr>
+              <a:t> </a:t>
+            </a:r>
+            <a:r>
+              <a:rPr lang="ko-KR" sz="1800">
+                <a:latin typeface="맑은 고딕" charset="0"/>
+                <a:ea typeface="맑은 고딕" charset="0"/>
+              </a:rPr>
+              <a:t>Camera</a:t>
+            </a:r>
+            <a:r>
+              <a:rPr lang="ko-KR" sz="1800">
+                <a:latin typeface="맑은 고딕" charset="0"/>
+                <a:ea typeface="맑은 고딕" charset="0"/>
+              </a:rPr>
+              <a:t> </a:t>
+            </a:r>
+            <a:r>
+              <a:rPr lang="ko-KR" sz="1800">
+                <a:latin typeface="맑은 고딕" charset="0"/>
+                <a:ea typeface="맑은 고딕" charset="0"/>
+              </a:rPr>
+              <a:t>오브젝트를</a:t>
+            </a:r>
+            <a:r>
+              <a:rPr lang="ko-KR" sz="1800">
+                <a:latin typeface="맑은 고딕" charset="0"/>
+                <a:ea typeface="맑은 고딕" charset="0"/>
+              </a:rPr>
+              <a:t> </a:t>
+            </a:r>
+            <a:r>
+              <a:rPr lang="ko-KR" sz="1800">
+                <a:latin typeface="맑은 고딕" charset="0"/>
+                <a:ea typeface="맑은 고딕" charset="0"/>
+              </a:rPr>
+              <a:t>Character</a:t>
+            </a:r>
+            <a:r>
+              <a:rPr lang="ko-KR" sz="1800">
+                <a:latin typeface="맑은 고딕" charset="0"/>
+                <a:ea typeface="맑은 고딕" charset="0"/>
+              </a:rPr>
+              <a:t> </a:t>
+            </a:r>
+            <a:r>
+              <a:rPr lang="ko-KR" sz="1800">
+                <a:latin typeface="맑은 고딕" charset="0"/>
+                <a:ea typeface="맑은 고딕" charset="0"/>
+              </a:rPr>
+              <a:t>오브젝트의</a:t>
+            </a:r>
+            <a:r>
+              <a:rPr lang="ko-KR" sz="1800">
+                <a:latin typeface="맑은 고딕" charset="0"/>
+                <a:ea typeface="맑은 고딕" charset="0"/>
+              </a:rPr>
+              <a:t> </a:t>
+            </a:r>
+            <a:r>
+              <a:rPr lang="ko-KR" sz="1800">
+                <a:latin typeface="맑은 고딕" charset="0"/>
+                <a:ea typeface="맑은 고딕" charset="0"/>
+              </a:rPr>
+              <a:t>하위</a:t>
+            </a:r>
+            <a:r>
+              <a:rPr lang="ko-KR" sz="1800">
+                <a:latin typeface="맑은 고딕" charset="0"/>
+                <a:ea typeface="맑은 고딕" charset="0"/>
+              </a:rPr>
+              <a:t> </a:t>
+            </a:r>
+            <a:r>
+              <a:rPr lang="ko-KR" sz="1800">
+                <a:latin typeface="맑은 고딕" charset="0"/>
+                <a:ea typeface="맑은 고딕" charset="0"/>
+              </a:rPr>
+              <a:t>오브젝트로</a:t>
+            </a:r>
+            <a:r>
+              <a:rPr lang="ko-KR" sz="1800">
+                <a:latin typeface="맑은 고딕" charset="0"/>
+                <a:ea typeface="맑은 고딕" charset="0"/>
+              </a:rPr>
+              <a:t> </a:t>
+            </a:r>
+            <a:r>
+              <a:rPr lang="ko-KR" sz="1800">
+                <a:latin typeface="맑은 고딕" charset="0"/>
+                <a:ea typeface="맑은 고딕" charset="0"/>
+              </a:rPr>
+              <a:t>설정합니다.</a:t>
             </a:r>
             <a:endParaRPr lang="ko-KR" altLang="en-US" sz="1800">
               <a:latin typeface="맑은 고딕" charset="0"/>
@@ -6304,9 +6516,9 @@
           <p:nvPr/>
         </p:nvSpPr>
         <p:spPr>
-          <a:xfrm rot="0">
+          <a:xfrm>
             <a:off x="6821170" y="2252980"/>
-            <a:ext cx="4233545" cy="923925"/>
+            <a:ext cx="4234180" cy="923925"/>
           </a:xfrm>
           <a:prstGeom prst="rect"/>
           <a:noFill/>
@@ -6326,6 +6538,33 @@
               <a:buNone/>
             </a:pPr>
             <a:r>
+              <a:rPr sz="1800" b="1">
+                <a:solidFill>
+                  <a:srgbClr val="0611F2"/>
+                </a:solidFill>
+                <a:latin typeface="맑은 고딕" charset="0"/>
+                <a:ea typeface="맑은 고딕" charset="0"/>
+              </a:rPr>
+              <a:t>3</a:t>
+            </a:r>
+            <a:r>
+              <a:rPr sz="1800" b="1">
+                <a:solidFill>
+                  <a:srgbClr val="0611F2"/>
+                </a:solidFill>
+                <a:latin typeface="맑은 고딕" charset="0"/>
+                <a:ea typeface="맑은 고딕" charset="0"/>
+              </a:rPr>
+              <a:t>.</a:t>
+            </a:r>
+            <a:r>
+              <a:rPr sz="1800">
+                <a:latin typeface="맑은 고딕" charset="0"/>
+                <a:ea typeface="맑은 고딕" charset="0"/>
+              </a:rPr>
+              <a:t> </a:t>
+            </a:r>
+            <a:r>
               <a:rPr sz="1800">
                 <a:latin typeface="맑은 고딕" charset="0"/>
                 <a:ea typeface="맑은 고딕" charset="0"/>
@@ -6348,7 +6587,7 @@
       </p:sp>
       <p:pic>
         <p:nvPicPr>
-          <p:cNvPr id="1177" name="그림 73" descr="C:/Users/Admin1/AppData/Roaming/PolarisOffice/ETemp/53580_14075816/fImage49692705724.png"/>
+          <p:cNvPr id="1177" name="그림 73"/>
           <p:cNvPicPr>
             <a:picLocks noChangeAspect="1"/>
           </p:cNvPicPr>
@@ -6412,7 +6651,7 @@
       </p:cxnSp>
       <p:pic>
         <p:nvPicPr>
-          <p:cNvPr id="1179" name="그림 75" descr="C:/Users/Admin1/AppData/Roaming/PolarisOffice/ETemp/53580_14075816/fImage22152721478.png"/>
+          <p:cNvPr id="1179" name="그림 75"/>
           <p:cNvPicPr>
             <a:picLocks noChangeAspect="1"/>
           </p:cNvPicPr>
@@ -6443,7 +6682,7 @@
       </p:pic>
       <p:pic>
         <p:nvPicPr>
-          <p:cNvPr id="1180" name="그림 78" descr="C:/Users/Admin1/AppData/Roaming/PolarisOffice/ETemp/53580_14075816/fImage54652739358.png"/>
+          <p:cNvPr id="1180" name="그림 78"/>
           <p:cNvPicPr>
             <a:picLocks noChangeAspect="1"/>
           </p:cNvPicPr>
@@ -6479,9 +6718,9 @@
           <p:nvPr/>
         </p:nvSpPr>
         <p:spPr>
-          <a:xfrm rot="0">
+          <a:xfrm>
             <a:off x="6826250" y="5106035"/>
-            <a:ext cx="4233545" cy="923925"/>
+            <a:ext cx="4234180" cy="923925"/>
           </a:xfrm>
           <a:prstGeom prst="rect"/>
           <a:noFill/>
@@ -6500,6 +6739,33 @@
               <a:buFontTx/>
               <a:buNone/>
             </a:pPr>
+            <a:r>
+              <a:rPr sz="1800" b="1">
+                <a:solidFill>
+                  <a:srgbClr val="0611F2"/>
+                </a:solidFill>
+                <a:latin typeface="맑은 고딕" charset="0"/>
+                <a:ea typeface="맑은 고딕" charset="0"/>
+              </a:rPr>
+              <a:t>4</a:t>
+            </a:r>
+            <a:r>
+              <a:rPr sz="1800" b="1">
+                <a:solidFill>
+                  <a:srgbClr val="0611F2"/>
+                </a:solidFill>
+                <a:latin typeface="맑은 고딕" charset="0"/>
+                <a:ea typeface="맑은 고딕" charset="0"/>
+              </a:rPr>
+              <a:t>.</a:t>
+            </a:r>
+            <a:r>
+              <a:rPr sz="1800">
+                <a:latin typeface="맑은 고딕" charset="0"/>
+                <a:ea typeface="맑은 고딕" charset="0"/>
+              </a:rPr>
+              <a:t> </a:t>
+            </a:r>
             <a:r>
               <a:rPr lang="ko-KR" sz="1800">
                 <a:latin typeface="맑은 고딕" charset="0"/>
@@ -6538,7 +6804,7 @@
 </file>
 
 <file path=ppt/slides/slide2.xml><?xml version="1.0" encoding="utf-8"?>
-<p:sld xmlns:a="http://schemas.openxmlformats.org/drawingml/2006/main" xmlns:r="http://schemas.openxmlformats.org/officeDocument/2006/relationships" xmlns:p="http://schemas.openxmlformats.org/presentationml/2006/main">
+<p:sld xmlns:a="http://schemas.openxmlformats.org/drawingml/2006/main" xmlns:r="http://schemas.openxmlformats.org/officeDocument/2006/relationships" xmlns:p="http://schemas.openxmlformats.org/presentationml/2006/main" xmlns:p14="http://schemas.microsoft.com/office/powerpoint/2010/main">
   <p:cSld>
     <p:spTree>
       <p:nvGrpSpPr>
@@ -6613,9 +6879,9 @@
           <p:nvPr/>
         </p:nvSpPr>
         <p:spPr>
-          <a:xfrm rot="0">
+          <a:xfrm>
             <a:off x="1191260" y="2328545"/>
-            <a:ext cx="4162425" cy="1200785"/>
+            <a:ext cx="4163060" cy="1200785"/>
           </a:xfrm>
           <a:prstGeom prst="rect"/>
           <a:noFill/>
@@ -6635,6 +6901,33 @@
               <a:buNone/>
             </a:pPr>
             <a:r>
+              <a:rPr sz="1800" b="1">
+                <a:solidFill>
+                  <a:srgbClr val="0611F2"/>
+                </a:solidFill>
+                <a:latin typeface="맑은 고딕" charset="0"/>
+                <a:ea typeface="맑은 고딕" charset="0"/>
+              </a:rPr>
+              <a:t>5</a:t>
+            </a:r>
+            <a:r>
+              <a:rPr sz="1800" b="1">
+                <a:solidFill>
+                  <a:srgbClr val="0611F2"/>
+                </a:solidFill>
+                <a:latin typeface="맑은 고딕" charset="0"/>
+                <a:ea typeface="맑은 고딕" charset="0"/>
+              </a:rPr>
+              <a:t>.</a:t>
+            </a:r>
+            <a:r>
+              <a:rPr sz="1800">
+                <a:latin typeface="맑은 고딕" charset="0"/>
+                <a:ea typeface="맑은 고딕" charset="0"/>
+              </a:rPr>
+              <a:t> </a:t>
+            </a:r>
+            <a:r>
               <a:rPr lang="ko-KR" sz="1800">
                 <a:latin typeface="맑은 고딕" charset="0"/>
                 <a:ea typeface="맑은 고딕" charset="0"/>
@@ -6664,7 +6957,7 @@
       </p:sp>
       <p:pic>
         <p:nvPicPr>
-          <p:cNvPr id="1172" name="Picture " descr="C:/Users/Admin1/AppData/Roaming/PolarisOffice/ETemp/53580_14075816/fImage53352906962.png"/>
+          <p:cNvPr id="1172" name="Picture "/>
           <p:cNvPicPr>
             <a:picLocks noChangeAspect="1"/>
           </p:cNvPicPr>
@@ -6695,7 +6988,7 @@
       </p:pic>
       <p:pic>
         <p:nvPicPr>
-          <p:cNvPr id="1181" name="그림 87" descr="C:/Users/Admin1/AppData/Roaming/PolarisOffice/ETemp/53580_14075816/fImage163822954464.png"/>
+          <p:cNvPr id="1181" name="그림 87"/>
           <p:cNvPicPr>
             <a:picLocks noChangeAspect="1"/>
           </p:cNvPicPr>
@@ -6724,7 +7017,7 @@
       </p:pic>
       <p:pic>
         <p:nvPicPr>
-          <p:cNvPr id="1182" name="그림 88" descr="C:/Users/Admin1/AppData/Roaming/PolarisOffice/ETemp/53580_14075816/fImage31782965705.png"/>
+          <p:cNvPr id="1182" name="그림 88"/>
           <p:cNvPicPr>
             <a:picLocks noChangeAspect="1"/>
           </p:cNvPicPr>
@@ -6762,7 +7055,7 @@
         <p:spPr>
           <a:xfrm rot="0">
             <a:off x="1186815" y="4905375"/>
-            <a:ext cx="4162425" cy="923925"/>
+            <a:ext cx="4175760" cy="1200785"/>
           </a:xfrm>
           <a:prstGeom prst="rect"/>
           <a:noFill/>
@@ -6782,6 +7075,33 @@
               <a:buNone/>
             </a:pPr>
             <a:r>
+              <a:rPr sz="1800" b="1">
+                <a:solidFill>
+                  <a:srgbClr val="0611F2"/>
+                </a:solidFill>
+                <a:latin typeface="맑은 고딕" charset="0"/>
+                <a:ea typeface="맑은 고딕" charset="0"/>
+              </a:rPr>
+              <a:t>6</a:t>
+            </a:r>
+            <a:r>
+              <a:rPr sz="1800" b="1">
+                <a:solidFill>
+                  <a:srgbClr val="0611F2"/>
+                </a:solidFill>
+                <a:latin typeface="맑은 고딕" charset="0"/>
+                <a:ea typeface="맑은 고딕" charset="0"/>
+              </a:rPr>
+              <a:t>.</a:t>
+            </a:r>
+            <a:r>
+              <a:rPr sz="1800">
+                <a:latin typeface="맑은 고딕" charset="0"/>
+                <a:ea typeface="맑은 고딕" charset="0"/>
+              </a:rPr>
+              <a:t> </a:t>
+            </a:r>
+            <a:r>
               <a:rPr lang="ko-KR" sz="1800">
                 <a:latin typeface="맑은 고딕" charset="0"/>
                 <a:ea typeface="맑은 고딕" charset="0"/>
@@ -6804,9 +7124,9 @@
           <p:nvPr/>
         </p:nvSpPr>
         <p:spPr>
-          <a:xfrm rot="0">
+          <a:xfrm>
             <a:off x="6821170" y="3805555"/>
-            <a:ext cx="4542790" cy="2031365"/>
+            <a:ext cx="4543425" cy="2031365"/>
           </a:xfrm>
           <a:prstGeom prst="rect"/>
           <a:noFill/>
@@ -6825,6 +7145,33 @@
               <a:buFontTx/>
               <a:buNone/>
             </a:pPr>
+            <a:r>
+              <a:rPr sz="1800" b="1">
+                <a:solidFill>
+                  <a:srgbClr val="0611F2"/>
+                </a:solidFill>
+                <a:latin typeface="맑은 고딕" charset="0"/>
+                <a:ea typeface="맑은 고딕" charset="0"/>
+              </a:rPr>
+              <a:t>7</a:t>
+            </a:r>
+            <a:r>
+              <a:rPr sz="1800" b="1">
+                <a:solidFill>
+                  <a:srgbClr val="0611F2"/>
+                </a:solidFill>
+                <a:latin typeface="맑은 고딕" charset="0"/>
+                <a:ea typeface="맑은 고딕" charset="0"/>
+              </a:rPr>
+              <a:t>.</a:t>
+            </a:r>
+            <a:r>
+              <a:rPr sz="1800">
+                <a:latin typeface="맑은 고딕" charset="0"/>
+                <a:ea typeface="맑은 고딕" charset="0"/>
+              </a:rPr>
+              <a:t> </a:t>
+            </a:r>
             <a:r>
               <a:rPr lang="ko-KR" sz="1800">
                 <a:latin typeface="맑은 고딕" charset="0"/>
@@ -6890,7 +7237,7 @@
 </file>
 
 <file path=ppt/slides/slide3.xml><?xml version="1.0" encoding="utf-8"?>
-<p:sld xmlns:a="http://schemas.openxmlformats.org/drawingml/2006/main" xmlns:r="http://schemas.openxmlformats.org/officeDocument/2006/relationships" xmlns:p="http://schemas.openxmlformats.org/presentationml/2006/main">
+<p:sld xmlns:a="http://schemas.openxmlformats.org/drawingml/2006/main" xmlns:r="http://schemas.openxmlformats.org/officeDocument/2006/relationships" xmlns:p="http://schemas.openxmlformats.org/presentationml/2006/main" xmlns:p14="http://schemas.microsoft.com/office/powerpoint/2010/main">
   <p:cSld>
     <p:spTree>
       <p:nvGrpSpPr>
@@ -6966,8 +7313,8 @@
         </p:nvSpPr>
         <p:spPr>
           <a:xfrm rot="0">
-            <a:off x="1329690" y="2819400"/>
-            <a:ext cx="4071620" cy="923925"/>
+            <a:off x="1247140" y="2819400"/>
+            <a:ext cx="4154805" cy="923925"/>
           </a:xfrm>
           <a:prstGeom prst="rect"/>
           <a:noFill/>
@@ -6987,6 +7334,33 @@
               <a:buNone/>
             </a:pPr>
             <a:r>
+              <a:rPr sz="1800" b="1">
+                <a:solidFill>
+                  <a:srgbClr val="0611F2"/>
+                </a:solidFill>
+                <a:latin typeface="맑은 고딕" charset="0"/>
+                <a:ea typeface="맑은 고딕" charset="0"/>
+              </a:rPr>
+              <a:t>8</a:t>
+            </a:r>
+            <a:r>
+              <a:rPr sz="1800" b="1">
+                <a:solidFill>
+                  <a:srgbClr val="0611F2"/>
+                </a:solidFill>
+                <a:latin typeface="맑은 고딕" charset="0"/>
+                <a:ea typeface="맑은 고딕" charset="0"/>
+              </a:rPr>
+              <a:t>.</a:t>
+            </a:r>
+            <a:r>
+              <a:rPr sz="1800">
+                <a:latin typeface="맑은 고딕" charset="0"/>
+                <a:ea typeface="맑은 고딕" charset="0"/>
+              </a:rPr>
+              <a:t> </a:t>
+            </a:r>
+            <a:r>
               <a:rPr lang="ko-KR" sz="1800">
                 <a:latin typeface="맑은 고딕" charset="0"/>
                 <a:ea typeface="맑은 고딕" charset="0"/>
@@ -7002,7 +7376,7 @@
       </p:sp>
       <p:pic>
         <p:nvPicPr>
-          <p:cNvPr id="1185" name="그림 91" descr="C:/Users/Admin1/AppData/Roaming/PolarisOffice/ETemp/53580_14075816/fImage474913098145.png"/>
+          <p:cNvPr id="1185" name="그림 91"/>
           <p:cNvPicPr>
             <a:picLocks noChangeAspect="1"/>
           </p:cNvPicPr>
@@ -7033,17 +7407,17 @@
       </p:pic>
       <p:pic>
         <p:nvPicPr>
-          <p:cNvPr id="1186" name="그림 94" descr="C:/Users/Admin1/AppData/Roaming/PolarisOffice/ETemp/53580_14075816/fImage124133103281.png"/>
+          <p:cNvPr id="1186" name="그림 94" descr="C:/Users/Admin1/AppData/Roaming/PolarisOffice/ETemp/35704_22654688/fImage124133103281.png"/>
           <p:cNvPicPr>
             <a:picLocks noChangeAspect="1"/>
           </p:cNvPicPr>
           <p:nvPr/>
         </p:nvPicPr>
         <p:blipFill rotWithShape="1">
-          <a:blip r:embed="rId3" cstate="print">
+          <a:blip r:embed="rId3" cstate="hqprint">
             <a:extLst>
               <a:ext uri="{28A0092B-C50C-407E-A947-70E740481C1C}">
-                <a14:useLocalDpi xmlns:a14="http://schemas.microsoft.com/office/drawing/2010/main" val="0"/>
+                <a14:useLocalDpi xmlns:a14="http://schemas.microsoft.com/office/drawing/2010/main"/>
               </a:ext>
             </a:extLst>
           </a:blip>
@@ -7053,8 +7427,8 @@
         </p:blipFill>
         <p:spPr>
           <a:xfrm rot="0">
-            <a:off x="1333500" y="1328420"/>
-            <a:ext cx="4067810" cy="1405890"/>
+            <a:off x="1247140" y="1328420"/>
+            <a:ext cx="4154805" cy="1406525"/>
           </a:xfrm>
           <a:prstGeom prst="roundRect"/>
           <a:solidFill>
@@ -7064,17 +7438,17 @@
       </p:pic>
       <p:pic>
         <p:nvPicPr>
-          <p:cNvPr id="1187" name="그림 98" descr="C:/Users/Admin1/AppData/Roaming/PolarisOffice/ETemp/53580_14075816/fImage79473126827.png"/>
+          <p:cNvPr id="1187" name="그림 98" descr="C:/Users/Admin1/AppData/Roaming/PolarisOffice/ETemp/35704_22654688/fImage79473126827.png"/>
           <p:cNvPicPr>
             <a:picLocks noChangeAspect="1"/>
           </p:cNvPicPr>
           <p:nvPr/>
         </p:nvPicPr>
         <p:blipFill rotWithShape="1">
-          <a:blip r:embed="rId4" cstate="print">
+          <a:blip r:embed="rId4" cstate="hqprint">
             <a:extLst>
               <a:ext uri="{28A0092B-C50C-407E-A947-70E740481C1C}">
-                <a14:useLocalDpi xmlns:a14="http://schemas.microsoft.com/office/drawing/2010/main" val="0"/>
+                <a14:useLocalDpi xmlns:a14="http://schemas.microsoft.com/office/drawing/2010/main"/>
               </a:ext>
             </a:extLst>
           </a:blip>
@@ -7084,8 +7458,8 @@
         </p:blipFill>
         <p:spPr>
           <a:xfrm rot="0">
-            <a:off x="1333500" y="3852545"/>
-            <a:ext cx="1991360" cy="1377315"/>
+            <a:off x="1250315" y="3844290"/>
+            <a:ext cx="1991995" cy="1377950"/>
           </a:xfrm>
           <a:prstGeom prst="roundRect"/>
           <a:solidFill>
@@ -7095,7 +7469,7 @@
       </p:pic>
       <p:pic>
         <p:nvPicPr>
-          <p:cNvPr id="1188" name="그림 99" descr="C:/Users/Admin1/AppData/Roaming/PolarisOffice/ETemp/53580_14075816/fImage48933139961.png"/>
+          <p:cNvPr id="1188" name="그림 99"/>
           <p:cNvPicPr>
             <a:picLocks noChangeAspect="1"/>
           </p:cNvPicPr>
@@ -7132,13 +7506,12 @@
         </p:nvCxnSpPr>
         <p:spPr>
           <a:xfrm rot="0" flipH="1" flipV="1">
-            <a:off x="2400300" y="4410075"/>
-            <a:ext cx="1743710" cy="116840"/>
+            <a:off x="2311400" y="4389120"/>
+            <a:ext cx="1833245" cy="138430"/>
           </a:xfrm>
           <a:prstGeom prst="straightConnector1"/>
           <a:ln w="6350" cap="flat" cmpd="sng">
             <a:prstDash/>
-            <a:headEnd type="none" w="med" len="med"/>
             <a:tailEnd type="triangle" w="med" len="med"/>
           </a:ln>
         </p:spPr>
@@ -7165,13 +7538,12 @@
         </p:nvCxnSpPr>
         <p:spPr>
           <a:xfrm rot="0" flipH="1">
-            <a:off x="2790825" y="4526280"/>
-            <a:ext cx="1353185" cy="360680"/>
+            <a:off x="2710180" y="4526280"/>
+            <a:ext cx="1434465" cy="328930"/>
           </a:xfrm>
           <a:prstGeom prst="straightConnector1"/>
           <a:ln w="6350" cap="flat" cmpd="sng">
             <a:prstDash/>
-            <a:headEnd type="none" w="med" len="med"/>
             <a:tailEnd type="triangle" w="med" len="med"/>
           </a:ln>
         </p:spPr>
@@ -7200,8 +7572,8 @@
         </p:nvSpPr>
         <p:spPr>
           <a:xfrm rot="0">
-            <a:off x="1334770" y="5310505"/>
-            <a:ext cx="4071620" cy="923925"/>
+            <a:off x="1238885" y="5310505"/>
+            <a:ext cx="4168140" cy="923925"/>
           </a:xfrm>
           <a:prstGeom prst="rect"/>
           <a:noFill/>
@@ -7221,6 +7593,33 @@
               <a:buNone/>
             </a:pPr>
             <a:r>
+              <a:rPr sz="1800" b="1">
+                <a:solidFill>
+                  <a:srgbClr val="0611F2"/>
+                </a:solidFill>
+                <a:latin typeface="맑은 고딕" charset="0"/>
+                <a:ea typeface="맑은 고딕" charset="0"/>
+              </a:rPr>
+              <a:t>9</a:t>
+            </a:r>
+            <a:r>
+              <a:rPr sz="1800" b="1">
+                <a:solidFill>
+                  <a:srgbClr val="0611F2"/>
+                </a:solidFill>
+                <a:latin typeface="맑은 고딕" charset="0"/>
+                <a:ea typeface="맑은 고딕" charset="0"/>
+              </a:rPr>
+              <a:t>.</a:t>
+            </a:r>
+            <a:r>
+              <a:rPr sz="1800">
+                <a:latin typeface="맑은 고딕" charset="0"/>
+                <a:ea typeface="맑은 고딕" charset="0"/>
+              </a:rPr>
+              <a:t> </a:t>
+            </a:r>
+            <a:r>
               <a:rPr lang="ko-KR" sz="1800">
                 <a:latin typeface="맑은 고딕" charset="0"/>
                 <a:ea typeface="맑은 고딕" charset="0"/>
@@ -7236,7 +7635,7 @@
       </p:sp>
       <p:pic>
         <p:nvPicPr>
-          <p:cNvPr id="1193" name="그림 108" descr="C:/Users/Admin1/AppData/Roaming/PolarisOffice/ETemp/53580_14075816/fImage4270318491.png"/>
+          <p:cNvPr id="1193" name="그림 108"/>
           <p:cNvPicPr>
             <a:picLocks noChangeAspect="1"/>
           </p:cNvPicPr>
@@ -7276,7 +7675,7 @@
         <p:spPr>
           <a:xfrm rot="0">
             <a:off x="6854825" y="5077460"/>
-            <a:ext cx="4213860" cy="647065"/>
+            <a:ext cx="4214495" cy="923925"/>
           </a:xfrm>
           <a:prstGeom prst="rect"/>
           <a:noFill/>
@@ -7296,6 +7695,43 @@
               <a:buNone/>
             </a:pPr>
             <a:r>
+              <a:rPr sz="1800" b="1">
+                <a:solidFill>
+                  <a:srgbClr val="0611F2"/>
+                </a:solidFill>
+                <a:latin typeface="맑은 고딕" charset="0"/>
+                <a:ea typeface="맑은 고딕" charset="0"/>
+              </a:rPr>
+              <a:t>1</a:t>
+            </a:r>
+            <a:r>
+              <a:rPr sz="1800" b="1">
+                <a:solidFill>
+                  <a:srgbClr val="0611F2"/>
+                </a:solidFill>
+                <a:latin typeface="맑은 고딕" charset="0"/>
+                <a:ea typeface="맑은 고딕" charset="0"/>
+              </a:rPr>
+              <a:t>0</a:t>
+            </a:r>
+            <a:r>
+              <a:rPr sz="1800" b="1">
+                <a:solidFill>
+                  <a:srgbClr val="0611F2"/>
+                </a:solidFill>
+                <a:latin typeface="맑은 고딕" charset="0"/>
+                <a:ea typeface="맑은 고딕" charset="0"/>
+              </a:rPr>
+              <a:t>.</a:t>
+            </a:r>
+            <a:r>
+              <a:rPr sz="1800">
+                <a:latin typeface="맑은 고딕" charset="0"/>
+                <a:ea typeface="맑은 고딕" charset="0"/>
+              </a:rPr>
+              <a:t> </a:t>
+            </a:r>
+            <a:r>
               <a:rPr lang="ko-KR" sz="1800">
                 <a:latin typeface="맑은 고딕" charset="0"/>
                 <a:ea typeface="맑은 고딕" charset="0"/>
@@ -7328,7 +7764,7 @@
       </p:sp>
       <p:pic>
         <p:nvPicPr>
-          <p:cNvPr id="1196" name="그림 115" descr="C:/Users/Admin1/AppData/Roaming/PolarisOffice/ETemp/53580_14075816/fImage7803212995.png"/>
+          <p:cNvPr id="1196" name="그림 115"/>
           <p:cNvPicPr>
             <a:picLocks noChangeAspect="1"/>
           </p:cNvPicPr>
@@ -7402,13 +7838,12 @@
         </p:nvCxnSpPr>
         <p:spPr>
           <a:xfrm rot="0" flipH="1">
-            <a:off x="2752725" y="4526280"/>
-            <a:ext cx="1391285" cy="113030"/>
+            <a:off x="2677160" y="4526915"/>
+            <a:ext cx="1466850" cy="104140"/>
           </a:xfrm>
           <a:prstGeom prst="straightConnector1"/>
           <a:ln w="6350" cap="flat" cmpd="sng">
             <a:prstDash/>
-            <a:headEnd type="none" w="med" len="med"/>
             <a:tailEnd type="triangle" w="med" len="med"/>
           </a:ln>
         </p:spPr>
@@ -7451,7 +7886,7 @@
 </file>
 
 <file path=ppt/slides/slide4.xml><?xml version="1.0" encoding="utf-8"?>
-<p:sld xmlns:a="http://schemas.openxmlformats.org/drawingml/2006/main" xmlns:r="http://schemas.openxmlformats.org/officeDocument/2006/relationships" xmlns:p="http://schemas.openxmlformats.org/presentationml/2006/main">
+<p:sld xmlns:a="http://schemas.openxmlformats.org/drawingml/2006/main" xmlns:r="http://schemas.openxmlformats.org/officeDocument/2006/relationships" xmlns:p="http://schemas.openxmlformats.org/presentationml/2006/main" xmlns:p14="http://schemas.microsoft.com/office/powerpoint/2010/main">
   <p:cSld>
     <p:spTree>
       <p:nvGrpSpPr>
@@ -7527,8 +7962,8 @@
         </p:nvSpPr>
         <p:spPr>
           <a:xfrm rot="0">
-            <a:off x="1152525" y="5739130"/>
-            <a:ext cx="4324985" cy="647065"/>
+            <a:off x="1072515" y="5739130"/>
+            <a:ext cx="4281805" cy="923925"/>
           </a:xfrm>
           <a:prstGeom prst="rect"/>
           <a:noFill/>
@@ -7548,6 +7983,43 @@
               <a:buNone/>
             </a:pPr>
             <a:r>
+              <a:rPr sz="1800" b="1">
+                <a:solidFill>
+                  <a:srgbClr val="0611F2"/>
+                </a:solidFill>
+                <a:latin typeface="맑은 고딕" charset="0"/>
+                <a:ea typeface="맑은 고딕" charset="0"/>
+              </a:rPr>
+              <a:t>1</a:t>
+            </a:r>
+            <a:r>
+              <a:rPr sz="1800" b="1">
+                <a:solidFill>
+                  <a:srgbClr val="0611F2"/>
+                </a:solidFill>
+                <a:latin typeface="맑은 고딕" charset="0"/>
+                <a:ea typeface="맑은 고딕" charset="0"/>
+              </a:rPr>
+              <a:t>2</a:t>
+            </a:r>
+            <a:r>
+              <a:rPr sz="1800" b="1">
+                <a:solidFill>
+                  <a:srgbClr val="0611F2"/>
+                </a:solidFill>
+                <a:latin typeface="맑은 고딕" charset="0"/>
+                <a:ea typeface="맑은 고딕" charset="0"/>
+              </a:rPr>
+              <a:t>.</a:t>
+            </a:r>
+            <a:r>
+              <a:rPr sz="1800">
+                <a:latin typeface="맑은 고딕" charset="0"/>
+                <a:ea typeface="맑은 고딕" charset="0"/>
+              </a:rPr>
+              <a:t> </a:t>
+            </a:r>
+            <a:r>
               <a:rPr lang="ko-KR" sz="1800">
                 <a:latin typeface="맑은 고딕" charset="0"/>
                 <a:ea typeface="맑은 고딕" charset="0"/>
@@ -7563,7 +8035,7 @@
       </p:sp>
       <p:pic>
         <p:nvPicPr>
-          <p:cNvPr id="1198" name="그림 122" descr="C:/Users/Admin1/AppData/Roaming/PolarisOffice/ETemp/53580_14075816/fImage567383431942.png"/>
+          <p:cNvPr id="1198" name="그림 122"/>
           <p:cNvPicPr>
             <a:picLocks noChangeAspect="1"/>
           </p:cNvPicPr>
@@ -7594,17 +8066,17 @@
       </p:pic>
       <p:pic>
         <p:nvPicPr>
-          <p:cNvPr id="1199" name="그림 127" descr="C:/Users/Admin1/AppData/Roaming/PolarisOffice/ETemp/53580_14075816/fImage243783454827.png"/>
+          <p:cNvPr id="1199" name="그림 127" descr="C:/Users/Admin1/AppData/Roaming/PolarisOffice/ETemp/35704_22654688/fImage243783454827.png"/>
           <p:cNvPicPr>
             <a:picLocks noChangeAspect="1"/>
           </p:cNvPicPr>
           <p:nvPr/>
         </p:nvPicPr>
         <p:blipFill rotWithShape="1">
-          <a:blip r:embed="rId3" cstate="print">
+          <a:blip r:embed="rId3" cstate="hqprint">
             <a:extLst>
               <a:ext uri="{28A0092B-C50C-407E-A947-70E740481C1C}">
-                <a14:useLocalDpi xmlns:a14="http://schemas.microsoft.com/office/drawing/2010/main" val="0"/>
+                <a14:useLocalDpi xmlns:a14="http://schemas.microsoft.com/office/drawing/2010/main"/>
               </a:ext>
             </a:extLst>
           </a:blip>
@@ -7614,8 +8086,8 @@
         </p:blipFill>
         <p:spPr>
           <a:xfrm rot="0">
-            <a:off x="1152525" y="3743325"/>
-            <a:ext cx="4191635" cy="1858010"/>
+            <a:off x="1080770" y="3743325"/>
+            <a:ext cx="4273550" cy="1858645"/>
           </a:xfrm>
           <a:prstGeom prst="rect"/>
           <a:noFill/>
@@ -7630,9 +8102,9 @@
           <p:nvPr/>
         </p:nvSpPr>
         <p:spPr>
-          <a:xfrm rot="0">
+          <a:xfrm>
             <a:off x="6788150" y="3572510"/>
-            <a:ext cx="4018915" cy="2308225"/>
+            <a:ext cx="4019550" cy="2308225"/>
           </a:xfrm>
           <a:prstGeom prst="rect"/>
           <a:noFill/>
@@ -7652,6 +8124,43 @@
               <a:buNone/>
             </a:pPr>
             <a:r>
+              <a:rPr sz="1800" b="1">
+                <a:solidFill>
+                  <a:srgbClr val="0611F2"/>
+                </a:solidFill>
+                <a:latin typeface="맑은 고딕" charset="0"/>
+                <a:ea typeface="맑은 고딕" charset="0"/>
+              </a:rPr>
+              <a:t>1</a:t>
+            </a:r>
+            <a:r>
+              <a:rPr sz="1800" b="1">
+                <a:solidFill>
+                  <a:srgbClr val="0611F2"/>
+                </a:solidFill>
+                <a:latin typeface="맑은 고딕" charset="0"/>
+                <a:ea typeface="맑은 고딕" charset="0"/>
+              </a:rPr>
+              <a:t>3</a:t>
+            </a:r>
+            <a:r>
+              <a:rPr sz="1800" b="1">
+                <a:solidFill>
+                  <a:srgbClr val="0611F2"/>
+                </a:solidFill>
+                <a:latin typeface="맑은 고딕" charset="0"/>
+                <a:ea typeface="맑은 고딕" charset="0"/>
+              </a:rPr>
+              <a:t>.</a:t>
+            </a:r>
+            <a:r>
+              <a:rPr sz="1800">
+                <a:latin typeface="맑은 고딕" charset="0"/>
+                <a:ea typeface="맑은 고딕" charset="0"/>
+              </a:rPr>
+              <a:t> </a:t>
+            </a:r>
+            <a:r>
               <a:rPr lang="ko-KR" sz="1800">
                 <a:latin typeface="맑은 고딕" charset="0"/>
                 <a:ea typeface="맑은 고딕" charset="0"/>
@@ -7694,17 +8203,17 @@
       </p:sp>
       <p:pic>
         <p:nvPicPr>
-          <p:cNvPr id="1201" name="그림 129" descr="C:/Users/Admin1/AppData/Roaming/PolarisOffice/ETemp/53580_14075816/fImage60853475436.png"/>
+          <p:cNvPr id="1201" name="그림 129" descr="C:/Users/Admin1/AppData/Roaming/PolarisOffice/ETemp/35704_22654688/fImage60853475436.png"/>
           <p:cNvPicPr>
             <a:picLocks noChangeAspect="1"/>
           </p:cNvPicPr>
           <p:nvPr/>
         </p:nvPicPr>
         <p:blipFill rotWithShape="1">
-          <a:blip r:embed="rId4" cstate="print">
+          <a:blip r:embed="rId4" cstate="hqprint">
             <a:extLst>
               <a:ext uri="{28A0092B-C50C-407E-A947-70E740481C1C}">
-                <a14:useLocalDpi xmlns:a14="http://schemas.microsoft.com/office/drawing/2010/main" val="0"/>
+                <a14:useLocalDpi xmlns:a14="http://schemas.microsoft.com/office/drawing/2010/main"/>
               </a:ext>
             </a:extLst>
           </a:blip>
@@ -7714,8 +8223,8 @@
         </p:blipFill>
         <p:spPr>
           <a:xfrm rot="0">
-            <a:off x="1152525" y="1419225"/>
-            <a:ext cx="4201160" cy="838835"/>
+            <a:off x="1072515" y="1419225"/>
+            <a:ext cx="4281805" cy="839470"/>
           </a:xfrm>
           <a:prstGeom prst="rect"/>
           <a:noFill/>
@@ -7731,8 +8240,8 @@
         </p:nvSpPr>
         <p:spPr>
           <a:xfrm rot="0">
-            <a:off x="1143000" y="2381885"/>
-            <a:ext cx="4196715" cy="1200785"/>
+            <a:off x="1064260" y="2381885"/>
+            <a:ext cx="4276090" cy="1200785"/>
           </a:xfrm>
           <a:prstGeom prst="rect"/>
           <a:noFill/>
@@ -7751,6 +8260,43 @@
               <a:buFontTx/>
               <a:buNone/>
             </a:pPr>
+            <a:r>
+              <a:rPr sz="1800" b="1">
+                <a:solidFill>
+                  <a:srgbClr val="0611F2"/>
+                </a:solidFill>
+                <a:latin typeface="맑은 고딕" charset="0"/>
+                <a:ea typeface="맑은 고딕" charset="0"/>
+              </a:rPr>
+              <a:t>1</a:t>
+            </a:r>
+            <a:r>
+              <a:rPr sz="1800" b="1">
+                <a:solidFill>
+                  <a:srgbClr val="0611F2"/>
+                </a:solidFill>
+                <a:latin typeface="맑은 고딕" charset="0"/>
+                <a:ea typeface="맑은 고딕" charset="0"/>
+              </a:rPr>
+              <a:t>1</a:t>
+            </a:r>
+            <a:r>
+              <a:rPr sz="1800" b="1">
+                <a:solidFill>
+                  <a:srgbClr val="0611F2"/>
+                </a:solidFill>
+                <a:latin typeface="맑은 고딕" charset="0"/>
+                <a:ea typeface="맑은 고딕" charset="0"/>
+              </a:rPr>
+              <a:t>.</a:t>
+            </a:r>
+            <a:r>
+              <a:rPr sz="1800">
+                <a:latin typeface="맑은 고딕" charset="0"/>
+                <a:ea typeface="맑은 고딕" charset="0"/>
+              </a:rPr>
+              <a:t> </a:t>
+            </a:r>
             <a:r>
               <a:rPr lang="ko-KR" sz="1800">
                 <a:latin typeface="맑은 고딕" charset="0"/>

--- a/Assets/Class/NavMesh Agent/PPT Data/NavMesh Example.pptx
+++ b/Assets/Class/NavMesh Agent/PPT Data/NavMesh Example.pptx
@@ -2,7 +2,7 @@
 <file path=ppt/presentation.xml><?xml version="1.0" encoding="utf-8"?>
 <p:presentation xmlns:a="http://schemas.openxmlformats.org/drawingml/2006/main" xmlns:r="http://schemas.openxmlformats.org/officeDocument/2006/relationships" xmlns:p="http://schemas.openxmlformats.org/presentationml/2006/main" xmlns:p14="http://schemas.microsoft.com/office/powerpoint/2010/main" saveSubsetFonts="1" firstSlideNum="0">
   <p:sldMasterIdLst>
-    <p:sldMasterId id="2147486042" r:id="rId12"/>
+    <p:sldMasterId id="2147486064" r:id="rId12"/>
   </p:sldMasterIdLst>
   <p:notesMasterIdLst>
     <p:notesMasterId r:id="rId14"/>
@@ -1041,13 +1041,6 @@
 <file path=ppt/slideLayouts/slideLayout1.xml><?xml version="1.0" encoding="utf-8"?>
 <p:sldLayout xmlns:a="http://schemas.openxmlformats.org/drawingml/2006/main" xmlns:r="http://schemas.openxmlformats.org/officeDocument/2006/relationships" xmlns:p="http://schemas.openxmlformats.org/presentationml/2006/main" type="title">
   <p:cSld name="제목 슬라이드">
-    <p:bg>
-      <p:bgPr>
-        <a:solidFill>
-          <a:srgbClr val="262626"/>
-        </a:solidFill>
-      </p:bgPr>
-    </p:bg>
     <p:spTree>
       <p:nvGrpSpPr>
         <p:cNvPr id="1" name=""/>
@@ -5513,8 +5506,8 @@
 <p:sldMaster xmlns:a="http://schemas.openxmlformats.org/drawingml/2006/main" xmlns:r="http://schemas.openxmlformats.org/officeDocument/2006/relationships" xmlns:p="http://schemas.openxmlformats.org/presentationml/2006/main">
   <p:cSld>
     <p:bg>
-      <p:bgRef idx="1001">
-        <a:schemeClr val="bg1"/>
+      <p:bgRef idx="1002">
+        <a:schemeClr val="bg2"/>
       </p:bgRef>
     </p:bg>
     <p:spTree>
@@ -5826,18 +5819,18 @@
       </p:sp>
     </p:spTree>
   </p:cSld>
-  <p:clrMap bg1="lt1" tx1="dk1" bg2="lt2" tx2="dk2" accent1="accent1" accent2="accent2" accent3="accent3" accent4="accent4" accent5="accent5" accent6="accent6" hlink="hlink" folHlink="folHlink"/>
+  <p:clrMap bg1="dk1" tx1="lt1" bg2="dk2" tx2="lt2" accent1="accent1" accent2="accent2" accent3="accent3" accent4="accent4" accent5="accent5" accent6="accent6" hlink="hlink" folHlink="folHlink"/>
   <p:sldLayoutIdLst>
-    <p:sldLayoutId id="2147486031" r:id="rId1"/>
-    <p:sldLayoutId id="2147486032" r:id="rId2"/>
-    <p:sldLayoutId id="2147486033" r:id="rId3"/>
-    <p:sldLayoutId id="2147486034" r:id="rId4"/>
-    <p:sldLayoutId id="2147486035" r:id="rId5"/>
-    <p:sldLayoutId id="2147486036" r:id="rId6"/>
-    <p:sldLayoutId id="2147486037" r:id="rId7"/>
-    <p:sldLayoutId id="2147486038" r:id="rId8"/>
-    <p:sldLayoutId id="2147486039" r:id="rId9"/>
-    <p:sldLayoutId id="2147486040" r:id="rId10"/>
+    <p:sldLayoutId id="2147486054" r:id="rId1"/>
+    <p:sldLayoutId id="2147486055" r:id="rId2"/>
+    <p:sldLayoutId id="2147486056" r:id="rId3"/>
+    <p:sldLayoutId id="2147486057" r:id="rId4"/>
+    <p:sldLayoutId id="2147486058" r:id="rId5"/>
+    <p:sldLayoutId id="2147486059" r:id="rId6"/>
+    <p:sldLayoutId id="2147486060" r:id="rId7"/>
+    <p:sldLayoutId id="2147486061" r:id="rId8"/>
+    <p:sldLayoutId id="2147486062" r:id="rId9"/>
+    <p:sldLayoutId id="2147486063" r:id="rId10"/>
   </p:sldLayoutIdLst>
   <mc:AlternateContent xmlns:mc="http://schemas.openxmlformats.org/markup-compatibility/2006">
     <mc:Choice xmlns:p14="http://schemas.microsoft.com/office/powerpoint/2010/main" Requires="p14">
@@ -5958,7 +5951,7 @@
         <p:spPr>
           <a:xfrm rot="0">
             <a:off x="4943475" y="346075"/>
-            <a:ext cx="2305685" cy="478155"/>
+            <a:ext cx="2306320" cy="478790"/>
           </a:xfrm>
           <a:prstGeom prst="rect"/>
           <a:noFill/>
@@ -5985,7 +5978,47 @@
                 <a:latin typeface="나눔바른고딕" charset="0"/>
                 <a:ea typeface="나눔바른고딕" charset="0"/>
               </a:rPr>
-              <a:t>첫 번째 튜토리얼</a:t>
+              <a:t>첫</a:t>
+            </a:r>
+            <a:r>
+              <a:rPr lang="ko-KR" altLang="en-US" sz="2500" b="1">
+                <a:solidFill>
+                  <a:schemeClr val="tx1"/>
+                </a:solidFill>
+                <a:latin typeface="나눔바른고딕" charset="0"/>
+                <a:ea typeface="나눔바른고딕" charset="0"/>
+              </a:rPr>
+              <a:t> </a:t>
+            </a:r>
+            <a:r>
+              <a:rPr lang="ko-KR" altLang="en-US" sz="2500" b="1">
+                <a:solidFill>
+                  <a:schemeClr val="tx1"/>
+                </a:solidFill>
+                <a:latin typeface="나눔바른고딕" charset="0"/>
+                <a:ea typeface="나눔바른고딕" charset="0"/>
+              </a:rPr>
+              <a:t>번째</a:t>
+            </a:r>
+            <a:r>
+              <a:rPr lang="ko-KR" altLang="en-US" sz="2500" b="1">
+                <a:solidFill>
+                  <a:schemeClr val="tx1"/>
+                </a:solidFill>
+                <a:latin typeface="나눔바른고딕" charset="0"/>
+                <a:ea typeface="나눔바른고딕" charset="0"/>
+              </a:rPr>
+              <a:t> </a:t>
+            </a:r>
+            <a:r>
+              <a:rPr lang="ko-KR" altLang="en-US" sz="2500" b="1">
+                <a:solidFill>
+                  <a:schemeClr val="tx1"/>
+                </a:solidFill>
+                <a:latin typeface="나눔바른고딕" charset="0"/>
+                <a:ea typeface="나눔바른고딕" charset="0"/>
+              </a:rPr>
+              <a:t>튜토리얼</a:t>
             </a:r>
             <a:endParaRPr lang="ko-KR" altLang="en-US" sz="2500" b="1">
               <a:solidFill>
@@ -6006,9 +6039,9 @@
           <p:nvPr/>
         </p:nvSpPr>
         <p:spPr>
-          <a:xfrm>
+          <a:xfrm rot="0">
             <a:off x="1086485" y="3433445"/>
-            <a:ext cx="4239260" cy="647065"/>
+            <a:ext cx="4239895" cy="647700"/>
           </a:xfrm>
           <a:prstGeom prst="rect"/>
           <a:noFill/>
@@ -6185,7 +6218,7 @@
         <p:spPr>
           <a:xfrm rot="0">
             <a:off x="3022600" y="4521835"/>
-            <a:ext cx="360680" cy="279400"/>
+            <a:ext cx="361315" cy="280035"/>
           </a:xfrm>
           <a:prstGeom prst="notchedRightArrow"/>
           <a:scene3d>
@@ -6270,9 +6303,9 @@
           <p:nvPr/>
         </p:nvSpPr>
         <p:spPr>
-          <a:xfrm>
+          <a:xfrm rot="0">
             <a:off x="1082040" y="5267325"/>
-            <a:ext cx="4234180" cy="1200785"/>
+            <a:ext cx="4234815" cy="1201420"/>
           </a:xfrm>
           <a:prstGeom prst="rect"/>
           <a:noFill/>
@@ -6299,206 +6332,21 @@
                 <a:latin typeface="맑은 고딕" charset="0"/>
                 <a:ea typeface="맑은 고딕" charset="0"/>
               </a:rPr>
-              <a:t>2</a:t>
-            </a:r>
-            <a:r>
-              <a:rPr sz="1800" b="1">
-                <a:solidFill>
-                  <a:srgbClr val="0611F2"/>
-                </a:solidFill>
-                <a:latin typeface="맑은 고딕" charset="0"/>
-                <a:ea typeface="맑은 고딕" charset="0"/>
-              </a:rPr>
-              <a:t>.</a:t>
+              <a:t>2.</a:t>
             </a:r>
             <a:r>
               <a:rPr sz="1800">
                 <a:latin typeface="맑은 고딕" charset="0"/>
                 <a:ea typeface="맑은 고딕" charset="0"/>
               </a:rPr>
-              <a:t> </a:t>
-            </a:r>
-            <a:r>
-              <a:rPr sz="1800">
-                <a:latin typeface="맑은 고딕" charset="0"/>
-                <a:ea typeface="맑은 고딕" charset="0"/>
-              </a:rPr>
-              <a:t>그리</a:t>
+              <a:t> 그리</a:t>
             </a:r>
             <a:r>
               <a:rPr lang="ko-KR" sz="1800">
                 <a:latin typeface="맑은 고딕" charset="0"/>
                 <a:ea typeface="맑은 고딕" charset="0"/>
               </a:rPr>
-              <a:t>고</a:t>
-            </a:r>
-            <a:r>
-              <a:rPr lang="ko-KR" sz="1800">
-                <a:latin typeface="맑은 고딕" charset="0"/>
-                <a:ea typeface="맑은 고딕" charset="0"/>
-              </a:rPr>
-              <a:t> </a:t>
-            </a:r>
-            <a:r>
-              <a:rPr lang="ko-KR" sz="1800">
-                <a:latin typeface="맑은 고딕" charset="0"/>
-                <a:ea typeface="맑은 고딕" charset="0"/>
-              </a:rPr>
-              <a:t>Character라는</a:t>
-            </a:r>
-            <a:r>
-              <a:rPr lang="ko-KR" sz="1800">
-                <a:latin typeface="맑은 고딕" charset="0"/>
-                <a:ea typeface="맑은 고딕" charset="0"/>
-              </a:rPr>
-              <a:t> </a:t>
-            </a:r>
-            <a:r>
-              <a:rPr lang="ko-KR" sz="1800">
-                <a:latin typeface="맑은 고딕" charset="0"/>
-                <a:ea typeface="맑은 고딕" charset="0"/>
-              </a:rPr>
-              <a:t>이름으로</a:t>
-            </a:r>
-            <a:r>
-              <a:rPr lang="ko-KR" sz="1800">
-                <a:latin typeface="맑은 고딕" charset="0"/>
-                <a:ea typeface="맑은 고딕" charset="0"/>
-              </a:rPr>
-              <a:t> </a:t>
-            </a:r>
-            <a:r>
-              <a:rPr lang="ko-KR" sz="1800">
-                <a:latin typeface="맑은 고딕" charset="0"/>
-                <a:ea typeface="맑은 고딕" charset="0"/>
-              </a:rPr>
-              <a:t>변경한</a:t>
-            </a:r>
-            <a:r>
-              <a:rPr lang="ko-KR" sz="1800">
-                <a:latin typeface="맑은 고딕" charset="0"/>
-                <a:ea typeface="맑은 고딕" charset="0"/>
-              </a:rPr>
-              <a:t> </a:t>
-            </a:r>
-            <a:r>
-              <a:rPr lang="ko-KR" sz="1800">
-                <a:latin typeface="맑은 고딕" charset="0"/>
-                <a:ea typeface="맑은 고딕" charset="0"/>
-              </a:rPr>
-              <a:t>다음</a:t>
-            </a:r>
-            <a:r>
-              <a:rPr lang="ko-KR" sz="1800">
-                <a:latin typeface="맑은 고딕" charset="0"/>
-                <a:ea typeface="맑은 고딕" charset="0"/>
-              </a:rPr>
-              <a:t> </a:t>
-            </a:r>
-            <a:r>
-              <a:rPr lang="ko-KR" sz="1800">
-                <a:latin typeface="맑은 고딕" charset="0"/>
-                <a:ea typeface="맑은 고딕" charset="0"/>
-              </a:rPr>
-              <a:t>Main</a:t>
-            </a:r>
-            <a:r>
-              <a:rPr lang="ko-KR" sz="1800">
-                <a:latin typeface="맑은 고딕" charset="0"/>
-                <a:ea typeface="맑은 고딕" charset="0"/>
-              </a:rPr>
-              <a:t> </a:t>
-            </a:r>
-            <a:r>
-              <a:rPr lang="ko-KR" sz="1800">
-                <a:latin typeface="맑은 고딕" charset="0"/>
-                <a:ea typeface="맑은 고딕" charset="0"/>
-              </a:rPr>
-              <a:t>Camera</a:t>
-            </a:r>
-            <a:r>
-              <a:rPr lang="ko-KR" sz="1800">
-                <a:latin typeface="맑은 고딕" charset="0"/>
-                <a:ea typeface="맑은 고딕" charset="0"/>
-              </a:rPr>
-              <a:t> </a:t>
-            </a:r>
-            <a:r>
-              <a:rPr lang="ko-KR" sz="1800">
-                <a:latin typeface="맑은 고딕" charset="0"/>
-                <a:ea typeface="맑은 고딕" charset="0"/>
-              </a:rPr>
-              <a:t>오브젝트를</a:t>
-            </a:r>
-            <a:r>
-              <a:rPr lang="ko-KR" sz="1800">
-                <a:latin typeface="맑은 고딕" charset="0"/>
-                <a:ea typeface="맑은 고딕" charset="0"/>
-              </a:rPr>
-              <a:t> </a:t>
-            </a:r>
-            <a:r>
-              <a:rPr lang="ko-KR" sz="1800">
-                <a:latin typeface="맑은 고딕" charset="0"/>
-                <a:ea typeface="맑은 고딕" charset="0"/>
-              </a:rPr>
-              <a:t>Character</a:t>
-            </a:r>
-            <a:r>
-              <a:rPr lang="ko-KR" sz="1800">
-                <a:latin typeface="맑은 고딕" charset="0"/>
-                <a:ea typeface="맑은 고딕" charset="0"/>
-              </a:rPr>
-              <a:t> </a:t>
-            </a:r>
-            <a:r>
-              <a:rPr lang="ko-KR" sz="1800">
-                <a:latin typeface="맑은 고딕" charset="0"/>
-                <a:ea typeface="맑은 고딕" charset="0"/>
-              </a:rPr>
-              <a:t>오브젝트의</a:t>
-            </a:r>
-            <a:r>
-              <a:rPr lang="ko-KR" sz="1800">
-                <a:latin typeface="맑은 고딕" charset="0"/>
-                <a:ea typeface="맑은 고딕" charset="0"/>
-              </a:rPr>
-              <a:t> </a:t>
-            </a:r>
-            <a:r>
-              <a:rPr lang="ko-KR" sz="1800">
-                <a:latin typeface="맑은 고딕" charset="0"/>
-                <a:ea typeface="맑은 고딕" charset="0"/>
-              </a:rPr>
-              <a:t>하위</a:t>
-            </a:r>
-            <a:r>
-              <a:rPr lang="ko-KR" sz="1800">
-                <a:latin typeface="맑은 고딕" charset="0"/>
-                <a:ea typeface="맑은 고딕" charset="0"/>
-              </a:rPr>
-              <a:t> </a:t>
-            </a:r>
-            <a:r>
-              <a:rPr lang="ko-KR" sz="1800">
-                <a:latin typeface="맑은 고딕" charset="0"/>
-                <a:ea typeface="맑은 고딕" charset="0"/>
-              </a:rPr>
-              <a:t>오브젝트로</a:t>
-            </a:r>
-            <a:r>
-              <a:rPr lang="ko-KR" sz="1800">
-                <a:latin typeface="맑은 고딕" charset="0"/>
-                <a:ea typeface="맑은 고딕" charset="0"/>
-              </a:rPr>
-              <a:t> </a:t>
-            </a:r>
-            <a:r>
-              <a:rPr lang="ko-KR" sz="1800">
-                <a:latin typeface="맑은 고딕" charset="0"/>
-                <a:ea typeface="맑은 고딕" charset="0"/>
-              </a:rPr>
-              <a:t>설정합니다.</a:t>
+              <a:t>고 Character라는 이름으로 변경한 다음 Main Camera 오브젝트를 Character 오브젝트의 하위 오브젝트로 설정합니다.</a:t>
             </a:r>
             <a:endParaRPr lang="ko-KR" altLang="en-US" sz="1800">
               <a:latin typeface="맑은 고딕" charset="0"/>
@@ -6516,9 +6364,9 @@
           <p:nvPr/>
         </p:nvSpPr>
         <p:spPr>
-          <a:xfrm>
+          <a:xfrm rot="0">
             <a:off x="6821170" y="2252980"/>
-            <a:ext cx="4234180" cy="923925"/>
+            <a:ext cx="4234815" cy="924560"/>
           </a:xfrm>
           <a:prstGeom prst="rect"/>
           <a:noFill/>
@@ -6545,31 +6393,14 @@
                 <a:latin typeface="맑은 고딕" charset="0"/>
                 <a:ea typeface="맑은 고딕" charset="0"/>
               </a:rPr>
-              <a:t>3</a:t>
-            </a:r>
-            <a:r>
-              <a:rPr sz="1800" b="1">
-                <a:solidFill>
-                  <a:srgbClr val="0611F2"/>
-                </a:solidFill>
-                <a:latin typeface="맑은 고딕" charset="0"/>
-                <a:ea typeface="맑은 고딕" charset="0"/>
-              </a:rPr>
-              <a:t>.</a:t>
+              <a:t>3.</a:t>
             </a:r>
             <a:r>
               <a:rPr sz="1800">
                 <a:latin typeface="맑은 고딕" charset="0"/>
                 <a:ea typeface="맑은 고딕" charset="0"/>
               </a:rPr>
-              <a:t> </a:t>
-            </a:r>
-            <a:r>
-              <a:rPr sz="1800">
-                <a:latin typeface="맑은 고딕" charset="0"/>
-                <a:ea typeface="맑은 고딕" charset="0"/>
-              </a:rPr>
-              <a:t>그</a:t>
+              <a:t> 그</a:t>
             </a:r>
             <a:r>
               <a:rPr lang="ko-KR" sz="1800">
@@ -6625,12 +6456,11 @@
         <p:spPr>
           <a:xfrm rot="0">
             <a:off x="7519670" y="1714500"/>
-            <a:ext cx="739140" cy="114935"/>
+            <a:ext cx="739775" cy="115570"/>
           </a:xfrm>
           <a:prstGeom prst="straightConnector1"/>
           <a:ln w="6350" cap="flat" cmpd="sng">
             <a:prstDash/>
-            <a:headEnd type="none" w="med" len="med"/>
             <a:tailEnd type="triangle" w="med" len="med"/>
           </a:ln>
         </p:spPr>
@@ -6718,9 +6548,9 @@
           <p:nvPr/>
         </p:nvSpPr>
         <p:spPr>
-          <a:xfrm>
+          <a:xfrm rot="0">
             <a:off x="6826250" y="5106035"/>
-            <a:ext cx="4234180" cy="923925"/>
+            <a:ext cx="4234815" cy="924560"/>
           </a:xfrm>
           <a:prstGeom prst="rect"/>
           <a:noFill/>
@@ -6747,17 +6577,7 @@
                 <a:latin typeface="맑은 고딕" charset="0"/>
                 <a:ea typeface="맑은 고딕" charset="0"/>
               </a:rPr>
-              <a:t>4</a:t>
-            </a:r>
-            <a:r>
-              <a:rPr sz="1800" b="1">
-                <a:solidFill>
-                  <a:srgbClr val="0611F2"/>
-                </a:solidFill>
-                <a:latin typeface="맑은 고딕" charset="0"/>
-                <a:ea typeface="맑은 고딕" charset="0"/>
-              </a:rPr>
-              <a:t>.</a:t>
+              <a:t>4.</a:t>
             </a:r>
             <a:r>
               <a:rPr sz="1800">
@@ -6831,7 +6651,7 @@
         <p:spPr>
           <a:xfrm rot="0">
             <a:off x="4943475" y="346075"/>
-            <a:ext cx="2305685" cy="478155"/>
+            <a:ext cx="2306320" cy="478790"/>
           </a:xfrm>
           <a:prstGeom prst="rect"/>
           <a:noFill/>
@@ -6879,9 +6699,9 @@
           <p:nvPr/>
         </p:nvSpPr>
         <p:spPr>
-          <a:xfrm>
+          <a:xfrm rot="0">
             <a:off x="1191260" y="2328545"/>
-            <a:ext cx="4163060" cy="1200785"/>
+            <a:ext cx="4163695" cy="1201420"/>
           </a:xfrm>
           <a:prstGeom prst="rect"/>
           <a:noFill/>
@@ -6908,17 +6728,7 @@
                 <a:latin typeface="맑은 고딕" charset="0"/>
                 <a:ea typeface="맑은 고딕" charset="0"/>
               </a:rPr>
-              <a:t>5</a:t>
-            </a:r>
-            <a:r>
-              <a:rPr sz="1800" b="1">
-                <a:solidFill>
-                  <a:srgbClr val="0611F2"/>
-                </a:solidFill>
-                <a:latin typeface="맑은 고딕" charset="0"/>
-                <a:ea typeface="맑은 고딕" charset="0"/>
-              </a:rPr>
-              <a:t>.</a:t>
+              <a:t>5.</a:t>
             </a:r>
             <a:r>
               <a:rPr sz="1800">
@@ -7017,17 +6827,17 @@
       </p:pic>
       <p:pic>
         <p:nvPicPr>
-          <p:cNvPr id="1182" name="그림 88"/>
+          <p:cNvPr id="1182" name="그림 88" descr="C:/Users/Admin1/AppData/Roaming/PolarisOffice/ETemp/8788_22017440/fImage31782965705.png"/>
           <p:cNvPicPr>
             <a:picLocks noChangeAspect="1"/>
           </p:cNvPicPr>
           <p:nvPr/>
         </p:nvPicPr>
         <p:blipFill rotWithShape="1">
-          <a:blip r:embed="rId4" cstate="print">
+          <a:blip r:embed="rId4" cstate="hqprint">
             <a:extLst>
               <a:ext uri="{28A0092B-C50C-407E-A947-70E740481C1C}">
-                <a14:useLocalDpi xmlns:a14="http://schemas.microsoft.com/office/drawing/2010/main" val="0"/>
+                <a14:useLocalDpi xmlns:a14="http://schemas.microsoft.com/office/drawing/2010/main"/>
               </a:ext>
             </a:extLst>
           </a:blip>
@@ -7038,10 +6848,12 @@
         <p:spPr>
           <a:xfrm rot="0">
             <a:off x="1190625" y="3642995"/>
-            <a:ext cx="4153535" cy="1115060"/>
-          </a:xfrm>
-          <a:prstGeom prst="rect"/>
-          <a:noFill/>
+            <a:ext cx="4154170" cy="1115695"/>
+          </a:xfrm>
+          <a:prstGeom prst="roundRect"/>
+          <a:solidFill>
+            <a:srgbClr val="EDEDED"/>
+          </a:solidFill>
         </p:spPr>
       </p:pic>
       <p:sp>
@@ -7054,8 +6866,8 @@
         </p:nvSpPr>
         <p:spPr>
           <a:xfrm rot="0">
-            <a:off x="1186815" y="4905375"/>
-            <a:ext cx="4175760" cy="1200785"/>
+            <a:off x="1186815" y="4888865"/>
+            <a:ext cx="4176395" cy="1201420"/>
           </a:xfrm>
           <a:prstGeom prst="rect"/>
           <a:noFill/>
@@ -7082,17 +6894,7 @@
                 <a:latin typeface="맑은 고딕" charset="0"/>
                 <a:ea typeface="맑은 고딕" charset="0"/>
               </a:rPr>
-              <a:t>6</a:t>
-            </a:r>
-            <a:r>
-              <a:rPr sz="1800" b="1">
-                <a:solidFill>
-                  <a:srgbClr val="0611F2"/>
-                </a:solidFill>
-                <a:latin typeface="맑은 고딕" charset="0"/>
-                <a:ea typeface="맑은 고딕" charset="0"/>
-              </a:rPr>
-              <a:t>.</a:t>
+              <a:t>6.</a:t>
             </a:r>
             <a:r>
               <a:rPr sz="1800">
@@ -7124,9 +6926,9 @@
           <p:nvPr/>
         </p:nvSpPr>
         <p:spPr>
-          <a:xfrm>
+          <a:xfrm rot="0">
             <a:off x="6821170" y="3805555"/>
-            <a:ext cx="4543425" cy="2031365"/>
+            <a:ext cx="4544060" cy="2032000"/>
           </a:xfrm>
           <a:prstGeom prst="rect"/>
           <a:noFill/>
@@ -7153,17 +6955,7 @@
                 <a:latin typeface="맑은 고딕" charset="0"/>
                 <a:ea typeface="맑은 고딕" charset="0"/>
               </a:rPr>
-              <a:t>7</a:t>
-            </a:r>
-            <a:r>
-              <a:rPr sz="1800" b="1">
-                <a:solidFill>
-                  <a:srgbClr val="0611F2"/>
-                </a:solidFill>
-                <a:latin typeface="맑은 고딕" charset="0"/>
-                <a:ea typeface="맑은 고딕" charset="0"/>
-              </a:rPr>
-              <a:t>.</a:t>
+              <a:t>7.</a:t>
             </a:r>
             <a:r>
               <a:rPr sz="1800">
@@ -7264,7 +7056,7 @@
         <p:spPr>
           <a:xfrm rot="0">
             <a:off x="4943475" y="346075"/>
-            <a:ext cx="2305685" cy="478155"/>
+            <a:ext cx="2306320" cy="478155"/>
           </a:xfrm>
           <a:prstGeom prst="rect"/>
           <a:noFill/>
@@ -7314,7 +7106,7 @@
         <p:spPr>
           <a:xfrm rot="0">
             <a:off x="1247140" y="2819400"/>
-            <a:ext cx="4154805" cy="923925"/>
+            <a:ext cx="4155440" cy="924560"/>
           </a:xfrm>
           <a:prstGeom prst="rect"/>
           <a:noFill/>
@@ -7341,17 +7133,7 @@
                 <a:latin typeface="맑은 고딕" charset="0"/>
                 <a:ea typeface="맑은 고딕" charset="0"/>
               </a:rPr>
-              <a:t>8</a:t>
-            </a:r>
-            <a:r>
-              <a:rPr sz="1800" b="1">
-                <a:solidFill>
-                  <a:srgbClr val="0611F2"/>
-                </a:solidFill>
-                <a:latin typeface="맑은 고딕" charset="0"/>
-                <a:ea typeface="맑은 고딕" charset="0"/>
-              </a:rPr>
-              <a:t>.</a:t>
+              <a:t>8.</a:t>
             </a:r>
             <a:r>
               <a:rPr sz="1800">
@@ -7407,7 +7189,7 @@
       </p:pic>
       <p:pic>
         <p:nvPicPr>
-          <p:cNvPr id="1186" name="그림 94" descr="C:/Users/Admin1/AppData/Roaming/PolarisOffice/ETemp/35704_22654688/fImage124133103281.png"/>
+          <p:cNvPr id="1186" name="그림 94"/>
           <p:cNvPicPr>
             <a:picLocks noChangeAspect="1"/>
           </p:cNvPicPr>
@@ -7438,7 +7220,7 @@
       </p:pic>
       <p:pic>
         <p:nvPicPr>
-          <p:cNvPr id="1187" name="그림 98" descr="C:/Users/Admin1/AppData/Roaming/PolarisOffice/ETemp/35704_22654688/fImage79473126827.png"/>
+          <p:cNvPr id="1187" name="그림 98"/>
           <p:cNvPicPr>
             <a:picLocks noChangeAspect="1"/>
           </p:cNvPicPr>
@@ -7507,7 +7289,7 @@
         <p:spPr>
           <a:xfrm rot="0" flipH="1" flipV="1">
             <a:off x="2311400" y="4389120"/>
-            <a:ext cx="1833245" cy="138430"/>
+            <a:ext cx="1833880" cy="139065"/>
           </a:xfrm>
           <a:prstGeom prst="straightConnector1"/>
           <a:ln w="6350" cap="flat" cmpd="sng">
@@ -7539,7 +7321,7 @@
         <p:spPr>
           <a:xfrm rot="0" flipH="1">
             <a:off x="2710180" y="4526280"/>
-            <a:ext cx="1434465" cy="328930"/>
+            <a:ext cx="1435100" cy="329565"/>
           </a:xfrm>
           <a:prstGeom prst="straightConnector1"/>
           <a:ln w="6350" cap="flat" cmpd="sng">
@@ -7573,7 +7355,7 @@
         <p:spPr>
           <a:xfrm rot="0">
             <a:off x="1238885" y="5310505"/>
-            <a:ext cx="4168140" cy="923925"/>
+            <a:ext cx="4168775" cy="924560"/>
           </a:xfrm>
           <a:prstGeom prst="rect"/>
           <a:noFill/>
@@ -7600,17 +7382,7 @@
                 <a:latin typeface="맑은 고딕" charset="0"/>
                 <a:ea typeface="맑은 고딕" charset="0"/>
               </a:rPr>
-              <a:t>9</a:t>
-            </a:r>
-            <a:r>
-              <a:rPr sz="1800" b="1">
-                <a:solidFill>
-                  <a:srgbClr val="0611F2"/>
-                </a:solidFill>
-                <a:latin typeface="맑은 고딕" charset="0"/>
-                <a:ea typeface="맑은 고딕" charset="0"/>
-              </a:rPr>
-              <a:t>.</a:t>
+              <a:t>9.</a:t>
             </a:r>
             <a:r>
               <a:rPr sz="1800">
@@ -7675,7 +7447,7 @@
         <p:spPr>
           <a:xfrm rot="0">
             <a:off x="6854825" y="5077460"/>
-            <a:ext cx="4214495" cy="923925"/>
+            <a:ext cx="4426585" cy="647065"/>
           </a:xfrm>
           <a:prstGeom prst="rect"/>
           <a:noFill/>
@@ -7702,27 +7474,7 @@
                 <a:latin typeface="맑은 고딕" charset="0"/>
                 <a:ea typeface="맑은 고딕" charset="0"/>
               </a:rPr>
-              <a:t>1</a:t>
-            </a:r>
-            <a:r>
-              <a:rPr sz="1800" b="1">
-                <a:solidFill>
-                  <a:srgbClr val="0611F2"/>
-                </a:solidFill>
-                <a:latin typeface="맑은 고딕" charset="0"/>
-                <a:ea typeface="맑은 고딕" charset="0"/>
-              </a:rPr>
-              <a:t>0</a:t>
-            </a:r>
-            <a:r>
-              <a:rPr sz="1800" b="1">
-                <a:solidFill>
-                  <a:srgbClr val="0611F2"/>
-                </a:solidFill>
-                <a:latin typeface="맑은 고딕" charset="0"/>
-                <a:ea typeface="맑은 고딕" charset="0"/>
-              </a:rPr>
-              <a:t>.</a:t>
+              <a:t>10.</a:t>
             </a:r>
             <a:r>
               <a:rPr sz="1800">
@@ -7804,12 +7556,11 @@
         <p:spPr>
           <a:xfrm rot="0">
             <a:off x="8886825" y="4467225"/>
-            <a:ext cx="524510" cy="635"/>
+            <a:ext cx="525145" cy="1270"/>
           </a:xfrm>
           <a:prstGeom prst="straightConnector1"/>
           <a:ln w="6350" cap="flat" cmpd="sng">
             <a:prstDash/>
-            <a:headEnd type="none" w="med" len="med"/>
             <a:tailEnd type="triangle" w="med" len="med"/>
           </a:ln>
         </p:spPr>
@@ -7839,7 +7590,7 @@
         <p:spPr>
           <a:xfrm rot="0" flipH="1">
             <a:off x="2677160" y="4526915"/>
-            <a:ext cx="1466850" cy="104140"/>
+            <a:ext cx="1467485" cy="104775"/>
           </a:xfrm>
           <a:prstGeom prst="straightConnector1"/>
           <a:ln w="6350" cap="flat" cmpd="sng">
@@ -7913,7 +7664,7 @@
         <p:spPr>
           <a:xfrm rot="0">
             <a:off x="4943475" y="346075"/>
-            <a:ext cx="2305685" cy="478155"/>
+            <a:ext cx="2306320" cy="478155"/>
           </a:xfrm>
           <a:prstGeom prst="rect"/>
           <a:noFill/>
@@ -7962,8 +7713,8 @@
         </p:nvSpPr>
         <p:spPr>
           <a:xfrm rot="0">
-            <a:off x="1072515" y="5739130"/>
-            <a:ext cx="4281805" cy="923925"/>
+            <a:off x="1063625" y="5406390"/>
+            <a:ext cx="4282440" cy="924560"/>
           </a:xfrm>
           <a:prstGeom prst="rect"/>
           <a:noFill/>
@@ -7990,27 +7741,7 @@
                 <a:latin typeface="맑은 고딕" charset="0"/>
                 <a:ea typeface="맑은 고딕" charset="0"/>
               </a:rPr>
-              <a:t>1</a:t>
-            </a:r>
-            <a:r>
-              <a:rPr sz="1800" b="1">
-                <a:solidFill>
-                  <a:srgbClr val="0611F2"/>
-                </a:solidFill>
-                <a:latin typeface="맑은 고딕" charset="0"/>
-                <a:ea typeface="맑은 고딕" charset="0"/>
-              </a:rPr>
-              <a:t>2</a:t>
-            </a:r>
-            <a:r>
-              <a:rPr sz="1800" b="1">
-                <a:solidFill>
-                  <a:srgbClr val="0611F2"/>
-                </a:solidFill>
-                <a:latin typeface="맑은 고딕" charset="0"/>
-                <a:ea typeface="맑은 고딕" charset="0"/>
-              </a:rPr>
-              <a:t>.</a:t>
+              <a:t>12.</a:t>
             </a:r>
             <a:r>
               <a:rPr sz="1800">
@@ -8066,7 +7797,7 @@
       </p:pic>
       <p:pic>
         <p:nvPicPr>
-          <p:cNvPr id="1199" name="그림 127" descr="C:/Users/Admin1/AppData/Roaming/PolarisOffice/ETemp/35704_22654688/fImage243783454827.png"/>
+          <p:cNvPr id="1199" name="그림 127" descr="C:/Users/Admin1/AppData/Roaming/PolarisOffice/ETemp/8788_22017440/fImage243783454827.png"/>
           <p:cNvPicPr>
             <a:picLocks noChangeAspect="1"/>
           </p:cNvPicPr>
@@ -8086,8 +7817,8 @@
         </p:blipFill>
         <p:spPr>
           <a:xfrm rot="0">
-            <a:off x="1080770" y="3743325"/>
-            <a:ext cx="4273550" cy="1858645"/>
+            <a:off x="1072515" y="3519170"/>
+            <a:ext cx="4274185" cy="1769110"/>
           </a:xfrm>
           <a:prstGeom prst="rect"/>
           <a:noFill/>
@@ -8102,9 +7833,9 @@
           <p:nvPr/>
         </p:nvSpPr>
         <p:spPr>
-          <a:xfrm>
+          <a:xfrm rot="0">
             <a:off x="6788150" y="3572510"/>
-            <a:ext cx="4019550" cy="2308225"/>
+            <a:ext cx="4020185" cy="2308860"/>
           </a:xfrm>
           <a:prstGeom prst="rect"/>
           <a:noFill/>
@@ -8131,27 +7862,7 @@
                 <a:latin typeface="맑은 고딕" charset="0"/>
                 <a:ea typeface="맑은 고딕" charset="0"/>
               </a:rPr>
-              <a:t>1</a:t>
-            </a:r>
-            <a:r>
-              <a:rPr sz="1800" b="1">
-                <a:solidFill>
-                  <a:srgbClr val="0611F2"/>
-                </a:solidFill>
-                <a:latin typeface="맑은 고딕" charset="0"/>
-                <a:ea typeface="맑은 고딕" charset="0"/>
-              </a:rPr>
-              <a:t>3</a:t>
-            </a:r>
-            <a:r>
-              <a:rPr sz="1800" b="1">
-                <a:solidFill>
-                  <a:srgbClr val="0611F2"/>
-                </a:solidFill>
-                <a:latin typeface="맑은 고딕" charset="0"/>
-                <a:ea typeface="맑은 고딕" charset="0"/>
-              </a:rPr>
-              <a:t>.</a:t>
+              <a:t>13.</a:t>
             </a:r>
             <a:r>
               <a:rPr sz="1800">
@@ -8203,7 +7914,7 @@
       </p:sp>
       <p:pic>
         <p:nvPicPr>
-          <p:cNvPr id="1201" name="그림 129" descr="C:/Users/Admin1/AppData/Roaming/PolarisOffice/ETemp/35704_22654688/fImage60853475436.png"/>
+          <p:cNvPr id="1201" name="그림 129" descr="C:/Users/Admin1/AppData/Roaming/PolarisOffice/ETemp/8788_22017440/fImage60853475436.png"/>
           <p:cNvPicPr>
             <a:picLocks noChangeAspect="1"/>
           </p:cNvPicPr>
@@ -8224,10 +7935,12 @@
         <p:spPr>
           <a:xfrm rot="0">
             <a:off x="1072515" y="1419225"/>
-            <a:ext cx="4281805" cy="839470"/>
-          </a:xfrm>
-          <a:prstGeom prst="rect"/>
-          <a:noFill/>
+            <a:ext cx="4282440" cy="717550"/>
+          </a:xfrm>
+          <a:prstGeom prst="roundRect"/>
+          <a:solidFill>
+            <a:srgbClr val="EDEDED"/>
+          </a:solidFill>
         </p:spPr>
       </p:pic>
       <p:sp>
@@ -8240,8 +7953,8 @@
         </p:nvSpPr>
         <p:spPr>
           <a:xfrm rot="0">
-            <a:off x="1064260" y="2381885"/>
-            <a:ext cx="4276090" cy="1200785"/>
+            <a:off x="1072515" y="2223770"/>
+            <a:ext cx="4276725" cy="1201420"/>
           </a:xfrm>
           <a:prstGeom prst="rect"/>
           <a:noFill/>
@@ -8268,27 +7981,7 @@
                 <a:latin typeface="맑은 고딕" charset="0"/>
                 <a:ea typeface="맑은 고딕" charset="0"/>
               </a:rPr>
-              <a:t>1</a:t>
-            </a:r>
-            <a:r>
-              <a:rPr sz="1800" b="1">
-                <a:solidFill>
-                  <a:srgbClr val="0611F2"/>
-                </a:solidFill>
-                <a:latin typeface="맑은 고딕" charset="0"/>
-                <a:ea typeface="맑은 고딕" charset="0"/>
-              </a:rPr>
-              <a:t>1</a:t>
-            </a:r>
-            <a:r>
-              <a:rPr sz="1800" b="1">
-                <a:solidFill>
-                  <a:srgbClr val="0611F2"/>
-                </a:solidFill>
-                <a:latin typeface="맑은 고딕" charset="0"/>
-                <a:ea typeface="맑은 고딕" charset="0"/>
-              </a:rPr>
-              <a:t>.</a:t>
+              <a:t>11.</a:t>
             </a:r>
             <a:r>
               <a:rPr sz="1800">

--- a/Assets/Class/NavMesh Agent/PPT Data/NavMesh Example.pptx
+++ b/Assets/Class/NavMesh Agent/PPT Data/NavMesh Example.pptx
@@ -2,16 +2,24 @@
 <file path=ppt/presentation.xml><?xml version="1.0" encoding="utf-8"?>
 <p:presentation xmlns:a="http://schemas.openxmlformats.org/drawingml/2006/main" xmlns:r="http://schemas.openxmlformats.org/officeDocument/2006/relationships" xmlns:p="http://schemas.openxmlformats.org/presentationml/2006/main" xmlns:p14="http://schemas.microsoft.com/office/powerpoint/2010/main" saveSubsetFonts="1" firstSlideNum="0">
   <p:sldMasterIdLst>
-    <p:sldMasterId id="2147486064" r:id="rId12"/>
+    <p:sldMasterId id="2147486131" r:id="rId12"/>
   </p:sldMasterIdLst>
   <p:notesMasterIdLst>
     <p:notesMasterId r:id="rId14"/>
   </p:notesMasterIdLst>
   <p:sldIdLst>
-    <p:sldId id="287" r:id="rId16"/>
-    <p:sldId id="296" r:id="rId17"/>
-    <p:sldId id="297" r:id="rId18"/>
-    <p:sldId id="298" r:id="rId19"/>
+    <p:sldId id="299" r:id="rId16"/>
+    <p:sldId id="287" r:id="rId17"/>
+    <p:sldId id="300" r:id="rId18"/>
+    <p:sldId id="301" r:id="rId19"/>
+    <p:sldId id="303" r:id="rId20"/>
+    <p:sldId id="302" r:id="rId21"/>
+    <p:sldId id="298" r:id="rId22"/>
+    <p:sldId id="304" r:id="rId23"/>
+    <p:sldId id="305" r:id="rId24"/>
+    <p:sldId id="306" r:id="rId25"/>
+    <p:sldId id="307" r:id="rId26"/>
+    <p:sldId id="308" r:id="rId27"/>
   </p:sldIdLst>
   <p:sldSz cx="12192000" cy="6858000"/>
   <p:notesSz cx="6858000" cy="9144000"/>
@@ -500,7 +508,7 @@
         <p:spPr>
           <a:xfrm rot="0">
             <a:off x="685800" y="1143000"/>
-            <a:ext cx="5488940" cy="3088640"/>
+            <a:ext cx="5489575" cy="3089275"/>
           </a:xfrm>
           <a:prstGeom prst="rect"/>
           <a:noFill/>
@@ -539,7 +547,7 @@
         <p:spPr>
           <a:xfrm rot="0">
             <a:off x="685800" y="4400550"/>
-            <a:ext cx="5488940" cy="3602990"/>
+            <a:ext cx="5489575" cy="3603625"/>
           </a:xfrm>
           <a:prstGeom prst="rect"/>
         </p:spPr>
@@ -569,7 +577,433 @@
         <p:spPr>
           <a:xfrm rot="0">
             <a:off x="3884930" y="8685530"/>
-            <a:ext cx="2974340" cy="461010"/>
+            <a:ext cx="2974975" cy="461645"/>
+          </a:xfrm>
+          <a:prstGeom prst="rect"/>
+        </p:spPr>
+        <p:txBody>
+          <a:bodyPr wrap="square" lIns="91440" tIns="45720" rIns="91440" bIns="45720" numCol="1" vert="horz" anchor="b">
+            <a:noAutofit/>
+          </a:bodyPr>
+          <a:lstStyle>
+            <a:lvl1pPr marL="0" indent="0" algn="r" latinLnBrk="0">
+              <a:buFontTx/>
+              <a:buNone/>
+              <a:defRPr lang="en-GB" altLang="en-US" sz="1200"/>
+            </a:lvl1pPr>
+          </a:lstStyle>
+          <a:p>
+            <a:pPr marL="0" indent="0" latinLnBrk="0">
+              <a:buFontTx/>
+              <a:buNone/>
+            </a:pPr>
+            <a:fld id="{B9320F77-B9A0-41C5-862A-B4B631284C64}" type="slidenum">
+              <a:rPr lang="ko-KR" altLang="en-US"/>
+              <a:t>‹#›</a:t>
+            </a:fld>
+          </a:p>
+        </p:txBody>
+      </p:sp>
+    </p:spTree>
+  </p:cSld>
+  <p:clrMapOvr>
+    <a:masterClrMapping/>
+  </p:clrMapOvr>
+  <mc:AlternateContent xmlns:mc="http://schemas.openxmlformats.org/markup-compatibility/2006">
+    <mc:Choice xmlns:p14="http://schemas.microsoft.com/office/powerpoint/2010/main" Requires="p14">
+      <p:transition spd="slow" p14:dur="0"/>
+    </mc:Choice>
+    <mc:Fallback>
+      <p:transition spd="slow"/>
+    </mc:Fallback>
+  </mc:AlternateContent>
+</p:notes>
+</file>
+
+<file path=ppt/notesSlides/notesSlide10.xml><?xml version="1.0" encoding="utf-8"?>
+<p:notes xmlns:a="http://schemas.openxmlformats.org/drawingml/2006/main" xmlns:r="http://schemas.openxmlformats.org/officeDocument/2006/relationships" xmlns:p="http://schemas.openxmlformats.org/presentationml/2006/main">
+  <p:cSld>
+    <p:spTree>
+      <p:nvGrpSpPr>
+        <p:cNvPr id="1" name=""/>
+        <p:cNvGrpSpPr/>
+        <p:nvPr/>
+      </p:nvGrpSpPr>
+      <p:grpSpPr>
+        <a:xfrm>
+          <a:off x="0" y="0"/>
+          <a:ext cx="0" cy="0"/>
+          <a:chOff x="0" y="0"/>
+          <a:chExt cx="0" cy="0"/>
+        </a:xfrm>
+      </p:grpSpPr>
+      <p:sp>
+        <p:nvSpPr>
+          <p:cNvPr id="2" name="슬라이드 이미지 개체 틀 3"/>
+          <p:cNvSpPr>
+            <a:spLocks noChangeAspect="1"/>
+          </p:cNvSpPr>
+          <p:nvPr>
+            <p:ph type="sldImg" idx="2"/>
+          </p:nvPr>
+        </p:nvSpPr>
+        <p:spPr>
+          <a:xfrm rot="0">
+            <a:off x="685800" y="1143000"/>
+            <a:ext cx="5490210" cy="3089910"/>
+          </a:xfrm>
+          <a:prstGeom prst="rect"/>
+          <a:noFill/>
+          <a:ln w="12700" cap="flat" cmpd="sng">
+            <a:solidFill>
+              <a:srgbClr val="000000">
+                <a:alpha val="100000"/>
+              </a:srgbClr>
+            </a:solidFill>
+            <a:prstDash val="solid"/>
+          </a:ln>
+        </p:spPr>
+        <p:txBody>
+          <a:bodyPr wrap="square" lIns="91440" tIns="45720" rIns="91440" bIns="45720" numCol="1" vert="horz" anchor="ctr">
+            <a:noAutofit/>
+          </a:bodyPr>
+          <a:lstStyle/>
+          <a:p>
+            <a:pPr marL="0" indent="0" latinLnBrk="0">
+              <a:buFontTx/>
+              <a:buNone/>
+            </a:pPr>
+          </a:p>
+        </p:txBody>
+      </p:sp>
+      <p:sp>
+        <p:nvSpPr>
+          <p:cNvPr id="3" name="슬라이드 노트 개체 틀 4"/>
+          <p:cNvSpPr txBox="1">
+            <a:spLocks/>
+          </p:cNvSpPr>
+          <p:nvPr>
+            <p:ph type="body" idx="3"/>
+          </p:nvPr>
+        </p:nvSpPr>
+        <p:spPr>
+          <a:xfrm rot="0">
+            <a:off x="685800" y="4400550"/>
+            <a:ext cx="5490210" cy="3604260"/>
+          </a:xfrm>
+          <a:prstGeom prst="rect"/>
+        </p:spPr>
+        <p:txBody>
+          <a:bodyPr wrap="square" lIns="91440" tIns="45720" rIns="91440" bIns="45720" numCol="1" vert="horz" anchor="t">
+            <a:noAutofit/>
+          </a:bodyPr>
+          <a:lstStyle/>
+          <a:p>
+            <a:pPr marL="0" indent="0" latinLnBrk="0">
+              <a:buFontTx/>
+              <a:buNone/>
+            </a:pPr>
+          </a:p>
+        </p:txBody>
+      </p:sp>
+      <p:sp>
+        <p:nvSpPr>
+          <p:cNvPr id="4" name="슬라이드 번호 개체 틀 6"/>
+          <p:cNvSpPr txBox="1">
+            <a:spLocks/>
+          </p:cNvSpPr>
+          <p:nvPr>
+            <p:ph type="sldNum" idx="5"/>
+          </p:nvPr>
+        </p:nvSpPr>
+        <p:spPr>
+          <a:xfrm rot="0">
+            <a:off x="3884930" y="8685530"/>
+            <a:ext cx="2975610" cy="462280"/>
+          </a:xfrm>
+          <a:prstGeom prst="rect"/>
+        </p:spPr>
+        <p:txBody>
+          <a:bodyPr wrap="square" lIns="91440" tIns="45720" rIns="91440" bIns="45720" numCol="1" vert="horz" anchor="b">
+            <a:noAutofit/>
+          </a:bodyPr>
+          <a:lstStyle>
+            <a:lvl1pPr marL="0" indent="0" algn="r" latinLnBrk="0">
+              <a:buFontTx/>
+              <a:buNone/>
+              <a:defRPr lang="en-GB" altLang="en-US" sz="1200"/>
+            </a:lvl1pPr>
+          </a:lstStyle>
+          <a:p>
+            <a:pPr marL="0" indent="0" latinLnBrk="0">
+              <a:buFontTx/>
+              <a:buNone/>
+            </a:pPr>
+            <a:fld id="{B9320F77-B9A0-41C5-862A-B4B631284C64}" type="slidenum">
+              <a:rPr lang="ko-KR" altLang="en-US"/>
+              <a:t>‹#›</a:t>
+            </a:fld>
+          </a:p>
+        </p:txBody>
+      </p:sp>
+    </p:spTree>
+  </p:cSld>
+  <p:clrMapOvr>
+    <a:masterClrMapping/>
+  </p:clrMapOvr>
+  <mc:AlternateContent xmlns:mc="http://schemas.openxmlformats.org/markup-compatibility/2006">
+    <mc:Choice xmlns:p14="http://schemas.microsoft.com/office/powerpoint/2010/main" Requires="p14">
+      <p:transition spd="slow" p14:dur="0"/>
+    </mc:Choice>
+    <mc:Fallback>
+      <p:transition spd="slow"/>
+    </mc:Fallback>
+  </mc:AlternateContent>
+</p:notes>
+</file>
+
+<file path=ppt/notesSlides/notesSlide11.xml><?xml version="1.0" encoding="utf-8"?>
+<p:notes xmlns:a="http://schemas.openxmlformats.org/drawingml/2006/main" xmlns:r="http://schemas.openxmlformats.org/officeDocument/2006/relationships" xmlns:p="http://schemas.openxmlformats.org/presentationml/2006/main">
+  <p:cSld>
+    <p:spTree>
+      <p:nvGrpSpPr>
+        <p:cNvPr id="1" name=""/>
+        <p:cNvGrpSpPr/>
+        <p:nvPr/>
+      </p:nvGrpSpPr>
+      <p:grpSpPr>
+        <a:xfrm>
+          <a:off x="0" y="0"/>
+          <a:ext cx="0" cy="0"/>
+          <a:chOff x="0" y="0"/>
+          <a:chExt cx="0" cy="0"/>
+        </a:xfrm>
+      </p:grpSpPr>
+      <p:sp>
+        <p:nvSpPr>
+          <p:cNvPr id="2" name="슬라이드 이미지 개체 틀 3"/>
+          <p:cNvSpPr>
+            <a:spLocks noChangeAspect="1"/>
+          </p:cNvSpPr>
+          <p:nvPr>
+            <p:ph type="sldImg" idx="2"/>
+          </p:nvPr>
+        </p:nvSpPr>
+        <p:spPr>
+          <a:xfrm rot="0">
+            <a:off x="685800" y="1143000"/>
+            <a:ext cx="5490210" cy="3089910"/>
+          </a:xfrm>
+          <a:prstGeom prst="rect"/>
+          <a:noFill/>
+          <a:ln w="12700" cap="flat" cmpd="sng">
+            <a:solidFill>
+              <a:srgbClr val="000000">
+                <a:alpha val="100000"/>
+              </a:srgbClr>
+            </a:solidFill>
+            <a:prstDash val="solid"/>
+          </a:ln>
+        </p:spPr>
+        <p:txBody>
+          <a:bodyPr wrap="square" lIns="91440" tIns="45720" rIns="91440" bIns="45720" numCol="1" vert="horz" anchor="ctr">
+            <a:noAutofit/>
+          </a:bodyPr>
+          <a:lstStyle/>
+          <a:p>
+            <a:pPr marL="0" indent="0" latinLnBrk="0">
+              <a:buFontTx/>
+              <a:buNone/>
+            </a:pPr>
+          </a:p>
+        </p:txBody>
+      </p:sp>
+      <p:sp>
+        <p:nvSpPr>
+          <p:cNvPr id="3" name="슬라이드 노트 개체 틀 4"/>
+          <p:cNvSpPr txBox="1">
+            <a:spLocks/>
+          </p:cNvSpPr>
+          <p:nvPr>
+            <p:ph type="body" idx="3"/>
+          </p:nvPr>
+        </p:nvSpPr>
+        <p:spPr>
+          <a:xfrm rot="0">
+            <a:off x="685800" y="4400550"/>
+            <a:ext cx="5490210" cy="3604260"/>
+          </a:xfrm>
+          <a:prstGeom prst="rect"/>
+        </p:spPr>
+        <p:txBody>
+          <a:bodyPr wrap="square" lIns="91440" tIns="45720" rIns="91440" bIns="45720" numCol="1" vert="horz" anchor="t">
+            <a:noAutofit/>
+          </a:bodyPr>
+          <a:lstStyle/>
+          <a:p>
+            <a:pPr marL="0" indent="0" latinLnBrk="0">
+              <a:buFontTx/>
+              <a:buNone/>
+            </a:pPr>
+          </a:p>
+        </p:txBody>
+      </p:sp>
+      <p:sp>
+        <p:nvSpPr>
+          <p:cNvPr id="4" name="슬라이드 번호 개체 틀 6"/>
+          <p:cNvSpPr txBox="1">
+            <a:spLocks/>
+          </p:cNvSpPr>
+          <p:nvPr>
+            <p:ph type="sldNum" idx="5"/>
+          </p:nvPr>
+        </p:nvSpPr>
+        <p:spPr>
+          <a:xfrm rot="0">
+            <a:off x="3884930" y="8685530"/>
+            <a:ext cx="2975610" cy="462280"/>
+          </a:xfrm>
+          <a:prstGeom prst="rect"/>
+        </p:spPr>
+        <p:txBody>
+          <a:bodyPr wrap="square" lIns="91440" tIns="45720" rIns="91440" bIns="45720" numCol="1" vert="horz" anchor="b">
+            <a:noAutofit/>
+          </a:bodyPr>
+          <a:lstStyle>
+            <a:lvl1pPr marL="0" indent="0" algn="r" latinLnBrk="0">
+              <a:buFontTx/>
+              <a:buNone/>
+              <a:defRPr lang="en-GB" altLang="en-US" sz="1200"/>
+            </a:lvl1pPr>
+          </a:lstStyle>
+          <a:p>
+            <a:pPr marL="0" indent="0" latinLnBrk="0">
+              <a:buFontTx/>
+              <a:buNone/>
+            </a:pPr>
+            <a:fld id="{B9320F77-B9A0-41C5-862A-B4B631284C64}" type="slidenum">
+              <a:rPr lang="ko-KR" altLang="en-US"/>
+              <a:t>‹#›</a:t>
+            </a:fld>
+          </a:p>
+        </p:txBody>
+      </p:sp>
+    </p:spTree>
+  </p:cSld>
+  <p:clrMapOvr>
+    <a:masterClrMapping/>
+  </p:clrMapOvr>
+  <mc:AlternateContent xmlns:mc="http://schemas.openxmlformats.org/markup-compatibility/2006">
+    <mc:Choice xmlns:p14="http://schemas.microsoft.com/office/powerpoint/2010/main" Requires="p14">
+      <p:transition spd="slow" p14:dur="0"/>
+    </mc:Choice>
+    <mc:Fallback>
+      <p:transition spd="slow"/>
+    </mc:Fallback>
+  </mc:AlternateContent>
+</p:notes>
+</file>
+
+<file path=ppt/notesSlides/notesSlide12.xml><?xml version="1.0" encoding="utf-8"?>
+<p:notes xmlns:a="http://schemas.openxmlformats.org/drawingml/2006/main" xmlns:r="http://schemas.openxmlformats.org/officeDocument/2006/relationships" xmlns:p="http://schemas.openxmlformats.org/presentationml/2006/main">
+  <p:cSld>
+    <p:spTree>
+      <p:nvGrpSpPr>
+        <p:cNvPr id="1" name=""/>
+        <p:cNvGrpSpPr/>
+        <p:nvPr/>
+      </p:nvGrpSpPr>
+      <p:grpSpPr>
+        <a:xfrm>
+          <a:off x="0" y="0"/>
+          <a:ext cx="0" cy="0"/>
+          <a:chOff x="0" y="0"/>
+          <a:chExt cx="0" cy="0"/>
+        </a:xfrm>
+      </p:grpSpPr>
+      <p:sp>
+        <p:nvSpPr>
+          <p:cNvPr id="2" name="슬라이드 이미지 개체 틀 3"/>
+          <p:cNvSpPr>
+            <a:spLocks noChangeAspect="1"/>
+          </p:cNvSpPr>
+          <p:nvPr>
+            <p:ph type="sldImg" idx="2"/>
+          </p:nvPr>
+        </p:nvSpPr>
+        <p:spPr>
+          <a:xfrm rot="0">
+            <a:off x="685800" y="1143000"/>
+            <a:ext cx="5490210" cy="3089910"/>
+          </a:xfrm>
+          <a:prstGeom prst="rect"/>
+          <a:noFill/>
+          <a:ln w="12700" cap="flat" cmpd="sng">
+            <a:solidFill>
+              <a:srgbClr val="000000">
+                <a:alpha val="100000"/>
+              </a:srgbClr>
+            </a:solidFill>
+            <a:prstDash val="solid"/>
+          </a:ln>
+        </p:spPr>
+        <p:txBody>
+          <a:bodyPr wrap="square" lIns="91440" tIns="45720" rIns="91440" bIns="45720" numCol="1" vert="horz" anchor="ctr">
+            <a:noAutofit/>
+          </a:bodyPr>
+          <a:lstStyle/>
+          <a:p>
+            <a:pPr marL="0" indent="0" latinLnBrk="0">
+              <a:buFontTx/>
+              <a:buNone/>
+            </a:pPr>
+          </a:p>
+        </p:txBody>
+      </p:sp>
+      <p:sp>
+        <p:nvSpPr>
+          <p:cNvPr id="3" name="슬라이드 노트 개체 틀 4"/>
+          <p:cNvSpPr txBox="1">
+            <a:spLocks/>
+          </p:cNvSpPr>
+          <p:nvPr>
+            <p:ph type="body" idx="3"/>
+          </p:nvPr>
+        </p:nvSpPr>
+        <p:spPr>
+          <a:xfrm rot="0">
+            <a:off x="685800" y="4400550"/>
+            <a:ext cx="5490210" cy="3604260"/>
+          </a:xfrm>
+          <a:prstGeom prst="rect"/>
+        </p:spPr>
+        <p:txBody>
+          <a:bodyPr wrap="square" lIns="91440" tIns="45720" rIns="91440" bIns="45720" numCol="1" vert="horz" anchor="t">
+            <a:noAutofit/>
+          </a:bodyPr>
+          <a:lstStyle/>
+          <a:p>
+            <a:pPr marL="0" indent="0" latinLnBrk="0">
+              <a:buFontTx/>
+              <a:buNone/>
+            </a:pPr>
+          </a:p>
+        </p:txBody>
+      </p:sp>
+      <p:sp>
+        <p:nvSpPr>
+          <p:cNvPr id="4" name="슬라이드 번호 개체 틀 6"/>
+          <p:cNvSpPr txBox="1">
+            <a:spLocks/>
+          </p:cNvSpPr>
+          <p:nvPr>
+            <p:ph type="sldNum" idx="5"/>
+          </p:nvPr>
+        </p:nvSpPr>
+        <p:spPr>
+          <a:xfrm rot="0">
+            <a:off x="3884930" y="8685530"/>
+            <a:ext cx="2975610" cy="462280"/>
           </a:xfrm>
           <a:prstGeom prst="rect"/>
         </p:spPr>
@@ -642,7 +1076,7 @@
         <p:spPr>
           <a:xfrm rot="0">
             <a:off x="685800" y="1143000"/>
-            <a:ext cx="5489575" cy="3089275"/>
+            <a:ext cx="5488940" cy="3088640"/>
           </a:xfrm>
           <a:prstGeom prst="rect"/>
           <a:noFill/>
@@ -681,7 +1115,7 @@
         <p:spPr>
           <a:xfrm rot="0">
             <a:off x="685800" y="4400550"/>
-            <a:ext cx="5489575" cy="3603625"/>
+            <a:ext cx="5488940" cy="3602990"/>
           </a:xfrm>
           <a:prstGeom prst="rect"/>
         </p:spPr>
@@ -711,7 +1145,7 @@
         <p:spPr>
           <a:xfrm rot="0">
             <a:off x="3884930" y="8685530"/>
-            <a:ext cx="2974975" cy="461645"/>
+            <a:ext cx="2974340" cy="461010"/>
           </a:xfrm>
           <a:prstGeom prst="rect"/>
         </p:spPr>
@@ -996,6 +1430,716 @@
           <a:xfrm rot="0">
             <a:off x="3884930" y="8685530"/>
             <a:ext cx="2974975" cy="461645"/>
+          </a:xfrm>
+          <a:prstGeom prst="rect"/>
+        </p:spPr>
+        <p:txBody>
+          <a:bodyPr wrap="square" lIns="91440" tIns="45720" rIns="91440" bIns="45720" numCol="1" vert="horz" anchor="b">
+            <a:noAutofit/>
+          </a:bodyPr>
+          <a:lstStyle>
+            <a:lvl1pPr marL="0" indent="0" algn="r" latinLnBrk="0">
+              <a:buFontTx/>
+              <a:buNone/>
+              <a:defRPr lang="en-GB" altLang="en-US" sz="1200"/>
+            </a:lvl1pPr>
+          </a:lstStyle>
+          <a:p>
+            <a:pPr marL="0" indent="0" latinLnBrk="0">
+              <a:buFontTx/>
+              <a:buNone/>
+            </a:pPr>
+            <a:fld id="{B9320F77-B9A0-41C5-862A-B4B631284C64}" type="slidenum">
+              <a:rPr lang="ko-KR" altLang="en-US"/>
+              <a:t>‹#›</a:t>
+            </a:fld>
+          </a:p>
+        </p:txBody>
+      </p:sp>
+    </p:spTree>
+  </p:cSld>
+  <p:clrMapOvr>
+    <a:masterClrMapping/>
+  </p:clrMapOvr>
+  <mc:AlternateContent xmlns:mc="http://schemas.openxmlformats.org/markup-compatibility/2006">
+    <mc:Choice xmlns:p14="http://schemas.microsoft.com/office/powerpoint/2010/main" Requires="p14">
+      <p:transition spd="slow" p14:dur="0"/>
+    </mc:Choice>
+    <mc:Fallback>
+      <p:transition spd="slow"/>
+    </mc:Fallback>
+  </mc:AlternateContent>
+</p:notes>
+</file>
+
+<file path=ppt/notesSlides/notesSlide5.xml><?xml version="1.0" encoding="utf-8"?>
+<p:notes xmlns:a="http://schemas.openxmlformats.org/drawingml/2006/main" xmlns:r="http://schemas.openxmlformats.org/officeDocument/2006/relationships" xmlns:p="http://schemas.openxmlformats.org/presentationml/2006/main">
+  <p:cSld>
+    <p:spTree>
+      <p:nvGrpSpPr>
+        <p:cNvPr id="1" name=""/>
+        <p:cNvGrpSpPr/>
+        <p:nvPr/>
+      </p:nvGrpSpPr>
+      <p:grpSpPr>
+        <a:xfrm>
+          <a:off x="0" y="0"/>
+          <a:ext cx="0" cy="0"/>
+          <a:chOff x="0" y="0"/>
+          <a:chExt cx="0" cy="0"/>
+        </a:xfrm>
+      </p:grpSpPr>
+      <p:sp>
+        <p:nvSpPr>
+          <p:cNvPr id="2" name="슬라이드 이미지 개체 틀 3"/>
+          <p:cNvSpPr>
+            <a:spLocks noChangeAspect="1"/>
+          </p:cNvSpPr>
+          <p:nvPr>
+            <p:ph type="sldImg" idx="2"/>
+          </p:nvPr>
+        </p:nvSpPr>
+        <p:spPr>
+          <a:xfrm rot="0">
+            <a:off x="685800" y="1143000"/>
+            <a:ext cx="5489575" cy="3089275"/>
+          </a:xfrm>
+          <a:prstGeom prst="rect"/>
+          <a:noFill/>
+          <a:ln w="12700" cap="flat" cmpd="sng">
+            <a:solidFill>
+              <a:srgbClr val="000000">
+                <a:alpha val="100000"/>
+              </a:srgbClr>
+            </a:solidFill>
+            <a:prstDash val="solid"/>
+          </a:ln>
+        </p:spPr>
+        <p:txBody>
+          <a:bodyPr wrap="square" lIns="91440" tIns="45720" rIns="91440" bIns="45720" numCol="1" vert="horz" anchor="ctr">
+            <a:noAutofit/>
+          </a:bodyPr>
+          <a:lstStyle/>
+          <a:p>
+            <a:pPr marL="0" indent="0" latinLnBrk="0">
+              <a:buFontTx/>
+              <a:buNone/>
+            </a:pPr>
+          </a:p>
+        </p:txBody>
+      </p:sp>
+      <p:sp>
+        <p:nvSpPr>
+          <p:cNvPr id="3" name="슬라이드 노트 개체 틀 4"/>
+          <p:cNvSpPr txBox="1">
+            <a:spLocks/>
+          </p:cNvSpPr>
+          <p:nvPr>
+            <p:ph type="body" idx="3"/>
+          </p:nvPr>
+        </p:nvSpPr>
+        <p:spPr>
+          <a:xfrm rot="0">
+            <a:off x="685800" y="4400550"/>
+            <a:ext cx="5489575" cy="3603625"/>
+          </a:xfrm>
+          <a:prstGeom prst="rect"/>
+        </p:spPr>
+        <p:txBody>
+          <a:bodyPr wrap="square" lIns="91440" tIns="45720" rIns="91440" bIns="45720" numCol="1" vert="horz" anchor="t">
+            <a:noAutofit/>
+          </a:bodyPr>
+          <a:lstStyle/>
+          <a:p>
+            <a:pPr marL="0" indent="0" latinLnBrk="0">
+              <a:buFontTx/>
+              <a:buNone/>
+            </a:pPr>
+          </a:p>
+        </p:txBody>
+      </p:sp>
+      <p:sp>
+        <p:nvSpPr>
+          <p:cNvPr id="4" name="슬라이드 번호 개체 틀 6"/>
+          <p:cNvSpPr txBox="1">
+            <a:spLocks/>
+          </p:cNvSpPr>
+          <p:nvPr>
+            <p:ph type="sldNum" idx="5"/>
+          </p:nvPr>
+        </p:nvSpPr>
+        <p:spPr>
+          <a:xfrm rot="0">
+            <a:off x="3884930" y="8685530"/>
+            <a:ext cx="2974975" cy="461645"/>
+          </a:xfrm>
+          <a:prstGeom prst="rect"/>
+        </p:spPr>
+        <p:txBody>
+          <a:bodyPr wrap="square" lIns="91440" tIns="45720" rIns="91440" bIns="45720" numCol="1" vert="horz" anchor="b">
+            <a:noAutofit/>
+          </a:bodyPr>
+          <a:lstStyle>
+            <a:lvl1pPr marL="0" indent="0" algn="r" latinLnBrk="0">
+              <a:buFontTx/>
+              <a:buNone/>
+              <a:defRPr lang="en-GB" altLang="en-US" sz="1200"/>
+            </a:lvl1pPr>
+          </a:lstStyle>
+          <a:p>
+            <a:pPr marL="0" indent="0" latinLnBrk="0">
+              <a:buFontTx/>
+              <a:buNone/>
+            </a:pPr>
+            <a:fld id="{B9320F77-B9A0-41C5-862A-B4B631284C64}" type="slidenum">
+              <a:rPr lang="ko-KR" altLang="en-US"/>
+              <a:t>‹#›</a:t>
+            </a:fld>
+          </a:p>
+        </p:txBody>
+      </p:sp>
+    </p:spTree>
+  </p:cSld>
+  <p:clrMapOvr>
+    <a:masterClrMapping/>
+  </p:clrMapOvr>
+  <mc:AlternateContent xmlns:mc="http://schemas.openxmlformats.org/markup-compatibility/2006">
+    <mc:Choice xmlns:p14="http://schemas.microsoft.com/office/powerpoint/2010/main" Requires="p14">
+      <p:transition spd="slow" p14:dur="0"/>
+    </mc:Choice>
+    <mc:Fallback>
+      <p:transition spd="slow"/>
+    </mc:Fallback>
+  </mc:AlternateContent>
+</p:notes>
+</file>
+
+<file path=ppt/notesSlides/notesSlide6.xml><?xml version="1.0" encoding="utf-8"?>
+<p:notes xmlns:a="http://schemas.openxmlformats.org/drawingml/2006/main" xmlns:r="http://schemas.openxmlformats.org/officeDocument/2006/relationships" xmlns:p="http://schemas.openxmlformats.org/presentationml/2006/main">
+  <p:cSld>
+    <p:spTree>
+      <p:nvGrpSpPr>
+        <p:cNvPr id="1" name=""/>
+        <p:cNvGrpSpPr/>
+        <p:nvPr/>
+      </p:nvGrpSpPr>
+      <p:grpSpPr>
+        <a:xfrm>
+          <a:off x="0" y="0"/>
+          <a:ext cx="0" cy="0"/>
+          <a:chOff x="0" y="0"/>
+          <a:chExt cx="0" cy="0"/>
+        </a:xfrm>
+      </p:grpSpPr>
+      <p:sp>
+        <p:nvSpPr>
+          <p:cNvPr id="2" name="슬라이드 이미지 개체 틀 3"/>
+          <p:cNvSpPr>
+            <a:spLocks noChangeAspect="1"/>
+          </p:cNvSpPr>
+          <p:nvPr>
+            <p:ph type="sldImg" idx="2"/>
+          </p:nvPr>
+        </p:nvSpPr>
+        <p:spPr>
+          <a:xfrm rot="0">
+            <a:off x="685800" y="1143000"/>
+            <a:ext cx="5490210" cy="3089910"/>
+          </a:xfrm>
+          <a:prstGeom prst="rect"/>
+          <a:noFill/>
+          <a:ln w="12700" cap="flat" cmpd="sng">
+            <a:solidFill>
+              <a:srgbClr val="000000">
+                <a:alpha val="100000"/>
+              </a:srgbClr>
+            </a:solidFill>
+            <a:prstDash val="solid"/>
+          </a:ln>
+        </p:spPr>
+        <p:txBody>
+          <a:bodyPr wrap="square" lIns="91440" tIns="45720" rIns="91440" bIns="45720" numCol="1" vert="horz" anchor="ctr">
+            <a:noAutofit/>
+          </a:bodyPr>
+          <a:lstStyle/>
+          <a:p>
+            <a:pPr marL="0" indent="0" latinLnBrk="0">
+              <a:buFontTx/>
+              <a:buNone/>
+            </a:pPr>
+          </a:p>
+        </p:txBody>
+      </p:sp>
+      <p:sp>
+        <p:nvSpPr>
+          <p:cNvPr id="3" name="슬라이드 노트 개체 틀 4"/>
+          <p:cNvSpPr txBox="1">
+            <a:spLocks/>
+          </p:cNvSpPr>
+          <p:nvPr>
+            <p:ph type="body" idx="3"/>
+          </p:nvPr>
+        </p:nvSpPr>
+        <p:spPr>
+          <a:xfrm rot="0">
+            <a:off x="685800" y="4400550"/>
+            <a:ext cx="5490210" cy="3604260"/>
+          </a:xfrm>
+          <a:prstGeom prst="rect"/>
+        </p:spPr>
+        <p:txBody>
+          <a:bodyPr wrap="square" lIns="91440" tIns="45720" rIns="91440" bIns="45720" numCol="1" vert="horz" anchor="t">
+            <a:noAutofit/>
+          </a:bodyPr>
+          <a:lstStyle/>
+          <a:p>
+            <a:pPr marL="0" indent="0" latinLnBrk="0">
+              <a:buFontTx/>
+              <a:buNone/>
+            </a:pPr>
+          </a:p>
+        </p:txBody>
+      </p:sp>
+      <p:sp>
+        <p:nvSpPr>
+          <p:cNvPr id="4" name="슬라이드 번호 개체 틀 6"/>
+          <p:cNvSpPr txBox="1">
+            <a:spLocks/>
+          </p:cNvSpPr>
+          <p:nvPr>
+            <p:ph type="sldNum" idx="5"/>
+          </p:nvPr>
+        </p:nvSpPr>
+        <p:spPr>
+          <a:xfrm rot="0">
+            <a:off x="3884930" y="8685530"/>
+            <a:ext cx="2975610" cy="462280"/>
+          </a:xfrm>
+          <a:prstGeom prst="rect"/>
+        </p:spPr>
+        <p:txBody>
+          <a:bodyPr wrap="square" lIns="91440" tIns="45720" rIns="91440" bIns="45720" numCol="1" vert="horz" anchor="b">
+            <a:noAutofit/>
+          </a:bodyPr>
+          <a:lstStyle>
+            <a:lvl1pPr marL="0" indent="0" algn="r" latinLnBrk="0">
+              <a:buFontTx/>
+              <a:buNone/>
+              <a:defRPr lang="en-GB" altLang="en-US" sz="1200"/>
+            </a:lvl1pPr>
+          </a:lstStyle>
+          <a:p>
+            <a:pPr marL="0" indent="0" latinLnBrk="0">
+              <a:buFontTx/>
+              <a:buNone/>
+            </a:pPr>
+            <a:fld id="{B9320F77-B9A0-41C5-862A-B4B631284C64}" type="slidenum">
+              <a:rPr lang="ko-KR" altLang="en-US"/>
+              <a:t>‹#›</a:t>
+            </a:fld>
+          </a:p>
+        </p:txBody>
+      </p:sp>
+    </p:spTree>
+  </p:cSld>
+  <p:clrMapOvr>
+    <a:masterClrMapping/>
+  </p:clrMapOvr>
+  <mc:AlternateContent xmlns:mc="http://schemas.openxmlformats.org/markup-compatibility/2006">
+    <mc:Choice xmlns:p14="http://schemas.microsoft.com/office/powerpoint/2010/main" Requires="p14">
+      <p:transition spd="slow" p14:dur="0"/>
+    </mc:Choice>
+    <mc:Fallback>
+      <p:transition spd="slow"/>
+    </mc:Fallback>
+  </mc:AlternateContent>
+</p:notes>
+</file>
+
+<file path=ppt/notesSlides/notesSlide7.xml><?xml version="1.0" encoding="utf-8"?>
+<p:notes xmlns:a="http://schemas.openxmlformats.org/drawingml/2006/main" xmlns:r="http://schemas.openxmlformats.org/officeDocument/2006/relationships" xmlns:p="http://schemas.openxmlformats.org/presentationml/2006/main">
+  <p:cSld>
+    <p:spTree>
+      <p:nvGrpSpPr>
+        <p:cNvPr id="1" name=""/>
+        <p:cNvGrpSpPr/>
+        <p:nvPr/>
+      </p:nvGrpSpPr>
+      <p:grpSpPr>
+        <a:xfrm>
+          <a:off x="0" y="0"/>
+          <a:ext cx="0" cy="0"/>
+          <a:chOff x="0" y="0"/>
+          <a:chExt cx="0" cy="0"/>
+        </a:xfrm>
+      </p:grpSpPr>
+      <p:sp>
+        <p:nvSpPr>
+          <p:cNvPr id="2" name="슬라이드 이미지 개체 틀 3"/>
+          <p:cNvSpPr>
+            <a:spLocks noChangeAspect="1"/>
+          </p:cNvSpPr>
+          <p:nvPr>
+            <p:ph type="sldImg" idx="2"/>
+          </p:nvPr>
+        </p:nvSpPr>
+        <p:spPr>
+          <a:xfrm rot="0">
+            <a:off x="685800" y="1143000"/>
+            <a:ext cx="5489575" cy="3089275"/>
+          </a:xfrm>
+          <a:prstGeom prst="rect"/>
+          <a:noFill/>
+          <a:ln w="12700" cap="flat" cmpd="sng">
+            <a:solidFill>
+              <a:srgbClr val="000000">
+                <a:alpha val="100000"/>
+              </a:srgbClr>
+            </a:solidFill>
+            <a:prstDash val="solid"/>
+          </a:ln>
+        </p:spPr>
+        <p:txBody>
+          <a:bodyPr wrap="square" lIns="91440" tIns="45720" rIns="91440" bIns="45720" numCol="1" vert="horz" anchor="ctr">
+            <a:noAutofit/>
+          </a:bodyPr>
+          <a:lstStyle/>
+          <a:p>
+            <a:pPr marL="0" indent="0" latinLnBrk="0">
+              <a:buFontTx/>
+              <a:buNone/>
+            </a:pPr>
+          </a:p>
+        </p:txBody>
+      </p:sp>
+      <p:sp>
+        <p:nvSpPr>
+          <p:cNvPr id="3" name="슬라이드 노트 개체 틀 4"/>
+          <p:cNvSpPr txBox="1">
+            <a:spLocks/>
+          </p:cNvSpPr>
+          <p:nvPr>
+            <p:ph type="body" idx="3"/>
+          </p:nvPr>
+        </p:nvSpPr>
+        <p:spPr>
+          <a:xfrm rot="0">
+            <a:off x="685800" y="4400550"/>
+            <a:ext cx="5489575" cy="3603625"/>
+          </a:xfrm>
+          <a:prstGeom prst="rect"/>
+        </p:spPr>
+        <p:txBody>
+          <a:bodyPr wrap="square" lIns="91440" tIns="45720" rIns="91440" bIns="45720" numCol="1" vert="horz" anchor="t">
+            <a:noAutofit/>
+          </a:bodyPr>
+          <a:lstStyle/>
+          <a:p>
+            <a:pPr marL="0" indent="0" latinLnBrk="0">
+              <a:buFontTx/>
+              <a:buNone/>
+            </a:pPr>
+          </a:p>
+        </p:txBody>
+      </p:sp>
+      <p:sp>
+        <p:nvSpPr>
+          <p:cNvPr id="4" name="슬라이드 번호 개체 틀 6"/>
+          <p:cNvSpPr txBox="1">
+            <a:spLocks/>
+          </p:cNvSpPr>
+          <p:nvPr>
+            <p:ph type="sldNum" idx="5"/>
+          </p:nvPr>
+        </p:nvSpPr>
+        <p:spPr>
+          <a:xfrm rot="0">
+            <a:off x="3884930" y="8685530"/>
+            <a:ext cx="2974975" cy="461645"/>
+          </a:xfrm>
+          <a:prstGeom prst="rect"/>
+        </p:spPr>
+        <p:txBody>
+          <a:bodyPr wrap="square" lIns="91440" tIns="45720" rIns="91440" bIns="45720" numCol="1" vert="horz" anchor="b">
+            <a:noAutofit/>
+          </a:bodyPr>
+          <a:lstStyle>
+            <a:lvl1pPr marL="0" indent="0" algn="r" latinLnBrk="0">
+              <a:buFontTx/>
+              <a:buNone/>
+              <a:defRPr lang="en-GB" altLang="en-US" sz="1200"/>
+            </a:lvl1pPr>
+          </a:lstStyle>
+          <a:p>
+            <a:pPr marL="0" indent="0" latinLnBrk="0">
+              <a:buFontTx/>
+              <a:buNone/>
+            </a:pPr>
+            <a:fld id="{B9320F77-B9A0-41C5-862A-B4B631284C64}" type="slidenum">
+              <a:rPr lang="ko-KR" altLang="en-US"/>
+              <a:t>‹#›</a:t>
+            </a:fld>
+          </a:p>
+        </p:txBody>
+      </p:sp>
+    </p:spTree>
+  </p:cSld>
+  <p:clrMapOvr>
+    <a:masterClrMapping/>
+  </p:clrMapOvr>
+  <mc:AlternateContent xmlns:mc="http://schemas.openxmlformats.org/markup-compatibility/2006">
+    <mc:Choice xmlns:p14="http://schemas.microsoft.com/office/powerpoint/2010/main" Requires="p14">
+      <p:transition spd="slow" p14:dur="0"/>
+    </mc:Choice>
+    <mc:Fallback>
+      <p:transition spd="slow"/>
+    </mc:Fallback>
+  </mc:AlternateContent>
+</p:notes>
+</file>
+
+<file path=ppt/notesSlides/notesSlide8.xml><?xml version="1.0" encoding="utf-8"?>
+<p:notes xmlns:a="http://schemas.openxmlformats.org/drawingml/2006/main" xmlns:r="http://schemas.openxmlformats.org/officeDocument/2006/relationships" xmlns:p="http://schemas.openxmlformats.org/presentationml/2006/main">
+  <p:cSld>
+    <p:spTree>
+      <p:nvGrpSpPr>
+        <p:cNvPr id="1" name=""/>
+        <p:cNvGrpSpPr/>
+        <p:nvPr/>
+      </p:nvGrpSpPr>
+      <p:grpSpPr>
+        <a:xfrm>
+          <a:off x="0" y="0"/>
+          <a:ext cx="0" cy="0"/>
+          <a:chOff x="0" y="0"/>
+          <a:chExt cx="0" cy="0"/>
+        </a:xfrm>
+      </p:grpSpPr>
+      <p:sp>
+        <p:nvSpPr>
+          <p:cNvPr id="2" name="슬라이드 이미지 개체 틀 3"/>
+          <p:cNvSpPr>
+            <a:spLocks noChangeAspect="1"/>
+          </p:cNvSpPr>
+          <p:nvPr>
+            <p:ph type="sldImg" idx="2"/>
+          </p:nvPr>
+        </p:nvSpPr>
+        <p:spPr>
+          <a:xfrm rot="0">
+            <a:off x="685800" y="1143000"/>
+            <a:ext cx="5490210" cy="3089910"/>
+          </a:xfrm>
+          <a:prstGeom prst="rect"/>
+          <a:noFill/>
+          <a:ln w="12700" cap="flat" cmpd="sng">
+            <a:solidFill>
+              <a:srgbClr val="000000">
+                <a:alpha val="100000"/>
+              </a:srgbClr>
+            </a:solidFill>
+            <a:prstDash val="solid"/>
+          </a:ln>
+        </p:spPr>
+        <p:txBody>
+          <a:bodyPr wrap="square" lIns="91440" tIns="45720" rIns="91440" bIns="45720" numCol="1" vert="horz" anchor="ctr">
+            <a:noAutofit/>
+          </a:bodyPr>
+          <a:lstStyle/>
+          <a:p>
+            <a:pPr marL="0" indent="0" latinLnBrk="0">
+              <a:buFontTx/>
+              <a:buNone/>
+            </a:pPr>
+          </a:p>
+        </p:txBody>
+      </p:sp>
+      <p:sp>
+        <p:nvSpPr>
+          <p:cNvPr id="3" name="슬라이드 노트 개체 틀 4"/>
+          <p:cNvSpPr txBox="1">
+            <a:spLocks/>
+          </p:cNvSpPr>
+          <p:nvPr>
+            <p:ph type="body" idx="3"/>
+          </p:nvPr>
+        </p:nvSpPr>
+        <p:spPr>
+          <a:xfrm rot="0">
+            <a:off x="685800" y="4400550"/>
+            <a:ext cx="5490210" cy="3604260"/>
+          </a:xfrm>
+          <a:prstGeom prst="rect"/>
+        </p:spPr>
+        <p:txBody>
+          <a:bodyPr wrap="square" lIns="91440" tIns="45720" rIns="91440" bIns="45720" numCol="1" vert="horz" anchor="t">
+            <a:noAutofit/>
+          </a:bodyPr>
+          <a:lstStyle/>
+          <a:p>
+            <a:pPr marL="0" indent="0" latinLnBrk="0">
+              <a:buFontTx/>
+              <a:buNone/>
+            </a:pPr>
+          </a:p>
+        </p:txBody>
+      </p:sp>
+      <p:sp>
+        <p:nvSpPr>
+          <p:cNvPr id="4" name="슬라이드 번호 개체 틀 6"/>
+          <p:cNvSpPr txBox="1">
+            <a:spLocks/>
+          </p:cNvSpPr>
+          <p:nvPr>
+            <p:ph type="sldNum" idx="5"/>
+          </p:nvPr>
+        </p:nvSpPr>
+        <p:spPr>
+          <a:xfrm rot="0">
+            <a:off x="3884930" y="8685530"/>
+            <a:ext cx="2975610" cy="462280"/>
+          </a:xfrm>
+          <a:prstGeom prst="rect"/>
+        </p:spPr>
+        <p:txBody>
+          <a:bodyPr wrap="square" lIns="91440" tIns="45720" rIns="91440" bIns="45720" numCol="1" vert="horz" anchor="b">
+            <a:noAutofit/>
+          </a:bodyPr>
+          <a:lstStyle>
+            <a:lvl1pPr marL="0" indent="0" algn="r" latinLnBrk="0">
+              <a:buFontTx/>
+              <a:buNone/>
+              <a:defRPr lang="en-GB" altLang="en-US" sz="1200"/>
+            </a:lvl1pPr>
+          </a:lstStyle>
+          <a:p>
+            <a:pPr marL="0" indent="0" latinLnBrk="0">
+              <a:buFontTx/>
+              <a:buNone/>
+            </a:pPr>
+            <a:fld id="{B9320F77-B9A0-41C5-862A-B4B631284C64}" type="slidenum">
+              <a:rPr lang="ko-KR" altLang="en-US"/>
+              <a:t>‹#›</a:t>
+            </a:fld>
+          </a:p>
+        </p:txBody>
+      </p:sp>
+    </p:spTree>
+  </p:cSld>
+  <p:clrMapOvr>
+    <a:masterClrMapping/>
+  </p:clrMapOvr>
+  <mc:AlternateContent xmlns:mc="http://schemas.openxmlformats.org/markup-compatibility/2006">
+    <mc:Choice xmlns:p14="http://schemas.microsoft.com/office/powerpoint/2010/main" Requires="p14">
+      <p:transition spd="slow" p14:dur="0"/>
+    </mc:Choice>
+    <mc:Fallback>
+      <p:transition spd="slow"/>
+    </mc:Fallback>
+  </mc:AlternateContent>
+</p:notes>
+</file>
+
+<file path=ppt/notesSlides/notesSlide9.xml><?xml version="1.0" encoding="utf-8"?>
+<p:notes xmlns:a="http://schemas.openxmlformats.org/drawingml/2006/main" xmlns:r="http://schemas.openxmlformats.org/officeDocument/2006/relationships" xmlns:p="http://schemas.openxmlformats.org/presentationml/2006/main">
+  <p:cSld>
+    <p:spTree>
+      <p:nvGrpSpPr>
+        <p:cNvPr id="1" name=""/>
+        <p:cNvGrpSpPr/>
+        <p:nvPr/>
+      </p:nvGrpSpPr>
+      <p:grpSpPr>
+        <a:xfrm>
+          <a:off x="0" y="0"/>
+          <a:ext cx="0" cy="0"/>
+          <a:chOff x="0" y="0"/>
+          <a:chExt cx="0" cy="0"/>
+        </a:xfrm>
+      </p:grpSpPr>
+      <p:sp>
+        <p:nvSpPr>
+          <p:cNvPr id="2" name="슬라이드 이미지 개체 틀 3"/>
+          <p:cNvSpPr>
+            <a:spLocks noChangeAspect="1"/>
+          </p:cNvSpPr>
+          <p:nvPr>
+            <p:ph type="sldImg" idx="2"/>
+          </p:nvPr>
+        </p:nvSpPr>
+        <p:spPr>
+          <a:xfrm rot="0">
+            <a:off x="685800" y="1143000"/>
+            <a:ext cx="5490210" cy="3089910"/>
+          </a:xfrm>
+          <a:prstGeom prst="rect"/>
+          <a:noFill/>
+          <a:ln w="12700" cap="flat" cmpd="sng">
+            <a:solidFill>
+              <a:srgbClr val="000000">
+                <a:alpha val="100000"/>
+              </a:srgbClr>
+            </a:solidFill>
+            <a:prstDash val="solid"/>
+          </a:ln>
+        </p:spPr>
+        <p:txBody>
+          <a:bodyPr wrap="square" lIns="91440" tIns="45720" rIns="91440" bIns="45720" numCol="1" vert="horz" anchor="ctr">
+            <a:noAutofit/>
+          </a:bodyPr>
+          <a:lstStyle/>
+          <a:p>
+            <a:pPr marL="0" indent="0" latinLnBrk="0">
+              <a:buFontTx/>
+              <a:buNone/>
+            </a:pPr>
+          </a:p>
+        </p:txBody>
+      </p:sp>
+      <p:sp>
+        <p:nvSpPr>
+          <p:cNvPr id="3" name="슬라이드 노트 개체 틀 4"/>
+          <p:cNvSpPr txBox="1">
+            <a:spLocks/>
+          </p:cNvSpPr>
+          <p:nvPr>
+            <p:ph type="body" idx="3"/>
+          </p:nvPr>
+        </p:nvSpPr>
+        <p:spPr>
+          <a:xfrm rot="0">
+            <a:off x="685800" y="4400550"/>
+            <a:ext cx="5490210" cy="3604260"/>
+          </a:xfrm>
+          <a:prstGeom prst="rect"/>
+        </p:spPr>
+        <p:txBody>
+          <a:bodyPr wrap="square" lIns="91440" tIns="45720" rIns="91440" bIns="45720" numCol="1" vert="horz" anchor="t">
+            <a:noAutofit/>
+          </a:bodyPr>
+          <a:lstStyle/>
+          <a:p>
+            <a:pPr marL="0" indent="0" latinLnBrk="0">
+              <a:buFontTx/>
+              <a:buNone/>
+            </a:pPr>
+          </a:p>
+        </p:txBody>
+      </p:sp>
+      <p:sp>
+        <p:nvSpPr>
+          <p:cNvPr id="4" name="슬라이드 번호 개체 틀 6"/>
+          <p:cNvSpPr txBox="1">
+            <a:spLocks/>
+          </p:cNvSpPr>
+          <p:nvPr>
+            <p:ph type="sldNum" idx="5"/>
+          </p:nvPr>
+        </p:nvSpPr>
+        <p:spPr>
+          <a:xfrm rot="0">
+            <a:off x="3884930" y="8685530"/>
+            <a:ext cx="2975610" cy="462280"/>
           </a:xfrm>
           <a:prstGeom prst="rect"/>
         </p:spPr>
@@ -5924,7 +7068,7 @@
 </file>
 
 <file path=ppt/slides/slide1.xml><?xml version="1.0" encoding="utf-8"?>
-<p:sld xmlns:a="http://schemas.openxmlformats.org/drawingml/2006/main" xmlns:r="http://schemas.openxmlformats.org/officeDocument/2006/relationships" xmlns:p="http://schemas.openxmlformats.org/presentationml/2006/main" xmlns:p14="http://schemas.microsoft.com/office/powerpoint/2010/main">
+<p:sld xmlns:a="http://schemas.openxmlformats.org/drawingml/2006/main" xmlns:r="http://schemas.openxmlformats.org/officeDocument/2006/relationships" xmlns:p="http://schemas.openxmlformats.org/presentationml/2006/main">
   <p:cSld>
     <p:spTree>
       <p:nvGrpSpPr>
@@ -5942,6 +7086,345 @@
       </p:grpSpPr>
       <p:sp>
         <p:nvSpPr>
+          <p:cNvPr id="2" name="텍스트 상자 1"/>
+          <p:cNvSpPr txBox="1">
+            <a:spLocks/>
+          </p:cNvSpPr>
+          <p:nvPr/>
+        </p:nvSpPr>
+        <p:spPr>
+          <a:xfrm rot="0">
+            <a:off x="5144135" y="287655"/>
+            <a:ext cx="1901825" cy="554990"/>
+          </a:xfrm>
+          <a:prstGeom prst="rect"/>
+          <a:noFill/>
+          <a:ln w="0">
+            <a:noFill/>
+            <a:prstDash/>
+          </a:ln>
+        </p:spPr>
+        <p:txBody>
+          <a:bodyPr wrap="square" lIns="89535" tIns="46355" rIns="89535" bIns="46355" vert="horz" anchor="t">
+            <a:spAutoFit/>
+          </a:bodyPr>
+          <a:lstStyle/>
+          <a:p>
+            <a:pPr marL="0" indent="0" rtl="0" algn="l" defTabSz="914400" eaLnBrk="1" latinLnBrk="0" hangingPunct="1">
+              <a:buFontTx/>
+              <a:buNone/>
+            </a:pPr>
+            <a:r>
+              <a:rPr sz="3000" b="1">
+                <a:solidFill>
+                  <a:schemeClr val="tx1"/>
+                </a:solidFill>
+                <a:latin typeface="맑은 고딕" charset="0"/>
+                <a:ea typeface="맑은 고딕" charset="0"/>
+              </a:rPr>
+              <a:t>NavMesh</a:t>
+            </a:r>
+            <a:endParaRPr lang="ko-KR" altLang="en-US" sz="3000" b="1">
+              <a:solidFill>
+                <a:schemeClr val="tx1"/>
+              </a:solidFill>
+              <a:latin typeface="맑은 고딕" charset="0"/>
+              <a:ea typeface="맑은 고딕" charset="0"/>
+            </a:endParaRPr>
+          </a:p>
+        </p:txBody>
+      </p:sp>
+      <p:sp>
+        <p:nvSpPr>
+          <p:cNvPr id="3" name="텍스트 상자 2"/>
+          <p:cNvSpPr txBox="1">
+            <a:spLocks/>
+          </p:cNvSpPr>
+          <p:nvPr/>
+        </p:nvSpPr>
+        <p:spPr>
+          <a:xfrm rot="0">
+            <a:off x="1376045" y="1197610"/>
+            <a:ext cx="4019550" cy="923925"/>
+          </a:xfrm>
+          <a:prstGeom prst="rect"/>
+          <a:noFill/>
+          <a:ln w="0">
+            <a:noFill/>
+            <a:prstDash/>
+          </a:ln>
+        </p:spPr>
+        <p:txBody>
+          <a:bodyPr wrap="square" lIns="89535" tIns="46355" rIns="89535" bIns="46355" vert="horz" anchor="t">
+            <a:spAutoFit/>
+          </a:bodyPr>
+          <a:lstStyle/>
+          <a:p>
+            <a:pPr marL="0" indent="0" rtl="0" algn="l" defTabSz="914400" eaLnBrk="1" latinLnBrk="0" hangingPunct="1">
+              <a:buFontTx/>
+              <a:buNone/>
+            </a:pPr>
+            <a:r>
+              <a:rPr lang="ko-KR" sz="1800" b="0">
+                <a:latin typeface="맑은 고딕" charset="0"/>
+                <a:ea typeface="맑은 고딕" charset="0"/>
+              </a:rPr>
+              <a:t>내</a:t>
+            </a:r>
+            <a:r>
+              <a:rPr sz="1800" b="0">
+                <a:latin typeface="맑은 고딕" charset="0"/>
+                <a:ea typeface="맑은 고딕" charset="0"/>
+              </a:rPr>
+              <a:t>비메쉬는 여러 개의 다각형으로 면을 구성하여 캐릭터가 이동할 수 있는 표면을 생성하는 것입니다.</a:t>
+            </a:r>
+            <a:endParaRPr lang="ko-KR" altLang="en-US" sz="1800" b="0">
+              <a:latin typeface="맑은 고딕" charset="0"/>
+              <a:ea typeface="맑은 고딕" charset="0"/>
+            </a:endParaRPr>
+          </a:p>
+        </p:txBody>
+      </p:sp>
+      <p:pic>
+        <p:nvPicPr>
+          <p:cNvPr id="14" name="그림 115" descr="C:/Users/Admin1/AppData/Roaming/PolarisOffice/ETemp/8256_23257792/fImage1849633341.png"/>
+          <p:cNvPicPr>
+            <a:picLocks noChangeAspect="1"/>
+          </p:cNvPicPr>
+          <p:nvPr/>
+        </p:nvPicPr>
+        <p:blipFill rotWithShape="1">
+          <a:blip r:embed="rId2" cstate="print">
+            <a:extLst>
+              <a:ext uri="{28A0092B-C50C-407E-A947-70E740481C1C}">
+                <a14:useLocalDpi xmlns:a14="http://schemas.microsoft.com/office/drawing/2010/main" val="0"/>
+              </a:ext>
+            </a:extLst>
+          </a:blip>
+          <a:stretch>
+            <a:fillRect/>
+          </a:stretch>
+        </p:blipFill>
+        <p:spPr>
+          <a:xfrm rot="0">
+            <a:off x="1376045" y="2306955"/>
+            <a:ext cx="4022090" cy="2625090"/>
+          </a:xfrm>
+          <a:prstGeom prst="roundRect"/>
+          <a:solidFill>
+            <a:srgbClr val="EDEDED"/>
+          </a:solidFill>
+        </p:spPr>
+      </p:pic>
+      <p:sp>
+        <p:nvSpPr>
+          <p:cNvPr id="15" name="텍스트 상자 118"/>
+          <p:cNvSpPr txBox="1">
+            <a:spLocks/>
+          </p:cNvSpPr>
+          <p:nvPr/>
+        </p:nvSpPr>
+        <p:spPr>
+          <a:xfrm rot="0">
+            <a:off x="1373505" y="5069840"/>
+            <a:ext cx="4024630" cy="1200785"/>
+          </a:xfrm>
+          <a:prstGeom prst="rect"/>
+          <a:noFill/>
+          <a:ln w="0">
+            <a:noFill/>
+            <a:prstDash/>
+          </a:ln>
+        </p:spPr>
+        <p:txBody>
+          <a:bodyPr wrap="square" lIns="89535" tIns="46355" rIns="89535" bIns="46355" vert="horz" anchor="t">
+            <a:spAutoFit/>
+          </a:bodyPr>
+          <a:lstStyle/>
+          <a:p>
+            <a:pPr marL="0" indent="0" rtl="0" algn="l" defTabSz="914400" eaLnBrk="1" latinLnBrk="0" hangingPunct="1">
+              <a:buFontTx/>
+              <a:buNone/>
+            </a:pPr>
+            <a:r>
+              <a:rPr lang="ko-KR" sz="1800" b="0">
+                <a:latin typeface="맑은 고딕" charset="0"/>
+                <a:ea typeface="맑은 고딕" charset="0"/>
+              </a:rPr>
+              <a:t>내</a:t>
+            </a:r>
+            <a:r>
+              <a:rPr sz="1800" b="0">
+                <a:latin typeface="맑은 고딕" charset="0"/>
+                <a:ea typeface="맑은 고딕" charset="0"/>
+              </a:rPr>
+              <a:t>비</a:t>
+            </a:r>
+            <a:r>
+              <a:rPr sz="1800" b="0">
+                <a:latin typeface="맑은 고딕" charset="0"/>
+                <a:ea typeface="맑은 고딕" charset="0"/>
+              </a:rPr>
+              <a:t>게이</a:t>
+            </a:r>
+            <a:r>
+              <a:rPr lang="ko-KR" sz="1800" b="0">
+                <a:latin typeface="맑은 고딕" charset="0"/>
+                <a:ea typeface="맑은 고딕" charset="0"/>
+              </a:rPr>
+              <a:t>션 컴포넌트가 있는 게임 오브젝트는 도착 지점으로 이동할 때 항상 최적의 경로를 탐색하여 이동합니다.</a:t>
+            </a:r>
+            <a:endParaRPr lang="ko-KR" altLang="en-US" sz="1800" b="0">
+              <a:latin typeface="맑은 고딕" charset="0"/>
+              <a:ea typeface="맑은 고딕" charset="0"/>
+            </a:endParaRPr>
+          </a:p>
+        </p:txBody>
+      </p:sp>
+      <p:pic>
+        <p:nvPicPr>
+          <p:cNvPr id="16" name="그림 122" descr="C:/Users/Admin1/AppData/Roaming/PolarisOffice/ETemp/8256_23257792/fImage197313368467.png"/>
+          <p:cNvPicPr>
+            <a:picLocks noChangeAspect="1"/>
+          </p:cNvPicPr>
+          <p:nvPr/>
+        </p:nvPicPr>
+        <p:blipFill rotWithShape="1">
+          <a:blip r:embed="rId3" cstate="print">
+            <a:extLst>
+              <a:ext uri="{28A0092B-C50C-407E-A947-70E740481C1C}">
+                <a14:useLocalDpi xmlns:a14="http://schemas.microsoft.com/office/drawing/2010/main" val="0"/>
+              </a:ext>
+            </a:extLst>
+          </a:blip>
+          <a:stretch>
+            <a:fillRect/>
+          </a:stretch>
+        </p:blipFill>
+        <p:spPr>
+          <a:xfrm rot="0">
+            <a:off x="6722745" y="1184910"/>
+            <a:ext cx="4125595" cy="2858135"/>
+          </a:xfrm>
+          <a:prstGeom prst="roundRect"/>
+          <a:solidFill>
+            <a:srgbClr val="EDEDED"/>
+          </a:solidFill>
+        </p:spPr>
+      </p:pic>
+      <p:sp>
+        <p:nvSpPr>
+          <p:cNvPr id="17" name="텍스트 상자 125"/>
+          <p:cNvSpPr txBox="1">
+            <a:spLocks/>
+          </p:cNvSpPr>
+          <p:nvPr/>
+        </p:nvSpPr>
+        <p:spPr>
+          <a:xfrm rot="0">
+            <a:off x="6716395" y="4231005"/>
+            <a:ext cx="4130675" cy="2031365"/>
+          </a:xfrm>
+          <a:prstGeom prst="rect"/>
+          <a:noFill/>
+          <a:ln w="0">
+            <a:noFill/>
+            <a:prstDash/>
+          </a:ln>
+        </p:spPr>
+        <p:txBody>
+          <a:bodyPr wrap="square" lIns="89535" tIns="46355" rIns="89535" bIns="46355" vert="horz" anchor="t">
+            <a:spAutoFit/>
+          </a:bodyPr>
+          <a:lstStyle/>
+          <a:p>
+            <a:pPr marL="0" indent="0" rtl="0" algn="l" defTabSz="914400" eaLnBrk="1" latinLnBrk="0" hangingPunct="1">
+              <a:buFontTx/>
+              <a:buNone/>
+            </a:pPr>
+            <a:r>
+              <a:rPr lang="ko-KR" sz="1800" b="0">
+                <a:latin typeface="맑은 고딕" charset="0"/>
+                <a:ea typeface="맑은 고딕" charset="0"/>
+              </a:rPr>
+              <a:t>그리고 내비게이션 컴포넌트가 부착된 게임 오브젝트는 이동 중에 방문한 모든 다각형의 경로를 추적합니다.</a:t>
+            </a:r>
+            <a:endParaRPr lang="ko-KR" altLang="en-US" sz="1800" b="0">
+              <a:latin typeface="맑은 고딕" charset="0"/>
+              <a:ea typeface="맑은 고딕" charset="0"/>
+            </a:endParaRPr>
+          </a:p>
+          <a:p>
+            <a:pPr marL="0" indent="0" rtl="0" algn="l" defTabSz="914400" eaLnBrk="1" latinLnBrk="0" hangingPunct="1">
+              <a:buFontTx/>
+              <a:buNone/>
+            </a:pPr>
+            <a:endParaRPr lang="ko-KR" altLang="en-US" sz="1800" b="0">
+              <a:latin typeface="맑은 고딕" charset="0"/>
+              <a:ea typeface="맑은 고딕" charset="0"/>
+            </a:endParaRPr>
+          </a:p>
+          <a:p>
+            <a:pPr marL="0" indent="0" rtl="0" algn="l" defTabSz="914400" eaLnBrk="1" latinLnBrk="0" hangingPunct="1">
+              <a:buFontTx/>
+              <a:buNone/>
+            </a:pPr>
+            <a:r>
+              <a:rPr lang="ko-KR" sz="1800" b="0">
+                <a:latin typeface="맑은 고딕" charset="0"/>
+                <a:ea typeface="맑은 고딕" charset="0"/>
+              </a:rPr>
+              <a:t>그러므로 시작 지점에서 목적지까지 연결해주는 다각형의 경로를 찾을 수 있습니다.</a:t>
+            </a:r>
+            <a:endParaRPr lang="ko-KR" altLang="en-US" sz="1800" b="0">
+              <a:latin typeface="맑은 고딕" charset="0"/>
+              <a:ea typeface="맑은 고딕" charset="0"/>
+            </a:endParaRPr>
+          </a:p>
+        </p:txBody>
+      </p:sp>
+    </p:spTree>
+  </p:cSld>
+  <p:clrMapOvr>
+    <a:masterClrMapping/>
+  </p:clrMapOvr>
+  <mc:AlternateContent xmlns:mc="http://schemas.openxmlformats.org/markup-compatibility/2006">
+    <mc:Choice xmlns:p14="http://schemas.microsoft.com/office/powerpoint/2010/main" Requires="p14">
+      <p:transition spd="slow" p14:dur="2000"/>
+    </mc:Choice>
+    <mc:Fallback>
+      <p:transition spd="slow"/>
+    </mc:Fallback>
+  </mc:AlternateContent>
+  <p:timing>
+    <p:tnLst>
+      <p:par>
+        <p:cTn id="1" dur="indefinite" restart="never" nodeType="tmRoot"/>
+      </p:par>
+    </p:tnLst>
+  </p:timing>
+</p:sld>
+</file>
+
+<file path=ppt/slides/slide10.xml><?xml version="1.0" encoding="utf-8"?>
+<p:sld xmlns:a="http://schemas.openxmlformats.org/drawingml/2006/main" xmlns:r="http://schemas.openxmlformats.org/officeDocument/2006/relationships" xmlns:p="http://schemas.openxmlformats.org/presentationml/2006/main">
+  <p:cSld>
+    <p:spTree>
+      <p:nvGrpSpPr>
+        <p:cNvPr id="1" name=""/>
+        <p:cNvGrpSpPr/>
+        <p:nvPr/>
+      </p:nvGrpSpPr>
+      <p:grpSpPr>
+        <a:xfrm>
+          <a:off x="0" y="0"/>
+          <a:ext cx="0" cy="0"/>
+          <a:chOff x="0" y="0"/>
+          <a:chExt cx="0" cy="0"/>
+        </a:xfrm>
+      </p:grpSpPr>
+      <p:sp>
+        <p:nvSpPr>
           <p:cNvPr id="1031" name="Rect 0"/>
           <p:cNvSpPr txBox="1">
             <a:spLocks/>
@@ -5950,8 +7433,8 @@
         </p:nvSpPr>
         <p:spPr>
           <a:xfrm rot="0">
-            <a:off x="4943475" y="346075"/>
-            <a:ext cx="2306320" cy="478790"/>
+            <a:off x="4804410" y="346075"/>
+            <a:ext cx="2593975" cy="478155"/>
           </a:xfrm>
           <a:prstGeom prst="rect"/>
           <a:noFill/>
@@ -5978,7 +7461,7 @@
                 <a:latin typeface="나눔바른고딕" charset="0"/>
                 <a:ea typeface="나눔바른고딕" charset="0"/>
               </a:rPr>
-              <a:t>첫</a:t>
+              <a:t>일곱</a:t>
             </a:r>
             <a:r>
               <a:rPr lang="ko-KR" altLang="en-US" sz="2500" b="1">
@@ -5988,37 +7471,7 @@
                 <a:latin typeface="나눔바른고딕" charset="0"/>
                 <a:ea typeface="나눔바른고딕" charset="0"/>
               </a:rPr>
-              <a:t> </a:t>
-            </a:r>
-            <a:r>
-              <a:rPr lang="ko-KR" altLang="en-US" sz="2500" b="1">
-                <a:solidFill>
-                  <a:schemeClr val="tx1"/>
-                </a:solidFill>
-                <a:latin typeface="나눔바른고딕" charset="0"/>
-                <a:ea typeface="나눔바른고딕" charset="0"/>
-              </a:rPr>
-              <a:t>번째</a:t>
-            </a:r>
-            <a:r>
-              <a:rPr lang="ko-KR" altLang="en-US" sz="2500" b="1">
-                <a:solidFill>
-                  <a:schemeClr val="tx1"/>
-                </a:solidFill>
-                <a:latin typeface="나눔바른고딕" charset="0"/>
-                <a:ea typeface="나눔바른고딕" charset="0"/>
-              </a:rPr>
-              <a:t> </a:t>
-            </a:r>
-            <a:r>
-              <a:rPr lang="ko-KR" altLang="en-US" sz="2500" b="1">
-                <a:solidFill>
-                  <a:schemeClr val="tx1"/>
-                </a:solidFill>
-                <a:latin typeface="나눔바른고딕" charset="0"/>
-                <a:ea typeface="나눔바른고딕" charset="0"/>
-              </a:rPr>
-              <a:t>튜토리얼</a:t>
+              <a:t> 번째 튜토리얼</a:t>
             </a:r>
             <a:endParaRPr lang="ko-KR" altLang="en-US" sz="2500" b="1">
               <a:solidFill>
@@ -6032,7 +7485,7 @@
       </p:sp>
       <p:sp>
         <p:nvSpPr>
-          <p:cNvPr id="1164" name="텍스트 상자 40"/>
+          <p:cNvPr id="1192" name="Rect 0"/>
           <p:cNvSpPr txBox="1">
             <a:spLocks/>
           </p:cNvSpPr>
@@ -6040,8 +7493,8 @@
         </p:nvSpPr>
         <p:spPr>
           <a:xfrm rot="0">
-            <a:off x="1086485" y="3433445"/>
-            <a:ext cx="4239895" cy="647700"/>
+            <a:off x="1105535" y="4801235"/>
+            <a:ext cx="4250055" cy="1477645"/>
           </a:xfrm>
           <a:prstGeom prst="rect"/>
           <a:noFill/>
@@ -6068,7 +7521,27 @@
                 <a:latin typeface="맑은 고딕" charset="0"/>
                 <a:ea typeface="맑은 고딕" charset="0"/>
               </a:rPr>
-              <a:t>1.</a:t>
+              <a:t>1</a:t>
+            </a:r>
+            <a:r>
+              <a:rPr lang="ko-KR" sz="1800" b="1">
+                <a:solidFill>
+                  <a:srgbClr val="0611F2"/>
+                </a:solidFill>
+                <a:latin typeface="맑은 고딕" charset="0"/>
+                <a:ea typeface="맑은 고딕" charset="0"/>
+              </a:rPr>
+              <a:t>6</a:t>
+            </a:r>
+            <a:r>
+              <a:rPr sz="1800" b="1">
+                <a:solidFill>
+                  <a:srgbClr val="0611F2"/>
+                </a:solidFill>
+                <a:latin typeface="맑은 고딕" charset="0"/>
+                <a:ea typeface="맑은 고딕" charset="0"/>
+              </a:rPr>
+              <a:t>.</a:t>
             </a:r>
             <a:r>
               <a:rPr sz="1800">
@@ -6078,29 +7551,137 @@
               <a:t> </a:t>
             </a:r>
             <a:r>
-              <a:rPr sz="1800">
-                <a:latin typeface="맑은 고딕" charset="0"/>
-                <a:ea typeface="맑은 고딕" charset="0"/>
-              </a:rPr>
-              <a:t>3D Object를 선택한 다음 Capsule 게임 오브젝트를 생성합니다.</a:t>
+              <a:rPr lang="ko-KR" sz="1800">
+                <a:latin typeface="맑은 고딕" charset="0"/>
+                <a:ea typeface="맑은 고딕" charset="0"/>
+              </a:rPr>
+              <a:t>이제 3D Object로 Cube를 생성한 다음 Pillar로 이름을 정의합니다.</a:t>
             </a:r>
             <a:endParaRPr lang="ko-KR" altLang="en-US" sz="1800">
               <a:latin typeface="맑은 고딕" charset="0"/>
               <a:ea typeface="맑은 고딕" charset="0"/>
             </a:endParaRPr>
           </a:p>
+          <a:p>
+            <a:pPr marL="0" indent="0" rtl="0" algn="l" defTabSz="914400" eaLnBrk="1" latinLnBrk="0" hangingPunct="1">
+              <a:buFontTx/>
+              <a:buNone/>
+            </a:pPr>
+            <a:endParaRPr lang="ko-KR" altLang="en-US" sz="1800">
+              <a:latin typeface="맑은 고딕" charset="0"/>
+              <a:ea typeface="맑은 고딕" charset="0"/>
+            </a:endParaRPr>
+          </a:p>
+          <a:p>
+            <a:pPr marL="0" indent="0" rtl="0" algn="l" defTabSz="914400" eaLnBrk="1" latinLnBrk="0" hangingPunct="1">
+              <a:buFontTx/>
+              <a:buNone/>
+            </a:pPr>
+            <a:r>
+              <a:rPr lang="ko-KR" sz="1800">
+                <a:latin typeface="맑은 고딕" charset="0"/>
+                <a:ea typeface="맑은 고딕" charset="0"/>
+              </a:rPr>
+              <a:t>그런 다음 Off Mesh Link 컴포넌트도 함께 추가합니다.</a:t>
+            </a:r>
+            <a:endParaRPr lang="ko-KR" altLang="en-US" sz="1800">
+              <a:latin typeface="맑은 고딕" charset="0"/>
+              <a:ea typeface="맑은 고딕" charset="0"/>
+            </a:endParaRPr>
+          </a:p>
+        </p:txBody>
+      </p:sp>
+      <p:sp>
+        <p:nvSpPr>
+          <p:cNvPr id="1200" name="Rect 0"/>
+          <p:cNvSpPr txBox="1">
+            <a:spLocks/>
+          </p:cNvSpPr>
+          <p:nvPr/>
+        </p:nvSpPr>
+        <p:spPr>
+          <a:xfrm rot="0">
+            <a:off x="6858000" y="5349240"/>
+            <a:ext cx="3821430" cy="923925"/>
+          </a:xfrm>
+          <a:prstGeom prst="rect"/>
+          <a:noFill/>
+          <a:ln w="0">
+            <a:noFill/>
+            <a:prstDash/>
+          </a:ln>
+        </p:spPr>
+        <p:txBody>
+          <a:bodyPr wrap="square" lIns="89535" tIns="46355" rIns="89535" bIns="46355" numCol="1" vert="horz" anchor="t">
+            <a:spAutoFit/>
+          </a:bodyPr>
+          <a:lstStyle/>
+          <a:p>
+            <a:pPr marL="0" indent="0" rtl="0" algn="l" defTabSz="914400" eaLnBrk="1" latinLnBrk="0" hangingPunct="1">
+              <a:buFontTx/>
+              <a:buNone/>
+            </a:pPr>
+            <a:r>
+              <a:rPr sz="1800" b="1">
+                <a:solidFill>
+                  <a:srgbClr val="0611F2"/>
+                </a:solidFill>
+                <a:latin typeface="맑은 고딕" charset="0"/>
+                <a:ea typeface="맑은 고딕" charset="0"/>
+              </a:rPr>
+              <a:t>1</a:t>
+            </a:r>
+            <a:r>
+              <a:rPr lang="ko-KR" sz="1800" b="1">
+                <a:solidFill>
+                  <a:srgbClr val="0611F2"/>
+                </a:solidFill>
+                <a:latin typeface="맑은 고딕" charset="0"/>
+                <a:ea typeface="맑은 고딕" charset="0"/>
+              </a:rPr>
+              <a:t>7</a:t>
+            </a:r>
+            <a:r>
+              <a:rPr sz="1800" b="1">
+                <a:solidFill>
+                  <a:srgbClr val="0611F2"/>
+                </a:solidFill>
+                <a:latin typeface="맑은 고딕" charset="0"/>
+                <a:ea typeface="맑은 고딕" charset="0"/>
+              </a:rPr>
+              <a:t>.</a:t>
+            </a:r>
+            <a:r>
+              <a:rPr sz="1800">
+                <a:latin typeface="맑은 고딕" charset="0"/>
+                <a:ea typeface="맑은 고딕" charset="0"/>
+              </a:rPr>
+              <a:t> </a:t>
+            </a:r>
+            <a:r>
+              <a:rPr lang="ko-KR" sz="1800">
+                <a:latin typeface="맑은 고딕" charset="0"/>
+                <a:ea typeface="맑은 고딕" charset="0"/>
+              </a:rPr>
+              <a:t>그리고 빈 게임 오브젝트를 생성하고 각각의 이름을 Start와 End로 정의합니다.</a:t>
+            </a:r>
+            <a:endParaRPr lang="ko-KR" altLang="en-US" sz="1800">
+              <a:latin typeface="맑은 고딕" charset="0"/>
+              <a:ea typeface="맑은 고딕" charset="0"/>
+            </a:endParaRPr>
+          </a:p>
         </p:txBody>
       </p:sp>
       <p:pic>
         <p:nvPicPr>
-          <p:cNvPr id="1165" name="그림 58"/>
+          <p:cNvPr id="1207" name="그림 150" descr="C:/Users/Admin1/AppData/Roaming/PolarisOffice/ETemp/8256_23257792/fImage161053832382.png"/>
           <p:cNvPicPr>
             <a:picLocks noChangeAspect="1"/>
           </p:cNvPicPr>
           <p:nvPr/>
         </p:nvPicPr>
         <p:blipFill rotWithShape="1">
-          <a:blip r:embed="rId37" cstate="hqprint">
+          <a:blip r:embed="rId2" cstate="hqprint">
             <a:extLst>
               <a:ext uri="{28A0092B-C50C-407E-A947-70E740481C1C}">
                 <a14:useLocalDpi xmlns:a14="http://schemas.microsoft.com/office/drawing/2010/main"/>
@@ -6113,81 +7694,25 @@
         </p:blipFill>
         <p:spPr>
           <a:xfrm rot="0">
-            <a:off x="1083945" y="1288415"/>
-            <a:ext cx="1802130" cy="1950720"/>
-          </a:xfrm>
-          <a:prstGeom prst="rect"/>
-          <a:noFill/>
+            <a:off x="1097280" y="1230630"/>
+            <a:ext cx="2840355" cy="2240915"/>
+          </a:xfrm>
+          <a:prstGeom prst="roundRect"/>
+          <a:solidFill>
+            <a:srgbClr val="EDEDED"/>
+          </a:solidFill>
         </p:spPr>
       </p:pic>
       <p:pic>
         <p:nvPicPr>
-          <p:cNvPr id="1166" name="그림 59"/>
+          <p:cNvPr id="1208" name="그림 151" descr="C:/Users/Admin1/AppData/Roaming/PolarisOffice/ETemp/8256_23257792/fImage52523847421.png"/>
           <p:cNvPicPr>
             <a:picLocks noChangeAspect="1"/>
           </p:cNvPicPr>
           <p:nvPr/>
         </p:nvPicPr>
         <p:blipFill rotWithShape="1">
-          <a:blip r:embed="rId38" cstate="hqprint">
-            <a:extLst>
-              <a:ext uri="{28A0092B-C50C-407E-A947-70E740481C1C}">
-                <a14:useLocalDpi xmlns:a14="http://schemas.microsoft.com/office/drawing/2010/main"/>
-              </a:ext>
-            </a:extLst>
-          </a:blip>
-          <a:stretch>
-            <a:fillRect/>
-          </a:stretch>
-        </p:blipFill>
-        <p:spPr>
-          <a:xfrm rot="0">
-            <a:off x="3090545" y="2089785"/>
-            <a:ext cx="520065" cy="349250"/>
-          </a:xfrm>
-          <a:prstGeom prst="rect"/>
-          <a:noFill/>
-        </p:spPr>
-      </p:pic>
-      <p:pic>
-        <p:nvPicPr>
-          <p:cNvPr id="1167" name="그림 60"/>
-          <p:cNvPicPr>
-            <a:picLocks noChangeAspect="1"/>
-          </p:cNvPicPr>
-          <p:nvPr/>
-        </p:nvPicPr>
-        <p:blipFill rotWithShape="1">
-          <a:blip r:embed="rId39" cstate="hqprint">
-            <a:extLst>
-              <a:ext uri="{28A0092B-C50C-407E-A947-70E740481C1C}">
-                <a14:useLocalDpi xmlns:a14="http://schemas.microsoft.com/office/drawing/2010/main"/>
-              </a:ext>
-            </a:extLst>
-          </a:blip>
-          <a:stretch>
-            <a:fillRect/>
-          </a:stretch>
-        </p:blipFill>
-        <p:spPr>
-          <a:xfrm rot="0">
-            <a:off x="3808095" y="1282700"/>
-            <a:ext cx="1504950" cy="1965960"/>
-          </a:xfrm>
-          <a:prstGeom prst="rect"/>
-          <a:noFill/>
-        </p:spPr>
-      </p:pic>
-      <p:pic>
-        <p:nvPicPr>
-          <p:cNvPr id="1169" name="그림 62"/>
-          <p:cNvPicPr>
-            <a:picLocks noChangeAspect="1"/>
-          </p:cNvPicPr>
-          <p:nvPr/>
-        </p:nvPicPr>
-        <p:blipFill rotWithShape="1">
-          <a:blip r:embed="rId40" cstate="print">
+          <a:blip r:embed="rId3" cstate="print">
             <a:extLst>
               <a:ext uri="{28A0092B-C50C-407E-A947-70E740481C1C}">
                 <a14:useLocalDpi xmlns:a14="http://schemas.microsoft.com/office/drawing/2010/main" val="0"/>
@@ -6200,81 +7725,25 @@
         </p:blipFill>
         <p:spPr>
           <a:xfrm rot="0">
-            <a:off x="3486150" y="4224020"/>
-            <a:ext cx="1838960" cy="882015"/>
-          </a:xfrm>
-          <a:prstGeom prst="rect"/>
-          <a:noFill/>
+            <a:off x="4111625" y="1717040"/>
+            <a:ext cx="1238885" cy="1447800"/>
+          </a:xfrm>
+          <a:prstGeom prst="roundRect"/>
+          <a:solidFill>
+            <a:srgbClr val="EDEDED"/>
+          </a:solidFill>
         </p:spPr>
       </p:pic>
-      <p:sp>
-        <p:nvSpPr>
-          <p:cNvPr id="1170" name="도형 64"/>
-          <p:cNvSpPr>
-            <a:spLocks/>
-          </p:cNvSpPr>
-          <p:nvPr/>
-        </p:nvSpPr>
-        <p:spPr>
-          <a:xfrm rot="0">
-            <a:off x="3022600" y="4521835"/>
-            <a:ext cx="361315" cy="280035"/>
-          </a:xfrm>
-          <a:prstGeom prst="notchedRightArrow"/>
-          <a:scene3d>
-            <a:camera prst="orthographicFront"/>
-            <a:lightRig rig="threePt" dir="t"/>
-          </a:scene3d>
-          <a:sp3d prstMaterial="warmMatte">
-            <a:bevelT w="76200" h="76200" prst="circle"/>
-            <a:contourClr>
-              <a:srgbClr val="000000"/>
-            </a:contourClr>
-          </a:sp3d>
-        </p:spPr>
-        <p:style>
-          <a:lnRef idx="2">
-            <a:schemeClr val="accent1">
-              <a:shade val="50000"/>
-            </a:schemeClr>
-          </a:lnRef>
-          <a:fillRef idx="1">
-            <a:schemeClr val="accent1"/>
-          </a:fillRef>
-          <a:effectRef idx="0">
-            <a:schemeClr val="accent1"/>
-          </a:effectRef>
-          <a:fontRef idx="minor">
-            <a:schemeClr val="lt1"/>
-          </a:fontRef>
-        </p:style>
-        <p:txBody>
-          <a:bodyPr wrap="square" lIns="91440" tIns="45720" rIns="91440" bIns="45720" numCol="1" vert="horz" anchor="ctr">
-            <a:noAutofit/>
-          </a:bodyPr>
-          <a:lstStyle/>
-          <a:p>
-            <a:pPr marL="0" indent="0" algn="ctr" latinLnBrk="0" hangingPunct="1">
-              <a:buFontTx/>
-              <a:buNone/>
-            </a:pPr>
-            <a:endParaRPr lang="ko-KR" altLang="en-US" sz="1800">
-              <a:latin typeface="맑은 고딕" charset="0"/>
-              <a:ea typeface="맑은 고딕" charset="0"/>
-            </a:endParaRPr>
-          </a:p>
-        </p:txBody>
-      </p:sp>
       <p:pic>
         <p:nvPicPr>
-          <p:cNvPr id="1171" name="그림 65"/>
+          <p:cNvPr id="1209" name="그림 154" descr="C:/Users/Admin1/AppData/Roaming/PolarisOffice/ETemp/8256_23257792/fImage49193858716.png"/>
           <p:cNvPicPr>
             <a:picLocks noChangeAspect="1"/>
           </p:cNvPicPr>
           <p:nvPr/>
         </p:nvPicPr>
         <p:blipFill rotWithShape="1">
-          <a:blip r:embed="rId41" cstate="print">
+          <a:blip r:embed="rId4" cstate="print">
             <a:extLst>
               <a:ext uri="{28A0092B-C50C-407E-A947-70E740481C1C}">
                 <a14:useLocalDpi xmlns:a14="http://schemas.microsoft.com/office/drawing/2010/main" val="0"/>
@@ -6287,145 +7756,25 @@
         </p:blipFill>
         <p:spPr>
           <a:xfrm rot="0">
-            <a:off x="1085850" y="4214495"/>
-            <a:ext cx="1810385" cy="891540"/>
-          </a:xfrm>
-          <a:prstGeom prst="rect"/>
-          <a:noFill/>
+            <a:off x="1099820" y="3641090"/>
+            <a:ext cx="4245610" cy="1048385"/>
+          </a:xfrm>
+          <a:prstGeom prst="roundRect"/>
+          <a:solidFill>
+            <a:srgbClr val="EDEDED"/>
+          </a:solidFill>
         </p:spPr>
       </p:pic>
-      <p:sp>
-        <p:nvSpPr>
-          <p:cNvPr id="1173" name="텍스트 상자 67"/>
-          <p:cNvSpPr txBox="1">
-            <a:spLocks/>
-          </p:cNvSpPr>
-          <p:nvPr/>
-        </p:nvSpPr>
-        <p:spPr>
-          <a:xfrm rot="0">
-            <a:off x="1082040" y="5267325"/>
-            <a:ext cx="4234815" cy="1201420"/>
-          </a:xfrm>
-          <a:prstGeom prst="rect"/>
-          <a:noFill/>
-          <a:ln w="0">
-            <a:noFill/>
-            <a:prstDash/>
-          </a:ln>
-        </p:spPr>
-        <p:txBody>
-          <a:bodyPr wrap="square" lIns="89535" tIns="46355" rIns="89535" bIns="46355" numCol="1" vert="horz" anchor="t">
-            <a:spAutoFit/>
-          </a:bodyPr>
-          <a:lstStyle/>
-          <a:p>
-            <a:pPr marL="0" indent="0" rtl="0" algn="l" defTabSz="914400" eaLnBrk="1" latinLnBrk="0" hangingPunct="1">
-              <a:buFontTx/>
-              <a:buNone/>
-            </a:pPr>
-            <a:r>
-              <a:rPr sz="1800" b="1">
-                <a:solidFill>
-                  <a:srgbClr val="0611F2"/>
-                </a:solidFill>
-                <a:latin typeface="맑은 고딕" charset="0"/>
-                <a:ea typeface="맑은 고딕" charset="0"/>
-              </a:rPr>
-              <a:t>2.</a:t>
-            </a:r>
-            <a:r>
-              <a:rPr sz="1800">
-                <a:latin typeface="맑은 고딕" charset="0"/>
-                <a:ea typeface="맑은 고딕" charset="0"/>
-              </a:rPr>
-              <a:t> 그리</a:t>
-            </a:r>
-            <a:r>
-              <a:rPr lang="ko-KR" sz="1800">
-                <a:latin typeface="맑은 고딕" charset="0"/>
-                <a:ea typeface="맑은 고딕" charset="0"/>
-              </a:rPr>
-              <a:t>고 Character라는 이름으로 변경한 다음 Main Camera 오브젝트를 Character 오브젝트의 하위 오브젝트로 설정합니다.</a:t>
-            </a:r>
-            <a:endParaRPr lang="ko-KR" altLang="en-US" sz="1800">
-              <a:latin typeface="맑은 고딕" charset="0"/>
-              <a:ea typeface="맑은 고딕" charset="0"/>
-            </a:endParaRPr>
-          </a:p>
-        </p:txBody>
-      </p:sp>
-      <p:sp>
-        <p:nvSpPr>
-          <p:cNvPr id="1176" name="텍스트 상자 70"/>
-          <p:cNvSpPr txBox="1">
-            <a:spLocks/>
-          </p:cNvSpPr>
-          <p:nvPr/>
-        </p:nvSpPr>
-        <p:spPr>
-          <a:xfrm rot="0">
-            <a:off x="6821170" y="2252980"/>
-            <a:ext cx="4234815" cy="924560"/>
-          </a:xfrm>
-          <a:prstGeom prst="rect"/>
-          <a:noFill/>
-          <a:ln w="0">
-            <a:noFill/>
-            <a:prstDash/>
-          </a:ln>
-        </p:spPr>
-        <p:txBody>
-          <a:bodyPr wrap="square" lIns="89535" tIns="46355" rIns="89535" bIns="46355" numCol="1" vert="horz" anchor="t">
-            <a:spAutoFit/>
-          </a:bodyPr>
-          <a:lstStyle/>
-          <a:p>
-            <a:pPr marL="0" indent="0" rtl="0" algn="l" defTabSz="914400" eaLnBrk="1" latinLnBrk="0" hangingPunct="1">
-              <a:buFontTx/>
-              <a:buNone/>
-            </a:pPr>
-            <a:r>
-              <a:rPr sz="1800" b="1">
-                <a:solidFill>
-                  <a:srgbClr val="0611F2"/>
-                </a:solidFill>
-                <a:latin typeface="맑은 고딕" charset="0"/>
-                <a:ea typeface="맑은 고딕" charset="0"/>
-              </a:rPr>
-              <a:t>3.</a:t>
-            </a:r>
-            <a:r>
-              <a:rPr sz="1800">
-                <a:latin typeface="맑은 고딕" charset="0"/>
-                <a:ea typeface="맑은 고딕" charset="0"/>
-              </a:rPr>
-              <a:t> 그</a:t>
-            </a:r>
-            <a:r>
-              <a:rPr lang="ko-KR" sz="1800">
-                <a:latin typeface="맑은 고딕" charset="0"/>
-                <a:ea typeface="맑은 고딕" charset="0"/>
-              </a:rPr>
-              <a:t>다음 NavControl 스크립트를 생성하여 Character 오브젝트에 넣어줍니다. </a:t>
-            </a:r>
-            <a:endParaRPr lang="ko-KR" altLang="en-US" sz="1800">
-              <a:latin typeface="맑은 고딕" charset="0"/>
-              <a:ea typeface="맑은 고딕" charset="0"/>
-            </a:endParaRPr>
-          </a:p>
-        </p:txBody>
-      </p:sp>
       <p:pic>
         <p:nvPicPr>
-          <p:cNvPr id="1177" name="그림 73"/>
+          <p:cNvPr id="1210" name="그림 158" descr="C:/Users/Admin1/AppData/Roaming/PolarisOffice/ETemp/8256_23257792/fImage85063979718.png"/>
           <p:cNvPicPr>
             <a:picLocks noChangeAspect="1"/>
           </p:cNvPicPr>
           <p:nvPr/>
         </p:nvPicPr>
         <p:blipFill rotWithShape="1">
-          <a:blip r:embed="rId42" cstate="print">
+          <a:blip r:embed="rId5" cstate="print">
             <a:extLst>
               <a:ext uri="{28A0092B-C50C-407E-A947-70E740481C1C}">
                 <a14:useLocalDpi xmlns:a14="http://schemas.microsoft.com/office/drawing/2010/main" val="0"/>
@@ -6438,25 +7787,837 @@
         </p:blipFill>
         <p:spPr>
           <a:xfrm rot="0">
-            <a:off x="8124825" y="1285875"/>
-            <a:ext cx="2943860" cy="895985"/>
+            <a:off x="6858000" y="1227455"/>
+            <a:ext cx="2159635" cy="3874135"/>
+          </a:xfrm>
+          <a:prstGeom prst="roundRect"/>
+          <a:solidFill>
+            <a:srgbClr val="EDEDED"/>
+          </a:solidFill>
+        </p:spPr>
+      </p:pic>
+      <p:pic>
+        <p:nvPicPr>
+          <p:cNvPr id="1211" name="그림 161" descr="C:/Users/Admin1/AppData/Roaming/PolarisOffice/ETemp/8256_23257792/fImage55773989895.png"/>
+          <p:cNvPicPr>
+            <a:picLocks noChangeAspect="1"/>
+          </p:cNvPicPr>
+          <p:nvPr/>
+        </p:nvPicPr>
+        <p:blipFill rotWithShape="1">
+          <a:blip r:embed="rId6" cstate="print">
+            <a:extLst>
+              <a:ext uri="{28A0092B-C50C-407E-A947-70E740481C1C}">
+                <a14:useLocalDpi xmlns:a14="http://schemas.microsoft.com/office/drawing/2010/main" val="0"/>
+              </a:ext>
+            </a:extLst>
+          </a:blip>
+          <a:stretch>
+            <a:fillRect/>
+          </a:stretch>
+        </p:blipFill>
+        <p:spPr>
+          <a:xfrm rot="0">
+            <a:off x="9260205" y="1735455"/>
+            <a:ext cx="1418590" cy="2889885"/>
+          </a:xfrm>
+          <a:prstGeom prst="roundRect"/>
+          <a:solidFill>
+            <a:srgbClr val="EDEDED"/>
+          </a:solidFill>
+        </p:spPr>
+      </p:pic>
+    </p:spTree>
+  </p:cSld>
+  <p:clrMapOvr>
+    <a:masterClrMapping/>
+  </p:clrMapOvr>
+  <mc:AlternateContent xmlns:mc="http://schemas.openxmlformats.org/markup-compatibility/2006">
+    <mc:Choice xmlns:p14="http://schemas.microsoft.com/office/powerpoint/2010/main" Requires="p14">
+      <p:transition spd="slow" p14:dur="2000"/>
+    </mc:Choice>
+    <mc:Fallback>
+      <p:transition spd="slow"/>
+    </mc:Fallback>
+  </mc:AlternateContent>
+  <p:timing>
+    <p:tnLst>
+      <p:par>
+        <p:cTn id="1" dur="indefinite" restart="never" nodeType="tmRoot"/>
+      </p:par>
+    </p:tnLst>
+  </p:timing>
+</p:sld>
+</file>
+
+<file path=ppt/slides/slide11.xml><?xml version="1.0" encoding="utf-8"?>
+<p:sld xmlns:a="http://schemas.openxmlformats.org/drawingml/2006/main" xmlns:r="http://schemas.openxmlformats.org/officeDocument/2006/relationships" xmlns:p="http://schemas.openxmlformats.org/presentationml/2006/main">
+  <p:cSld>
+    <p:spTree>
+      <p:nvGrpSpPr>
+        <p:cNvPr id="1" name=""/>
+        <p:cNvGrpSpPr/>
+        <p:nvPr/>
+      </p:nvGrpSpPr>
+      <p:grpSpPr>
+        <a:xfrm>
+          <a:off x="0" y="0"/>
+          <a:ext cx="0" cy="0"/>
+          <a:chOff x="0" y="0"/>
+          <a:chExt cx="0" cy="0"/>
+        </a:xfrm>
+      </p:grpSpPr>
+      <p:sp>
+        <p:nvSpPr>
+          <p:cNvPr id="1031" name="Rect 0"/>
+          <p:cNvSpPr txBox="1">
+            <a:spLocks/>
+          </p:cNvSpPr>
+          <p:nvPr/>
+        </p:nvSpPr>
+        <p:spPr>
+          <a:xfrm rot="0">
+            <a:off x="4804410" y="346075"/>
+            <a:ext cx="2593975" cy="478155"/>
           </a:xfrm>
           <a:prstGeom prst="rect"/>
           <a:noFill/>
+          <a:ln w="0">
+            <a:noFill/>
+            <a:prstDash/>
+          </a:ln>
+        </p:spPr>
+        <p:txBody>
+          <a:bodyPr wrap="square" lIns="89535" tIns="46355" rIns="89535" bIns="46355" numCol="1" vert="horz" anchor="t">
+            <a:spAutoFit/>
+          </a:bodyPr>
+          <a:lstStyle/>
+          <a:p>
+            <a:pPr marL="0" indent="0" algn="l" latinLnBrk="0">
+              <a:buFontTx/>
+              <a:buNone/>
+            </a:pPr>
+            <a:r>
+              <a:rPr lang="ko-KR" altLang="en-US" sz="2500" b="1">
+                <a:solidFill>
+                  <a:schemeClr val="tx1"/>
+                </a:solidFill>
+                <a:latin typeface="나눔바른고딕" charset="0"/>
+                <a:ea typeface="나눔바른고딕" charset="0"/>
+              </a:rPr>
+              <a:t>여덟</a:t>
+            </a:r>
+            <a:r>
+              <a:rPr lang="ko-KR" altLang="en-US" sz="2500" b="1">
+                <a:solidFill>
+                  <a:schemeClr val="tx1"/>
+                </a:solidFill>
+                <a:latin typeface="나눔바른고딕" charset="0"/>
+                <a:ea typeface="나눔바른고딕" charset="0"/>
+              </a:rPr>
+              <a:t> 번째 튜토리얼</a:t>
+            </a:r>
+            <a:endParaRPr lang="ko-KR" altLang="en-US" sz="2500" b="1">
+              <a:solidFill>
+                <a:schemeClr val="tx1"/>
+              </a:solidFill>
+              <a:latin typeface="나눔바른고딕" charset="0"/>
+              <a:ea typeface="나눔바른고딕" charset="0"/>
+            </a:endParaRPr>
+          </a:p>
+        </p:txBody>
+      </p:sp>
+      <p:sp>
+        <p:nvSpPr>
+          <p:cNvPr id="1192" name="Rect 0"/>
+          <p:cNvSpPr txBox="1">
+            <a:spLocks/>
+          </p:cNvSpPr>
+          <p:nvPr/>
+        </p:nvSpPr>
+        <p:spPr>
+          <a:xfrm rot="0">
+            <a:off x="1105535" y="5203190"/>
+            <a:ext cx="4250055" cy="647065"/>
+          </a:xfrm>
+          <a:prstGeom prst="rect"/>
+          <a:noFill/>
+          <a:ln w="0">
+            <a:noFill/>
+            <a:prstDash/>
+          </a:ln>
+        </p:spPr>
+        <p:txBody>
+          <a:bodyPr wrap="square" lIns="89535" tIns="46355" rIns="89535" bIns="46355" numCol="1" vert="horz" anchor="t">
+            <a:spAutoFit/>
+          </a:bodyPr>
+          <a:lstStyle/>
+          <a:p>
+            <a:pPr marL="0" indent="0" rtl="0" algn="l" defTabSz="914400" eaLnBrk="1" latinLnBrk="0" hangingPunct="1">
+              <a:buFontTx/>
+              <a:buNone/>
+            </a:pPr>
+            <a:r>
+              <a:rPr sz="1800" b="1">
+                <a:solidFill>
+                  <a:srgbClr val="0611F2"/>
+                </a:solidFill>
+                <a:latin typeface="맑은 고딕" charset="0"/>
+                <a:ea typeface="맑은 고딕" charset="0"/>
+              </a:rPr>
+              <a:t>1</a:t>
+            </a:r>
+            <a:r>
+              <a:rPr lang="ko-KR" sz="1800" b="1">
+                <a:solidFill>
+                  <a:srgbClr val="0611F2"/>
+                </a:solidFill>
+                <a:latin typeface="맑은 고딕" charset="0"/>
+                <a:ea typeface="맑은 고딕" charset="0"/>
+              </a:rPr>
+              <a:t>8</a:t>
+            </a:r>
+            <a:r>
+              <a:rPr sz="1800" b="1">
+                <a:solidFill>
+                  <a:srgbClr val="0611F2"/>
+                </a:solidFill>
+                <a:latin typeface="맑은 고딕" charset="0"/>
+                <a:ea typeface="맑은 고딕" charset="0"/>
+              </a:rPr>
+              <a:t>.</a:t>
+            </a:r>
+            <a:r>
+              <a:rPr sz="1800">
+                <a:latin typeface="맑은 고딕" charset="0"/>
+                <a:ea typeface="맑은 고딕" charset="0"/>
+              </a:rPr>
+              <a:t> </a:t>
+            </a:r>
+            <a:r>
+              <a:rPr lang="ko-KR" sz="1800">
+                <a:latin typeface="맑은 고딕" charset="0"/>
+                <a:ea typeface="맑은 고딕" charset="0"/>
+              </a:rPr>
+              <a:t>그다음으로 Start 오브젝트와 End 오브젝트의 위치 값을 설정합니다.</a:t>
+            </a:r>
+            <a:endParaRPr lang="ko-KR" altLang="en-US" sz="1800">
+              <a:latin typeface="맑은 고딕" charset="0"/>
+              <a:ea typeface="맑은 고딕" charset="0"/>
+            </a:endParaRPr>
+          </a:p>
+        </p:txBody>
+      </p:sp>
+      <p:sp>
+        <p:nvSpPr>
+          <p:cNvPr id="1200" name="Rect 0"/>
+          <p:cNvSpPr txBox="1">
+            <a:spLocks/>
+          </p:cNvSpPr>
+          <p:nvPr/>
+        </p:nvSpPr>
+        <p:spPr>
+          <a:xfrm rot="0">
+            <a:off x="6816090" y="4925695"/>
+            <a:ext cx="4265295" cy="923925"/>
+          </a:xfrm>
+          <a:prstGeom prst="rect"/>
+          <a:noFill/>
+          <a:ln w="0">
+            <a:noFill/>
+            <a:prstDash/>
+          </a:ln>
+        </p:spPr>
+        <p:txBody>
+          <a:bodyPr wrap="square" lIns="89535" tIns="46355" rIns="89535" bIns="46355" numCol="1" vert="horz" anchor="t">
+            <a:spAutoFit/>
+          </a:bodyPr>
+          <a:lstStyle/>
+          <a:p>
+            <a:pPr marL="0" indent="0" rtl="0" algn="l" defTabSz="914400" eaLnBrk="1" latinLnBrk="0" hangingPunct="1">
+              <a:buFontTx/>
+              <a:buNone/>
+            </a:pPr>
+            <a:r>
+              <a:rPr sz="1800" b="1">
+                <a:solidFill>
+                  <a:srgbClr val="0611F2"/>
+                </a:solidFill>
+                <a:latin typeface="맑은 고딕" charset="0"/>
+                <a:ea typeface="맑은 고딕" charset="0"/>
+              </a:rPr>
+              <a:t>1</a:t>
+            </a:r>
+            <a:r>
+              <a:rPr lang="ko-KR" sz="1800" b="1">
+                <a:solidFill>
+                  <a:srgbClr val="0611F2"/>
+                </a:solidFill>
+                <a:latin typeface="맑은 고딕" charset="0"/>
+                <a:ea typeface="맑은 고딕" charset="0"/>
+              </a:rPr>
+              <a:t>9</a:t>
+            </a:r>
+            <a:r>
+              <a:rPr sz="1800" b="1">
+                <a:solidFill>
+                  <a:srgbClr val="0611F2"/>
+                </a:solidFill>
+                <a:latin typeface="맑은 고딕" charset="0"/>
+                <a:ea typeface="맑은 고딕" charset="0"/>
+              </a:rPr>
+              <a:t>.</a:t>
+            </a:r>
+            <a:r>
+              <a:rPr sz="1800">
+                <a:latin typeface="맑은 고딕" charset="0"/>
+                <a:ea typeface="맑은 고딕" charset="0"/>
+              </a:rPr>
+              <a:t> </a:t>
+            </a:r>
+            <a:r>
+              <a:rPr lang="ko-KR" sz="1800">
+                <a:latin typeface="맑은 고딕" charset="0"/>
+                <a:ea typeface="맑은 고딕" charset="0"/>
+              </a:rPr>
+              <a:t>그런 다음 Pillar 오브젝트의 Off Mesh Link에 Start 오브젝트와 End 오브젝트를 넣어줍니다.</a:t>
+            </a:r>
+            <a:endParaRPr lang="ko-KR" altLang="en-US" sz="1800">
+              <a:latin typeface="맑은 고딕" charset="0"/>
+              <a:ea typeface="맑은 고딕" charset="0"/>
+            </a:endParaRPr>
+          </a:p>
+        </p:txBody>
+      </p:sp>
+      <p:pic>
+        <p:nvPicPr>
+          <p:cNvPr id="1210" name="Picture " descr="C:/Users/Admin1/AppData/Roaming/PolarisOffice/ETemp/8256_23257792/fImage284733935447.png"/>
+          <p:cNvPicPr>
+            <a:picLocks noChangeAspect="1"/>
+          </p:cNvPicPr>
+          <p:nvPr/>
+        </p:nvPicPr>
+        <p:blipFill rotWithShape="1">
+          <a:blip r:embed="rId2" cstate="print">
+            <a:extLst>
+              <a:ext uri="{28A0092B-C50C-407E-A947-70E740481C1C}">
+                <a14:useLocalDpi xmlns:a14="http://schemas.microsoft.com/office/drawing/2010/main" val="0"/>
+              </a:ext>
+            </a:extLst>
+          </a:blip>
+          <a:stretch>
+            <a:fillRect/>
+          </a:stretch>
+        </p:blipFill>
+        <p:spPr>
+          <a:xfrm rot="0">
+            <a:off x="8371205" y="1227455"/>
+            <a:ext cx="2710180" cy="3556635"/>
+          </a:xfrm>
+          <a:prstGeom prst="rect"/>
+          <a:noFill/>
+        </p:spPr>
+      </p:pic>
+      <p:pic>
+        <p:nvPicPr>
+          <p:cNvPr id="1212" name="그림 165" descr="C:/Users/Admin1/AppData/Roaming/PolarisOffice/ETemp/8256_23257792/fImage138484001726.png"/>
+          <p:cNvPicPr>
+            <a:picLocks noChangeAspect="1"/>
+          </p:cNvPicPr>
+          <p:nvPr/>
+        </p:nvPicPr>
+        <p:blipFill rotWithShape="1">
+          <a:blip r:embed="rId3" cstate="print">
+            <a:extLst>
+              <a:ext uri="{28A0092B-C50C-407E-A947-70E740481C1C}">
+                <a14:useLocalDpi xmlns:a14="http://schemas.microsoft.com/office/drawing/2010/main" val="0"/>
+              </a:ext>
+            </a:extLst>
+          </a:blip>
+          <a:stretch>
+            <a:fillRect/>
+          </a:stretch>
+        </p:blipFill>
+        <p:spPr>
+          <a:xfrm rot="0">
+            <a:off x="1104265" y="3242945"/>
+            <a:ext cx="4251325" cy="1773555"/>
+          </a:xfrm>
+          <a:prstGeom prst="roundRect"/>
+          <a:solidFill>
+            <a:srgbClr val="EDEDED"/>
+          </a:solidFill>
+        </p:spPr>
+      </p:pic>
+      <p:pic>
+        <p:nvPicPr>
+          <p:cNvPr id="1213" name="그림 166" descr="C:/Users/Admin1/AppData/Roaming/PolarisOffice/ETemp/8256_23257792/fImage138534014771.png"/>
+          <p:cNvPicPr>
+            <a:picLocks noChangeAspect="1"/>
+          </p:cNvPicPr>
+          <p:nvPr/>
+        </p:nvPicPr>
+        <p:blipFill rotWithShape="1">
+          <a:blip r:embed="rId4" cstate="print">
+            <a:extLst>
+              <a:ext uri="{28A0092B-C50C-407E-A947-70E740481C1C}">
+                <a14:useLocalDpi xmlns:a14="http://schemas.microsoft.com/office/drawing/2010/main" val="0"/>
+              </a:ext>
+            </a:extLst>
+          </a:blip>
+          <a:stretch>
+            <a:fillRect/>
+          </a:stretch>
+        </p:blipFill>
+        <p:spPr>
+          <a:xfrm rot="0">
+            <a:off x="1104265" y="1225550"/>
+            <a:ext cx="4262120" cy="1769745"/>
+          </a:xfrm>
+          <a:prstGeom prst="roundRect"/>
+          <a:solidFill>
+            <a:srgbClr val="EDEDED"/>
+          </a:solidFill>
+        </p:spPr>
+      </p:pic>
+      <p:pic>
+        <p:nvPicPr>
+          <p:cNvPr id="1214" name="그림 171" descr="C:/Users/Admin1/AppData/Roaming/PolarisOffice/ETemp/8256_23257792/fImage55774021538.png"/>
+          <p:cNvPicPr>
+            <a:picLocks noChangeAspect="1"/>
+          </p:cNvPicPr>
+          <p:nvPr/>
+        </p:nvPicPr>
+        <p:blipFill rotWithShape="1">
+          <a:blip r:embed="rId5" cstate="print">
+            <a:extLst>
+              <a:ext uri="{28A0092B-C50C-407E-A947-70E740481C1C}">
+                <a14:useLocalDpi xmlns:a14="http://schemas.microsoft.com/office/drawing/2010/main" val="0"/>
+              </a:ext>
+            </a:extLst>
+          </a:blip>
+          <a:stretch>
+            <a:fillRect/>
+          </a:stretch>
+        </p:blipFill>
+        <p:spPr>
+          <a:xfrm rot="0">
+            <a:off x="6815455" y="1788160"/>
+            <a:ext cx="1165225" cy="2181225"/>
+          </a:xfrm>
+          <a:prstGeom prst="roundRect"/>
+          <a:solidFill>
+            <a:srgbClr val="EDEDED"/>
+          </a:solidFill>
         </p:spPr>
       </p:pic>
       <p:cxnSp>
         <p:nvCxnSpPr>
-          <p:cNvPr id="1178" name="도형 74"/>
-          <p:cNvCxnSpPr>
-            <a:stCxn id="1179" idx="3"/>
-          </p:cNvCxnSpPr>
+          <p:cNvPr id="1215" name="도형 172"/>
+          <p:cNvCxnSpPr/>
           <p:nvPr/>
         </p:nvCxnSpPr>
         <p:spPr>
-          <a:xfrm rot="0">
-            <a:off x="7519670" y="1714500"/>
-            <a:ext cx="739775" cy="115570"/>
+          <a:xfrm rot="0" flipV="1">
+            <a:off x="7386955" y="3386455"/>
+            <a:ext cx="3609975" cy="191135"/>
+          </a:xfrm>
+          <a:prstGeom prst="straightConnector1"/>
+          <a:ln w="6350" cap="flat" cmpd="sng">
+            <a:prstDash/>
+            <a:tailEnd type="triangle" w="med" len="med"/>
+          </a:ln>
+        </p:spPr>
+        <p:style>
+          <a:lnRef idx="1">
+            <a:schemeClr val="accent1"/>
+          </a:lnRef>
+          <a:fillRef idx="0">
+            <a:schemeClr val="accent1"/>
+          </a:fillRef>
+          <a:effectRef idx="0">
+            <a:schemeClr val="accent1"/>
+          </a:effectRef>
+          <a:fontRef idx="minor">
+            <a:schemeClr val="tx1"/>
+          </a:fontRef>
+        </p:style>
+      </p:cxnSp>
+      <p:cxnSp>
+        <p:nvCxnSpPr>
+          <p:cNvPr id="1216" name="도형 173"/>
+          <p:cNvCxnSpPr/>
+          <p:nvPr/>
+        </p:nvCxnSpPr>
+        <p:spPr>
+          <a:xfrm rot="0" flipV="1">
+            <a:off x="7376795" y="3597910"/>
+            <a:ext cx="3630295" cy="201930"/>
+          </a:xfrm>
+          <a:prstGeom prst="straightConnector1"/>
+          <a:ln w="6350" cap="flat" cmpd="sng">
+            <a:prstDash/>
+            <a:tailEnd type="triangle" w="med" len="med"/>
+          </a:ln>
+        </p:spPr>
+        <p:style>
+          <a:lnRef idx="1">
+            <a:schemeClr val="accent1"/>
+          </a:lnRef>
+          <a:fillRef idx="0">
+            <a:schemeClr val="accent1"/>
+          </a:fillRef>
+          <a:effectRef idx="0">
+            <a:schemeClr val="accent1"/>
+          </a:effectRef>
+          <a:fontRef idx="minor">
+            <a:schemeClr val="tx1"/>
+          </a:fontRef>
+        </p:style>
+      </p:cxnSp>
+    </p:spTree>
+  </p:cSld>
+  <p:clrMapOvr>
+    <a:masterClrMapping/>
+  </p:clrMapOvr>
+  <mc:AlternateContent xmlns:mc="http://schemas.openxmlformats.org/markup-compatibility/2006">
+    <mc:Choice xmlns:p14="http://schemas.microsoft.com/office/powerpoint/2010/main" Requires="p14">
+      <p:transition spd="slow" p14:dur="2000"/>
+    </mc:Choice>
+    <mc:Fallback>
+      <p:transition spd="slow"/>
+    </mc:Fallback>
+  </mc:AlternateContent>
+  <p:timing>
+    <p:tnLst>
+      <p:par>
+        <p:cTn id="1" dur="indefinite" restart="never" nodeType="tmRoot"/>
+      </p:par>
+    </p:tnLst>
+  </p:timing>
+</p:sld>
+</file>
+
+<file path=ppt/slides/slide12.xml><?xml version="1.0" encoding="utf-8"?>
+<p:sld xmlns:a="http://schemas.openxmlformats.org/drawingml/2006/main" xmlns:r="http://schemas.openxmlformats.org/officeDocument/2006/relationships" xmlns:p="http://schemas.openxmlformats.org/presentationml/2006/main">
+  <p:cSld>
+    <p:spTree>
+      <p:nvGrpSpPr>
+        <p:cNvPr id="1" name=""/>
+        <p:cNvGrpSpPr/>
+        <p:nvPr/>
+      </p:nvGrpSpPr>
+      <p:grpSpPr>
+        <a:xfrm>
+          <a:off x="0" y="0"/>
+          <a:ext cx="0" cy="0"/>
+          <a:chOff x="0" y="0"/>
+          <a:chExt cx="0" cy="0"/>
+        </a:xfrm>
+      </p:grpSpPr>
+      <p:sp>
+        <p:nvSpPr>
+          <p:cNvPr id="1031" name="Rect 0"/>
+          <p:cNvSpPr txBox="1">
+            <a:spLocks/>
+          </p:cNvSpPr>
+          <p:nvPr/>
+        </p:nvSpPr>
+        <p:spPr>
+          <a:xfrm rot="0">
+            <a:off x="4804410" y="346075"/>
+            <a:ext cx="2593975" cy="478155"/>
+          </a:xfrm>
+          <a:prstGeom prst="rect"/>
+          <a:noFill/>
+          <a:ln w="0">
+            <a:noFill/>
+            <a:prstDash/>
+          </a:ln>
+        </p:spPr>
+        <p:txBody>
+          <a:bodyPr wrap="square" lIns="89535" tIns="46355" rIns="89535" bIns="46355" numCol="1" vert="horz" anchor="t">
+            <a:spAutoFit/>
+          </a:bodyPr>
+          <a:lstStyle/>
+          <a:p>
+            <a:pPr marL="0" indent="0" algn="l" latinLnBrk="0">
+              <a:buFontTx/>
+              <a:buNone/>
+            </a:pPr>
+            <a:r>
+              <a:rPr lang="ko-KR" altLang="en-US" sz="2500" b="1">
+                <a:solidFill>
+                  <a:schemeClr val="tx1"/>
+                </a:solidFill>
+                <a:latin typeface="나눔바른고딕" charset="0"/>
+                <a:ea typeface="나눔바른고딕" charset="0"/>
+              </a:rPr>
+              <a:t>아홉</a:t>
+            </a:r>
+            <a:r>
+              <a:rPr lang="ko-KR" altLang="en-US" sz="2500" b="1">
+                <a:solidFill>
+                  <a:schemeClr val="tx1"/>
+                </a:solidFill>
+                <a:latin typeface="나눔바른고딕" charset="0"/>
+                <a:ea typeface="나눔바른고딕" charset="0"/>
+              </a:rPr>
+              <a:t> 번째 튜토리얼</a:t>
+            </a:r>
+            <a:endParaRPr lang="ko-KR" altLang="en-US" sz="2500" b="1">
+              <a:solidFill>
+                <a:schemeClr val="tx1"/>
+              </a:solidFill>
+              <a:latin typeface="나눔바른고딕" charset="0"/>
+              <a:ea typeface="나눔바른고딕" charset="0"/>
+            </a:endParaRPr>
+          </a:p>
+        </p:txBody>
+      </p:sp>
+      <p:sp>
+        <p:nvSpPr>
+          <p:cNvPr id="1192" name="Rect 0"/>
+          <p:cNvSpPr txBox="1">
+            <a:spLocks/>
+          </p:cNvSpPr>
+          <p:nvPr/>
+        </p:nvSpPr>
+        <p:spPr>
+          <a:xfrm rot="0">
+            <a:off x="1407795" y="2874645"/>
+            <a:ext cx="3947795" cy="647065"/>
+          </a:xfrm>
+          <a:prstGeom prst="rect"/>
+          <a:noFill/>
+          <a:ln w="0">
+            <a:noFill/>
+            <a:prstDash/>
+          </a:ln>
+        </p:spPr>
+        <p:txBody>
+          <a:bodyPr wrap="square" lIns="89535" tIns="46355" rIns="89535" bIns="46355" numCol="1" vert="horz" anchor="t">
+            <a:spAutoFit/>
+          </a:bodyPr>
+          <a:lstStyle/>
+          <a:p>
+            <a:pPr marL="0" indent="0" rtl="0" algn="l" defTabSz="914400" eaLnBrk="1" latinLnBrk="0" hangingPunct="1">
+              <a:buFontTx/>
+              <a:buNone/>
+            </a:pPr>
+            <a:r>
+              <a:rPr sz="1800" b="1">
+                <a:solidFill>
+                  <a:srgbClr val="0611F2"/>
+                </a:solidFill>
+                <a:latin typeface="맑은 고딕" charset="0"/>
+                <a:ea typeface="맑은 고딕" charset="0"/>
+              </a:rPr>
+              <a:t>20</a:t>
+            </a:r>
+            <a:r>
+              <a:rPr sz="1800" b="1">
+                <a:solidFill>
+                  <a:srgbClr val="0611F2"/>
+                </a:solidFill>
+                <a:latin typeface="맑은 고딕" charset="0"/>
+                <a:ea typeface="맑은 고딕" charset="0"/>
+              </a:rPr>
+              <a:t>.</a:t>
+            </a:r>
+            <a:r>
+              <a:rPr sz="1800">
+                <a:latin typeface="맑은 고딕" charset="0"/>
+                <a:ea typeface="맑은 고딕" charset="0"/>
+              </a:rPr>
+              <a:t> </a:t>
+            </a:r>
+            <a:r>
+              <a:rPr lang="ko-KR" sz="1800">
+                <a:latin typeface="맑은 고딕" charset="0"/>
+                <a:ea typeface="맑은 고딕" charset="0"/>
+              </a:rPr>
+              <a:t>이제 Pillar 오브젝트를 선택하고 Navigation Static을 선택합니다.</a:t>
+            </a:r>
+            <a:endParaRPr lang="ko-KR" altLang="en-US" sz="1800">
+              <a:latin typeface="맑은 고딕" charset="0"/>
+              <a:ea typeface="맑은 고딕" charset="0"/>
+            </a:endParaRPr>
+          </a:p>
+        </p:txBody>
+      </p:sp>
+      <p:sp>
+        <p:nvSpPr>
+          <p:cNvPr id="1200" name="Rect 0"/>
+          <p:cNvSpPr txBox="1">
+            <a:spLocks/>
+          </p:cNvSpPr>
+          <p:nvPr/>
+        </p:nvSpPr>
+        <p:spPr>
+          <a:xfrm rot="0">
+            <a:off x="1407795" y="5233035"/>
+            <a:ext cx="3947795" cy="647065"/>
+          </a:xfrm>
+          <a:prstGeom prst="rect"/>
+          <a:noFill/>
+          <a:ln w="0">
+            <a:noFill/>
+            <a:prstDash/>
+          </a:ln>
+        </p:spPr>
+        <p:txBody>
+          <a:bodyPr wrap="square" lIns="89535" tIns="46355" rIns="89535" bIns="46355" numCol="1" vert="horz" anchor="t">
+            <a:spAutoFit/>
+          </a:bodyPr>
+          <a:lstStyle/>
+          <a:p>
+            <a:pPr marL="0" indent="0" rtl="0" algn="l" defTabSz="914400" eaLnBrk="1" latinLnBrk="0" hangingPunct="1">
+              <a:buFontTx/>
+              <a:buNone/>
+            </a:pPr>
+            <a:r>
+              <a:rPr sz="1800" b="1">
+                <a:solidFill>
+                  <a:srgbClr val="0611F2"/>
+                </a:solidFill>
+                <a:latin typeface="맑은 고딕" charset="0"/>
+                <a:ea typeface="맑은 고딕" charset="0"/>
+              </a:rPr>
+              <a:t>21</a:t>
+            </a:r>
+            <a:r>
+              <a:rPr sz="1800" b="1">
+                <a:solidFill>
+                  <a:srgbClr val="0611F2"/>
+                </a:solidFill>
+                <a:latin typeface="맑은 고딕" charset="0"/>
+                <a:ea typeface="맑은 고딕" charset="0"/>
+              </a:rPr>
+              <a:t>.</a:t>
+            </a:r>
+            <a:r>
+              <a:rPr sz="1800">
+                <a:latin typeface="맑은 고딕" charset="0"/>
+                <a:ea typeface="맑은 고딕" charset="0"/>
+              </a:rPr>
+              <a:t> </a:t>
+            </a:r>
+            <a:r>
+              <a:rPr lang="ko-KR" sz="1800">
+                <a:latin typeface="맑은 고딕" charset="0"/>
+                <a:ea typeface="맑은 고딕" charset="0"/>
+              </a:rPr>
+              <a:t>그리고 Pillar 오브젝트 Ground 텍스처를 넣어줍니다.</a:t>
+            </a:r>
+            <a:endParaRPr lang="ko-KR" altLang="en-US" sz="1800">
+              <a:latin typeface="맑은 고딕" charset="0"/>
+              <a:ea typeface="맑은 고딕" charset="0"/>
+            </a:endParaRPr>
+          </a:p>
+        </p:txBody>
+      </p:sp>
+      <p:pic>
+        <p:nvPicPr>
+          <p:cNvPr id="1217" name="그림 174" descr="C:/Users/Admin1/AppData/Roaming/PolarisOffice/ETemp/8256_23257792/fImage274994171869.png"/>
+          <p:cNvPicPr>
+            <a:picLocks noChangeAspect="1"/>
+          </p:cNvPicPr>
+          <p:nvPr/>
+        </p:nvPicPr>
+        <p:blipFill rotWithShape="1">
+          <a:blip r:embed="rId2" cstate="print">
+            <a:extLst>
+              <a:ext uri="{28A0092B-C50C-407E-A947-70E740481C1C}">
+                <a14:useLocalDpi xmlns:a14="http://schemas.microsoft.com/office/drawing/2010/main" val="0"/>
+              </a:ext>
+            </a:extLst>
+          </a:blip>
+          <a:stretch>
+            <a:fillRect/>
+          </a:stretch>
+        </p:blipFill>
+        <p:spPr>
+          <a:xfrm rot="0">
+            <a:off x="1407160" y="1216025"/>
+            <a:ext cx="3948430" cy="1631315"/>
+          </a:xfrm>
+          <a:prstGeom prst="rect"/>
+          <a:noFill/>
+        </p:spPr>
+      </p:pic>
+      <p:pic>
+        <p:nvPicPr>
+          <p:cNvPr id="1218" name="그림 175" descr="C:/Users/Admin1/AppData/Roaming/PolarisOffice/ETemp/8256_23257792/fImage39574189912.png"/>
+          <p:cNvPicPr>
+            <a:picLocks noChangeAspect="1"/>
+          </p:cNvPicPr>
+          <p:nvPr/>
+        </p:nvPicPr>
+        <p:blipFill rotWithShape="1">
+          <a:blip r:embed="rId3" cstate="print">
+            <a:extLst>
+              <a:ext uri="{28A0092B-C50C-407E-A947-70E740481C1C}">
+                <a14:useLocalDpi xmlns:a14="http://schemas.microsoft.com/office/drawing/2010/main" val="0"/>
+              </a:ext>
+            </a:extLst>
+          </a:blip>
+          <a:stretch>
+            <a:fillRect/>
+          </a:stretch>
+        </p:blipFill>
+        <p:spPr>
+          <a:xfrm rot="0">
+            <a:off x="2868295" y="3781425"/>
+            <a:ext cx="2482850" cy="1196975"/>
+          </a:xfrm>
+          <a:prstGeom prst="roundRect"/>
+          <a:solidFill>
+            <a:srgbClr val="EDEDED"/>
+          </a:solidFill>
+        </p:spPr>
+      </p:pic>
+      <p:pic>
+        <p:nvPicPr>
+          <p:cNvPr id="1219" name="그림 176" descr="C:/Users/Admin1/AppData/Roaming/PolarisOffice/ETemp/8256_23257792/fImage56584195667.png"/>
+          <p:cNvPicPr>
+            <a:picLocks noChangeAspect="1"/>
+          </p:cNvPicPr>
+          <p:nvPr/>
+        </p:nvPicPr>
+        <p:blipFill rotWithShape="1">
+          <a:blip r:embed="rId4" cstate="print">
+            <a:extLst>
+              <a:ext uri="{28A0092B-C50C-407E-A947-70E740481C1C}">
+                <a14:useLocalDpi xmlns:a14="http://schemas.microsoft.com/office/drawing/2010/main" val="0"/>
+              </a:ext>
+            </a:extLst>
+          </a:blip>
+          <a:stretch>
+            <a:fillRect/>
+          </a:stretch>
+        </p:blipFill>
+        <p:spPr>
+          <a:xfrm rot="0">
+            <a:off x="1410970" y="3778885"/>
+            <a:ext cx="1200785" cy="1199515"/>
+          </a:xfrm>
+          <a:prstGeom prst="roundRect"/>
+          <a:solidFill>
+            <a:srgbClr val="EDEDED"/>
+          </a:solidFill>
+        </p:spPr>
+      </p:pic>
+      <p:cxnSp>
+        <p:nvCxnSpPr>
+          <p:cNvPr id="1220" name="도형 179"/>
+          <p:cNvCxnSpPr/>
+          <p:nvPr/>
+        </p:nvCxnSpPr>
+        <p:spPr>
+          <a:xfrm rot="0" flipH="1" flipV="1">
+            <a:off x="2032000" y="4635500"/>
+            <a:ext cx="963930" cy="3810"/>
           </a:xfrm>
           <a:prstGeom prst="straightConnector1"/>
           <a:ln w="6350" cap="flat" cmpd="sng">
@@ -6481,14 +8642,14 @@
       </p:cxnSp>
       <p:pic>
         <p:nvPicPr>
-          <p:cNvPr id="1179" name="그림 75"/>
+          <p:cNvPr id="1221" name="그림 180" descr="C:/Users/Admin1/AppData/Roaming/PolarisOffice/ETemp/8256_23257792/fImage175004216299.png"/>
           <p:cNvPicPr>
             <a:picLocks noChangeAspect="1"/>
           </p:cNvPicPr>
           <p:nvPr/>
         </p:nvPicPr>
         <p:blipFill rotWithShape="1">
-          <a:blip r:embed="rId43" cstate="print">
+          <a:blip r:embed="rId5" cstate="print">
             <a:extLst>
               <a:ext uri="{28A0092B-C50C-407E-A947-70E740481C1C}">
                 <a14:useLocalDpi xmlns:a14="http://schemas.microsoft.com/office/drawing/2010/main" val="0"/>
@@ -6501,8 +8662,8 @@
         </p:blipFill>
         <p:spPr>
           <a:xfrm rot="0">
-            <a:off x="6824345" y="1343025"/>
-            <a:ext cx="695960" cy="743585"/>
+            <a:off x="6847205" y="2698750"/>
+            <a:ext cx="3905885" cy="3185795"/>
           </a:xfrm>
           <a:prstGeom prst="roundRect"/>
           <a:solidFill>
@@ -6510,38 +8671,9 @@
           </a:solidFill>
         </p:spPr>
       </p:pic>
-      <p:pic>
-        <p:nvPicPr>
-          <p:cNvPr id="1180" name="그림 78"/>
-          <p:cNvPicPr>
-            <a:picLocks noChangeAspect="1"/>
-          </p:cNvPicPr>
-          <p:nvPr/>
-        </p:nvPicPr>
-        <p:blipFill rotWithShape="1">
-          <a:blip r:embed="rId44" cstate="print">
-            <a:extLst>
-              <a:ext uri="{28A0092B-C50C-407E-A947-70E740481C1C}">
-                <a14:useLocalDpi xmlns:a14="http://schemas.microsoft.com/office/drawing/2010/main" val="0"/>
-              </a:ext>
-            </a:extLst>
-          </a:blip>
-          <a:stretch>
-            <a:fillRect/>
-          </a:stretch>
-        </p:blipFill>
-        <p:spPr>
-          <a:xfrm rot="0">
-            <a:off x="6819900" y="3281045"/>
-            <a:ext cx="4258310" cy="1682115"/>
-          </a:xfrm>
-          <a:prstGeom prst="rect"/>
-          <a:noFill/>
-        </p:spPr>
-      </p:pic>
-      <p:sp>
-        <p:nvSpPr>
-          <p:cNvPr id="1181" name="텍스트 상자 84"/>
+      <p:sp>
+        <p:nvSpPr>
+          <p:cNvPr id="1222" name="텍스트 상자 184"/>
           <p:cNvSpPr txBox="1">
             <a:spLocks/>
           </p:cNvSpPr>
@@ -6549,8 +8681,8 @@
         </p:nvSpPr>
         <p:spPr>
           <a:xfrm rot="0">
-            <a:off x="6826250" y="5106035"/>
-            <a:ext cx="4234815" cy="924560"/>
+            <a:off x="6855460" y="1219200"/>
+            <a:ext cx="3897630" cy="1200785"/>
           </a:xfrm>
           <a:prstGeom prst="rect"/>
           <a:noFill/>
@@ -6570,28 +8702,28 @@
               <a:buNone/>
             </a:pPr>
             <a:r>
-              <a:rPr sz="1800" b="1">
-                <a:solidFill>
-                  <a:srgbClr val="0611F2"/>
-                </a:solidFill>
-                <a:latin typeface="맑은 고딕" charset="0"/>
-                <a:ea typeface="맑은 고딕" charset="0"/>
-              </a:rPr>
-              <a:t>4.</a:t>
-            </a:r>
-            <a:r>
-              <a:rPr sz="1800">
-                <a:latin typeface="맑은 고딕" charset="0"/>
-                <a:ea typeface="맑은 고딕" charset="0"/>
-              </a:rPr>
-              <a:t> </a:t>
-            </a:r>
-            <a:r>
               <a:rPr lang="ko-KR" sz="1800">
                 <a:latin typeface="맑은 고딕" charset="0"/>
                 <a:ea typeface="맑은 고딕" charset="0"/>
               </a:rPr>
-              <a:t>마지막으로 스크립트에서 float 이동 변수와 NavMeshAgent 컴포넌트를 설정합니다.</a:t>
+              <a:t>Off Mesh Link란?</a:t>
+            </a:r>
+            <a:endParaRPr lang="ko-KR" altLang="en-US" sz="1800">
+              <a:latin typeface="맑은 고딕" charset="0"/>
+              <a:ea typeface="맑은 고딕" charset="0"/>
+            </a:endParaRPr>
+          </a:p>
+          <a:p>
+            <a:pPr marL="0" indent="0" rtl="0" algn="l" defTabSz="914400" eaLnBrk="1" latinLnBrk="0" hangingPunct="1">
+              <a:buFontTx/>
+              <a:buNone/>
+            </a:pPr>
+            <a:r>
+              <a:rPr lang="ko-KR" sz="1800">
+                <a:latin typeface="맑은 고딕" charset="0"/>
+                <a:ea typeface="맑은 고딕" charset="0"/>
+              </a:rPr>
+              <a:t>내비게이션 경로가 끊어진 영역을 이동할 수 있도록 설정하는 컴포넌트입니다. </a:t>
             </a:r>
             <a:endParaRPr lang="ko-KR" altLang="en-US" sz="1800">
               <a:latin typeface="맑은 고딕" charset="0"/>
@@ -6678,7 +8810,47 @@
                 <a:latin typeface="나눔바른고딕" charset="0"/>
                 <a:ea typeface="나눔바른고딕" charset="0"/>
               </a:rPr>
-              <a:t>두 번째 튜토리얼</a:t>
+              <a:t>첫</a:t>
+            </a:r>
+            <a:r>
+              <a:rPr lang="ko-KR" altLang="en-US" sz="2500" b="1">
+                <a:solidFill>
+                  <a:schemeClr val="tx1"/>
+                </a:solidFill>
+                <a:latin typeface="나눔바른고딕" charset="0"/>
+                <a:ea typeface="나눔바른고딕" charset="0"/>
+              </a:rPr>
+              <a:t> </a:t>
+            </a:r>
+            <a:r>
+              <a:rPr lang="ko-KR" altLang="en-US" sz="2500" b="1">
+                <a:solidFill>
+                  <a:schemeClr val="tx1"/>
+                </a:solidFill>
+                <a:latin typeface="나눔바른고딕" charset="0"/>
+                <a:ea typeface="나눔바른고딕" charset="0"/>
+              </a:rPr>
+              <a:t>번째</a:t>
+            </a:r>
+            <a:r>
+              <a:rPr lang="ko-KR" altLang="en-US" sz="2500" b="1">
+                <a:solidFill>
+                  <a:schemeClr val="tx1"/>
+                </a:solidFill>
+                <a:latin typeface="나눔바른고딕" charset="0"/>
+                <a:ea typeface="나눔바른고딕" charset="0"/>
+              </a:rPr>
+              <a:t> </a:t>
+            </a:r>
+            <a:r>
+              <a:rPr lang="ko-KR" altLang="en-US" sz="2500" b="1">
+                <a:solidFill>
+                  <a:schemeClr val="tx1"/>
+                </a:solidFill>
+                <a:latin typeface="나눔바른고딕" charset="0"/>
+                <a:ea typeface="나눔바른고딕" charset="0"/>
+              </a:rPr>
+              <a:t>튜토리얼</a:t>
             </a:r>
             <a:endParaRPr lang="ko-KR" altLang="en-US" sz="2500" b="1">
               <a:solidFill>
@@ -6692,7 +8864,7 @@
       </p:sp>
       <p:sp>
         <p:nvSpPr>
-          <p:cNvPr id="1164" name="Rect 0"/>
+          <p:cNvPr id="1164" name="텍스트 상자 40"/>
           <p:cNvSpPr txBox="1">
             <a:spLocks/>
           </p:cNvSpPr>
@@ -6700,8 +8872,8 @@
         </p:nvSpPr>
         <p:spPr>
           <a:xfrm rot="0">
-            <a:off x="1191260" y="2328545"/>
-            <a:ext cx="4163695" cy="1201420"/>
+            <a:off x="1075690" y="3094990"/>
+            <a:ext cx="4301490" cy="647065"/>
           </a:xfrm>
           <a:prstGeom prst="rect"/>
           <a:noFill/>
@@ -6728,7 +8900,7 @@
                 <a:latin typeface="맑은 고딕" charset="0"/>
                 <a:ea typeface="맑은 고딕" charset="0"/>
               </a:rPr>
-              <a:t>5.</a:t>
+              <a:t>1.</a:t>
             </a:r>
             <a:r>
               <a:rPr sz="1800">
@@ -6738,25 +8910,11 @@
               <a:t> </a:t>
             </a:r>
             <a:r>
-              <a:rPr lang="ko-KR" sz="1800">
-                <a:latin typeface="맑은 고딕" charset="0"/>
-                <a:ea typeface="맑은 고딕" charset="0"/>
-              </a:rPr>
-              <a:t>스크립트에서 NavMeshAgent를 가져오기 때문에 Character</a:t>
-            </a:r>
-            <a:r>
               <a:rPr sz="1800">
                 <a:latin typeface="맑은 고딕" charset="0"/>
                 <a:ea typeface="맑은 고딕" charset="0"/>
               </a:rPr>
-              <a:t> </a:t>
-            </a:r>
-            <a:r>
-              <a:rPr lang="ko-KR" sz="1800">
-                <a:latin typeface="맑은 고딕" charset="0"/>
-                <a:ea typeface="맑은 고딕" charset="0"/>
-              </a:rPr>
-              <a:t>오브젝트에 Nav Mesh Agent 컴포넌트를 추가합니다.</a:t>
+              <a:t>3D Object를 선택한 다음 Capsule 게임 오브젝트를 생성합니다.</a:t>
             </a:r>
             <a:endParaRPr lang="ko-KR" altLang="en-US" sz="1800">
               <a:latin typeface="맑은 고딕" charset="0"/>
@@ -6767,14 +8925,521 @@
       </p:sp>
       <p:pic>
         <p:nvPicPr>
-          <p:cNvPr id="1172" name="Picture "/>
+          <p:cNvPr id="1165" name="그림 58" descr="C:/Users/Admin1/AppData/Roaming/PolarisOffice/ETemp/8256_23257792/fImage725725741.png"/>
           <p:cNvPicPr>
             <a:picLocks noChangeAspect="1"/>
           </p:cNvPicPr>
           <p:nvPr/>
         </p:nvPicPr>
         <p:blipFill rotWithShape="1">
-          <a:blip r:embed="rId2" cstate="print">
+          <a:blip r:embed="rId37" cstate="hqprint">
+            <a:extLst>
+              <a:ext uri="{28A0092B-C50C-407E-A947-70E740481C1C}">
+                <a14:useLocalDpi xmlns:a14="http://schemas.microsoft.com/office/drawing/2010/main"/>
+              </a:ext>
+            </a:extLst>
+          </a:blip>
+          <a:stretch>
+            <a:fillRect/>
+          </a:stretch>
+        </p:blipFill>
+        <p:spPr>
+          <a:xfrm rot="0">
+            <a:off x="1083945" y="1288415"/>
+            <a:ext cx="1802765" cy="1675130"/>
+          </a:xfrm>
+          <a:prstGeom prst="rect"/>
+          <a:noFill/>
+        </p:spPr>
+      </p:pic>
+      <p:pic>
+        <p:nvPicPr>
+          <p:cNvPr id="1166" name="그림 59"/>
+          <p:cNvPicPr>
+            <a:picLocks noChangeAspect="1"/>
+          </p:cNvPicPr>
+          <p:nvPr/>
+        </p:nvPicPr>
+        <p:blipFill rotWithShape="1">
+          <a:blip r:embed="rId38" cstate="hqprint">
+            <a:extLst>
+              <a:ext uri="{28A0092B-C50C-407E-A947-70E740481C1C}">
+                <a14:useLocalDpi xmlns:a14="http://schemas.microsoft.com/office/drawing/2010/main"/>
+              </a:ext>
+            </a:extLst>
+          </a:blip>
+          <a:stretch>
+            <a:fillRect/>
+          </a:stretch>
+        </p:blipFill>
+        <p:spPr>
+          <a:xfrm rot="0">
+            <a:off x="3090545" y="2089785"/>
+            <a:ext cx="520065" cy="349250"/>
+          </a:xfrm>
+          <a:prstGeom prst="rect"/>
+          <a:noFill/>
+        </p:spPr>
+      </p:pic>
+      <p:pic>
+        <p:nvPicPr>
+          <p:cNvPr id="1167" name="그림 60" descr="C:/Users/Admin1/AppData/Roaming/PolarisOffice/ETemp/8256_23257792/fImage51372596334.png"/>
+          <p:cNvPicPr>
+            <a:picLocks noChangeAspect="1"/>
+          </p:cNvPicPr>
+          <p:nvPr/>
+        </p:nvPicPr>
+        <p:blipFill rotWithShape="1">
+          <a:blip r:embed="rId39" cstate="hqprint">
+            <a:extLst>
+              <a:ext uri="{28A0092B-C50C-407E-A947-70E740481C1C}">
+                <a14:useLocalDpi xmlns:a14="http://schemas.microsoft.com/office/drawing/2010/main"/>
+              </a:ext>
+            </a:extLst>
+          </a:blip>
+          <a:stretch>
+            <a:fillRect/>
+          </a:stretch>
+        </p:blipFill>
+        <p:spPr>
+          <a:xfrm rot="0">
+            <a:off x="3808095" y="1282700"/>
+            <a:ext cx="1569085" cy="1680845"/>
+          </a:xfrm>
+          <a:prstGeom prst="rect"/>
+          <a:noFill/>
+        </p:spPr>
+      </p:pic>
+      <p:pic>
+        <p:nvPicPr>
+          <p:cNvPr id="1169" name="그림 62" descr="C:/Users/Admin1/AppData/Roaming/PolarisOffice/ETemp/8256_23257792/fImage48472616500.png"/>
+          <p:cNvPicPr>
+            <a:picLocks noChangeAspect="1"/>
+          </p:cNvPicPr>
+          <p:nvPr/>
+        </p:nvPicPr>
+        <p:blipFill rotWithShape="1">
+          <a:blip r:embed="rId40" cstate="hqprint">
+            <a:extLst>
+              <a:ext uri="{28A0092B-C50C-407E-A947-70E740481C1C}">
+                <a14:useLocalDpi xmlns:a14="http://schemas.microsoft.com/office/drawing/2010/main"/>
+              </a:ext>
+            </a:extLst>
+          </a:blip>
+          <a:stretch>
+            <a:fillRect/>
+          </a:stretch>
+        </p:blipFill>
+        <p:spPr>
+          <a:xfrm rot="0">
+            <a:off x="3475355" y="3906520"/>
+            <a:ext cx="1901825" cy="882650"/>
+          </a:xfrm>
+          <a:prstGeom prst="roundRect"/>
+          <a:solidFill>
+            <a:srgbClr val="EDEDED"/>
+          </a:solidFill>
+        </p:spPr>
+      </p:pic>
+      <p:sp>
+        <p:nvSpPr>
+          <p:cNvPr id="1170" name="도형 64"/>
+          <p:cNvSpPr>
+            <a:spLocks/>
+          </p:cNvSpPr>
+          <p:nvPr/>
+        </p:nvSpPr>
+        <p:spPr>
+          <a:xfrm rot="0">
+            <a:off x="3011805" y="4204335"/>
+            <a:ext cx="361950" cy="280670"/>
+          </a:xfrm>
+          <a:prstGeom prst="notchedRightArrow"/>
+          <a:scene3d>
+            <a:camera prst="orthographicFront"/>
+            <a:lightRig rig="threePt" dir="t"/>
+          </a:scene3d>
+          <a:sp3d prstMaterial="warmMatte">
+            <a:bevelT w="76200" h="76200" prst="circle"/>
+            <a:contourClr>
+              <a:srgbClr val="000000"/>
+            </a:contourClr>
+          </a:sp3d>
+        </p:spPr>
+        <p:style>
+          <a:lnRef idx="2">
+            <a:schemeClr val="accent1">
+              <a:shade val="50000"/>
+            </a:schemeClr>
+          </a:lnRef>
+          <a:fillRef idx="1">
+            <a:schemeClr val="accent1"/>
+          </a:fillRef>
+          <a:effectRef idx="0">
+            <a:schemeClr val="accent1"/>
+          </a:effectRef>
+          <a:fontRef idx="minor">
+            <a:schemeClr val="lt1"/>
+          </a:fontRef>
+        </p:style>
+        <p:txBody>
+          <a:bodyPr wrap="square" lIns="91440" tIns="45720" rIns="91440" bIns="45720" numCol="1" vert="horz" anchor="ctr">
+            <a:noAutofit/>
+          </a:bodyPr>
+          <a:lstStyle/>
+          <a:p>
+            <a:pPr marL="0" indent="0" algn="ctr" latinLnBrk="0" hangingPunct="1">
+              <a:buFontTx/>
+              <a:buNone/>
+            </a:pPr>
+            <a:endParaRPr lang="ko-KR" altLang="en-US" sz="1800">
+              <a:latin typeface="맑은 고딕" charset="0"/>
+              <a:ea typeface="맑은 고딕" charset="0"/>
+            </a:endParaRPr>
+          </a:p>
+        </p:txBody>
+      </p:sp>
+      <p:pic>
+        <p:nvPicPr>
+          <p:cNvPr id="1171" name="그림 65" descr="C:/Users/Admin1/AppData/Roaming/PolarisOffice/ETemp/8256_23257792/fImage48852649169.png"/>
+          <p:cNvPicPr>
+            <a:picLocks noChangeAspect="1"/>
+          </p:cNvPicPr>
+          <p:nvPr/>
+        </p:nvPicPr>
+        <p:blipFill rotWithShape="1">
+          <a:blip r:embed="rId41" cstate="hqprint">
+            <a:extLst>
+              <a:ext uri="{28A0092B-C50C-407E-A947-70E740481C1C}">
+                <a14:useLocalDpi xmlns:a14="http://schemas.microsoft.com/office/drawing/2010/main"/>
+              </a:ext>
+            </a:extLst>
+          </a:blip>
+          <a:stretch>
+            <a:fillRect/>
+          </a:stretch>
+        </p:blipFill>
+        <p:spPr>
+          <a:xfrm rot="0">
+            <a:off x="1075055" y="3896995"/>
+            <a:ext cx="1811020" cy="892175"/>
+          </a:xfrm>
+          <a:prstGeom prst="roundRect"/>
+          <a:solidFill>
+            <a:srgbClr val="EDEDED"/>
+          </a:solidFill>
+        </p:spPr>
+      </p:pic>
+      <p:sp>
+        <p:nvSpPr>
+          <p:cNvPr id="1173" name="텍스트 상자 67"/>
+          <p:cNvSpPr txBox="1">
+            <a:spLocks/>
+          </p:cNvSpPr>
+          <p:nvPr/>
+        </p:nvSpPr>
+        <p:spPr>
+          <a:xfrm rot="0">
+            <a:off x="1082040" y="4939030"/>
+            <a:ext cx="4295140" cy="1200785"/>
+          </a:xfrm>
+          <a:prstGeom prst="rect"/>
+          <a:noFill/>
+          <a:ln w="0">
+            <a:noFill/>
+            <a:prstDash/>
+          </a:ln>
+        </p:spPr>
+        <p:txBody>
+          <a:bodyPr wrap="square" lIns="89535" tIns="46355" rIns="89535" bIns="46355" numCol="1" vert="horz" anchor="t">
+            <a:spAutoFit/>
+          </a:bodyPr>
+          <a:lstStyle/>
+          <a:p>
+            <a:pPr marL="0" indent="0" rtl="0" algn="l" defTabSz="914400" eaLnBrk="1" latinLnBrk="0" hangingPunct="1">
+              <a:buFontTx/>
+              <a:buNone/>
+            </a:pPr>
+            <a:r>
+              <a:rPr sz="1800" b="1">
+                <a:solidFill>
+                  <a:srgbClr val="0611F2"/>
+                </a:solidFill>
+                <a:latin typeface="맑은 고딕" charset="0"/>
+                <a:ea typeface="맑은 고딕" charset="0"/>
+              </a:rPr>
+              <a:t>2.</a:t>
+            </a:r>
+            <a:r>
+              <a:rPr sz="1800">
+                <a:latin typeface="맑은 고딕" charset="0"/>
+                <a:ea typeface="맑은 고딕" charset="0"/>
+              </a:rPr>
+              <a:t> 그리</a:t>
+            </a:r>
+            <a:r>
+              <a:rPr lang="ko-KR" sz="1800">
+                <a:latin typeface="맑은 고딕" charset="0"/>
+                <a:ea typeface="맑은 고딕" charset="0"/>
+              </a:rPr>
+              <a:t>고</a:t>
+            </a:r>
+            <a:r>
+              <a:rPr lang="ko-KR" sz="1800">
+                <a:latin typeface="맑은 고딕" charset="0"/>
+                <a:ea typeface="맑은 고딕" charset="0"/>
+              </a:rPr>
+              <a:t> </a:t>
+            </a:r>
+            <a:r>
+              <a:rPr lang="ko-KR" sz="1800">
+                <a:latin typeface="맑은 고딕" charset="0"/>
+                <a:ea typeface="맑은 고딕" charset="0"/>
+              </a:rPr>
+              <a:t>Character라는</a:t>
+            </a:r>
+            <a:r>
+              <a:rPr lang="ko-KR" sz="1800">
+                <a:latin typeface="맑은 고딕" charset="0"/>
+                <a:ea typeface="맑은 고딕" charset="0"/>
+              </a:rPr>
+              <a:t> </a:t>
+            </a:r>
+            <a:r>
+              <a:rPr lang="ko-KR" sz="1800">
+                <a:latin typeface="맑은 고딕" charset="0"/>
+                <a:ea typeface="맑은 고딕" charset="0"/>
+              </a:rPr>
+              <a:t>이름으로</a:t>
+            </a:r>
+            <a:r>
+              <a:rPr lang="ko-KR" sz="1800">
+                <a:latin typeface="맑은 고딕" charset="0"/>
+                <a:ea typeface="맑은 고딕" charset="0"/>
+              </a:rPr>
+              <a:t> </a:t>
+            </a:r>
+            <a:r>
+              <a:rPr lang="ko-KR" sz="1800">
+                <a:latin typeface="맑은 고딕" charset="0"/>
+                <a:ea typeface="맑은 고딕" charset="0"/>
+              </a:rPr>
+              <a:t>변경한</a:t>
+            </a:r>
+            <a:r>
+              <a:rPr lang="ko-KR" sz="1800">
+                <a:latin typeface="맑은 고딕" charset="0"/>
+                <a:ea typeface="맑은 고딕" charset="0"/>
+              </a:rPr>
+              <a:t> </a:t>
+            </a:r>
+            <a:r>
+              <a:rPr lang="ko-KR" sz="1800">
+                <a:latin typeface="맑은 고딕" charset="0"/>
+                <a:ea typeface="맑은 고딕" charset="0"/>
+              </a:rPr>
+              <a:t>다음</a:t>
+            </a:r>
+            <a:r>
+              <a:rPr lang="ko-KR" sz="1800">
+                <a:latin typeface="맑은 고딕" charset="0"/>
+                <a:ea typeface="맑은 고딕" charset="0"/>
+              </a:rPr>
+              <a:t> </a:t>
+            </a:r>
+            <a:r>
+              <a:rPr lang="ko-KR" sz="1800">
+                <a:latin typeface="맑은 고딕" charset="0"/>
+                <a:ea typeface="맑은 고딕" charset="0"/>
+              </a:rPr>
+              <a:t>Main</a:t>
+            </a:r>
+            <a:r>
+              <a:rPr lang="ko-KR" sz="1800">
+                <a:latin typeface="맑은 고딕" charset="0"/>
+                <a:ea typeface="맑은 고딕" charset="0"/>
+              </a:rPr>
+              <a:t> </a:t>
+            </a:r>
+            <a:r>
+              <a:rPr lang="ko-KR" sz="1800">
+                <a:latin typeface="맑은 고딕" charset="0"/>
+                <a:ea typeface="맑은 고딕" charset="0"/>
+              </a:rPr>
+              <a:t>Camera</a:t>
+            </a:r>
+            <a:r>
+              <a:rPr lang="ko-KR" sz="1800">
+                <a:latin typeface="맑은 고딕" charset="0"/>
+                <a:ea typeface="맑은 고딕" charset="0"/>
+              </a:rPr>
+              <a:t> </a:t>
+            </a:r>
+            <a:r>
+              <a:rPr lang="ko-KR" sz="1800">
+                <a:latin typeface="맑은 고딕" charset="0"/>
+                <a:ea typeface="맑은 고딕" charset="0"/>
+              </a:rPr>
+              <a:t>오브젝트를</a:t>
+            </a:r>
+            <a:r>
+              <a:rPr lang="ko-KR" sz="1800">
+                <a:latin typeface="맑은 고딕" charset="0"/>
+                <a:ea typeface="맑은 고딕" charset="0"/>
+              </a:rPr>
+              <a:t> </a:t>
+            </a:r>
+            <a:r>
+              <a:rPr lang="ko-KR" sz="1800">
+                <a:latin typeface="맑은 고딕" charset="0"/>
+                <a:ea typeface="맑은 고딕" charset="0"/>
+              </a:rPr>
+              <a:t>Character</a:t>
+            </a:r>
+            <a:r>
+              <a:rPr lang="ko-KR" sz="1800">
+                <a:latin typeface="맑은 고딕" charset="0"/>
+                <a:ea typeface="맑은 고딕" charset="0"/>
+              </a:rPr>
+              <a:t> </a:t>
+            </a:r>
+            <a:r>
+              <a:rPr lang="ko-KR" sz="1800">
+                <a:latin typeface="맑은 고딕" charset="0"/>
+                <a:ea typeface="맑은 고딕" charset="0"/>
+              </a:rPr>
+              <a:t>오브젝트의</a:t>
+            </a:r>
+            <a:r>
+              <a:rPr lang="ko-KR" sz="1800">
+                <a:latin typeface="맑은 고딕" charset="0"/>
+                <a:ea typeface="맑은 고딕" charset="0"/>
+              </a:rPr>
+              <a:t> </a:t>
+            </a:r>
+            <a:r>
+              <a:rPr lang="ko-KR" sz="1800">
+                <a:latin typeface="맑은 고딕" charset="0"/>
+                <a:ea typeface="맑은 고딕" charset="0"/>
+              </a:rPr>
+              <a:t>하위</a:t>
+            </a:r>
+            <a:r>
+              <a:rPr lang="ko-KR" sz="1800">
+                <a:latin typeface="맑은 고딕" charset="0"/>
+                <a:ea typeface="맑은 고딕" charset="0"/>
+              </a:rPr>
+              <a:t> </a:t>
+            </a:r>
+            <a:r>
+              <a:rPr lang="ko-KR" sz="1800">
+                <a:latin typeface="맑은 고딕" charset="0"/>
+                <a:ea typeface="맑은 고딕" charset="0"/>
+              </a:rPr>
+              <a:t>오브젝트로</a:t>
+            </a:r>
+            <a:r>
+              <a:rPr lang="ko-KR" sz="1800">
+                <a:latin typeface="맑은 고딕" charset="0"/>
+                <a:ea typeface="맑은 고딕" charset="0"/>
+              </a:rPr>
+              <a:t> </a:t>
+            </a:r>
+            <a:r>
+              <a:rPr lang="ko-KR" sz="1800">
+                <a:latin typeface="맑은 고딕" charset="0"/>
+                <a:ea typeface="맑은 고딕" charset="0"/>
+              </a:rPr>
+              <a:t>넣어줍니다.</a:t>
+            </a:r>
+            <a:endParaRPr lang="ko-KR" altLang="en-US" sz="1800">
+              <a:latin typeface="맑은 고딕" charset="0"/>
+              <a:ea typeface="맑은 고딕" charset="0"/>
+            </a:endParaRPr>
+          </a:p>
+        </p:txBody>
+      </p:sp>
+      <p:sp>
+        <p:nvSpPr>
+          <p:cNvPr id="1181" name="텍스트 상자 84"/>
+          <p:cNvSpPr txBox="1">
+            <a:spLocks/>
+          </p:cNvSpPr>
+          <p:nvPr/>
+        </p:nvSpPr>
+        <p:spPr>
+          <a:xfrm rot="0">
+            <a:off x="6815455" y="3108960"/>
+            <a:ext cx="4286885" cy="647065"/>
+          </a:xfrm>
+          <a:prstGeom prst="rect"/>
+          <a:noFill/>
+          <a:ln w="0">
+            <a:noFill/>
+            <a:prstDash/>
+          </a:ln>
+        </p:spPr>
+        <p:txBody>
+          <a:bodyPr wrap="square" lIns="89535" tIns="46355" rIns="89535" bIns="46355" numCol="1" vert="horz" anchor="t">
+            <a:spAutoFit/>
+          </a:bodyPr>
+          <a:lstStyle/>
+          <a:p>
+            <a:pPr marL="0" indent="0" rtl="0" algn="l" defTabSz="914400" eaLnBrk="1" latinLnBrk="0" hangingPunct="1">
+              <a:buFontTx/>
+              <a:buNone/>
+            </a:pPr>
+            <a:r>
+              <a:rPr sz="1800" b="1">
+                <a:solidFill>
+                  <a:srgbClr val="0611F2"/>
+                </a:solidFill>
+                <a:latin typeface="맑은 고딕" charset="0"/>
+                <a:ea typeface="맑은 고딕" charset="0"/>
+              </a:rPr>
+              <a:t>3</a:t>
+            </a:r>
+            <a:r>
+              <a:rPr sz="1800" b="1">
+                <a:solidFill>
+                  <a:srgbClr val="0611F2"/>
+                </a:solidFill>
+                <a:latin typeface="맑은 고딕" charset="0"/>
+                <a:ea typeface="맑은 고딕" charset="0"/>
+              </a:rPr>
+              <a:t>.</a:t>
+            </a:r>
+            <a:r>
+              <a:rPr sz="1800">
+                <a:latin typeface="맑은 고딕" charset="0"/>
+                <a:ea typeface="맑은 고딕" charset="0"/>
+              </a:rPr>
+              <a:t> </a:t>
+            </a:r>
+            <a:r>
+              <a:rPr lang="ko-KR" sz="1800">
+                <a:latin typeface="맑은 고딕" charset="0"/>
+                <a:ea typeface="맑은 고딕" charset="0"/>
+              </a:rPr>
+              <a:t>그런 다음 Main Camera를 선택하고 위치와 회전 값을 설정합니다.</a:t>
+            </a:r>
+            <a:endParaRPr lang="ko-KR" altLang="en-US" sz="1800">
+              <a:latin typeface="맑은 고딕" charset="0"/>
+              <a:ea typeface="맑은 고딕" charset="0"/>
+            </a:endParaRPr>
+          </a:p>
+        </p:txBody>
+      </p:sp>
+      <p:pic>
+        <p:nvPicPr>
+          <p:cNvPr id="1182" name="그림 10" descr="C:/Users/Admin1/AppData/Roaming/PolarisOffice/ETemp/8256_23257792/fImage144572066334.png"/>
+          <p:cNvPicPr>
+            <a:picLocks noChangeAspect="1"/>
+          </p:cNvPicPr>
+          <p:nvPr/>
+        </p:nvPicPr>
+        <p:blipFill rotWithShape="1">
+          <a:blip r:embed="rId45" cstate="print">
             <a:extLst>
               <a:ext uri="{28A0092B-C50C-407E-A947-70E740481C1C}">
                 <a14:useLocalDpi xmlns:a14="http://schemas.microsoft.com/office/drawing/2010/main" val="0"/>
@@ -6787,25 +9452,171 @@
         </p:blipFill>
         <p:spPr>
           <a:xfrm rot="0">
-            <a:off x="1200150" y="1152525"/>
-            <a:ext cx="4153535" cy="1057910"/>
-          </a:xfrm>
-          <a:prstGeom prst="roundRect"/>
-          <a:solidFill>
-            <a:srgbClr val="EDEDED"/>
-          </a:solidFill>
+            <a:off x="6812915" y="1286510"/>
+            <a:ext cx="4289425" cy="1708785"/>
+          </a:xfrm>
+          <a:prstGeom prst="rect"/>
+          <a:noFill/>
         </p:spPr>
       </p:pic>
+      <p:sp>
+        <p:nvSpPr>
+          <p:cNvPr id="1183" name="텍스트 상자 26"/>
+          <p:cNvSpPr txBox="1">
+            <a:spLocks/>
+          </p:cNvSpPr>
+          <p:nvPr/>
+        </p:nvSpPr>
+        <p:spPr>
+          <a:xfrm rot="0">
+            <a:off x="6826250" y="5205730"/>
+            <a:ext cx="4283710" cy="923925"/>
+          </a:xfrm>
+          <a:prstGeom prst="rect"/>
+          <a:noFill/>
+          <a:ln w="0">
+            <a:noFill/>
+            <a:prstDash/>
+          </a:ln>
+        </p:spPr>
+        <p:txBody>
+          <a:bodyPr wrap="square" lIns="89535" tIns="46355" rIns="89535" bIns="46355" numCol="1" vert="horz" anchor="t">
+            <a:spAutoFit/>
+          </a:bodyPr>
+          <a:lstStyle/>
+          <a:p>
+            <a:pPr marL="0" indent="0" rtl="0" algn="l" defTabSz="914400" eaLnBrk="1" latinLnBrk="0" hangingPunct="1">
+              <a:buFontTx/>
+              <a:buNone/>
+            </a:pPr>
+            <a:r>
+              <a:rPr sz="1800" b="1">
+                <a:solidFill>
+                  <a:srgbClr val="0611F2"/>
+                </a:solidFill>
+                <a:latin typeface="맑은 고딕" charset="0"/>
+                <a:ea typeface="맑은 고딕" charset="0"/>
+              </a:rPr>
+              <a:t>4</a:t>
+            </a:r>
+            <a:r>
+              <a:rPr sz="1800" b="1">
+                <a:solidFill>
+                  <a:srgbClr val="0611F2"/>
+                </a:solidFill>
+                <a:latin typeface="맑은 고딕" charset="0"/>
+                <a:ea typeface="맑은 고딕" charset="0"/>
+              </a:rPr>
+              <a:t>.</a:t>
+            </a:r>
+            <a:r>
+              <a:rPr sz="1800">
+                <a:latin typeface="맑은 고딕" charset="0"/>
+                <a:ea typeface="맑은 고딕" charset="0"/>
+              </a:rPr>
+              <a:t> 그</a:t>
+            </a:r>
+            <a:r>
+              <a:rPr lang="ko-KR" sz="1800">
+                <a:latin typeface="맑은 고딕" charset="0"/>
+                <a:ea typeface="맑은 고딕" charset="0"/>
+              </a:rPr>
+              <a:t>다음</a:t>
+            </a:r>
+            <a:r>
+              <a:rPr lang="ko-KR" sz="1800">
+                <a:latin typeface="맑은 고딕" charset="0"/>
+                <a:ea typeface="맑은 고딕" charset="0"/>
+              </a:rPr>
+              <a:t>으로</a:t>
+            </a:r>
+            <a:r>
+              <a:rPr lang="ko-KR" sz="1800">
+                <a:latin typeface="맑은 고딕" charset="0"/>
+                <a:ea typeface="맑은 고딕" charset="0"/>
+              </a:rPr>
+              <a:t> NavControl 스크립트를 생성하여 Character 오브젝트에 넣어줍니다. </a:t>
+            </a:r>
+            <a:endParaRPr lang="ko-KR" altLang="en-US" sz="1800">
+              <a:latin typeface="맑은 고딕" charset="0"/>
+              <a:ea typeface="맑은 고딕" charset="0"/>
+            </a:endParaRPr>
+          </a:p>
+        </p:txBody>
+      </p:sp>
       <p:pic>
         <p:nvPicPr>
-          <p:cNvPr id="1181" name="그림 87"/>
+          <p:cNvPr id="1184" name="그림 27" descr="C:/Users/Admin1/AppData/Roaming/PolarisOffice/ETemp/8256_23257792/fImage49692705724.png"/>
           <p:cNvPicPr>
             <a:picLocks noChangeAspect="1"/>
           </p:cNvPicPr>
           <p:nvPr/>
         </p:nvPicPr>
         <p:blipFill rotWithShape="1">
-          <a:blip r:embed="rId3" cstate="print">
+          <a:blip r:embed="rId42" cstate="hqprint">
+            <a:extLst>
+              <a:ext uri="{28A0092B-C50C-407E-A947-70E740481C1C}">
+                <a14:useLocalDpi xmlns:a14="http://schemas.microsoft.com/office/drawing/2010/main"/>
+              </a:ext>
+            </a:extLst>
+          </a:blip>
+          <a:stretch>
+            <a:fillRect/>
+          </a:stretch>
+        </p:blipFill>
+        <p:spPr>
+          <a:xfrm rot="0">
+            <a:off x="8167370" y="3932555"/>
+            <a:ext cx="2944495" cy="1042670"/>
+          </a:xfrm>
+          <a:prstGeom prst="roundRect"/>
+          <a:solidFill>
+            <a:srgbClr val="EDEDED"/>
+          </a:solidFill>
+        </p:spPr>
+      </p:pic>
+      <p:cxnSp>
+        <p:nvCxnSpPr>
+          <p:cNvPr id="1185" name="도형 28"/>
+          <p:cNvCxnSpPr/>
+          <p:nvPr/>
+        </p:nvCxnSpPr>
+        <p:spPr>
+          <a:xfrm rot="0">
+            <a:off x="7588250" y="4540885"/>
+            <a:ext cx="709930" cy="635"/>
+          </a:xfrm>
+          <a:prstGeom prst="straightConnector1"/>
+          <a:ln w="6350" cap="flat" cmpd="sng">
+            <a:prstDash/>
+            <a:tailEnd type="triangle" w="med" len="med"/>
+          </a:ln>
+        </p:spPr>
+        <p:style>
+          <a:lnRef idx="1">
+            <a:schemeClr val="accent1"/>
+          </a:lnRef>
+          <a:fillRef idx="0">
+            <a:schemeClr val="accent1"/>
+          </a:fillRef>
+          <a:effectRef idx="0">
+            <a:schemeClr val="accent1"/>
+          </a:effectRef>
+          <a:fontRef idx="minor">
+            <a:schemeClr val="tx1"/>
+          </a:fontRef>
+        </p:style>
+      </p:cxnSp>
+      <p:pic>
+        <p:nvPicPr>
+          <p:cNvPr id="1186" name="그림 48" descr="C:/Users/Admin1/AppData/Roaming/PolarisOffice/ETemp/8256_23257792/fImage20522456500.png"/>
+          <p:cNvPicPr>
+            <a:picLocks noChangeAspect="1"/>
+          </p:cNvPicPr>
+          <p:nvPr/>
+        </p:nvPicPr>
+        <p:blipFill rotWithShape="1">
+          <a:blip r:embed="rId46" cstate="print">
             <a:extLst>
               <a:ext uri="{28A0092B-C50C-407E-A947-70E740481C1C}">
                 <a14:useLocalDpi xmlns:a14="http://schemas.microsoft.com/office/drawing/2010/main" val="0"/>
@@ -6818,37 +9629,8 @@
         </p:blipFill>
         <p:spPr>
           <a:xfrm rot="0">
-            <a:off x="6824345" y="1152525"/>
-            <a:ext cx="4539615" cy="2581910"/>
-          </a:xfrm>
-          <a:prstGeom prst="rect"/>
-          <a:noFill/>
-        </p:spPr>
-      </p:pic>
-      <p:pic>
-        <p:nvPicPr>
-          <p:cNvPr id="1182" name="그림 88" descr="C:/Users/Admin1/AppData/Roaming/PolarisOffice/ETemp/8788_22017440/fImage31782965705.png"/>
-          <p:cNvPicPr>
-            <a:picLocks noChangeAspect="1"/>
-          </p:cNvPicPr>
-          <p:nvPr/>
-        </p:nvPicPr>
-        <p:blipFill rotWithShape="1">
-          <a:blip r:embed="rId4" cstate="hqprint">
-            <a:extLst>
-              <a:ext uri="{28A0092B-C50C-407E-A947-70E740481C1C}">
-                <a14:useLocalDpi xmlns:a14="http://schemas.microsoft.com/office/drawing/2010/main"/>
-              </a:ext>
-            </a:extLst>
-          </a:blip>
-          <a:stretch>
-            <a:fillRect/>
-          </a:stretch>
-        </p:blipFill>
-        <p:spPr>
-          <a:xfrm rot="0">
-            <a:off x="1190625" y="3642995"/>
-            <a:ext cx="4154170" cy="1115695"/>
+            <a:off x="6805295" y="4128135"/>
+            <a:ext cx="772795" cy="826135"/>
           </a:xfrm>
           <a:prstGeom prst="roundRect"/>
           <a:solidFill>
@@ -6856,155 +9638,6 @@
           </a:solidFill>
         </p:spPr>
       </p:pic>
-      <p:sp>
-        <p:nvSpPr>
-          <p:cNvPr id="1183" name="텍스트 상자 89"/>
-          <p:cNvSpPr txBox="1">
-            <a:spLocks/>
-          </p:cNvSpPr>
-          <p:nvPr/>
-        </p:nvSpPr>
-        <p:spPr>
-          <a:xfrm rot="0">
-            <a:off x="1186815" y="4888865"/>
-            <a:ext cx="4176395" cy="1201420"/>
-          </a:xfrm>
-          <a:prstGeom prst="rect"/>
-          <a:noFill/>
-          <a:ln w="0">
-            <a:noFill/>
-            <a:prstDash/>
-          </a:ln>
-        </p:spPr>
-        <p:txBody>
-          <a:bodyPr wrap="square" lIns="89535" tIns="46355" rIns="89535" bIns="46355" numCol="1" vert="horz" anchor="t">
-            <a:spAutoFit/>
-          </a:bodyPr>
-          <a:lstStyle/>
-          <a:p>
-            <a:pPr marL="0" indent="0" rtl="0" algn="l" defTabSz="914400" eaLnBrk="1" latinLnBrk="0" hangingPunct="1">
-              <a:buFontTx/>
-              <a:buNone/>
-            </a:pPr>
-            <a:r>
-              <a:rPr sz="1800" b="1">
-                <a:solidFill>
-                  <a:srgbClr val="0611F2"/>
-                </a:solidFill>
-                <a:latin typeface="맑은 고딕" charset="0"/>
-                <a:ea typeface="맑은 고딕" charset="0"/>
-              </a:rPr>
-              <a:t>6.</a:t>
-            </a:r>
-            <a:r>
-              <a:rPr sz="1800">
-                <a:latin typeface="맑은 고딕" charset="0"/>
-                <a:ea typeface="맑은 고딕" charset="0"/>
-              </a:rPr>
-              <a:t> </a:t>
-            </a:r>
-            <a:r>
-              <a:rPr lang="ko-KR" sz="1800">
-                <a:latin typeface="맑은 고딕" charset="0"/>
-                <a:ea typeface="맑은 고딕" charset="0"/>
-              </a:rPr>
-              <a:t>그리고 Nav Mesh Agent 컴포넌트로 이동하기 위해 Move라는 함수를 만들고 속도와 도착지점을 설정합니다.</a:t>
-            </a:r>
-            <a:endParaRPr lang="ko-KR" altLang="en-US" sz="1800">
-              <a:latin typeface="맑은 고딕" charset="0"/>
-              <a:ea typeface="맑은 고딕" charset="0"/>
-            </a:endParaRPr>
-          </a:p>
-        </p:txBody>
-      </p:sp>
-      <p:sp>
-        <p:nvSpPr>
-          <p:cNvPr id="1184" name="텍스트 상자 90"/>
-          <p:cNvSpPr txBox="1">
-            <a:spLocks/>
-          </p:cNvSpPr>
-          <p:nvPr/>
-        </p:nvSpPr>
-        <p:spPr>
-          <a:xfrm rot="0">
-            <a:off x="6821170" y="3805555"/>
-            <a:ext cx="4544060" cy="2032000"/>
-          </a:xfrm>
-          <a:prstGeom prst="rect"/>
-          <a:noFill/>
-          <a:ln w="0">
-            <a:noFill/>
-            <a:prstDash/>
-          </a:ln>
-        </p:spPr>
-        <p:txBody>
-          <a:bodyPr wrap="square" lIns="89535" tIns="46355" rIns="89535" bIns="46355" numCol="1" vert="horz" anchor="t">
-            <a:spAutoFit/>
-          </a:bodyPr>
-          <a:lstStyle/>
-          <a:p>
-            <a:pPr marL="0" indent="0" rtl="0" algn="l" defTabSz="914400" eaLnBrk="1" latinLnBrk="0" hangingPunct="1">
-              <a:buFontTx/>
-              <a:buNone/>
-            </a:pPr>
-            <a:r>
-              <a:rPr sz="1800" b="1">
-                <a:solidFill>
-                  <a:srgbClr val="0611F2"/>
-                </a:solidFill>
-                <a:latin typeface="맑은 고딕" charset="0"/>
-                <a:ea typeface="맑은 고딕" charset="0"/>
-              </a:rPr>
-              <a:t>7.</a:t>
-            </a:r>
-            <a:r>
-              <a:rPr sz="1800">
-                <a:latin typeface="맑은 고딕" charset="0"/>
-                <a:ea typeface="맑은 고딕" charset="0"/>
-              </a:rPr>
-              <a:t> </a:t>
-            </a:r>
-            <a:r>
-              <a:rPr lang="ko-KR" sz="1800">
-                <a:latin typeface="맑은 고딕" charset="0"/>
-                <a:ea typeface="맑은 고딕" charset="0"/>
-              </a:rPr>
-              <a:t>그다음으로 마우스 왼쪽 버튼을 클릭했을 때 마우스로 클릭한 3D 공간의 위치 정보를 저장합니다.</a:t>
-            </a:r>
-            <a:endParaRPr lang="ko-KR" altLang="en-US" sz="1800">
-              <a:latin typeface="맑은 고딕" charset="0"/>
-              <a:ea typeface="맑은 고딕" charset="0"/>
-            </a:endParaRPr>
-          </a:p>
-          <a:p>
-            <a:pPr marL="0" indent="0" rtl="0" algn="l" defTabSz="914400" eaLnBrk="1" latinLnBrk="0" hangingPunct="1">
-              <a:buFontTx/>
-              <a:buNone/>
-            </a:pPr>
-            <a:endParaRPr lang="ko-KR" altLang="en-US" sz="1800">
-              <a:latin typeface="맑은 고딕" charset="0"/>
-              <a:ea typeface="맑은 고딕" charset="0"/>
-            </a:endParaRPr>
-          </a:p>
-          <a:p>
-            <a:pPr marL="0" indent="0" rtl="0" algn="l" defTabSz="914400" eaLnBrk="1" latinLnBrk="0" hangingPunct="1">
-              <a:buFontTx/>
-              <a:buNone/>
-            </a:pPr>
-            <a:r>
-              <a:rPr lang="ko-KR" sz="1800">
-                <a:latin typeface="맑은 고딕" charset="0"/>
-                <a:ea typeface="맑은 고딕" charset="0"/>
-              </a:rPr>
-              <a:t>최종적으로 충돌한 물체가 있을 때 충돌한 오브젝트의 위치 정보를 Move() 함수 매개변수로 넣어줍니다.  </a:t>
-            </a:r>
-            <a:endParaRPr lang="ko-KR" altLang="en-US" sz="1800">
-              <a:latin typeface="맑은 고딕" charset="0"/>
-              <a:ea typeface="맑은 고딕" charset="0"/>
-            </a:endParaRPr>
-          </a:p>
-        </p:txBody>
-      </p:sp>
     </p:spTree>
   </p:cSld>
   <p:clrMapOvr>
@@ -7029,7 +9662,7 @@
 </file>
 
 <file path=ppt/slides/slide3.xml><?xml version="1.0" encoding="utf-8"?>
-<p:sld xmlns:a="http://schemas.openxmlformats.org/drawingml/2006/main" xmlns:r="http://schemas.openxmlformats.org/officeDocument/2006/relationships" xmlns:p="http://schemas.openxmlformats.org/presentationml/2006/main" xmlns:p14="http://schemas.microsoft.com/office/powerpoint/2010/main">
+<p:sld xmlns:a="http://schemas.openxmlformats.org/drawingml/2006/main" xmlns:r="http://schemas.openxmlformats.org/officeDocument/2006/relationships" xmlns:p="http://schemas.openxmlformats.org/presentationml/2006/main">
   <p:cSld>
     <p:spTree>
       <p:nvGrpSpPr>
@@ -7056,7 +9689,7 @@
         <p:spPr>
           <a:xfrm rot="0">
             <a:off x="4943475" y="346075"/>
-            <a:ext cx="2306320" cy="478155"/>
+            <a:ext cx="2306955" cy="478155"/>
           </a:xfrm>
           <a:prstGeom prst="rect"/>
           <a:noFill/>
@@ -7083,7 +9716,17 @@
                 <a:latin typeface="나눔바른고딕" charset="0"/>
                 <a:ea typeface="나눔바른고딕" charset="0"/>
               </a:rPr>
-              <a:t>세 번째 튜토리얼</a:t>
+              <a:t>두</a:t>
+            </a:r>
+            <a:r>
+              <a:rPr lang="ko-KR" altLang="en-US" sz="2500" b="1">
+                <a:solidFill>
+                  <a:schemeClr val="tx1"/>
+                </a:solidFill>
+                <a:latin typeface="나눔바른고딕" charset="0"/>
+                <a:ea typeface="나눔바른고딕" charset="0"/>
+              </a:rPr>
+              <a:t> 번째 튜토리얼</a:t>
             </a:r>
             <a:endParaRPr lang="ko-KR" altLang="en-US" sz="2500" b="1">
               <a:solidFill>
@@ -7097,7 +9740,7 @@
       </p:sp>
       <p:sp>
         <p:nvSpPr>
-          <p:cNvPr id="1183" name="Rect 0"/>
+          <p:cNvPr id="1173" name="Rect 0"/>
           <p:cNvSpPr txBox="1">
             <a:spLocks/>
           </p:cNvSpPr>
@@ -7105,8 +9748,8 @@
         </p:nvSpPr>
         <p:spPr>
           <a:xfrm rot="0">
-            <a:off x="1247140" y="2819400"/>
-            <a:ext cx="4155440" cy="924560"/>
+            <a:off x="1344295" y="4833620"/>
+            <a:ext cx="4011295" cy="1200785"/>
           </a:xfrm>
           <a:prstGeom prst="rect"/>
           <a:noFill/>
@@ -7133,39 +9776,121 @@
                 <a:latin typeface="맑은 고딕" charset="0"/>
                 <a:ea typeface="맑은 고딕" charset="0"/>
               </a:rPr>
-              <a:t>8.</a:t>
+              <a:t>5</a:t>
+            </a:r>
+            <a:r>
+              <a:rPr sz="1800" b="1">
+                <a:solidFill>
+                  <a:srgbClr val="0611F2"/>
+                </a:solidFill>
+                <a:latin typeface="맑은 고딕" charset="0"/>
+                <a:ea typeface="맑은 고딕" charset="0"/>
+              </a:rPr>
+              <a:t>.</a:t>
             </a:r>
             <a:r>
               <a:rPr sz="1800">
                 <a:latin typeface="맑은 고딕" charset="0"/>
                 <a:ea typeface="맑은 고딕" charset="0"/>
               </a:rPr>
-              <a:t> </a:t>
+              <a:t> 그리</a:t>
             </a:r>
             <a:r>
               <a:rPr lang="ko-KR" sz="1800">
                 <a:latin typeface="맑은 고딕" charset="0"/>
                 <a:ea typeface="맑은 고딕" charset="0"/>
               </a:rPr>
-              <a:t>마우스가 선택한 위치로 이동시키기 위해 Main Camera의 위치 정보와 회전 정보를 3인칭 형태로 변경합니다.</a:t>
+              <a:t>고</a:t>
+            </a:r>
+            <a:r>
+              <a:rPr lang="ko-KR" sz="1800">
+                <a:latin typeface="맑은 고딕" charset="0"/>
+                <a:ea typeface="맑은 고딕" charset="0"/>
+              </a:rPr>
+              <a:t> 3D Object를 선택하고 Plane 2개를 생성합니다.</a:t>
             </a:r>
             <a:endParaRPr lang="ko-KR" altLang="en-US" sz="1800">
               <a:latin typeface="맑은 고딕" charset="0"/>
               <a:ea typeface="맑은 고딕" charset="0"/>
             </a:endParaRPr>
           </a:p>
+          <a:p>
+            <a:pPr marL="0" indent="0" rtl="0" algn="l" defTabSz="914400" eaLnBrk="1" latinLnBrk="0" hangingPunct="1">
+              <a:buFontTx/>
+              <a:buNone/>
+            </a:pPr>
+            <a:endParaRPr lang="ko-KR" altLang="en-US" sz="1800">
+              <a:latin typeface="맑은 고딕" charset="0"/>
+              <a:ea typeface="맑은 고딕" charset="0"/>
+            </a:endParaRPr>
+          </a:p>
+          <a:p>
+            <a:pPr marL="0" indent="0" rtl="0" algn="l" defTabSz="914400" eaLnBrk="1" latinLnBrk="0" hangingPunct="1">
+              <a:buFontTx/>
+              <a:buNone/>
+            </a:pPr>
+            <a:r>
+              <a:rPr lang="ko-KR" sz="1800">
+                <a:latin typeface="맑은 고딕" charset="0"/>
+                <a:ea typeface="맑은 고딕" charset="0"/>
+              </a:rPr>
+              <a:t>그다음 각각의 이름을 정의합니다.</a:t>
+            </a:r>
+            <a:r>
+              <a:rPr lang="ko-KR" sz="1800">
+                <a:latin typeface="맑은 고딕" charset="0"/>
+                <a:ea typeface="맑은 고딕" charset="0"/>
+              </a:rPr>
+              <a:t> </a:t>
+            </a:r>
+            <a:endParaRPr lang="ko-KR" altLang="en-US" sz="1800">
+              <a:latin typeface="맑은 고딕" charset="0"/>
+              <a:ea typeface="맑은 고딕" charset="0"/>
+            </a:endParaRPr>
+          </a:p>
         </p:txBody>
       </p:sp>
       <p:pic>
         <p:nvPicPr>
-          <p:cNvPr id="1185" name="그림 91"/>
+          <p:cNvPr id="1183" name="그림 25" descr="C:/Users/Admin1/AppData/Roaming/PolarisOffice/ETemp/8256_23257792/fImage159532179169.png"/>
           <p:cNvPicPr>
             <a:picLocks noChangeAspect="1"/>
           </p:cNvPicPr>
           <p:nvPr/>
         </p:nvPicPr>
         <p:blipFill rotWithShape="1">
-          <a:blip r:embed="rId2" cstate="print">
+          <a:blip r:embed="rId2" cstate="hqprint">
+            <a:extLst>
+              <a:ext uri="{28A0092B-C50C-407E-A947-70E740481C1C}">
+                <a14:useLocalDpi xmlns:a14="http://schemas.microsoft.com/office/drawing/2010/main"/>
+              </a:ext>
+            </a:extLst>
+          </a:blip>
+          <a:stretch>
+            <a:fillRect/>
+          </a:stretch>
+        </p:blipFill>
+        <p:spPr>
+          <a:xfrm rot="0">
+            <a:off x="1343660" y="1227455"/>
+            <a:ext cx="2519680" cy="3440430"/>
+          </a:xfrm>
+          <a:prstGeom prst="roundRect"/>
+          <a:solidFill>
+            <a:srgbClr val="EDEDED"/>
+          </a:solidFill>
+        </p:spPr>
+      </p:pic>
+      <p:pic>
+        <p:nvPicPr>
+          <p:cNvPr id="1184" name="그림 30" descr="C:/Users/Admin1/AppData/Roaming/PolarisOffice/ETemp/8256_23257792/fImage34802315724.png"/>
+          <p:cNvPicPr>
+            <a:picLocks noChangeAspect="1"/>
+          </p:cNvPicPr>
+          <p:nvPr/>
+        </p:nvPicPr>
+        <p:blipFill rotWithShape="1">
+          <a:blip r:embed="rId3" cstate="print">
             <a:extLst>
               <a:ext uri="{28A0092B-C50C-407E-A947-70E740481C1C}">
                 <a14:useLocalDpi xmlns:a14="http://schemas.microsoft.com/office/drawing/2010/main" val="0"/>
@@ -7178,8 +9903,8 @@
         </p:blipFill>
         <p:spPr>
           <a:xfrm rot="0">
-            <a:off x="6858000" y="1328420"/>
-            <a:ext cx="4210685" cy="1996440"/>
+            <a:off x="4087495" y="2317750"/>
+            <a:ext cx="1268095" cy="1355090"/>
           </a:xfrm>
           <a:prstGeom prst="roundRect"/>
           <a:solidFill>
@@ -7189,38 +9914,7 @@
       </p:pic>
       <p:pic>
         <p:nvPicPr>
-          <p:cNvPr id="1186" name="그림 94"/>
-          <p:cNvPicPr>
-            <a:picLocks noChangeAspect="1"/>
-          </p:cNvPicPr>
-          <p:nvPr/>
-        </p:nvPicPr>
-        <p:blipFill rotWithShape="1">
-          <a:blip r:embed="rId3" cstate="hqprint">
-            <a:extLst>
-              <a:ext uri="{28A0092B-C50C-407E-A947-70E740481C1C}">
-                <a14:useLocalDpi xmlns:a14="http://schemas.microsoft.com/office/drawing/2010/main"/>
-              </a:ext>
-            </a:extLst>
-          </a:blip>
-          <a:stretch>
-            <a:fillRect/>
-          </a:stretch>
-        </p:blipFill>
-        <p:spPr>
-          <a:xfrm rot="0">
-            <a:off x="1247140" y="1328420"/>
-            <a:ext cx="4154805" cy="1406525"/>
-          </a:xfrm>
-          <a:prstGeom prst="roundRect"/>
-          <a:solidFill>
-            <a:srgbClr val="EDEDED"/>
-          </a:solidFill>
-        </p:spPr>
-      </p:pic>
-      <p:pic>
-        <p:nvPicPr>
-          <p:cNvPr id="1187" name="그림 98"/>
+          <p:cNvPr id="1185" name="그림 37" descr="C:/Users/Admin1/AppData/Roaming/PolarisOffice/ETemp/8256_23257792/fImage4270318491.png"/>
           <p:cNvPicPr>
             <a:picLocks noChangeAspect="1"/>
           </p:cNvPicPr>
@@ -7240,8 +9934,8 @@
         </p:blipFill>
         <p:spPr>
           <a:xfrm rot="0">
-            <a:off x="1250315" y="3844290"/>
-            <a:ext cx="1991995" cy="1377950"/>
+            <a:off x="6974205" y="4148455"/>
+            <a:ext cx="2392680" cy="1069340"/>
           </a:xfrm>
           <a:prstGeom prst="roundRect"/>
           <a:solidFill>
@@ -7249,19 +9943,132 @@
           </a:solidFill>
         </p:spPr>
       </p:pic>
+      <p:sp>
+        <p:nvSpPr>
+          <p:cNvPr id="1186" name="텍스트 상자 38"/>
+          <p:cNvSpPr txBox="1">
+            <a:spLocks/>
+          </p:cNvSpPr>
+          <p:nvPr/>
+        </p:nvSpPr>
+        <p:spPr>
+          <a:xfrm rot="0">
+            <a:off x="6974205" y="5384165"/>
+            <a:ext cx="4265930" cy="647065"/>
+          </a:xfrm>
+          <a:prstGeom prst="rect"/>
+          <a:noFill/>
+          <a:ln w="0">
+            <a:noFill/>
+            <a:prstDash/>
+          </a:ln>
+        </p:spPr>
+        <p:txBody>
+          <a:bodyPr wrap="square" lIns="89535" tIns="46355" rIns="89535" bIns="46355" numCol="1" vert="horz" anchor="t">
+            <a:spAutoFit/>
+          </a:bodyPr>
+          <a:lstStyle/>
+          <a:p>
+            <a:pPr marL="0" indent="0" rtl="0" algn="l" defTabSz="914400" eaLnBrk="1" latinLnBrk="0" hangingPunct="1">
+              <a:buFontTx/>
+              <a:buNone/>
+            </a:pPr>
+            <a:r>
+              <a:rPr lang="ko-KR" sz="1800" b="1">
+                <a:solidFill>
+                  <a:srgbClr val="0611F2"/>
+                </a:solidFill>
+                <a:latin typeface="맑은 고딕" charset="0"/>
+                <a:ea typeface="맑은 고딕" charset="0"/>
+              </a:rPr>
+              <a:t>7</a:t>
+            </a:r>
+            <a:r>
+              <a:rPr sz="1800" b="1">
+                <a:solidFill>
+                  <a:srgbClr val="0611F2"/>
+                </a:solidFill>
+                <a:latin typeface="맑은 고딕" charset="0"/>
+                <a:ea typeface="맑은 고딕" charset="0"/>
+              </a:rPr>
+              <a:t>.</a:t>
+            </a:r>
+            <a:r>
+              <a:rPr sz="1800">
+                <a:latin typeface="맑은 고딕" charset="0"/>
+                <a:ea typeface="맑은 고딕" charset="0"/>
+              </a:rPr>
+              <a:t> </a:t>
+            </a:r>
+            <a:r>
+              <a:rPr lang="ko-KR" sz="1800">
+                <a:latin typeface="맑은 고딕" charset="0"/>
+                <a:ea typeface="맑은 고딕" charset="0"/>
+              </a:rPr>
+              <a:t>그다음으로</a:t>
+            </a:r>
+            <a:r>
+              <a:rPr lang="ko-KR" sz="1800">
+                <a:latin typeface="맑은 고딕" charset="0"/>
+                <a:ea typeface="맑은 고딕" charset="0"/>
+              </a:rPr>
+              <a:t> Window에</a:t>
+            </a:r>
+            <a:r>
+              <a:rPr lang="ko-KR" sz="1800">
+                <a:latin typeface="맑은 고딕" charset="0"/>
+                <a:ea typeface="맑은 고딕" charset="0"/>
+              </a:rPr>
+              <a:t>서</a:t>
+            </a:r>
+            <a:r>
+              <a:rPr lang="ko-KR" sz="1800">
+                <a:latin typeface="맑은 고딕" charset="0"/>
+                <a:ea typeface="맑은 고딕" charset="0"/>
+              </a:rPr>
+              <a:t> AI를 선택</a:t>
+            </a:r>
+            <a:r>
+              <a:rPr lang="ko-KR" sz="1800">
+                <a:latin typeface="맑은 고딕" charset="0"/>
+                <a:ea typeface="맑은 고딕" charset="0"/>
+              </a:rPr>
+              <a:t>한 다음</a:t>
+            </a:r>
+            <a:r>
+              <a:rPr lang="ko-KR" sz="1800">
+                <a:latin typeface="맑은 고딕" charset="0"/>
+                <a:ea typeface="맑은 고딕" charset="0"/>
+              </a:rPr>
+              <a:t> Navigation을 </a:t>
+            </a:r>
+            <a:r>
+              <a:rPr lang="ko-KR" sz="1800">
+                <a:latin typeface="맑은 고딕" charset="0"/>
+                <a:ea typeface="맑은 고딕" charset="0"/>
+              </a:rPr>
+              <a:t>선택합니다.</a:t>
+            </a:r>
+            <a:endParaRPr lang="ko-KR" altLang="en-US" sz="1800">
+              <a:latin typeface="맑은 고딕" charset="0"/>
+              <a:ea typeface="맑은 고딕" charset="0"/>
+            </a:endParaRPr>
+          </a:p>
+        </p:txBody>
+      </p:sp>
       <p:pic>
         <p:nvPicPr>
-          <p:cNvPr id="1188" name="그림 99"/>
+          <p:cNvPr id="1187" name="그림 39" descr="C:/Users/Admin1/AppData/Roaming/PolarisOffice/ETemp/8256_23257792/fImage7803212995.png"/>
           <p:cNvPicPr>
             <a:picLocks noChangeAspect="1"/>
           </p:cNvPicPr>
           <p:nvPr/>
         </p:nvPicPr>
         <p:blipFill rotWithShape="1">
-          <a:blip r:embed="rId5" cstate="print">
+          <a:blip r:embed="rId5" cstate="hqprint">
             <a:extLst>
               <a:ext uri="{28A0092B-C50C-407E-A947-70E740481C1C}">
-                <a14:useLocalDpi xmlns:a14="http://schemas.microsoft.com/office/drawing/2010/main" val="0"/>
+                <a14:useLocalDpi xmlns:a14="http://schemas.microsoft.com/office/drawing/2010/main"/>
               </a:ext>
             </a:extLst>
           </a:blip>
@@ -7271,8 +10078,8 @@
         </p:blipFill>
         <p:spPr>
           <a:xfrm rot="0">
-            <a:off x="4143375" y="4033520"/>
-            <a:ext cx="1257935" cy="986790"/>
+            <a:off x="10033000" y="4401185"/>
+            <a:ext cx="1186180" cy="534670"/>
           </a:xfrm>
           <a:prstGeom prst="roundRect"/>
           <a:solidFill>
@@ -7280,134 +10087,9 @@
           </a:solidFill>
         </p:spPr>
       </p:pic>
-      <p:cxnSp>
-        <p:nvCxnSpPr>
-          <p:cNvPr id="1189" name="도형 100"/>
-          <p:cNvCxnSpPr/>
-          <p:nvPr/>
-        </p:nvCxnSpPr>
-        <p:spPr>
-          <a:xfrm rot="0" flipH="1" flipV="1">
-            <a:off x="2311400" y="4389120"/>
-            <a:ext cx="1833880" cy="139065"/>
-          </a:xfrm>
-          <a:prstGeom prst="straightConnector1"/>
-          <a:ln w="6350" cap="flat" cmpd="sng">
-            <a:prstDash/>
-            <a:tailEnd type="triangle" w="med" len="med"/>
-          </a:ln>
-        </p:spPr>
-        <p:style>
-          <a:lnRef idx="1">
-            <a:schemeClr val="accent1"/>
-          </a:lnRef>
-          <a:fillRef idx="0">
-            <a:schemeClr val="accent1"/>
-          </a:fillRef>
-          <a:effectRef idx="0">
-            <a:schemeClr val="accent1"/>
-          </a:effectRef>
-          <a:fontRef idx="minor">
-            <a:schemeClr val="tx1"/>
-          </a:fontRef>
-        </p:style>
-      </p:cxnSp>
-      <p:cxnSp>
-        <p:nvCxnSpPr>
-          <p:cNvPr id="1190" name="도형 101"/>
-          <p:cNvCxnSpPr/>
-          <p:nvPr/>
-        </p:nvCxnSpPr>
-        <p:spPr>
-          <a:xfrm rot="0" flipH="1">
-            <a:off x="2710180" y="4526280"/>
-            <a:ext cx="1435100" cy="329565"/>
-          </a:xfrm>
-          <a:prstGeom prst="straightConnector1"/>
-          <a:ln w="6350" cap="flat" cmpd="sng">
-            <a:prstDash/>
-            <a:tailEnd type="triangle" w="med" len="med"/>
-          </a:ln>
-        </p:spPr>
-        <p:style>
-          <a:lnRef idx="1">
-            <a:schemeClr val="accent1"/>
-          </a:lnRef>
-          <a:fillRef idx="0">
-            <a:schemeClr val="accent1"/>
-          </a:fillRef>
-          <a:effectRef idx="0">
-            <a:schemeClr val="accent1"/>
-          </a:effectRef>
-          <a:fontRef idx="minor">
-            <a:schemeClr val="tx1"/>
-          </a:fontRef>
-        </p:style>
-      </p:cxnSp>
-      <p:sp>
-        <p:nvSpPr>
-          <p:cNvPr id="1192" name="텍스트 상자 103"/>
-          <p:cNvSpPr txBox="1">
-            <a:spLocks/>
-          </p:cNvSpPr>
-          <p:nvPr/>
-        </p:nvSpPr>
-        <p:spPr>
-          <a:xfrm rot="0">
-            <a:off x="1238885" y="5310505"/>
-            <a:ext cx="4168775" cy="924560"/>
-          </a:xfrm>
-          <a:prstGeom prst="rect"/>
-          <a:noFill/>
-          <a:ln w="0">
-            <a:noFill/>
-            <a:prstDash/>
-          </a:ln>
-        </p:spPr>
-        <p:txBody>
-          <a:bodyPr wrap="square" lIns="89535" tIns="46355" rIns="89535" bIns="46355" numCol="1" vert="horz" anchor="t">
-            <a:spAutoFit/>
-          </a:bodyPr>
-          <a:lstStyle/>
-          <a:p>
-            <a:pPr marL="0" indent="0" rtl="0" algn="l" defTabSz="914400" eaLnBrk="1" latinLnBrk="0" hangingPunct="1">
-              <a:buFontTx/>
-              <a:buNone/>
-            </a:pPr>
-            <a:r>
-              <a:rPr sz="1800" b="1">
-                <a:solidFill>
-                  <a:srgbClr val="0611F2"/>
-                </a:solidFill>
-                <a:latin typeface="맑은 고딕" charset="0"/>
-                <a:ea typeface="맑은 고딕" charset="0"/>
-              </a:rPr>
-              <a:t>9.</a:t>
-            </a:r>
-            <a:r>
-              <a:rPr sz="1800">
-                <a:latin typeface="맑은 고딕" charset="0"/>
-                <a:ea typeface="맑은 고딕" charset="0"/>
-              </a:rPr>
-              <a:t> </a:t>
-            </a:r>
-            <a:r>
-              <a:rPr lang="ko-KR" sz="1800">
-                <a:latin typeface="맑은 고딕" charset="0"/>
-                <a:ea typeface="맑은 고딕" charset="0"/>
-              </a:rPr>
-              <a:t>그리고 마우스로 선택한 오브젝트를 판별하기 위해 여러 개의 구조물을 설치하고 머티리얼 넣어줍니다.</a:t>
-            </a:r>
-            <a:endParaRPr lang="ko-KR" altLang="en-US" sz="1800">
-              <a:latin typeface="맑은 고딕" charset="0"/>
-              <a:ea typeface="맑은 고딕" charset="0"/>
-            </a:endParaRPr>
-          </a:p>
-        </p:txBody>
-      </p:sp>
       <p:pic>
         <p:nvPicPr>
-          <p:cNvPr id="1193" name="그림 108"/>
+          <p:cNvPr id="1189" name="그림 41" descr="C:/Users/Admin1/AppData/Roaming/PolarisOffice/ETemp/8256_23257792/fImage39572401478.png"/>
           <p:cNvPicPr>
             <a:picLocks noChangeAspect="1"/>
           </p:cNvPicPr>
@@ -7427,8 +10109,8 @@
         </p:blipFill>
         <p:spPr>
           <a:xfrm rot="0">
-            <a:off x="6858000" y="3495675"/>
-            <a:ext cx="2000885" cy="1305560"/>
+            <a:off x="8551545" y="1216660"/>
+            <a:ext cx="2663190" cy="1111885"/>
           </a:xfrm>
           <a:prstGeom prst="roundRect"/>
           <a:solidFill>
@@ -7436,87 +10118,9 @@
           </a:solidFill>
         </p:spPr>
       </p:pic>
-      <p:sp>
-        <p:nvSpPr>
-          <p:cNvPr id="1195" name="텍스트 상자 114"/>
-          <p:cNvSpPr txBox="1">
-            <a:spLocks/>
-          </p:cNvSpPr>
-          <p:nvPr/>
-        </p:nvSpPr>
-        <p:spPr>
-          <a:xfrm rot="0">
-            <a:off x="6854825" y="5077460"/>
-            <a:ext cx="4426585" cy="647065"/>
-          </a:xfrm>
-          <a:prstGeom prst="rect"/>
-          <a:noFill/>
-          <a:ln w="0">
-            <a:noFill/>
-            <a:prstDash/>
-          </a:ln>
-        </p:spPr>
-        <p:txBody>
-          <a:bodyPr wrap="square" lIns="89535" tIns="46355" rIns="89535" bIns="46355" numCol="1" vert="horz" anchor="t">
-            <a:spAutoFit/>
-          </a:bodyPr>
-          <a:lstStyle/>
-          <a:p>
-            <a:pPr marL="0" indent="0" rtl="0" algn="l" defTabSz="914400" eaLnBrk="1" latinLnBrk="0" hangingPunct="1">
-              <a:buFontTx/>
-              <a:buNone/>
-            </a:pPr>
-            <a:r>
-              <a:rPr sz="1800" b="1">
-                <a:solidFill>
-                  <a:srgbClr val="0611F2"/>
-                </a:solidFill>
-                <a:latin typeface="맑은 고딕" charset="0"/>
-                <a:ea typeface="맑은 고딕" charset="0"/>
-              </a:rPr>
-              <a:t>10.</a:t>
-            </a:r>
-            <a:r>
-              <a:rPr sz="1800">
-                <a:latin typeface="맑은 고딕" charset="0"/>
-                <a:ea typeface="맑은 고딕" charset="0"/>
-              </a:rPr>
-              <a:t> </a:t>
-            </a:r>
-            <a:r>
-              <a:rPr lang="ko-KR" sz="1800">
-                <a:latin typeface="맑은 고딕" charset="0"/>
-                <a:ea typeface="맑은 고딕" charset="0"/>
-              </a:rPr>
-              <a:t>그다음 Window에 AI를 선택해주시고 </a:t>
-            </a:r>
-            <a:endParaRPr lang="ko-KR" altLang="en-US" sz="1800">
-              <a:latin typeface="맑은 고딕" charset="0"/>
-              <a:ea typeface="맑은 고딕" charset="0"/>
-            </a:endParaRPr>
-          </a:p>
-          <a:p>
-            <a:pPr marL="0" indent="0" rtl="0" algn="l" defTabSz="914400" eaLnBrk="1" latinLnBrk="0" hangingPunct="1">
-              <a:buFontTx/>
-              <a:buNone/>
-            </a:pPr>
-            <a:r>
-              <a:rPr lang="ko-KR" sz="1800">
-                <a:latin typeface="맑은 고딕" charset="0"/>
-                <a:ea typeface="맑은 고딕" charset="0"/>
-              </a:rPr>
-              <a:t>Navigation을 선택합니다.</a:t>
-            </a:r>
-            <a:endParaRPr lang="ko-KR" altLang="en-US" sz="1800">
-              <a:latin typeface="맑은 고딕" charset="0"/>
-              <a:ea typeface="맑은 고딕" charset="0"/>
-            </a:endParaRPr>
-          </a:p>
-        </p:txBody>
-      </p:sp>
       <p:pic>
         <p:nvPicPr>
-          <p:cNvPr id="1196" name="그림 115"/>
+          <p:cNvPr id="1190" name="그림 43" descr="C:/Users/Admin1/AppData/Roaming/PolarisOffice/ETemp/8256_23257792/fImage34802429358.png"/>
           <p:cNvPicPr>
             <a:picLocks noChangeAspect="1"/>
           </p:cNvPicPr>
@@ -7536,8 +10140,8 @@
         </p:blipFill>
         <p:spPr>
           <a:xfrm rot="0">
-            <a:off x="9410700" y="4200525"/>
-            <a:ext cx="1115060" cy="534035"/>
+            <a:off x="6985000" y="1224915"/>
+            <a:ext cx="1268095" cy="1075055"/>
           </a:xfrm>
           <a:prstGeom prst="roundRect"/>
           <a:solidFill>
@@ -7545,74 +10149,176 @@
           </a:solidFill>
         </p:spPr>
       </p:pic>
-      <p:cxnSp>
-        <p:nvCxnSpPr>
-          <p:cNvPr id="1197" name="도형 118"/>
-          <p:cNvCxnSpPr>
-            <a:endCxn id="1196" idx="1"/>
-          </p:cNvCxnSpPr>
+      <p:sp>
+        <p:nvSpPr>
+          <p:cNvPr id="1191" name="텍스트 상자 46"/>
+          <p:cNvSpPr txBox="1">
+            <a:spLocks/>
+          </p:cNvSpPr>
           <p:nvPr/>
-        </p:nvCxnSpPr>
-        <p:spPr>
-          <a:xfrm rot="0">
-            <a:off x="8886825" y="4467225"/>
-            <a:ext cx="525145" cy="1270"/>
-          </a:xfrm>
-          <a:prstGeom prst="straightConnector1"/>
-          <a:ln w="6350" cap="flat" cmpd="sng">
+        </p:nvSpPr>
+        <p:spPr>
+          <a:xfrm rot="0">
+            <a:off x="6982460" y="2471420"/>
+            <a:ext cx="4265930" cy="1477645"/>
+          </a:xfrm>
+          <a:prstGeom prst="rect"/>
+          <a:noFill/>
+          <a:ln w="0">
+            <a:noFill/>
             <a:prstDash/>
-            <a:tailEnd type="triangle" w="med" len="med"/>
           </a:ln>
         </p:spPr>
+        <p:txBody>
+          <a:bodyPr wrap="square" lIns="89535" tIns="46355" rIns="89535" bIns="46355" numCol="1" vert="horz" anchor="t">
+            <a:spAutoFit/>
+          </a:bodyPr>
+          <a:lstStyle/>
+          <a:p>
+            <a:pPr marL="0" indent="0" rtl="0" algn="l" defTabSz="914400" eaLnBrk="1" latinLnBrk="0" hangingPunct="1">
+              <a:buFontTx/>
+              <a:buNone/>
+            </a:pPr>
+            <a:r>
+              <a:rPr sz="1800" b="1">
+                <a:solidFill>
+                  <a:srgbClr val="0611F2"/>
+                </a:solidFill>
+                <a:latin typeface="맑은 고딕" charset="0"/>
+                <a:ea typeface="맑은 고딕" charset="0"/>
+              </a:rPr>
+              <a:t>6</a:t>
+            </a:r>
+            <a:r>
+              <a:rPr sz="1800" b="1">
+                <a:solidFill>
+                  <a:srgbClr val="0611F2"/>
+                </a:solidFill>
+                <a:latin typeface="맑은 고딕" charset="0"/>
+                <a:ea typeface="맑은 고딕" charset="0"/>
+              </a:rPr>
+              <a:t>.</a:t>
+            </a:r>
+            <a:r>
+              <a:rPr sz="1800">
+                <a:latin typeface="맑은 고딕" charset="0"/>
+                <a:ea typeface="맑은 고딕" charset="0"/>
+              </a:rPr>
+              <a:t> </a:t>
+            </a:r>
+            <a:r>
+              <a:rPr lang="ko-KR" sz="1800">
+                <a:latin typeface="맑은 고딕" charset="0"/>
+                <a:ea typeface="맑은 고딕" charset="0"/>
+              </a:rPr>
+              <a:t>이제</a:t>
+            </a:r>
+            <a:r>
+              <a:rPr lang="ko-KR" sz="1800">
+                <a:latin typeface="맑은 고딕" charset="0"/>
+                <a:ea typeface="맑은 고딕" charset="0"/>
+              </a:rPr>
+              <a:t> </a:t>
+            </a:r>
+            <a:r>
+              <a:rPr lang="ko-KR" sz="1800">
+                <a:latin typeface="맑은 고딕" charset="0"/>
+                <a:ea typeface="맑은 고딕" charset="0"/>
+              </a:rPr>
+              <a:t>Project 폴더에서 Texture에 Ground 텍스처를 선택합니다.</a:t>
+            </a:r>
+            <a:endParaRPr lang="ko-KR" altLang="en-US" sz="1800">
+              <a:latin typeface="맑은 고딕" charset="0"/>
+              <a:ea typeface="맑은 고딕" charset="0"/>
+            </a:endParaRPr>
+          </a:p>
+          <a:p>
+            <a:pPr marL="0" indent="0" rtl="0" algn="l" defTabSz="914400" eaLnBrk="1" latinLnBrk="0" hangingPunct="1">
+              <a:buFontTx/>
+              <a:buNone/>
+            </a:pPr>
+            <a:endParaRPr lang="ko-KR" altLang="en-US" sz="1800">
+              <a:latin typeface="맑은 고딕" charset="0"/>
+              <a:ea typeface="맑은 고딕" charset="0"/>
+            </a:endParaRPr>
+          </a:p>
+          <a:p>
+            <a:pPr marL="0" indent="0" rtl="0" algn="l" defTabSz="914400" eaLnBrk="1" latinLnBrk="0" hangingPunct="1">
+              <a:buFontTx/>
+              <a:buNone/>
+            </a:pPr>
+            <a:r>
+              <a:rPr lang="ko-KR" sz="1800">
+                <a:latin typeface="맑은 고딕" charset="0"/>
+                <a:ea typeface="맑은 고딕" charset="0"/>
+              </a:rPr>
+              <a:t>그런 다음 Floor 오브젝트와 Opposite Floor 오브젝트에 넣어줍니다.</a:t>
+            </a:r>
+            <a:endParaRPr lang="ko-KR" altLang="en-US" sz="1800">
+              <a:latin typeface="맑은 고딕" charset="0"/>
+              <a:ea typeface="맑은 고딕" charset="0"/>
+            </a:endParaRPr>
+          </a:p>
+        </p:txBody>
+      </p:sp>
+      <p:sp>
+        <p:nvSpPr>
+          <p:cNvPr id="1192" name="도형 47"/>
+          <p:cNvSpPr>
+            <a:spLocks/>
+          </p:cNvSpPr>
+          <p:nvPr/>
+        </p:nvSpPr>
+        <p:spPr>
+          <a:xfrm rot="0">
+            <a:off x="9531350" y="4554220"/>
+            <a:ext cx="361950" cy="280670"/>
+          </a:xfrm>
+          <a:prstGeom prst="notchedRightArrow"/>
+          <a:scene3d>
+            <a:camera prst="orthographicFront"/>
+            <a:lightRig rig="threePt" dir="t"/>
+          </a:scene3d>
+          <a:sp3d prstMaterial="warmMatte">
+            <a:bevelT w="76200" h="76200" prst="circle"/>
+            <a:contourClr>
+              <a:srgbClr val="000000"/>
+            </a:contourClr>
+          </a:sp3d>
+        </p:spPr>
         <p:style>
-          <a:lnRef idx="1">
-            <a:schemeClr val="accent1"/>
+          <a:lnRef idx="2">
+            <a:schemeClr val="accent1">
+              <a:shade val="50000"/>
+            </a:schemeClr>
           </a:lnRef>
-          <a:fillRef idx="0">
+          <a:fillRef idx="1">
             <a:schemeClr val="accent1"/>
           </a:fillRef>
           <a:effectRef idx="0">
             <a:schemeClr val="accent1"/>
           </a:effectRef>
           <a:fontRef idx="minor">
-            <a:schemeClr val="tx1"/>
+            <a:schemeClr val="lt1"/>
           </a:fontRef>
         </p:style>
-      </p:cxnSp>
-      <p:cxnSp>
-        <p:nvCxnSpPr>
-          <p:cNvPr id="1198" name="도형 121"/>
-          <p:cNvCxnSpPr>
-            <a:stCxn id="1188" idx="1"/>
-          </p:cNvCxnSpPr>
-          <p:nvPr/>
-        </p:nvCxnSpPr>
-        <p:spPr>
-          <a:xfrm rot="0" flipH="1">
-            <a:off x="2677160" y="4526915"/>
-            <a:ext cx="1467485" cy="104775"/>
-          </a:xfrm>
-          <a:prstGeom prst="straightConnector1"/>
-          <a:ln w="6350" cap="flat" cmpd="sng">
-            <a:prstDash/>
-            <a:tailEnd type="triangle" w="med" len="med"/>
-          </a:ln>
-        </p:spPr>
-        <p:style>
-          <a:lnRef idx="1">
-            <a:schemeClr val="accent1"/>
-          </a:lnRef>
-          <a:fillRef idx="0">
-            <a:schemeClr val="accent1"/>
-          </a:fillRef>
-          <a:effectRef idx="0">
-            <a:schemeClr val="accent1"/>
-          </a:effectRef>
-          <a:fontRef idx="minor">
-            <a:schemeClr val="tx1"/>
-          </a:fontRef>
-        </p:style>
-      </p:cxnSp>
+        <p:txBody>
+          <a:bodyPr wrap="square" lIns="91440" tIns="45720" rIns="91440" bIns="45720" numCol="1" vert="horz" anchor="ctr">
+            <a:noAutofit/>
+          </a:bodyPr>
+          <a:lstStyle/>
+          <a:p>
+            <a:pPr marL="0" indent="0" algn="ctr" latinLnBrk="0" hangingPunct="1">
+              <a:buFontTx/>
+              <a:buNone/>
+            </a:pPr>
+            <a:endParaRPr lang="ko-KR" altLang="en-US" sz="1800">
+              <a:latin typeface="맑은 고딕" charset="0"/>
+              <a:ea typeface="맑은 고딕" charset="0"/>
+            </a:endParaRPr>
+          </a:p>
+        </p:txBody>
+      </p:sp>
     </p:spTree>
   </p:cSld>
   <p:clrMapOvr>
@@ -7637,6 +10343,1577 @@
 </file>
 
 <file path=ppt/slides/slide4.xml><?xml version="1.0" encoding="utf-8"?>
+<p:sld xmlns:a="http://schemas.openxmlformats.org/drawingml/2006/main" xmlns:r="http://schemas.openxmlformats.org/officeDocument/2006/relationships" xmlns:p="http://schemas.openxmlformats.org/presentationml/2006/main">
+  <p:cSld>
+    <p:spTree>
+      <p:nvGrpSpPr>
+        <p:cNvPr id="1" name=""/>
+        <p:cNvGrpSpPr/>
+        <p:nvPr/>
+      </p:nvGrpSpPr>
+      <p:grpSpPr>
+        <a:xfrm>
+          <a:off x="0" y="0"/>
+          <a:ext cx="0" cy="0"/>
+          <a:chOff x="0" y="0"/>
+          <a:chExt cx="0" cy="0"/>
+        </a:xfrm>
+      </p:grpSpPr>
+      <p:sp>
+        <p:nvSpPr>
+          <p:cNvPr id="1031" name="Rect 0"/>
+          <p:cNvSpPr txBox="1">
+            <a:spLocks/>
+          </p:cNvSpPr>
+          <p:nvPr/>
+        </p:nvSpPr>
+        <p:spPr>
+          <a:xfrm rot="0">
+            <a:off x="4943475" y="346075"/>
+            <a:ext cx="2306955" cy="478155"/>
+          </a:xfrm>
+          <a:prstGeom prst="rect"/>
+          <a:noFill/>
+          <a:ln w="0">
+            <a:noFill/>
+            <a:prstDash/>
+          </a:ln>
+        </p:spPr>
+        <p:txBody>
+          <a:bodyPr wrap="square" lIns="89535" tIns="46355" rIns="89535" bIns="46355" numCol="1" vert="horz" anchor="t">
+            <a:spAutoFit/>
+          </a:bodyPr>
+          <a:lstStyle/>
+          <a:p>
+            <a:pPr marL="0" indent="0" algn="l" latinLnBrk="0">
+              <a:buFontTx/>
+              <a:buNone/>
+            </a:pPr>
+            <a:r>
+              <a:rPr lang="ko-KR" altLang="en-US" sz="2500" b="1">
+                <a:solidFill>
+                  <a:schemeClr val="tx1"/>
+                </a:solidFill>
+                <a:latin typeface="나눔바른고딕" charset="0"/>
+                <a:ea typeface="나눔바른고딕" charset="0"/>
+              </a:rPr>
+              <a:t>세</a:t>
+            </a:r>
+            <a:r>
+              <a:rPr lang="ko-KR" altLang="en-US" sz="2500" b="1">
+                <a:solidFill>
+                  <a:schemeClr val="tx1"/>
+                </a:solidFill>
+                <a:latin typeface="나눔바른고딕" charset="0"/>
+                <a:ea typeface="나눔바른고딕" charset="0"/>
+              </a:rPr>
+              <a:t> 번째 튜토리얼</a:t>
+            </a:r>
+            <a:endParaRPr lang="ko-KR" altLang="en-US" sz="2500" b="1">
+              <a:solidFill>
+                <a:schemeClr val="tx1"/>
+              </a:solidFill>
+              <a:latin typeface="나눔바른고딕" charset="0"/>
+              <a:ea typeface="나눔바른고딕" charset="0"/>
+            </a:endParaRPr>
+          </a:p>
+        </p:txBody>
+      </p:sp>
+      <p:sp>
+        <p:nvSpPr>
+          <p:cNvPr id="1181" name="Rect 0"/>
+          <p:cNvSpPr txBox="1">
+            <a:spLocks/>
+          </p:cNvSpPr>
+          <p:nvPr/>
+        </p:nvSpPr>
+        <p:spPr>
+          <a:xfrm rot="0">
+            <a:off x="6826250" y="4344035"/>
+            <a:ext cx="4075430" cy="1754505"/>
+          </a:xfrm>
+          <a:prstGeom prst="rect"/>
+          <a:noFill/>
+          <a:ln w="0">
+            <a:noFill/>
+            <a:prstDash/>
+          </a:ln>
+        </p:spPr>
+        <p:txBody>
+          <a:bodyPr wrap="square" lIns="89535" tIns="46355" rIns="89535" bIns="46355" numCol="1" vert="horz" anchor="t">
+            <a:spAutoFit/>
+          </a:bodyPr>
+          <a:lstStyle/>
+          <a:p>
+            <a:pPr marL="0" indent="0" rtl="0" algn="l" defTabSz="914400" eaLnBrk="1" latinLnBrk="0" hangingPunct="1">
+              <a:buFontTx/>
+              <a:buNone/>
+            </a:pPr>
+            <a:r>
+              <a:rPr lang="ko-KR" sz="1800" b="1">
+                <a:solidFill>
+                  <a:srgbClr val="0611F2"/>
+                </a:solidFill>
+                <a:latin typeface="맑은 고딕" charset="0"/>
+                <a:ea typeface="맑은 고딕" charset="0"/>
+              </a:rPr>
+              <a:t>10</a:t>
+            </a:r>
+            <a:r>
+              <a:rPr sz="1800" b="1">
+                <a:solidFill>
+                  <a:srgbClr val="0611F2"/>
+                </a:solidFill>
+                <a:latin typeface="맑은 고딕" charset="0"/>
+                <a:ea typeface="맑은 고딕" charset="0"/>
+              </a:rPr>
+              <a:t>.</a:t>
+            </a:r>
+            <a:r>
+              <a:rPr sz="1800">
+                <a:latin typeface="맑은 고딕" charset="0"/>
+                <a:ea typeface="맑은 고딕" charset="0"/>
+              </a:rPr>
+              <a:t> </a:t>
+            </a:r>
+            <a:r>
+              <a:rPr lang="ko-KR" sz="1800">
+                <a:latin typeface="맑은 고딕" charset="0"/>
+                <a:ea typeface="맑은 고딕" charset="0"/>
+              </a:rPr>
+              <a:t>그런 다음 3D Object를 선택하고 Plane 2개를 생성합니다.</a:t>
+            </a:r>
+            <a:endParaRPr lang="ko-KR" altLang="en-US" sz="1800">
+              <a:latin typeface="맑은 고딕" charset="0"/>
+              <a:ea typeface="맑은 고딕" charset="0"/>
+            </a:endParaRPr>
+          </a:p>
+          <a:p>
+            <a:pPr marL="0" indent="0" rtl="0" algn="l" defTabSz="914400" eaLnBrk="1" latinLnBrk="0" hangingPunct="1">
+              <a:buFontTx/>
+              <a:buNone/>
+            </a:pPr>
+            <a:endParaRPr lang="ko-KR" altLang="en-US" sz="1800">
+              <a:latin typeface="맑은 고딕" charset="0"/>
+              <a:ea typeface="맑은 고딕" charset="0"/>
+            </a:endParaRPr>
+          </a:p>
+          <a:p>
+            <a:pPr marL="0" indent="0" rtl="0" algn="l" defTabSz="914400" eaLnBrk="1" latinLnBrk="0" hangingPunct="1">
+              <a:buFontTx/>
+              <a:buNone/>
+            </a:pPr>
+            <a:r>
+              <a:rPr lang="ko-KR" sz="1800">
+                <a:latin typeface="맑은 고딕" charset="0"/>
+                <a:ea typeface="맑은 고딕" charset="0"/>
+              </a:rPr>
+              <a:t>그리고 서로 각각의 이름을 First Bridge와 Second Bridge로 </a:t>
+            </a:r>
+            <a:r>
+              <a:rPr lang="ko-KR" sz="1800">
+                <a:latin typeface="맑은 고딕" charset="0"/>
+                <a:ea typeface="맑은 고딕" charset="0"/>
+              </a:rPr>
+              <a:t>정의합니다.</a:t>
+            </a:r>
+            <a:endParaRPr lang="ko-KR" altLang="en-US" sz="1800">
+              <a:latin typeface="맑은 고딕" charset="0"/>
+              <a:ea typeface="맑은 고딕" charset="0"/>
+            </a:endParaRPr>
+          </a:p>
+        </p:txBody>
+      </p:sp>
+      <p:sp>
+        <p:nvSpPr>
+          <p:cNvPr id="1182" name="텍스트 상자 54"/>
+          <p:cNvSpPr txBox="1">
+            <a:spLocks/>
+          </p:cNvSpPr>
+          <p:nvPr/>
+        </p:nvSpPr>
+        <p:spPr>
+          <a:xfrm rot="0">
+            <a:off x="1212215" y="2447290"/>
+            <a:ext cx="4164330" cy="647065"/>
+          </a:xfrm>
+          <a:prstGeom prst="rect"/>
+          <a:noFill/>
+          <a:ln w="0">
+            <a:noFill/>
+            <a:prstDash/>
+          </a:ln>
+        </p:spPr>
+        <p:txBody>
+          <a:bodyPr wrap="square" lIns="89535" tIns="46355" rIns="89535" bIns="46355" numCol="1" vert="horz" anchor="t">
+            <a:spAutoFit/>
+          </a:bodyPr>
+          <a:lstStyle/>
+          <a:p>
+            <a:pPr marL="0" indent="0" rtl="0" algn="l" defTabSz="914400" eaLnBrk="1" latinLnBrk="0" hangingPunct="1">
+              <a:buFontTx/>
+              <a:buNone/>
+            </a:pPr>
+            <a:r>
+              <a:rPr sz="1800" b="1">
+                <a:solidFill>
+                  <a:srgbClr val="0611F2"/>
+                </a:solidFill>
+                <a:latin typeface="맑은 고딕" charset="0"/>
+                <a:ea typeface="맑은 고딕" charset="0"/>
+              </a:rPr>
+              <a:t>8</a:t>
+            </a:r>
+            <a:r>
+              <a:rPr sz="1800" b="1">
+                <a:solidFill>
+                  <a:srgbClr val="0611F2"/>
+                </a:solidFill>
+                <a:latin typeface="맑은 고딕" charset="0"/>
+                <a:ea typeface="맑은 고딕" charset="0"/>
+              </a:rPr>
+              <a:t>.</a:t>
+            </a:r>
+            <a:r>
+              <a:rPr sz="1800">
+                <a:latin typeface="맑은 고딕" charset="0"/>
+                <a:ea typeface="맑은 고딕" charset="0"/>
+              </a:rPr>
+              <a:t> </a:t>
+            </a:r>
+            <a:r>
+              <a:rPr sz="1800">
+                <a:latin typeface="맑은 고딕" charset="0"/>
+                <a:ea typeface="맑은 고딕" charset="0"/>
+              </a:rPr>
+              <a:t>그리</a:t>
+            </a:r>
+            <a:r>
+              <a:rPr lang="ko-KR" sz="1800">
+                <a:latin typeface="맑은 고딕" charset="0"/>
+                <a:ea typeface="맑은 고딕" charset="0"/>
+              </a:rPr>
+              <a:t>고 </a:t>
+            </a:r>
+            <a:r>
+              <a:rPr lang="ko-KR" sz="1800">
+                <a:latin typeface="맑은 고딕" charset="0"/>
+                <a:ea typeface="맑은 고딕" charset="0"/>
+              </a:rPr>
+              <a:t>Character</a:t>
+            </a:r>
+            <a:r>
+              <a:rPr sz="1800">
+                <a:latin typeface="맑은 고딕" charset="0"/>
+                <a:ea typeface="맑은 고딕" charset="0"/>
+              </a:rPr>
+              <a:t> </a:t>
+            </a:r>
+            <a:r>
+              <a:rPr lang="ko-KR" sz="1800">
+                <a:latin typeface="맑은 고딕" charset="0"/>
+                <a:ea typeface="맑은 고딕" charset="0"/>
+              </a:rPr>
+              <a:t>오브젝트에 Nav Mesh Agent 컴포넌트를 추가합니다.</a:t>
+            </a:r>
+            <a:endParaRPr lang="ko-KR" altLang="en-US" sz="1800">
+              <a:latin typeface="맑은 고딕" charset="0"/>
+              <a:ea typeface="맑은 고딕" charset="0"/>
+            </a:endParaRPr>
+          </a:p>
+        </p:txBody>
+      </p:sp>
+      <p:pic>
+        <p:nvPicPr>
+          <p:cNvPr id="1183" name="그림 55" descr="C:/Users/Admin1/AppData/Roaming/PolarisOffice/ETemp/8256_23257792/fImage53352906962.png"/>
+          <p:cNvPicPr>
+            <a:picLocks noChangeAspect="1"/>
+          </p:cNvPicPr>
+          <p:nvPr/>
+        </p:nvPicPr>
+        <p:blipFill rotWithShape="1">
+          <a:blip r:embed="rId2" cstate="hqprint">
+            <a:extLst>
+              <a:ext uri="{28A0092B-C50C-407E-A947-70E740481C1C}">
+                <a14:useLocalDpi xmlns:a14="http://schemas.microsoft.com/office/drawing/2010/main"/>
+              </a:ext>
+            </a:extLst>
+          </a:blip>
+          <a:stretch>
+            <a:fillRect/>
+          </a:stretch>
+        </p:blipFill>
+        <p:spPr>
+          <a:xfrm rot="0">
+            <a:off x="1221105" y="1250315"/>
+            <a:ext cx="4154170" cy="1058545"/>
+          </a:xfrm>
+          <a:prstGeom prst="roundRect"/>
+          <a:solidFill>
+            <a:srgbClr val="EDEDED"/>
+          </a:solidFill>
+        </p:spPr>
+      </p:pic>
+      <p:pic>
+        <p:nvPicPr>
+          <p:cNvPr id="1185" name="그림 58" descr="C:/Users/Admin1/AppData/Roaming/PolarisOffice/ETemp/8256_23257792/fImage34802526962.png"/>
+          <p:cNvPicPr>
+            <a:picLocks noChangeAspect="1"/>
+          </p:cNvPicPr>
+          <p:nvPr/>
+        </p:nvPicPr>
+        <p:blipFill rotWithShape="1">
+          <a:blip r:embed="rId3" cstate="print">
+            <a:extLst>
+              <a:ext uri="{28A0092B-C50C-407E-A947-70E740481C1C}">
+                <a14:useLocalDpi xmlns:a14="http://schemas.microsoft.com/office/drawing/2010/main" val="0"/>
+              </a:ext>
+            </a:extLst>
+          </a:blip>
+          <a:stretch>
+            <a:fillRect/>
+          </a:stretch>
+        </p:blipFill>
+        <p:spPr>
+          <a:xfrm rot="0">
+            <a:off x="1208405" y="3579495"/>
+            <a:ext cx="1236980" cy="1228090"/>
+          </a:xfrm>
+          <a:prstGeom prst="roundRect"/>
+          <a:solidFill>
+            <a:srgbClr val="EDEDED"/>
+          </a:solidFill>
+        </p:spPr>
+      </p:pic>
+      <p:sp>
+        <p:nvSpPr>
+          <p:cNvPr id="1186" name="텍스트 상자 59"/>
+          <p:cNvSpPr txBox="1">
+            <a:spLocks/>
+          </p:cNvSpPr>
+          <p:nvPr/>
+        </p:nvSpPr>
+        <p:spPr>
+          <a:xfrm rot="0">
+            <a:off x="1209675" y="5175885"/>
+            <a:ext cx="4164330" cy="923925"/>
+          </a:xfrm>
+          <a:prstGeom prst="rect"/>
+          <a:noFill/>
+          <a:ln w="0">
+            <a:noFill/>
+            <a:prstDash/>
+          </a:ln>
+        </p:spPr>
+        <p:txBody>
+          <a:bodyPr wrap="square" lIns="89535" tIns="46355" rIns="89535" bIns="46355" numCol="1" vert="horz" anchor="t">
+            <a:spAutoFit/>
+          </a:bodyPr>
+          <a:lstStyle/>
+          <a:p>
+            <a:pPr marL="0" indent="0" rtl="0" algn="l" defTabSz="914400" eaLnBrk="1" latinLnBrk="0" hangingPunct="1">
+              <a:buFontTx/>
+              <a:buNone/>
+            </a:pPr>
+            <a:r>
+              <a:rPr lang="ko-KR" sz="1800" b="1">
+                <a:solidFill>
+                  <a:srgbClr val="0611F2"/>
+                </a:solidFill>
+                <a:latin typeface="맑은 고딕" charset="0"/>
+                <a:ea typeface="맑은 고딕" charset="0"/>
+              </a:rPr>
+              <a:t>9</a:t>
+            </a:r>
+            <a:r>
+              <a:rPr sz="1800" b="1">
+                <a:solidFill>
+                  <a:srgbClr val="0611F2"/>
+                </a:solidFill>
+                <a:latin typeface="맑은 고딕" charset="0"/>
+                <a:ea typeface="맑은 고딕" charset="0"/>
+              </a:rPr>
+              <a:t>.</a:t>
+            </a:r>
+            <a:r>
+              <a:rPr sz="1800">
+                <a:latin typeface="맑은 고딕" charset="0"/>
+                <a:ea typeface="맑은 고딕" charset="0"/>
+              </a:rPr>
+              <a:t> </a:t>
+            </a:r>
+            <a:r>
+              <a:rPr sz="1800">
+                <a:latin typeface="맑은 고딕" charset="0"/>
+                <a:ea typeface="맑은 고딕" charset="0"/>
+              </a:rPr>
+              <a:t>그</a:t>
+            </a:r>
+            <a:r>
+              <a:rPr lang="ko-KR" sz="1800">
+                <a:latin typeface="맑은 고딕" charset="0"/>
+                <a:ea typeface="맑은 고딕" charset="0"/>
+              </a:rPr>
+              <a:t>다음 Floor와 Opposite Floor 오브젝트를 선택하고 Navigation Static을 선택합니다.</a:t>
+            </a:r>
+            <a:endParaRPr lang="ko-KR" altLang="en-US" sz="1800">
+              <a:latin typeface="맑은 고딕" charset="0"/>
+              <a:ea typeface="맑은 고딕" charset="0"/>
+            </a:endParaRPr>
+          </a:p>
+        </p:txBody>
+      </p:sp>
+      <p:pic>
+        <p:nvPicPr>
+          <p:cNvPr id="1187" name="그림 63" descr="C:/Users/Admin1/AppData/Roaming/PolarisOffice/ETemp/8256_23257792/fImage69982674464.png"/>
+          <p:cNvPicPr>
+            <a:picLocks noChangeAspect="1"/>
+          </p:cNvPicPr>
+          <p:nvPr/>
+        </p:nvPicPr>
+        <p:blipFill rotWithShape="1">
+          <a:blip r:embed="rId4" cstate="print">
+            <a:extLst>
+              <a:ext uri="{28A0092B-C50C-407E-A947-70E740481C1C}">
+                <a14:useLocalDpi xmlns:a14="http://schemas.microsoft.com/office/drawing/2010/main" val="0"/>
+              </a:ext>
+            </a:extLst>
+          </a:blip>
+          <a:stretch>
+            <a:fillRect/>
+          </a:stretch>
+        </p:blipFill>
+        <p:spPr>
+          <a:xfrm rot="0">
+            <a:off x="2603500" y="3368040"/>
+            <a:ext cx="2773680" cy="762635"/>
+          </a:xfrm>
+          <a:prstGeom prst="roundRect"/>
+          <a:solidFill>
+            <a:srgbClr val="EDEDED"/>
+          </a:solidFill>
+        </p:spPr>
+      </p:pic>
+      <p:pic>
+        <p:nvPicPr>
+          <p:cNvPr id="1188" name="그림 64" descr="C:/Users/Admin1/AppData/Roaming/PolarisOffice/ETemp/8256_23257792/fImage75922685705.png"/>
+          <p:cNvPicPr>
+            <a:picLocks noChangeAspect="1"/>
+          </p:cNvPicPr>
+          <p:nvPr/>
+        </p:nvPicPr>
+        <p:blipFill rotWithShape="1">
+          <a:blip r:embed="rId5" cstate="print">
+            <a:extLst>
+              <a:ext uri="{28A0092B-C50C-407E-A947-70E740481C1C}">
+                <a14:useLocalDpi xmlns:a14="http://schemas.microsoft.com/office/drawing/2010/main" val="0"/>
+              </a:ext>
+            </a:extLst>
+          </a:blip>
+          <a:stretch>
+            <a:fillRect/>
+          </a:stretch>
+        </p:blipFill>
+        <p:spPr>
+          <a:xfrm rot="0">
+            <a:off x="2588895" y="4332605"/>
+            <a:ext cx="2788285" cy="724535"/>
+          </a:xfrm>
+          <a:prstGeom prst="roundRect"/>
+          <a:solidFill>
+            <a:srgbClr val="EDEDED"/>
+          </a:solidFill>
+        </p:spPr>
+      </p:pic>
+      <p:pic>
+        <p:nvPicPr>
+          <p:cNvPr id="1189" name="그림 74" descr="C:/Users/Admin1/AppData/Roaming/PolarisOffice/ETemp/8256_23257792/fImage49442718145.png"/>
+          <p:cNvPicPr>
+            <a:picLocks noChangeAspect="1"/>
+          </p:cNvPicPr>
+          <p:nvPr/>
+        </p:nvPicPr>
+        <p:blipFill rotWithShape="1">
+          <a:blip r:embed="rId6" cstate="print">
+            <a:extLst>
+              <a:ext uri="{28A0092B-C50C-407E-A947-70E740481C1C}">
+                <a14:useLocalDpi xmlns:a14="http://schemas.microsoft.com/office/drawing/2010/main" val="0"/>
+              </a:ext>
+            </a:extLst>
+          </a:blip>
+          <a:stretch>
+            <a:fillRect/>
+          </a:stretch>
+        </p:blipFill>
+        <p:spPr>
+          <a:xfrm rot="0">
+            <a:off x="9577705" y="1830705"/>
+            <a:ext cx="1334135" cy="1651635"/>
+          </a:xfrm>
+          <a:prstGeom prst="roundRect"/>
+          <a:solidFill>
+            <a:srgbClr val="EDEDED"/>
+          </a:solidFill>
+        </p:spPr>
+      </p:pic>
+      <p:pic>
+        <p:nvPicPr>
+          <p:cNvPr id="1190" name="그림 81" descr="C:/Users/Admin1/AppData/Roaming/PolarisOffice/ETemp/8256_23257792/fImage159532763281.png"/>
+          <p:cNvPicPr>
+            <a:picLocks noChangeAspect="1"/>
+          </p:cNvPicPr>
+          <p:nvPr/>
+        </p:nvPicPr>
+        <p:blipFill rotWithShape="1">
+          <a:blip r:embed="rId7" cstate="hqprint">
+            <a:extLst>
+              <a:ext uri="{28A0092B-C50C-407E-A947-70E740481C1C}">
+                <a14:useLocalDpi xmlns:a14="http://schemas.microsoft.com/office/drawing/2010/main"/>
+              </a:ext>
+            </a:extLst>
+          </a:blip>
+          <a:stretch>
+            <a:fillRect/>
+          </a:stretch>
+        </p:blipFill>
+        <p:spPr>
+          <a:xfrm rot="0">
+            <a:off x="6825615" y="1259840"/>
+            <a:ext cx="2541270" cy="2804795"/>
+          </a:xfrm>
+          <a:prstGeom prst="roundRect"/>
+          <a:solidFill>
+            <a:srgbClr val="EDEDED"/>
+          </a:solidFill>
+        </p:spPr>
+      </p:pic>
+    </p:spTree>
+  </p:cSld>
+  <p:clrMapOvr>
+    <a:masterClrMapping/>
+  </p:clrMapOvr>
+  <mc:AlternateContent xmlns:mc="http://schemas.openxmlformats.org/markup-compatibility/2006">
+    <mc:Choice xmlns:p14="http://schemas.microsoft.com/office/powerpoint/2010/main" Requires="p14">
+      <p:transition spd="slow" p14:dur="2000"/>
+    </mc:Choice>
+    <mc:Fallback>
+      <p:transition spd="slow"/>
+    </mc:Fallback>
+  </mc:AlternateContent>
+  <p:timing>
+    <p:tnLst>
+      <p:par>
+        <p:cTn id="1" dur="indefinite" restart="never" nodeType="tmRoot"/>
+      </p:par>
+    </p:tnLst>
+  </p:timing>
+</p:sld>
+</file>
+
+<file path=ppt/slides/slide5.xml><?xml version="1.0" encoding="utf-8"?>
+<p:sld xmlns:a="http://schemas.openxmlformats.org/drawingml/2006/main" xmlns:r="http://schemas.openxmlformats.org/officeDocument/2006/relationships" xmlns:p="http://schemas.openxmlformats.org/presentationml/2006/main">
+  <p:cSld>
+    <p:spTree>
+      <p:nvGrpSpPr>
+        <p:cNvPr id="1" name=""/>
+        <p:cNvGrpSpPr/>
+        <p:nvPr/>
+      </p:nvGrpSpPr>
+      <p:grpSpPr>
+        <a:xfrm>
+          <a:off x="0" y="0"/>
+          <a:ext cx="0" cy="0"/>
+          <a:chOff x="0" y="0"/>
+          <a:chExt cx="0" cy="0"/>
+        </a:xfrm>
+      </p:grpSpPr>
+      <p:sp>
+        <p:nvSpPr>
+          <p:cNvPr id="2" name="텍스트 상자 82"/>
+          <p:cNvSpPr txBox="1">
+            <a:spLocks/>
+          </p:cNvSpPr>
+          <p:nvPr/>
+        </p:nvSpPr>
+        <p:spPr>
+          <a:xfrm rot="0">
+            <a:off x="4352925" y="324485"/>
+            <a:ext cx="3487420" cy="554990"/>
+          </a:xfrm>
+          <a:prstGeom prst="rect"/>
+          <a:noFill/>
+          <a:ln w="0">
+            <a:noFill/>
+            <a:prstDash/>
+          </a:ln>
+        </p:spPr>
+        <p:txBody>
+          <a:bodyPr wrap="square" lIns="89535" tIns="46355" rIns="89535" bIns="46355" vert="horz" anchor="t">
+            <a:spAutoFit/>
+          </a:bodyPr>
+          <a:lstStyle/>
+          <a:p>
+            <a:pPr marL="0" indent="0" rtl="0" algn="l" defTabSz="914400" eaLnBrk="1" latinLnBrk="0" hangingPunct="1">
+              <a:buFontTx/>
+              <a:buNone/>
+            </a:pPr>
+            <a:r>
+              <a:rPr sz="3000" b="1">
+                <a:solidFill>
+                  <a:schemeClr val="tx1"/>
+                </a:solidFill>
+                <a:latin typeface="맑은 고딕" charset="0"/>
+                <a:ea typeface="맑은 고딕" charset="0"/>
+              </a:rPr>
+              <a:t>Navigation Object </a:t>
+            </a:r>
+            <a:endParaRPr lang="ko-KR" altLang="en-US" sz="3000" b="1">
+              <a:solidFill>
+                <a:schemeClr val="tx1"/>
+              </a:solidFill>
+              <a:latin typeface="맑은 고딕" charset="0"/>
+              <a:ea typeface="맑은 고딕" charset="0"/>
+            </a:endParaRPr>
+          </a:p>
+        </p:txBody>
+      </p:sp>
+      <p:sp>
+        <p:nvSpPr>
+          <p:cNvPr id="3" name="텍스트 상자 83"/>
+          <p:cNvSpPr txBox="1">
+            <a:spLocks/>
+          </p:cNvSpPr>
+          <p:nvPr/>
+        </p:nvSpPr>
+        <p:spPr>
+          <a:xfrm rot="0">
+            <a:off x="989330" y="1212215"/>
+            <a:ext cx="4375150" cy="924560"/>
+          </a:xfrm>
+          <a:prstGeom prst="rect"/>
+          <a:noFill/>
+          <a:ln w="0">
+            <a:noFill/>
+            <a:prstDash/>
+          </a:ln>
+        </p:spPr>
+        <p:txBody>
+          <a:bodyPr wrap="square" lIns="89535" tIns="46355" rIns="89535" bIns="46355" vert="horz" anchor="t">
+            <a:spAutoFit/>
+          </a:bodyPr>
+          <a:lstStyle/>
+          <a:p>
+            <a:pPr marL="0" indent="0" rtl="0" algn="l" defTabSz="914400" eaLnBrk="1" latinLnBrk="0" hangingPunct="1">
+              <a:buFontTx/>
+              <a:buNone/>
+            </a:pPr>
+            <a:r>
+              <a:rPr sz="1800">
+                <a:latin typeface="맑은 고딕" charset="0"/>
+                <a:ea typeface="맑은 고딕" charset="0"/>
+              </a:rPr>
+              <a:t>Navigation Object : 게임 오브젝트의 크기에 따라 해당 경로를 지나갈 수 있도록 설정할 수 있는 기능입니다.</a:t>
+            </a:r>
+            <a:endParaRPr lang="ko-KR" altLang="en-US" sz="1800">
+              <a:latin typeface="맑은 고딕" charset="0"/>
+              <a:ea typeface="맑은 고딕" charset="0"/>
+            </a:endParaRPr>
+          </a:p>
+        </p:txBody>
+      </p:sp>
+      <p:sp>
+        <p:nvSpPr>
+          <p:cNvPr id="4" name="텍스트 상자 84"/>
+          <p:cNvSpPr txBox="1">
+            <a:spLocks/>
+          </p:cNvSpPr>
+          <p:nvPr/>
+        </p:nvSpPr>
+        <p:spPr>
+          <a:xfrm rot="0">
+            <a:off x="995680" y="3521710"/>
+            <a:ext cx="4359910" cy="2585085"/>
+          </a:xfrm>
+          <a:prstGeom prst="rect"/>
+          <a:noFill/>
+          <a:ln w="0">
+            <a:noFill/>
+            <a:prstDash/>
+          </a:ln>
+        </p:spPr>
+        <p:txBody>
+          <a:bodyPr wrap="square" lIns="89535" tIns="46355" rIns="89535" bIns="46355" vert="horz" anchor="t">
+            <a:spAutoFit/>
+          </a:bodyPr>
+          <a:lstStyle/>
+          <a:p>
+            <a:pPr marL="0" indent="0" rtl="0" algn="l" defTabSz="914400" eaLnBrk="1" latinLnBrk="0" hangingPunct="1">
+              <a:buFontTx/>
+              <a:buNone/>
+            </a:pPr>
+            <a:r>
+              <a:rPr sz="1800">
+                <a:latin typeface="맑은 고딕" charset="0"/>
+                <a:ea typeface="맑은 고딕" charset="0"/>
+              </a:rPr>
+              <a:t>All : 게임 씬에 있는 모든 게임 오브젝트를 보여주는 필터입니다.</a:t>
+            </a:r>
+            <a:endParaRPr lang="ko-KR" altLang="en-US" sz="1800">
+              <a:latin typeface="맑은 고딕" charset="0"/>
+              <a:ea typeface="맑은 고딕" charset="0"/>
+            </a:endParaRPr>
+          </a:p>
+          <a:p>
+            <a:pPr marL="0" indent="0" rtl="0" algn="l" defTabSz="914400" eaLnBrk="1" latinLnBrk="0" hangingPunct="1">
+              <a:buFontTx/>
+              <a:buNone/>
+            </a:pPr>
+            <a:endParaRPr lang="ko-KR" altLang="en-US" sz="1800">
+              <a:latin typeface="맑은 고딕" charset="0"/>
+              <a:ea typeface="맑은 고딕" charset="0"/>
+            </a:endParaRPr>
+          </a:p>
+          <a:p>
+            <a:pPr marL="0" indent="0" rtl="0" algn="l" defTabSz="914400" eaLnBrk="1" latinLnBrk="0" hangingPunct="1">
+              <a:buFontTx/>
+              <a:buNone/>
+            </a:pPr>
+            <a:r>
+              <a:rPr sz="1800">
+                <a:latin typeface="맑은 고딕" charset="0"/>
+                <a:ea typeface="맑은 고딕" charset="0"/>
+              </a:rPr>
+              <a:t>Mesh Renderers : 게임 오브젝트에 메쉬 렌더러 컴포넌트를 가지고 있는 게임 오브젝트만 보여주는 필터입니다.</a:t>
+            </a:r>
+            <a:endParaRPr lang="ko-KR" altLang="en-US" sz="1800">
+              <a:latin typeface="맑은 고딕" charset="0"/>
+              <a:ea typeface="맑은 고딕" charset="0"/>
+            </a:endParaRPr>
+          </a:p>
+          <a:p>
+            <a:pPr marL="0" indent="0" rtl="0" algn="l" defTabSz="914400" eaLnBrk="1" latinLnBrk="0" hangingPunct="1">
+              <a:buFontTx/>
+              <a:buNone/>
+            </a:pPr>
+            <a:endParaRPr lang="ko-KR" altLang="en-US" sz="1800">
+              <a:latin typeface="맑은 고딕" charset="0"/>
+              <a:ea typeface="맑은 고딕" charset="0"/>
+            </a:endParaRPr>
+          </a:p>
+          <a:p>
+            <a:pPr marL="0" indent="0" rtl="0" algn="l" defTabSz="914400" eaLnBrk="1" latinLnBrk="0" hangingPunct="1">
+              <a:buFontTx/>
+              <a:buNone/>
+            </a:pPr>
+            <a:r>
+              <a:rPr sz="1800">
+                <a:latin typeface="맑은 고딕" charset="0"/>
+                <a:ea typeface="맑은 고딕" charset="0"/>
+              </a:rPr>
+              <a:t>Terrains : 터레인 오브젝트만 보여주는 필터입니다.</a:t>
+            </a:r>
+            <a:endParaRPr lang="ko-KR" altLang="en-US" sz="1800">
+              <a:latin typeface="맑은 고딕" charset="0"/>
+              <a:ea typeface="맑은 고딕" charset="0"/>
+            </a:endParaRPr>
+          </a:p>
+        </p:txBody>
+      </p:sp>
+      <p:pic>
+        <p:nvPicPr>
+          <p:cNvPr id="5" name="그림 85" descr="C:/Users/Admin1/AppData/Roaming/PolarisOffice/ETemp/8256_23257792/fImage112102936827.png"/>
+          <p:cNvPicPr>
+            <a:picLocks noChangeAspect="1"/>
+          </p:cNvPicPr>
+          <p:nvPr/>
+        </p:nvPicPr>
+        <p:blipFill rotWithShape="1">
+          <a:blip r:embed="rId2" cstate="hqprint">
+            <a:extLst>
+              <a:ext uri="{28A0092B-C50C-407E-A947-70E740481C1C}">
+                <a14:useLocalDpi xmlns:a14="http://schemas.microsoft.com/office/drawing/2010/main"/>
+              </a:ext>
+            </a:extLst>
+          </a:blip>
+          <a:stretch>
+            <a:fillRect/>
+          </a:stretch>
+        </p:blipFill>
+        <p:spPr>
+          <a:xfrm rot="0">
+            <a:off x="979170" y="2264410"/>
+            <a:ext cx="4376420" cy="1143635"/>
+          </a:xfrm>
+          <a:prstGeom prst="roundRect"/>
+          <a:solidFill>
+            <a:srgbClr val="EDEDED"/>
+          </a:solidFill>
+        </p:spPr>
+      </p:pic>
+      <p:pic>
+        <p:nvPicPr>
+          <p:cNvPr id="6" name="그림 86" descr="C:/Users/Admin1/AppData/Roaming/PolarisOffice/ETemp/8256_23257792/fImage16672949961.png"/>
+          <p:cNvPicPr>
+            <a:picLocks noChangeAspect="1"/>
+          </p:cNvPicPr>
+          <p:nvPr/>
+        </p:nvPicPr>
+        <p:blipFill rotWithShape="1">
+          <a:blip r:embed="rId3" cstate="hqprint">
+            <a:extLst>
+              <a:ext uri="{28A0092B-C50C-407E-A947-70E740481C1C}">
+                <a14:useLocalDpi xmlns:a14="http://schemas.microsoft.com/office/drawing/2010/main"/>
+              </a:ext>
+            </a:extLst>
+          </a:blip>
+          <a:stretch>
+            <a:fillRect/>
+          </a:stretch>
+        </p:blipFill>
+        <p:spPr>
+          <a:xfrm rot="0">
+            <a:off x="7011035" y="1363345"/>
+            <a:ext cx="1297940" cy="349250"/>
+          </a:xfrm>
+          <a:prstGeom prst="roundRect"/>
+          <a:solidFill>
+            <a:srgbClr val="EDEDED"/>
+          </a:solidFill>
+        </p:spPr>
+      </p:pic>
+      <p:pic>
+        <p:nvPicPr>
+          <p:cNvPr id="7" name="그림 87" descr="C:/Users/Admin1/AppData/Roaming/PolarisOffice/ETemp/8256_23257792/fImage2062295491.png"/>
+          <p:cNvPicPr>
+            <a:picLocks noChangeAspect="1"/>
+          </p:cNvPicPr>
+          <p:nvPr/>
+        </p:nvPicPr>
+        <p:blipFill rotWithShape="1">
+          <a:blip r:embed="rId4" cstate="hqprint">
+            <a:extLst>
+              <a:ext uri="{28A0092B-C50C-407E-A947-70E740481C1C}">
+                <a14:useLocalDpi xmlns:a14="http://schemas.microsoft.com/office/drawing/2010/main"/>
+              </a:ext>
+            </a:extLst>
+          </a:blip>
+          <a:stretch>
+            <a:fillRect/>
+          </a:stretch>
+        </p:blipFill>
+        <p:spPr>
+          <a:xfrm rot="0">
+            <a:off x="8421370" y="1196975"/>
+            <a:ext cx="2910840" cy="683260"/>
+          </a:xfrm>
+          <a:prstGeom prst="roundRect"/>
+          <a:solidFill>
+            <a:srgbClr val="EDEDED"/>
+          </a:solidFill>
+        </p:spPr>
+      </p:pic>
+      <p:sp>
+        <p:nvSpPr>
+          <p:cNvPr id="8" name="텍스트 상자 88"/>
+          <p:cNvSpPr txBox="1">
+            <a:spLocks/>
+          </p:cNvSpPr>
+          <p:nvPr/>
+        </p:nvSpPr>
+        <p:spPr>
+          <a:xfrm rot="0">
+            <a:off x="7008495" y="1936750"/>
+            <a:ext cx="4315460" cy="924560"/>
+          </a:xfrm>
+          <a:prstGeom prst="rect"/>
+          <a:noFill/>
+          <a:ln w="0">
+            <a:noFill/>
+            <a:prstDash/>
+          </a:ln>
+        </p:spPr>
+        <p:txBody>
+          <a:bodyPr wrap="square" lIns="89535" tIns="46355" rIns="89535" bIns="46355" vert="horz" anchor="t">
+            <a:spAutoFit/>
+          </a:bodyPr>
+          <a:lstStyle/>
+          <a:p>
+            <a:pPr marL="0" indent="0" rtl="0" algn="l" defTabSz="914400" eaLnBrk="1" latinLnBrk="0" hangingPunct="1">
+              <a:buFontTx/>
+              <a:buNone/>
+            </a:pPr>
+            <a:r>
+              <a:rPr sz="1800">
+                <a:latin typeface="맑은 고딕" charset="0"/>
+                <a:ea typeface="맑은 고딕" charset="0"/>
+              </a:rPr>
+              <a:t>메쉬 렌더러 컴포넌트가 없는 게임 오브젝트의 경우 네비게이션 영역으로 설정할 수 없습니다.</a:t>
+            </a:r>
+            <a:endParaRPr lang="ko-KR" altLang="en-US" sz="1800">
+              <a:latin typeface="맑은 고딕" charset="0"/>
+              <a:ea typeface="맑은 고딕" charset="0"/>
+            </a:endParaRPr>
+          </a:p>
+        </p:txBody>
+      </p:sp>
+      <p:pic>
+        <p:nvPicPr>
+          <p:cNvPr id="9" name="그림 89" descr="C:/Users/Admin1/AppData/Roaming/PolarisOffice/ETemp/8256_23257792/fImage14282972995.png"/>
+          <p:cNvPicPr>
+            <a:picLocks noChangeAspect="1"/>
+          </p:cNvPicPr>
+          <p:nvPr/>
+        </p:nvPicPr>
+        <p:blipFill rotWithShape="1">
+          <a:blip r:embed="rId5" cstate="hqprint">
+            <a:extLst>
+              <a:ext uri="{28A0092B-C50C-407E-A947-70E740481C1C}">
+                <a14:useLocalDpi xmlns:a14="http://schemas.microsoft.com/office/drawing/2010/main"/>
+              </a:ext>
+            </a:extLst>
+          </a:blip>
+          <a:stretch>
+            <a:fillRect/>
+          </a:stretch>
+        </p:blipFill>
+        <p:spPr>
+          <a:xfrm rot="0">
+            <a:off x="7014845" y="3201035"/>
+            <a:ext cx="1308100" cy="492760"/>
+          </a:xfrm>
+          <a:prstGeom prst="roundRect"/>
+          <a:solidFill>
+            <a:srgbClr val="EDEDED"/>
+          </a:solidFill>
+        </p:spPr>
+      </p:pic>
+      <p:pic>
+        <p:nvPicPr>
+          <p:cNvPr id="10" name="그림 90" descr="C:/Users/Admin1/AppData/Roaming/PolarisOffice/ETemp/8256_23257792/fImage88752981942.png"/>
+          <p:cNvPicPr>
+            <a:picLocks noChangeAspect="1"/>
+          </p:cNvPicPr>
+          <p:nvPr/>
+        </p:nvPicPr>
+        <p:blipFill rotWithShape="1">
+          <a:blip r:embed="rId6" cstate="hqprint">
+            <a:extLst>
+              <a:ext uri="{28A0092B-C50C-407E-A947-70E740481C1C}">
+                <a14:useLocalDpi xmlns:a14="http://schemas.microsoft.com/office/drawing/2010/main"/>
+              </a:ext>
+            </a:extLst>
+          </a:blip>
+          <a:stretch>
+            <a:fillRect/>
+          </a:stretch>
+        </p:blipFill>
+        <p:spPr>
+          <a:xfrm rot="0">
+            <a:off x="8424545" y="2994660"/>
+            <a:ext cx="2907665" cy="953135"/>
+          </a:xfrm>
+          <a:prstGeom prst="roundRect"/>
+          <a:solidFill>
+            <a:srgbClr val="EDEDED"/>
+          </a:solidFill>
+        </p:spPr>
+      </p:pic>
+      <p:sp>
+        <p:nvSpPr>
+          <p:cNvPr id="11" name="텍스트 상자 91"/>
+          <p:cNvSpPr txBox="1">
+            <a:spLocks/>
+          </p:cNvSpPr>
+          <p:nvPr/>
+        </p:nvSpPr>
+        <p:spPr>
+          <a:xfrm rot="0">
+            <a:off x="7016750" y="4072255"/>
+            <a:ext cx="4315460" cy="2031365"/>
+          </a:xfrm>
+          <a:prstGeom prst="rect"/>
+          <a:noFill/>
+          <a:ln w="0">
+            <a:noFill/>
+            <a:prstDash/>
+          </a:ln>
+        </p:spPr>
+        <p:txBody>
+          <a:bodyPr wrap="square" lIns="89535" tIns="46355" rIns="89535" bIns="46355" vert="horz" anchor="t">
+            <a:spAutoFit/>
+          </a:bodyPr>
+          <a:lstStyle/>
+          <a:p>
+            <a:pPr marL="0" indent="0" rtl="0" algn="l" defTabSz="914400" eaLnBrk="1" latinLnBrk="0" hangingPunct="1">
+              <a:buFontTx/>
+              <a:buNone/>
+            </a:pPr>
+            <a:r>
+              <a:rPr sz="1800">
+                <a:latin typeface="맑은 고딕" charset="0"/>
+                <a:ea typeface="맑은 고딕" charset="0"/>
+              </a:rPr>
+              <a:t>Navigation Static을 활성화하게 되면  캐릭터가 길을 찾을 수 있는 표면으로 설정됩니다.</a:t>
+            </a:r>
+            <a:endParaRPr lang="ko-KR" altLang="en-US" sz="1800">
+              <a:latin typeface="맑은 고딕" charset="0"/>
+              <a:ea typeface="맑은 고딕" charset="0"/>
+            </a:endParaRPr>
+          </a:p>
+          <a:p>
+            <a:pPr marL="0" indent="0" rtl="0" algn="l" defTabSz="914400" eaLnBrk="1" latinLnBrk="0" hangingPunct="1">
+              <a:buFontTx/>
+              <a:buNone/>
+            </a:pPr>
+            <a:endParaRPr lang="ko-KR" altLang="en-US" sz="1800">
+              <a:latin typeface="맑은 고딕" charset="0"/>
+              <a:ea typeface="맑은 고딕" charset="0"/>
+            </a:endParaRPr>
+          </a:p>
+          <a:p>
+            <a:pPr marL="0" indent="0" rtl="0" algn="l" defTabSz="914400" eaLnBrk="1" latinLnBrk="0" hangingPunct="1">
+              <a:buFontTx/>
+              <a:buNone/>
+            </a:pPr>
+            <a:r>
+              <a:rPr sz="1800">
+                <a:latin typeface="맑은 고딕" charset="0"/>
+                <a:ea typeface="맑은 고딕" charset="0"/>
+              </a:rPr>
+              <a:t>Navigation Static : 게임 오브젝트의 이동 가능한 구역을 계산하고 설정하는 데 사용합니다.</a:t>
+            </a:r>
+            <a:endParaRPr lang="ko-KR" altLang="en-US" sz="1800">
+              <a:latin typeface="맑은 고딕" charset="0"/>
+              <a:ea typeface="맑은 고딕" charset="0"/>
+            </a:endParaRPr>
+          </a:p>
+        </p:txBody>
+      </p:sp>
+    </p:spTree>
+  </p:cSld>
+  <p:clrMapOvr>
+    <a:masterClrMapping/>
+  </p:clrMapOvr>
+  <mc:AlternateContent xmlns:mc="http://schemas.openxmlformats.org/markup-compatibility/2006">
+    <mc:Choice xmlns:p14="http://schemas.microsoft.com/office/powerpoint/2010/main" Requires="p14">
+      <p:transition spd="slow" p14:dur="2000"/>
+    </mc:Choice>
+    <mc:Fallback>
+      <p:transition spd="slow"/>
+    </mc:Fallback>
+  </mc:AlternateContent>
+  <p:timing>
+    <p:tnLst>
+      <p:par>
+        <p:cTn id="1" dur="indefinite" restart="never" nodeType="tmRoot"/>
+      </p:par>
+    </p:tnLst>
+  </p:timing>
+</p:sld>
+</file>
+
+<file path=ppt/slides/slide6.xml><?xml version="1.0" encoding="utf-8"?>
+<p:sld xmlns:a="http://schemas.openxmlformats.org/drawingml/2006/main" xmlns:r="http://schemas.openxmlformats.org/officeDocument/2006/relationships" xmlns:p="http://schemas.openxmlformats.org/presentationml/2006/main">
+  <p:cSld>
+    <p:spTree>
+      <p:nvGrpSpPr>
+        <p:cNvPr id="1" name=""/>
+        <p:cNvGrpSpPr/>
+        <p:nvPr/>
+      </p:nvGrpSpPr>
+      <p:grpSpPr>
+        <a:xfrm>
+          <a:off x="0" y="0"/>
+          <a:ext cx="0" cy="0"/>
+          <a:chOff x="0" y="0"/>
+          <a:chExt cx="0" cy="0"/>
+        </a:xfrm>
+      </p:grpSpPr>
+      <p:sp>
+        <p:nvSpPr>
+          <p:cNvPr id="1031" name="Rect 0"/>
+          <p:cNvSpPr txBox="1">
+            <a:spLocks/>
+          </p:cNvSpPr>
+          <p:nvPr/>
+        </p:nvSpPr>
+        <p:spPr>
+          <a:xfrm rot="0">
+            <a:off x="4943475" y="346075"/>
+            <a:ext cx="2306955" cy="478155"/>
+          </a:xfrm>
+          <a:prstGeom prst="rect"/>
+          <a:noFill/>
+          <a:ln w="0">
+            <a:noFill/>
+            <a:prstDash/>
+          </a:ln>
+        </p:spPr>
+        <p:txBody>
+          <a:bodyPr wrap="square" lIns="89535" tIns="46355" rIns="89535" bIns="46355" numCol="1" vert="horz" anchor="t">
+            <a:spAutoFit/>
+          </a:bodyPr>
+          <a:lstStyle/>
+          <a:p>
+            <a:pPr marL="0" indent="0" algn="l" latinLnBrk="0">
+              <a:buFontTx/>
+              <a:buNone/>
+            </a:pPr>
+            <a:r>
+              <a:rPr lang="ko-KR" altLang="en-US" sz="2500" b="1">
+                <a:solidFill>
+                  <a:schemeClr val="tx1"/>
+                </a:solidFill>
+                <a:latin typeface="나눔바른고딕" charset="0"/>
+                <a:ea typeface="나눔바른고딕" charset="0"/>
+              </a:rPr>
+              <a:t>네</a:t>
+            </a:r>
+            <a:r>
+              <a:rPr lang="ko-KR" altLang="en-US" sz="2500" b="1">
+                <a:solidFill>
+                  <a:schemeClr val="tx1"/>
+                </a:solidFill>
+                <a:latin typeface="나눔바른고딕" charset="0"/>
+                <a:ea typeface="나눔바른고딕" charset="0"/>
+              </a:rPr>
+              <a:t> 번째 튜토리얼</a:t>
+            </a:r>
+            <a:endParaRPr lang="ko-KR" altLang="en-US" sz="2500" b="1">
+              <a:solidFill>
+                <a:schemeClr val="tx1"/>
+              </a:solidFill>
+              <a:latin typeface="나눔바른고딕" charset="0"/>
+              <a:ea typeface="나눔바른고딕" charset="0"/>
+            </a:endParaRPr>
+          </a:p>
+        </p:txBody>
+      </p:sp>
+      <p:pic>
+        <p:nvPicPr>
+          <p:cNvPr id="1181" name="Picture " descr="C:/Users/Admin1/AppData/Roaming/PolarisOffice/ETemp/8256_23257792/fImage163822954464.png"/>
+          <p:cNvPicPr>
+            <a:picLocks noChangeAspect="1"/>
+          </p:cNvPicPr>
+          <p:nvPr/>
+        </p:nvPicPr>
+        <p:blipFill rotWithShape="1">
+          <a:blip r:embed="rId2" cstate="hqprint">
+            <a:extLst>
+              <a:ext uri="{28A0092B-C50C-407E-A947-70E740481C1C}">
+                <a14:useLocalDpi xmlns:a14="http://schemas.microsoft.com/office/drawing/2010/main"/>
+              </a:ext>
+            </a:extLst>
+          </a:blip>
+          <a:stretch>
+            <a:fillRect/>
+          </a:stretch>
+        </p:blipFill>
+        <p:spPr>
+          <a:xfrm rot="0">
+            <a:off x="6824345" y="1141730"/>
+            <a:ext cx="4540250" cy="2880360"/>
+          </a:xfrm>
+          <a:prstGeom prst="rect"/>
+          <a:noFill/>
+        </p:spPr>
+      </p:pic>
+      <p:sp>
+        <p:nvSpPr>
+          <p:cNvPr id="1184" name="Rect 0"/>
+          <p:cNvSpPr txBox="1">
+            <a:spLocks/>
+          </p:cNvSpPr>
+          <p:nvPr/>
+        </p:nvSpPr>
+        <p:spPr>
+          <a:xfrm rot="0">
+            <a:off x="6815455" y="4175760"/>
+            <a:ext cx="4550410" cy="2031365"/>
+          </a:xfrm>
+          <a:prstGeom prst="rect"/>
+          <a:noFill/>
+          <a:ln w="0">
+            <a:noFill/>
+            <a:prstDash/>
+          </a:ln>
+        </p:spPr>
+        <p:txBody>
+          <a:bodyPr wrap="square" lIns="89535" tIns="46355" rIns="89535" bIns="46355" numCol="1" vert="horz" anchor="t">
+            <a:spAutoFit/>
+          </a:bodyPr>
+          <a:lstStyle/>
+          <a:p>
+            <a:pPr marL="0" indent="0" rtl="0" algn="l" defTabSz="914400" eaLnBrk="1" latinLnBrk="0" hangingPunct="1">
+              <a:buFontTx/>
+              <a:buNone/>
+            </a:pPr>
+            <a:r>
+              <a:rPr sz="1800" b="1">
+                <a:solidFill>
+                  <a:srgbClr val="0611F2"/>
+                </a:solidFill>
+                <a:latin typeface="맑은 고딕" charset="0"/>
+                <a:ea typeface="맑은 고딕" charset="0"/>
+              </a:rPr>
+              <a:t>13</a:t>
+            </a:r>
+            <a:r>
+              <a:rPr sz="1800" b="1">
+                <a:solidFill>
+                  <a:srgbClr val="0611F2"/>
+                </a:solidFill>
+                <a:latin typeface="맑은 고딕" charset="0"/>
+                <a:ea typeface="맑은 고딕" charset="0"/>
+              </a:rPr>
+              <a:t>.</a:t>
+            </a:r>
+            <a:r>
+              <a:rPr sz="1800">
+                <a:latin typeface="맑은 고딕" charset="0"/>
+                <a:ea typeface="맑은 고딕" charset="0"/>
+              </a:rPr>
+              <a:t> </a:t>
+            </a:r>
+            <a:r>
+              <a:rPr lang="ko-KR" sz="1800">
+                <a:latin typeface="맑은 고딕" charset="0"/>
+                <a:ea typeface="맑은 고딕" charset="0"/>
+              </a:rPr>
+              <a:t>마지막으로</a:t>
+            </a:r>
+            <a:r>
+              <a:rPr lang="ko-KR" sz="1800">
+                <a:latin typeface="맑은 고딕" charset="0"/>
+                <a:ea typeface="맑은 고딕" charset="0"/>
+              </a:rPr>
+              <a:t> 마우스 왼쪽 버튼을 클릭했을 때 마우스로 클릭한 3D 공간의 위치 정보를 저장합니다.</a:t>
+            </a:r>
+            <a:endParaRPr lang="ko-KR" altLang="en-US" sz="1800">
+              <a:latin typeface="맑은 고딕" charset="0"/>
+              <a:ea typeface="맑은 고딕" charset="0"/>
+            </a:endParaRPr>
+          </a:p>
+          <a:p>
+            <a:pPr marL="0" indent="0" rtl="0" algn="l" defTabSz="914400" eaLnBrk="1" latinLnBrk="0" hangingPunct="1">
+              <a:buFontTx/>
+              <a:buNone/>
+            </a:pPr>
+            <a:endParaRPr lang="ko-KR" altLang="en-US" sz="1800">
+              <a:latin typeface="맑은 고딕" charset="0"/>
+              <a:ea typeface="맑은 고딕" charset="0"/>
+            </a:endParaRPr>
+          </a:p>
+          <a:p>
+            <a:pPr marL="0" indent="0" rtl="0" algn="l" defTabSz="914400" eaLnBrk="1" latinLnBrk="0" hangingPunct="1">
+              <a:buFontTx/>
+              <a:buNone/>
+            </a:pPr>
+            <a:r>
+              <a:rPr lang="ko-KR" sz="1800">
+                <a:latin typeface="맑은 고딕" charset="0"/>
+                <a:ea typeface="맑은 고딕" charset="0"/>
+              </a:rPr>
+              <a:t>그리고</a:t>
+            </a:r>
+            <a:r>
+              <a:rPr lang="ko-KR" sz="1800">
+                <a:latin typeface="맑은 고딕" charset="0"/>
+                <a:ea typeface="맑은 고딕" charset="0"/>
+              </a:rPr>
+              <a:t> 충돌한 물체가 있을 때 충돌한 오브젝트의 위치 정보를 Move() 함수 매개변수로 넣어줍니다.  </a:t>
+            </a:r>
+            <a:endParaRPr lang="ko-KR" altLang="en-US" sz="1800">
+              <a:latin typeface="맑은 고딕" charset="0"/>
+              <a:ea typeface="맑은 고딕" charset="0"/>
+            </a:endParaRPr>
+          </a:p>
+        </p:txBody>
+      </p:sp>
+      <p:pic>
+        <p:nvPicPr>
+          <p:cNvPr id="1185" name="Picture " descr="C:/Users/Admin1/AppData/Roaming/PolarisOffice/ETemp/8256_23257792/fImage54652739358.png"/>
+          <p:cNvPicPr>
+            <a:picLocks noChangeAspect="1"/>
+          </p:cNvPicPr>
+          <p:nvPr/>
+        </p:nvPicPr>
+        <p:blipFill rotWithShape="1">
+          <a:blip r:embed="rId3" cstate="hqprint">
+            <a:extLst>
+              <a:ext uri="{28A0092B-C50C-407E-A947-70E740481C1C}">
+                <a14:useLocalDpi xmlns:a14="http://schemas.microsoft.com/office/drawing/2010/main"/>
+              </a:ext>
+            </a:extLst>
+          </a:blip>
+          <a:stretch>
+            <a:fillRect/>
+          </a:stretch>
+        </p:blipFill>
+        <p:spPr>
+          <a:xfrm rot="0">
+            <a:off x="1206500" y="1154430"/>
+            <a:ext cx="4180840" cy="1301115"/>
+          </a:xfrm>
+          <a:prstGeom prst="roundRect"/>
+          <a:solidFill>
+            <a:srgbClr val="EDEDED"/>
+          </a:solidFill>
+        </p:spPr>
+      </p:pic>
+      <p:sp>
+        <p:nvSpPr>
+          <p:cNvPr id="1186" name="Rect 0"/>
+          <p:cNvSpPr txBox="1">
+            <a:spLocks/>
+          </p:cNvSpPr>
+          <p:nvPr/>
+        </p:nvSpPr>
+        <p:spPr>
+          <a:xfrm rot="0">
+            <a:off x="1207135" y="2576830"/>
+            <a:ext cx="4191000" cy="1200785"/>
+          </a:xfrm>
+          <a:prstGeom prst="rect"/>
+          <a:noFill/>
+          <a:ln w="0">
+            <a:noFill/>
+            <a:prstDash/>
+          </a:ln>
+        </p:spPr>
+        <p:txBody>
+          <a:bodyPr wrap="square" lIns="89535" tIns="46355" rIns="89535" bIns="46355" numCol="1" vert="horz" anchor="t">
+            <a:spAutoFit/>
+          </a:bodyPr>
+          <a:lstStyle/>
+          <a:p>
+            <a:pPr marL="0" indent="0" rtl="0" algn="l" defTabSz="914400" eaLnBrk="1" latinLnBrk="0" hangingPunct="1">
+              <a:buFontTx/>
+              <a:buNone/>
+            </a:pPr>
+            <a:r>
+              <a:rPr lang="ko-KR" sz="1800" b="1">
+                <a:solidFill>
+                  <a:srgbClr val="0611F2"/>
+                </a:solidFill>
+                <a:latin typeface="맑은 고딕" charset="0"/>
+                <a:ea typeface="맑은 고딕" charset="0"/>
+              </a:rPr>
+              <a:t>11</a:t>
+            </a:r>
+            <a:r>
+              <a:rPr sz="1800" b="1">
+                <a:solidFill>
+                  <a:srgbClr val="0611F2"/>
+                </a:solidFill>
+                <a:latin typeface="맑은 고딕" charset="0"/>
+                <a:ea typeface="맑은 고딕" charset="0"/>
+              </a:rPr>
+              <a:t>.</a:t>
+            </a:r>
+            <a:r>
+              <a:rPr sz="1800">
+                <a:latin typeface="맑은 고딕" charset="0"/>
+                <a:ea typeface="맑은 고딕" charset="0"/>
+              </a:rPr>
+              <a:t> </a:t>
+            </a:r>
+            <a:r>
+              <a:rPr lang="ko-KR" sz="1800">
+                <a:latin typeface="맑은 고딕" charset="0"/>
+                <a:ea typeface="맑은 고딕" charset="0"/>
+              </a:rPr>
+              <a:t>그리고 Controller </a:t>
+            </a:r>
+            <a:r>
+              <a:rPr lang="ko-KR" sz="1800">
+                <a:latin typeface="맑은 고딕" charset="0"/>
+                <a:ea typeface="맑은 고딕" charset="0"/>
+              </a:rPr>
+              <a:t>스크립트에서</a:t>
+            </a:r>
+            <a:r>
+              <a:rPr lang="ko-KR" sz="1800">
+                <a:latin typeface="맑은 고딕" charset="0"/>
+                <a:ea typeface="맑은 고딕" charset="0"/>
+              </a:rPr>
+              <a:t> 속도를 설정할 수 있는 변수를 선언하고 </a:t>
+            </a:r>
+            <a:r>
+              <a:rPr lang="ko-KR" sz="1800">
+                <a:latin typeface="맑은 고딕" charset="0"/>
+                <a:ea typeface="맑은 고딕" charset="0"/>
+              </a:rPr>
+              <a:t>NavMeshAgent 컴포넌트를 </a:t>
+            </a:r>
+            <a:r>
+              <a:rPr lang="ko-KR" sz="1800">
+                <a:latin typeface="맑은 고딕" charset="0"/>
+                <a:ea typeface="맑은 고딕" charset="0"/>
+              </a:rPr>
+              <a:t>가져옵니다</a:t>
+            </a:r>
+            <a:r>
+              <a:rPr lang="ko-KR" sz="1800">
+                <a:latin typeface="맑은 고딕" charset="0"/>
+                <a:ea typeface="맑은 고딕" charset="0"/>
+              </a:rPr>
+              <a:t>.</a:t>
+            </a:r>
+            <a:endParaRPr lang="ko-KR" altLang="en-US" sz="1800">
+              <a:latin typeface="맑은 고딕" charset="0"/>
+              <a:ea typeface="맑은 고딕" charset="0"/>
+            </a:endParaRPr>
+          </a:p>
+        </p:txBody>
+      </p:sp>
+      <p:pic>
+        <p:nvPicPr>
+          <p:cNvPr id="1187" name="그림 69" descr="C:/Users/Admin1/AppData/Roaming/PolarisOffice/ETemp/8256_23257792/fImage31782965705.png"/>
+          <p:cNvPicPr>
+            <a:picLocks noChangeAspect="1"/>
+          </p:cNvPicPr>
+          <p:nvPr/>
+        </p:nvPicPr>
+        <p:blipFill rotWithShape="1">
+          <a:blip r:embed="rId4" cstate="hqprint">
+            <a:extLst>
+              <a:ext uri="{28A0092B-C50C-407E-A947-70E740481C1C}">
+                <a14:useLocalDpi xmlns:a14="http://schemas.microsoft.com/office/drawing/2010/main"/>
+              </a:ext>
+            </a:extLst>
+          </a:blip>
+          <a:stretch>
+            <a:fillRect/>
+          </a:stretch>
+        </p:blipFill>
+        <p:spPr>
+          <a:xfrm rot="0">
+            <a:off x="1201420" y="3937000"/>
+            <a:ext cx="4196715" cy="927735"/>
+          </a:xfrm>
+          <a:prstGeom prst="roundRect"/>
+          <a:solidFill>
+            <a:srgbClr val="EDEDED"/>
+          </a:solidFill>
+        </p:spPr>
+      </p:pic>
+      <p:sp>
+        <p:nvSpPr>
+          <p:cNvPr id="1188" name="텍스트 상자 72"/>
+          <p:cNvSpPr txBox="1">
+            <a:spLocks/>
+          </p:cNvSpPr>
+          <p:nvPr/>
+        </p:nvSpPr>
+        <p:spPr>
+          <a:xfrm rot="0">
+            <a:off x="1196975" y="4994910"/>
+            <a:ext cx="4190365" cy="1200785"/>
+          </a:xfrm>
+          <a:prstGeom prst="rect"/>
+          <a:noFill/>
+          <a:ln w="0">
+            <a:noFill/>
+            <a:prstDash/>
+          </a:ln>
+        </p:spPr>
+        <p:txBody>
+          <a:bodyPr wrap="square" lIns="89535" tIns="46355" rIns="89535" bIns="46355" numCol="1" vert="horz" anchor="t">
+            <a:spAutoFit/>
+          </a:bodyPr>
+          <a:lstStyle/>
+          <a:p>
+            <a:pPr marL="0" indent="0" rtl="0" algn="l" defTabSz="914400" eaLnBrk="1" latinLnBrk="0" hangingPunct="1">
+              <a:buFontTx/>
+              <a:buNone/>
+            </a:pPr>
+            <a:r>
+              <a:rPr sz="1800" b="1">
+                <a:solidFill>
+                  <a:srgbClr val="0611F2"/>
+                </a:solidFill>
+                <a:latin typeface="맑은 고딕" charset="0"/>
+                <a:ea typeface="맑은 고딕" charset="0"/>
+              </a:rPr>
+              <a:t>12</a:t>
+            </a:r>
+            <a:r>
+              <a:rPr sz="1800" b="1">
+                <a:solidFill>
+                  <a:srgbClr val="0611F2"/>
+                </a:solidFill>
+                <a:latin typeface="맑은 고딕" charset="0"/>
+                <a:ea typeface="맑은 고딕" charset="0"/>
+              </a:rPr>
+              <a:t>.</a:t>
+            </a:r>
+            <a:r>
+              <a:rPr sz="1800">
+                <a:latin typeface="맑은 고딕" charset="0"/>
+                <a:ea typeface="맑은 고딕" charset="0"/>
+              </a:rPr>
+              <a:t> </a:t>
+            </a:r>
+            <a:r>
+              <a:rPr lang="ko-KR" sz="1800">
+                <a:latin typeface="맑은 고딕" charset="0"/>
+                <a:ea typeface="맑은 고딕" charset="0"/>
+              </a:rPr>
+              <a:t>그다음</a:t>
+            </a:r>
+            <a:r>
+              <a:rPr lang="ko-KR" sz="1800">
+                <a:latin typeface="맑은 고딕" charset="0"/>
+                <a:ea typeface="맑은 고딕" charset="0"/>
+              </a:rPr>
+              <a:t> Nav Mesh Agent 컴포넌트로 이동하기 위해 Move라는 함수를 </a:t>
+            </a:r>
+            <a:r>
+              <a:rPr lang="ko-KR" sz="1800">
+                <a:latin typeface="맑은 고딕" charset="0"/>
+                <a:ea typeface="맑은 고딕" charset="0"/>
+              </a:rPr>
+              <a:t>생성하고</a:t>
+            </a:r>
+            <a:r>
+              <a:rPr lang="ko-KR" sz="1800">
+                <a:latin typeface="맑은 고딕" charset="0"/>
+                <a:ea typeface="맑은 고딕" charset="0"/>
+              </a:rPr>
+              <a:t> 속도와 도착지점을 설정합니다.</a:t>
+            </a:r>
+            <a:endParaRPr lang="ko-KR" altLang="en-US" sz="1800">
+              <a:latin typeface="맑은 고딕" charset="0"/>
+              <a:ea typeface="맑은 고딕" charset="0"/>
+            </a:endParaRPr>
+          </a:p>
+        </p:txBody>
+      </p:sp>
+    </p:spTree>
+  </p:cSld>
+  <p:clrMapOvr>
+    <a:masterClrMapping/>
+  </p:clrMapOvr>
+  <mc:AlternateContent xmlns:mc="http://schemas.openxmlformats.org/markup-compatibility/2006">
+    <mc:Choice xmlns:p14="http://schemas.microsoft.com/office/powerpoint/2010/main" Requires="p14">
+      <p:transition spd="slow" p14:dur="2000"/>
+    </mc:Choice>
+    <mc:Fallback>
+      <p:transition spd="slow"/>
+    </mc:Fallback>
+  </mc:AlternateContent>
+  <p:timing>
+    <p:tnLst>
+      <p:par>
+        <p:cTn id="1" dur="indefinite" restart="never" nodeType="tmRoot"/>
+      </p:par>
+    </p:tnLst>
+  </p:timing>
+</p:sld>
+</file>
+
+<file path=ppt/slides/slide7.xml><?xml version="1.0" encoding="utf-8"?>
 <p:sld xmlns:a="http://schemas.openxmlformats.org/drawingml/2006/main" xmlns:r="http://schemas.openxmlformats.org/officeDocument/2006/relationships" xmlns:p="http://schemas.openxmlformats.org/presentationml/2006/main" xmlns:p14="http://schemas.microsoft.com/office/powerpoint/2010/main">
   <p:cSld>
     <p:spTree>
@@ -7663,8 +11940,8 @@
         </p:nvSpPr>
         <p:spPr>
           <a:xfrm rot="0">
-            <a:off x="4943475" y="346075"/>
-            <a:ext cx="2306320" cy="478155"/>
+            <a:off x="4804410" y="346075"/>
+            <a:ext cx="2593975" cy="478155"/>
           </a:xfrm>
           <a:prstGeom prst="rect"/>
           <a:noFill/>
@@ -7691,7 +11968,17 @@
                 <a:latin typeface="나눔바른고딕" charset="0"/>
                 <a:ea typeface="나눔바른고딕" charset="0"/>
               </a:rPr>
-              <a:t>네 번째 튜토리얼</a:t>
+              <a:t>다섯</a:t>
+            </a:r>
+            <a:r>
+              <a:rPr lang="ko-KR" altLang="en-US" sz="2500" b="1">
+                <a:solidFill>
+                  <a:schemeClr val="tx1"/>
+                </a:solidFill>
+                <a:latin typeface="나눔바른고딕" charset="0"/>
+                <a:ea typeface="나눔바른고딕" charset="0"/>
+              </a:rPr>
+              <a:t> 번째 튜토리얼</a:t>
             </a:r>
             <a:endParaRPr lang="ko-KR" altLang="en-US" sz="2500" b="1">
               <a:solidFill>
@@ -7713,8 +12000,8 @@
         </p:nvSpPr>
         <p:spPr>
           <a:xfrm rot="0">
-            <a:off x="1063625" y="5406390"/>
-            <a:ext cx="4282440" cy="924560"/>
+            <a:off x="1116330" y="4856480"/>
+            <a:ext cx="4283075" cy="923925"/>
           </a:xfrm>
           <a:prstGeom prst="rect"/>
           <a:noFill/>
@@ -7755,7 +12042,35 @@
                 <a:latin typeface="맑은 고딕" charset="0"/>
                 <a:ea typeface="맑은 고딕" charset="0"/>
               </a:rPr>
-              <a:t>그리고 NavMeshAgent가 이동하기 위한 범위를 설정하고 Bake를 선택합니다.</a:t>
+              <a:t>그</a:t>
+            </a:r>
+            <a:r>
+              <a:rPr lang="ko-KR" sz="1800">
+                <a:latin typeface="맑은 고딕" charset="0"/>
+                <a:ea typeface="맑은 고딕" charset="0"/>
+              </a:rPr>
+              <a:t>런 다음</a:t>
+            </a:r>
+            <a:r>
+              <a:rPr lang="ko-KR" sz="1800">
+                <a:latin typeface="맑은 고딕" charset="0"/>
+                <a:ea typeface="맑은 고딕" charset="0"/>
+              </a:rPr>
+              <a:t> NavMeshAgent가 이동하기 위한 범위를</a:t>
+            </a:r>
+            <a:r>
+              <a:rPr lang="ko-KR" sz="1800">
+                <a:latin typeface="맑은 고딕" charset="0"/>
+                <a:ea typeface="맑은 고딕" charset="0"/>
+              </a:rPr>
+              <a:t> 설정되었으면</a:t>
+            </a:r>
+            <a:r>
+              <a:rPr lang="ko-KR" sz="1800">
+                <a:latin typeface="맑은 고딕" charset="0"/>
+                <a:ea typeface="맑은 고딕" charset="0"/>
+              </a:rPr>
+              <a:t> Bake를 선택합니다.</a:t>
             </a:r>
             <a:endParaRPr lang="ko-KR" altLang="en-US" sz="1800">
               <a:latin typeface="맑은 고딕" charset="0"/>
@@ -7766,7 +12081,446 @@
       </p:sp>
       <p:pic>
         <p:nvPicPr>
-          <p:cNvPr id="1198" name="그림 122"/>
+          <p:cNvPr id="1199" name="그림 127" descr="C:/Users/Admin1/AppData/Roaming/PolarisOffice/ETemp/8256_23257792/fImage243783454827.png"/>
+          <p:cNvPicPr>
+            <a:picLocks noChangeAspect="1"/>
+          </p:cNvPicPr>
+          <p:nvPr/>
+        </p:nvPicPr>
+        <p:blipFill rotWithShape="1">
+          <a:blip r:embed="rId3" cstate="hqprint">
+            <a:extLst>
+              <a:ext uri="{28A0092B-C50C-407E-A947-70E740481C1C}">
+                <a14:useLocalDpi xmlns:a14="http://schemas.microsoft.com/office/drawing/2010/main"/>
+              </a:ext>
+            </a:extLst>
+          </a:blip>
+          <a:stretch>
+            <a:fillRect/>
+          </a:stretch>
+        </p:blipFill>
+        <p:spPr>
+          <a:xfrm rot="0">
+            <a:off x="1114425" y="1338580"/>
+            <a:ext cx="4274820" cy="3339465"/>
+          </a:xfrm>
+          <a:prstGeom prst="rect"/>
+          <a:noFill/>
+        </p:spPr>
+      </p:pic>
+      <p:sp>
+        <p:nvSpPr>
+          <p:cNvPr id="1200" name="텍스트 상자 128"/>
+          <p:cNvSpPr txBox="1">
+            <a:spLocks/>
+          </p:cNvSpPr>
+          <p:nvPr/>
+        </p:nvSpPr>
+        <p:spPr>
+          <a:xfrm rot="0">
+            <a:off x="6826250" y="3742055"/>
+            <a:ext cx="4244340" cy="2031365"/>
+          </a:xfrm>
+          <a:prstGeom prst="rect"/>
+          <a:noFill/>
+          <a:ln w="0">
+            <a:noFill/>
+            <a:prstDash/>
+          </a:ln>
+        </p:spPr>
+        <p:txBody>
+          <a:bodyPr wrap="square" lIns="89535" tIns="46355" rIns="89535" bIns="46355" numCol="1" vert="horz" anchor="t">
+            <a:spAutoFit/>
+          </a:bodyPr>
+          <a:lstStyle/>
+          <a:p>
+            <a:pPr marL="0" indent="0" rtl="0" algn="l" defTabSz="914400" eaLnBrk="1" latinLnBrk="0" hangingPunct="1">
+              <a:buFontTx/>
+              <a:buNone/>
+            </a:pPr>
+            <a:r>
+              <a:rPr sz="1800" b="1">
+                <a:solidFill>
+                  <a:srgbClr val="0611F2"/>
+                </a:solidFill>
+                <a:latin typeface="맑은 고딕" charset="0"/>
+                <a:ea typeface="맑은 고딕" charset="0"/>
+              </a:rPr>
+              <a:t>13.</a:t>
+            </a:r>
+            <a:r>
+              <a:rPr sz="1800">
+                <a:latin typeface="맑은 고딕" charset="0"/>
+                <a:ea typeface="맑은 고딕" charset="0"/>
+              </a:rPr>
+              <a:t> </a:t>
+            </a:r>
+            <a:r>
+              <a:rPr lang="ko-KR" sz="1800">
+                <a:latin typeface="맑은 고딕" charset="0"/>
+                <a:ea typeface="맑은 고딕" charset="0"/>
+              </a:rPr>
+              <a:t>Bake가 되는 순간 Agent가 이동할 수 있는 영역과 이동할 수 없는 영역이 정해지게 됩니다.</a:t>
+            </a:r>
+            <a:endParaRPr lang="ko-KR" altLang="en-US" sz="1800">
+              <a:latin typeface="맑은 고딕" charset="0"/>
+              <a:ea typeface="맑은 고딕" charset="0"/>
+            </a:endParaRPr>
+          </a:p>
+          <a:p>
+            <a:pPr marL="0" indent="0" rtl="0" algn="l" defTabSz="914400" eaLnBrk="1" latinLnBrk="0" hangingPunct="1">
+              <a:buFontTx/>
+              <a:buNone/>
+            </a:pPr>
+            <a:endParaRPr lang="ko-KR" altLang="en-US" sz="1800">
+              <a:latin typeface="맑은 고딕" charset="0"/>
+              <a:ea typeface="맑은 고딕" charset="0"/>
+            </a:endParaRPr>
+          </a:p>
+          <a:p>
+            <a:pPr marL="0" indent="0" rtl="0" algn="l" defTabSz="914400" eaLnBrk="1" latinLnBrk="0" hangingPunct="1">
+              <a:buFontTx/>
+              <a:buNone/>
+            </a:pPr>
+            <a:r>
+              <a:rPr lang="ko-KR" sz="1800">
+                <a:latin typeface="맑은 고딕" charset="0"/>
+                <a:ea typeface="맑은 고딕" charset="0"/>
+              </a:rPr>
+              <a:t>그</a:t>
+            </a:r>
+            <a:r>
+              <a:rPr lang="ko-KR" sz="1800">
+                <a:latin typeface="맑은 고딕" charset="0"/>
+                <a:ea typeface="맑은 고딕" charset="0"/>
+              </a:rPr>
+              <a:t>리고</a:t>
+            </a:r>
+            <a:r>
+              <a:rPr lang="ko-KR" sz="1800">
+                <a:latin typeface="맑은 고딕" charset="0"/>
+                <a:ea typeface="맑은 고딕" charset="0"/>
+              </a:rPr>
+              <a:t> 마우스로 위치 정보를 선택했을 때 현재 </a:t>
+            </a:r>
+            <a:r>
+              <a:rPr lang="ko-KR" sz="1800">
+                <a:latin typeface="맑은 고딕" charset="0"/>
+                <a:ea typeface="맑은 고딕" charset="0"/>
+              </a:rPr>
+              <a:t>파란</a:t>
+            </a:r>
+            <a:r>
+              <a:rPr lang="ko-KR" sz="1800">
+                <a:latin typeface="맑은 고딕" charset="0"/>
+                <a:ea typeface="맑은 고딕" charset="0"/>
+              </a:rPr>
+              <a:t>색으로 설정된 영역 이외에 다른 영역으로는 이동할 수 없습니다.</a:t>
+            </a:r>
+            <a:endParaRPr lang="ko-KR" altLang="en-US" sz="1800">
+              <a:latin typeface="맑은 고딕" charset="0"/>
+              <a:ea typeface="맑은 고딕" charset="0"/>
+            </a:endParaRPr>
+          </a:p>
+        </p:txBody>
+      </p:sp>
+      <p:pic>
+        <p:nvPicPr>
+          <p:cNvPr id="1201" name="그림 93" descr="C:/Users/Admin1/AppData/Roaming/PolarisOffice/ETemp/8256_23257792/fImage930023004827.png"/>
+          <p:cNvPicPr>
+            <a:picLocks noChangeAspect="1"/>
+          </p:cNvPicPr>
+          <p:nvPr/>
+        </p:nvPicPr>
+        <p:blipFill rotWithShape="1">
+          <a:blip r:embed="rId6" cstate="print">
+            <a:extLst>
+              <a:ext uri="{28A0092B-C50C-407E-A947-70E740481C1C}">
+                <a14:useLocalDpi xmlns:a14="http://schemas.microsoft.com/office/drawing/2010/main" val="0"/>
+              </a:ext>
+            </a:extLst>
+          </a:blip>
+          <a:stretch>
+            <a:fillRect/>
+          </a:stretch>
+        </p:blipFill>
+        <p:spPr>
+          <a:xfrm rot="0">
+            <a:off x="6826250" y="1333500"/>
+            <a:ext cx="4242435" cy="2275840"/>
+          </a:xfrm>
+          <a:prstGeom prst="roundRect"/>
+          <a:solidFill>
+            <a:srgbClr val="EDEDED"/>
+          </a:solidFill>
+        </p:spPr>
+      </p:pic>
+    </p:spTree>
+  </p:cSld>
+  <p:clrMapOvr>
+    <a:masterClrMapping/>
+  </p:clrMapOvr>
+  <mc:AlternateContent xmlns:mc="http://schemas.openxmlformats.org/markup-compatibility/2006">
+    <mc:Choice xmlns:p14="http://schemas.microsoft.com/office/powerpoint/2010/main" Requires="p14">
+      <p:transition spd="slow" p14:dur="2000"/>
+    </mc:Choice>
+    <mc:Fallback>
+      <p:transition spd="slow"/>
+    </mc:Fallback>
+  </mc:AlternateContent>
+  <p:timing>
+    <p:tnLst>
+      <p:par>
+        <p:cTn id="1" dur="indefinite" restart="never" nodeType="tmRoot"/>
+      </p:par>
+    </p:tnLst>
+  </p:timing>
+</p:sld>
+</file>
+
+<file path=ppt/slides/slide8.xml><?xml version="1.0" encoding="utf-8"?>
+<p:sld xmlns:a="http://schemas.openxmlformats.org/drawingml/2006/main" xmlns:r="http://schemas.openxmlformats.org/officeDocument/2006/relationships" xmlns:p="http://schemas.openxmlformats.org/presentationml/2006/main">
+  <p:cSld>
+    <p:spTree>
+      <p:nvGrpSpPr>
+        <p:cNvPr id="1" name=""/>
+        <p:cNvGrpSpPr/>
+        <p:nvPr/>
+      </p:nvGrpSpPr>
+      <p:grpSpPr>
+        <a:xfrm>
+          <a:off x="0" y="0"/>
+          <a:ext cx="0" cy="0"/>
+          <a:chOff x="0" y="0"/>
+          <a:chExt cx="0" cy="0"/>
+        </a:xfrm>
+      </p:grpSpPr>
+      <p:sp>
+        <p:nvSpPr>
+          <p:cNvPr id="1032" name="텍스트 상자 98"/>
+          <p:cNvSpPr txBox="1">
+            <a:spLocks/>
+          </p:cNvSpPr>
+          <p:nvPr/>
+        </p:nvSpPr>
+        <p:spPr>
+          <a:xfrm rot="0">
+            <a:off x="4433570" y="460375"/>
+            <a:ext cx="3319780" cy="554990"/>
+          </a:xfrm>
+          <a:prstGeom prst="rect"/>
+          <a:noFill/>
+          <a:ln w="0">
+            <a:noFill/>
+            <a:prstDash/>
+          </a:ln>
+        </p:spPr>
+        <p:txBody>
+          <a:bodyPr wrap="square" lIns="89535" tIns="46355" rIns="89535" bIns="46355" vert="horz" anchor="t">
+            <a:spAutoFit/>
+          </a:bodyPr>
+          <a:lstStyle/>
+          <a:p>
+            <a:pPr marL="0" indent="0" rtl="0" algn="l" defTabSz="914400" eaLnBrk="1" latinLnBrk="0" hangingPunct="1">
+              <a:buFontTx/>
+              <a:buNone/>
+            </a:pPr>
+            <a:r>
+              <a:rPr sz="3000" b="1">
+                <a:solidFill>
+                  <a:schemeClr val="tx1"/>
+                </a:solidFill>
+                <a:latin typeface="맑은 고딕" charset="0"/>
+                <a:ea typeface="맑은 고딕" charset="0"/>
+              </a:rPr>
+              <a:t>Navigation Areas</a:t>
+            </a:r>
+            <a:endParaRPr lang="ko-KR" altLang="en-US" sz="3000" b="1">
+              <a:solidFill>
+                <a:schemeClr val="tx1"/>
+              </a:solidFill>
+              <a:latin typeface="맑은 고딕" charset="0"/>
+              <a:ea typeface="맑은 고딕" charset="0"/>
+            </a:endParaRPr>
+          </a:p>
+        </p:txBody>
+      </p:sp>
+      <p:sp>
+        <p:nvSpPr>
+          <p:cNvPr id="1033" name="텍스트 상자 99"/>
+          <p:cNvSpPr txBox="1">
+            <a:spLocks/>
+          </p:cNvSpPr>
+          <p:nvPr/>
+        </p:nvSpPr>
+        <p:spPr>
+          <a:xfrm rot="0">
+            <a:off x="973455" y="1440815"/>
+            <a:ext cx="4382135" cy="923925"/>
+          </a:xfrm>
+          <a:prstGeom prst="rect"/>
+          <a:noFill/>
+          <a:ln w="0">
+            <a:noFill/>
+            <a:prstDash/>
+          </a:ln>
+        </p:spPr>
+        <p:txBody>
+          <a:bodyPr wrap="square" lIns="89535" tIns="46355" rIns="89535" bIns="46355" vert="horz" anchor="t">
+            <a:spAutoFit/>
+          </a:bodyPr>
+          <a:lstStyle/>
+          <a:p>
+            <a:pPr marL="0" indent="0" rtl="0" algn="l" defTabSz="914400" eaLnBrk="1" latinLnBrk="0" hangingPunct="1">
+              <a:buFontTx/>
+              <a:buNone/>
+            </a:pPr>
+            <a:r>
+              <a:rPr lang="ko-KR" sz="1800">
+                <a:latin typeface="맑은 고딕" charset="0"/>
+                <a:ea typeface="맑은 고딕" charset="0"/>
+              </a:rPr>
+              <a:t>내비게이션 영역은</a:t>
+            </a:r>
+            <a:r>
+              <a:rPr sz="1800">
+                <a:latin typeface="맑은 고딕" charset="0"/>
+                <a:ea typeface="맑은 고딕" charset="0"/>
+              </a:rPr>
+              <a:t> 특정영역에 비용을 설정하여 경로의 순서를 설정하는 기능입니다.</a:t>
+            </a:r>
+            <a:endParaRPr lang="ko-KR" altLang="en-US" sz="1800">
+              <a:latin typeface="맑은 고딕" charset="0"/>
+              <a:ea typeface="맑은 고딕" charset="0"/>
+            </a:endParaRPr>
+          </a:p>
+        </p:txBody>
+      </p:sp>
+      <p:sp>
+        <p:nvSpPr>
+          <p:cNvPr id="1034" name="텍스트 상자 100"/>
+          <p:cNvSpPr txBox="1">
+            <a:spLocks/>
+          </p:cNvSpPr>
+          <p:nvPr/>
+        </p:nvSpPr>
+        <p:spPr>
+          <a:xfrm rot="0">
+            <a:off x="978535" y="5259070"/>
+            <a:ext cx="4376420" cy="647065"/>
+          </a:xfrm>
+          <a:prstGeom prst="rect"/>
+          <a:noFill/>
+          <a:ln w="0">
+            <a:noFill/>
+            <a:prstDash/>
+          </a:ln>
+        </p:spPr>
+        <p:txBody>
+          <a:bodyPr wrap="square" lIns="89535" tIns="46355" rIns="89535" bIns="46355" vert="horz" anchor="t">
+            <a:spAutoFit/>
+          </a:bodyPr>
+          <a:lstStyle/>
+          <a:p>
+            <a:pPr marL="0" indent="0" rtl="0" algn="l" defTabSz="914400" eaLnBrk="1" latinLnBrk="0" hangingPunct="1">
+              <a:buFontTx/>
+              <a:buNone/>
+            </a:pPr>
+            <a:r>
+              <a:rPr lang="ko-KR" sz="1800">
+                <a:latin typeface="맑은 고딕" charset="0"/>
+                <a:ea typeface="맑은 고딕" charset="0"/>
+              </a:rPr>
+              <a:t>내비게이션 영역의 경우</a:t>
+            </a:r>
+            <a:r>
+              <a:rPr sz="1800">
+                <a:latin typeface="맑은 고딕" charset="0"/>
+                <a:ea typeface="맑은 고딕" charset="0"/>
+              </a:rPr>
+              <a:t> 경로를 탐색할 때 낮은 비용의 영역으로 선택됩니다.</a:t>
+            </a:r>
+            <a:endParaRPr lang="ko-KR" altLang="en-US" sz="1800">
+              <a:latin typeface="맑은 고딕" charset="0"/>
+              <a:ea typeface="맑은 고딕" charset="0"/>
+            </a:endParaRPr>
+          </a:p>
+        </p:txBody>
+      </p:sp>
+      <p:sp>
+        <p:nvSpPr>
+          <p:cNvPr id="1040" name="텍스트 상자 106"/>
+          <p:cNvSpPr txBox="1">
+            <a:spLocks/>
+          </p:cNvSpPr>
+          <p:nvPr/>
+        </p:nvSpPr>
+        <p:spPr>
+          <a:xfrm rot="0">
+            <a:off x="6847205" y="3595370"/>
+            <a:ext cx="4181475" cy="2308225"/>
+          </a:xfrm>
+          <a:prstGeom prst="rect"/>
+          <a:noFill/>
+          <a:ln w="0">
+            <a:noFill/>
+            <a:prstDash/>
+          </a:ln>
+        </p:spPr>
+        <p:txBody>
+          <a:bodyPr wrap="square" lIns="89535" tIns="46355" rIns="89535" bIns="46355" vert="horz" anchor="t">
+            <a:spAutoFit/>
+          </a:bodyPr>
+          <a:lstStyle/>
+          <a:p>
+            <a:pPr marL="0" indent="0" rtl="0" algn="l" defTabSz="914400" eaLnBrk="1" latinLnBrk="0" hangingPunct="1">
+              <a:buFontTx/>
+              <a:buNone/>
+            </a:pPr>
+            <a:r>
+              <a:rPr lang="ko-KR" sz="1800">
+                <a:latin typeface="맑은 고딕" charset="0"/>
+                <a:ea typeface="맑은 고딕" charset="0"/>
+              </a:rPr>
+              <a:t>내비게이션이 설정된 게임 오브젝트를 도착 지점으로 이동할 때 A star 알고리즘을 기반으로 계산합니다.</a:t>
+            </a:r>
+            <a:endParaRPr lang="ko-KR" altLang="en-US" sz="1800">
+              <a:latin typeface="맑은 고딕" charset="0"/>
+              <a:ea typeface="맑은 고딕" charset="0"/>
+            </a:endParaRPr>
+          </a:p>
+          <a:p>
+            <a:pPr marL="0" indent="0" rtl="0" algn="l" defTabSz="914400" eaLnBrk="1" latinLnBrk="0" hangingPunct="1">
+              <a:buFontTx/>
+              <a:buNone/>
+            </a:pPr>
+            <a:endParaRPr lang="ko-KR" altLang="en-US" sz="1800">
+              <a:latin typeface="맑은 고딕" charset="0"/>
+              <a:ea typeface="맑은 고딕" charset="0"/>
+            </a:endParaRPr>
+          </a:p>
+          <a:p>
+            <a:pPr marL="0" indent="0" rtl="0" algn="l" defTabSz="914400" eaLnBrk="1" latinLnBrk="0" hangingPunct="1">
+              <a:buFontTx/>
+              <a:buNone/>
+            </a:pPr>
+            <a:r>
+              <a:rPr lang="ko-KR" sz="1800">
+                <a:latin typeface="맑은 고딕" charset="0"/>
+                <a:ea typeface="맑은 고딕" charset="0"/>
+              </a:rPr>
+              <a:t>이때 연결된 노드 그래프가 동작하고 경로 시작점에서 가장 가까운 노드에서부터 시작하여 여러 연결 노드를 거쳐 목적지에 도달합니다.</a:t>
+            </a:r>
+            <a:endParaRPr lang="ko-KR" altLang="en-US" sz="1800">
+              <a:latin typeface="맑은 고딕" charset="0"/>
+              <a:ea typeface="맑은 고딕" charset="0"/>
+            </a:endParaRPr>
+          </a:p>
+        </p:txBody>
+      </p:sp>
+      <p:pic>
+        <p:nvPicPr>
+          <p:cNvPr id="1041" name="그림 126" descr="C:/Users/Admin1/AppData/Roaming/PolarisOffice/ETemp/8256_23257792/fImage402163385436.png"/>
           <p:cNvPicPr>
             <a:picLocks noChangeAspect="1"/>
           </p:cNvPicPr>
@@ -7786,8 +12540,8 @@
         </p:blipFill>
         <p:spPr>
           <a:xfrm rot="0">
-            <a:off x="6791325" y="1419225"/>
-            <a:ext cx="3991610" cy="1972310"/>
+            <a:off x="974725" y="2540000"/>
+            <a:ext cx="4380865" cy="2550795"/>
           </a:xfrm>
           <a:prstGeom prst="roundRect"/>
           <a:solidFill>
@@ -7797,17 +12551,17 @@
       </p:pic>
       <p:pic>
         <p:nvPicPr>
-          <p:cNvPr id="1199" name="그림 127" descr="C:/Users/Admin1/AppData/Roaming/PolarisOffice/ETemp/8788_22017440/fImage243783454827.png"/>
+          <p:cNvPr id="1042" name="그림 144" descr="C:/Users/Admin1/AppData/Roaming/PolarisOffice/ETemp/8256_23257792/fImage128043672391.png"/>
           <p:cNvPicPr>
             <a:picLocks noChangeAspect="1"/>
           </p:cNvPicPr>
           <p:nvPr/>
         </p:nvPicPr>
         <p:blipFill rotWithShape="1">
-          <a:blip r:embed="rId3" cstate="hqprint">
+          <a:blip r:embed="rId3" cstate="print">
             <a:extLst>
               <a:ext uri="{28A0092B-C50C-407E-A947-70E740481C1C}">
-                <a14:useLocalDpi xmlns:a14="http://schemas.microsoft.com/office/drawing/2010/main"/>
+                <a14:useLocalDpi xmlns:a14="http://schemas.microsoft.com/office/drawing/2010/main" val="0"/>
               </a:ext>
             </a:extLst>
           </a:blip>
@@ -7817,16 +12571,58 @@
         </p:blipFill>
         <p:spPr>
           <a:xfrm rot="0">
-            <a:off x="1072515" y="3519170"/>
-            <a:ext cx="4274185" cy="1769110"/>
-          </a:xfrm>
-          <a:prstGeom prst="rect"/>
-          <a:noFill/>
+            <a:off x="6838950" y="1428750"/>
+            <a:ext cx="4199890" cy="1905635"/>
+          </a:xfrm>
+          <a:prstGeom prst="roundRect"/>
+          <a:solidFill>
+            <a:srgbClr val="EDEDED"/>
+          </a:solidFill>
         </p:spPr>
       </p:pic>
-      <p:sp>
-        <p:nvSpPr>
-          <p:cNvPr id="1200" name="텍스트 상자 128"/>
+    </p:spTree>
+  </p:cSld>
+  <p:clrMapOvr>
+    <a:masterClrMapping/>
+  </p:clrMapOvr>
+  <mc:AlternateContent xmlns:mc="http://schemas.openxmlformats.org/markup-compatibility/2006">
+    <mc:Choice xmlns:p14="http://schemas.microsoft.com/office/powerpoint/2010/main" Requires="p14">
+      <p:transition spd="slow" p14:dur="2000"/>
+    </mc:Choice>
+    <mc:Fallback>
+      <p:transition spd="slow"/>
+    </mc:Fallback>
+  </mc:AlternateContent>
+  <p:timing>
+    <p:tnLst>
+      <p:par>
+        <p:cTn id="1" dur="indefinite" restart="never" nodeType="tmRoot"/>
+      </p:par>
+    </p:tnLst>
+  </p:timing>
+</p:sld>
+</file>
+
+<file path=ppt/slides/slide9.xml><?xml version="1.0" encoding="utf-8"?>
+<p:sld xmlns:a="http://schemas.openxmlformats.org/drawingml/2006/main" xmlns:r="http://schemas.openxmlformats.org/officeDocument/2006/relationships" xmlns:p="http://schemas.openxmlformats.org/presentationml/2006/main">
+  <p:cSld>
+    <p:spTree>
+      <p:nvGrpSpPr>
+        <p:cNvPr id="1" name=""/>
+        <p:cNvGrpSpPr/>
+        <p:nvPr/>
+      </p:nvGrpSpPr>
+      <p:grpSpPr>
+        <a:xfrm>
+          <a:off x="0" y="0"/>
+          <a:ext cx="0" cy="0"/>
+          <a:chOff x="0" y="0"/>
+          <a:chExt cx="0" cy="0"/>
+        </a:xfrm>
+      </p:grpSpPr>
+      <p:sp>
+        <p:nvSpPr>
+          <p:cNvPr id="1031" name="Rect 0"/>
           <p:cNvSpPr txBox="1">
             <a:spLocks/>
           </p:cNvSpPr>
@@ -7834,8 +12630,8 @@
         </p:nvSpPr>
         <p:spPr>
           <a:xfrm rot="0">
-            <a:off x="6788150" y="3572510"/>
-            <a:ext cx="4020185" cy="2308860"/>
+            <a:off x="4804410" y="346075"/>
+            <a:ext cx="2593975" cy="478155"/>
           </a:xfrm>
           <a:prstGeom prst="rect"/>
           <a:noFill/>
@@ -7850,6 +12646,66 @@
           </a:bodyPr>
           <a:lstStyle/>
           <a:p>
+            <a:pPr marL="0" indent="0" algn="l" latinLnBrk="0">
+              <a:buFontTx/>
+              <a:buNone/>
+            </a:pPr>
+            <a:r>
+              <a:rPr lang="ko-KR" altLang="en-US" sz="2500" b="1">
+                <a:solidFill>
+                  <a:schemeClr val="tx1"/>
+                </a:solidFill>
+                <a:latin typeface="나눔바른고딕" charset="0"/>
+                <a:ea typeface="나눔바른고딕" charset="0"/>
+              </a:rPr>
+              <a:t>여섯</a:t>
+            </a:r>
+            <a:r>
+              <a:rPr lang="ko-KR" altLang="en-US" sz="2500" b="1">
+                <a:solidFill>
+                  <a:schemeClr val="tx1"/>
+                </a:solidFill>
+                <a:latin typeface="나눔바른고딕" charset="0"/>
+                <a:ea typeface="나눔바른고딕" charset="0"/>
+              </a:rPr>
+              <a:t> 번째 튜토리얼</a:t>
+            </a:r>
+            <a:endParaRPr lang="ko-KR" altLang="en-US" sz="2500" b="1">
+              <a:solidFill>
+                <a:schemeClr val="tx1"/>
+              </a:solidFill>
+              <a:latin typeface="나눔바른고딕" charset="0"/>
+              <a:ea typeface="나눔바른고딕" charset="0"/>
+            </a:endParaRPr>
+          </a:p>
+        </p:txBody>
+      </p:sp>
+      <p:sp>
+        <p:nvSpPr>
+          <p:cNvPr id="1192" name="Rect 0"/>
+          <p:cNvSpPr txBox="1">
+            <a:spLocks/>
+          </p:cNvSpPr>
+          <p:nvPr/>
+        </p:nvSpPr>
+        <p:spPr>
+          <a:xfrm rot="0">
+            <a:off x="1105535" y="4854575"/>
+            <a:ext cx="4250055" cy="1477645"/>
+          </a:xfrm>
+          <a:prstGeom prst="rect"/>
+          <a:noFill/>
+          <a:ln w="0">
+            <a:noFill/>
+            <a:prstDash/>
+          </a:ln>
+        </p:spPr>
+        <p:txBody>
+          <a:bodyPr wrap="square" lIns="89535" tIns="46355" rIns="89535" bIns="46355" numCol="1" vert="horz" anchor="t">
+            <a:spAutoFit/>
+          </a:bodyPr>
+          <a:lstStyle/>
+          <a:p>
             <a:pPr marL="0" indent="0" rtl="0" algn="l" defTabSz="914400" eaLnBrk="1" latinLnBrk="0" hangingPunct="1">
               <a:buFontTx/>
               <a:buNone/>
@@ -7862,7 +12718,27 @@
                 <a:latin typeface="맑은 고딕" charset="0"/>
                 <a:ea typeface="맑은 고딕" charset="0"/>
               </a:rPr>
-              <a:t>13.</a:t>
+              <a:t>1</a:t>
+            </a:r>
+            <a:r>
+              <a:rPr lang="ko-KR" sz="1800" b="1">
+                <a:solidFill>
+                  <a:srgbClr val="0611F2"/>
+                </a:solidFill>
+                <a:latin typeface="맑은 고딕" charset="0"/>
+                <a:ea typeface="맑은 고딕" charset="0"/>
+              </a:rPr>
+              <a:t>4</a:t>
+            </a:r>
+            <a:r>
+              <a:rPr sz="1800" b="1">
+                <a:solidFill>
+                  <a:srgbClr val="0611F2"/>
+                </a:solidFill>
+                <a:latin typeface="맑은 고딕" charset="0"/>
+                <a:ea typeface="맑은 고딕" charset="0"/>
+              </a:rPr>
+              <a:t>.</a:t>
             </a:r>
             <a:r>
               <a:rPr sz="1800">
@@ -7876,7 +12752,28 @@
                 <a:latin typeface="맑은 고딕" charset="0"/>
                 <a:ea typeface="맑은 고딕" charset="0"/>
               </a:rPr>
-              <a:t>Bake가 되는 순간 Agent가 이동할 수 있는 영역과 이동할 수 없는 영역이 정해지게 됩니다.</a:t>
+              <a:t>그</a:t>
+            </a:r>
+            <a:r>
+              <a:rPr lang="ko-KR" sz="1800">
+                <a:latin typeface="맑은 고딕" charset="0"/>
+                <a:ea typeface="맑은 고딕" charset="0"/>
+              </a:rPr>
+              <a:t>다음으로</a:t>
+            </a:r>
+            <a:r>
+              <a:rPr lang="ko-KR" sz="1800">
+                <a:latin typeface="맑은 고딕" charset="0"/>
+                <a:ea typeface="맑은 고딕" charset="0"/>
+              </a:rPr>
+              <a:t> Nav</a:t>
+            </a:r>
+            <a:r>
+              <a:rPr lang="ko-KR" sz="1800">
+                <a:latin typeface="맑은 고딕" charset="0"/>
+                <a:ea typeface="맑은 고딕" charset="0"/>
+              </a:rPr>
+              <a:t>igation에서 Area를 선택합니다.</a:t>
             </a:r>
             <a:endParaRPr lang="ko-KR" altLang="en-US" sz="1800">
               <a:latin typeface="맑은 고딕" charset="0"/>
@@ -7903,7 +12800,21 @@
                 <a:latin typeface="맑은 고딕" charset="0"/>
                 <a:ea typeface="맑은 고딕" charset="0"/>
               </a:rPr>
-              <a:t>그다음 마우스로 위치 정보를 선택했을 때 현재 빨간색으로 설정된 영역 이외에 다른 영역으로는 이동할 수 없습니다.</a:t>
+              <a:t>그리고</a:t>
+            </a:r>
+            <a:r>
+              <a:rPr lang="ko-KR" sz="1800">
+                <a:latin typeface="맑은 고딕" charset="0"/>
+                <a:ea typeface="맑은 고딕" charset="0"/>
+              </a:rPr>
+              <a:t> </a:t>
+            </a:r>
+            <a:r>
+              <a:rPr lang="ko-KR" sz="1800">
+                <a:latin typeface="맑은 고딕" charset="0"/>
+                <a:ea typeface="맑은 고딕" charset="0"/>
+              </a:rPr>
+              <a:t>User 3에 Danger를 추가하고 Cost를 5로 설정합니다.</a:t>
             </a:r>
             <a:endParaRPr lang="ko-KR" altLang="en-US" sz="1800">
               <a:latin typeface="맑은 고딕" charset="0"/>
@@ -7912,19 +12823,127 @@
           </a:p>
         </p:txBody>
       </p:sp>
+      <p:sp>
+        <p:nvSpPr>
+          <p:cNvPr id="1200" name="Rect 0"/>
+          <p:cNvSpPr txBox="1">
+            <a:spLocks/>
+          </p:cNvSpPr>
+          <p:nvPr/>
+        </p:nvSpPr>
+        <p:spPr>
+          <a:xfrm rot="0">
+            <a:off x="6995795" y="4301490"/>
+            <a:ext cx="4096385" cy="2031365"/>
+          </a:xfrm>
+          <a:prstGeom prst="rect"/>
+          <a:noFill/>
+          <a:ln w="0">
+            <a:noFill/>
+            <a:prstDash/>
+          </a:ln>
+        </p:spPr>
+        <p:txBody>
+          <a:bodyPr wrap="square" lIns="89535" tIns="46355" rIns="89535" bIns="46355" numCol="1" vert="horz" anchor="t">
+            <a:spAutoFit/>
+          </a:bodyPr>
+          <a:lstStyle/>
+          <a:p>
+            <a:pPr marL="0" indent="0" rtl="0" algn="l" defTabSz="914400" eaLnBrk="1" latinLnBrk="0" hangingPunct="1">
+              <a:buFontTx/>
+              <a:buNone/>
+            </a:pPr>
+            <a:r>
+              <a:rPr sz="1800" b="1">
+                <a:solidFill>
+                  <a:srgbClr val="0611F2"/>
+                </a:solidFill>
+                <a:latin typeface="맑은 고딕" charset="0"/>
+                <a:ea typeface="맑은 고딕" charset="0"/>
+              </a:rPr>
+              <a:t>1</a:t>
+            </a:r>
+            <a:r>
+              <a:rPr sz="1800" b="1">
+                <a:solidFill>
+                  <a:srgbClr val="0611F2"/>
+                </a:solidFill>
+                <a:latin typeface="맑은 고딕" charset="0"/>
+                <a:ea typeface="맑은 고딕" charset="0"/>
+              </a:rPr>
+              <a:t>5</a:t>
+            </a:r>
+            <a:r>
+              <a:rPr sz="1800" b="1">
+                <a:solidFill>
+                  <a:srgbClr val="0611F2"/>
+                </a:solidFill>
+                <a:latin typeface="맑은 고딕" charset="0"/>
+                <a:ea typeface="맑은 고딕" charset="0"/>
+              </a:rPr>
+              <a:t>.</a:t>
+            </a:r>
+            <a:r>
+              <a:rPr sz="1800">
+                <a:latin typeface="맑은 고딕" charset="0"/>
+                <a:ea typeface="맑은 고딕" charset="0"/>
+              </a:rPr>
+              <a:t> 이</a:t>
+            </a:r>
+            <a:r>
+              <a:rPr lang="ko-KR" sz="1800">
+                <a:latin typeface="맑은 고딕" charset="0"/>
+                <a:ea typeface="맑은 고딕" charset="0"/>
+              </a:rPr>
+              <a:t>제 Second Bridge 게임 오브젝트를 선택하고 Navigation에서 Object를 선택합니다.</a:t>
+            </a:r>
+            <a:endParaRPr lang="ko-KR" altLang="en-US" sz="1800">
+              <a:latin typeface="맑은 고딕" charset="0"/>
+              <a:ea typeface="맑은 고딕" charset="0"/>
+            </a:endParaRPr>
+          </a:p>
+          <a:p>
+            <a:pPr marL="0" indent="0" rtl="0" algn="l" defTabSz="914400" eaLnBrk="1" latinLnBrk="0" hangingPunct="1">
+              <a:buFontTx/>
+              <a:buNone/>
+            </a:pPr>
+            <a:endParaRPr lang="ko-KR" altLang="en-US" sz="1800">
+              <a:latin typeface="맑은 고딕" charset="0"/>
+              <a:ea typeface="맑은 고딕" charset="0"/>
+            </a:endParaRPr>
+          </a:p>
+          <a:p>
+            <a:pPr marL="0" indent="0" rtl="0" algn="l" defTabSz="914400" eaLnBrk="1" latinLnBrk="0" hangingPunct="1">
+              <a:buFontTx/>
+              <a:buNone/>
+            </a:pPr>
+            <a:r>
+              <a:rPr lang="ko-KR" sz="1800">
+                <a:latin typeface="맑은 고딕" charset="0"/>
+                <a:ea typeface="맑은 고딕" charset="0"/>
+              </a:rPr>
+              <a:t>그런 다음 Navigation Area를 Danger로 변경하고 다시 Bake를 합니다.</a:t>
+            </a:r>
+            <a:endParaRPr lang="ko-KR" altLang="en-US" sz="1800">
+              <a:latin typeface="맑은 고딕" charset="0"/>
+              <a:ea typeface="맑은 고딕" charset="0"/>
+            </a:endParaRPr>
+          </a:p>
+        </p:txBody>
+      </p:sp>
       <p:pic>
         <p:nvPicPr>
-          <p:cNvPr id="1201" name="그림 129" descr="C:/Users/Admin1/AppData/Roaming/PolarisOffice/ETemp/8788_22017440/fImage60853475436.png"/>
+          <p:cNvPr id="1202" name="그림 130" descr="C:/Users/Admin1/AppData/Roaming/PolarisOffice/ETemp/8256_23257792/fImage398443604604.png"/>
           <p:cNvPicPr>
             <a:picLocks noChangeAspect="1"/>
           </p:cNvPicPr>
           <p:nvPr/>
         </p:nvPicPr>
         <p:blipFill rotWithShape="1">
-          <a:blip r:embed="rId4" cstate="hqprint">
+          <a:blip r:embed="rId2" cstate="print">
             <a:extLst>
               <a:ext uri="{28A0092B-C50C-407E-A947-70E740481C1C}">
-                <a14:useLocalDpi xmlns:a14="http://schemas.microsoft.com/office/drawing/2010/main"/>
+                <a14:useLocalDpi xmlns:a14="http://schemas.microsoft.com/office/drawing/2010/main" val="0"/>
               </a:ext>
             </a:extLst>
           </a:blip>
@@ -7934,8 +12953,37 @@
         </p:blipFill>
         <p:spPr>
           <a:xfrm rot="0">
-            <a:off x="1072515" y="1419225"/>
-            <a:ext cx="4282440" cy="717550"/>
+            <a:off x="1102995" y="1344295"/>
+            <a:ext cx="4263390" cy="3439160"/>
+          </a:xfrm>
+          <a:prstGeom prst="rect"/>
+          <a:noFill/>
+        </p:spPr>
+      </p:pic>
+      <p:pic>
+        <p:nvPicPr>
+          <p:cNvPr id="1204" name="그림 134" descr="C:/Users/Admin1/AppData/Roaming/PolarisOffice/ETemp/8256_23257792/fImage49403633902.png"/>
+          <p:cNvPicPr>
+            <a:picLocks noChangeAspect="1"/>
+          </p:cNvPicPr>
+          <p:nvPr/>
+        </p:nvPicPr>
+        <p:blipFill rotWithShape="1">
+          <a:blip r:embed="rId3" cstate="print">
+            <a:extLst>
+              <a:ext uri="{28A0092B-C50C-407E-A947-70E740481C1C}">
+                <a14:useLocalDpi xmlns:a14="http://schemas.microsoft.com/office/drawing/2010/main" val="0"/>
+              </a:ext>
+            </a:extLst>
+          </a:blip>
+          <a:stretch>
+            <a:fillRect/>
+          </a:stretch>
+        </p:blipFill>
+        <p:spPr>
+          <a:xfrm rot="0">
+            <a:off x="6994525" y="1470660"/>
+            <a:ext cx="943610" cy="1186180"/>
           </a:xfrm>
           <a:prstGeom prst="roundRect"/>
           <a:solidFill>
@@ -7943,67 +12991,66 @@
           </a:solidFill>
         </p:spPr>
       </p:pic>
-      <p:sp>
-        <p:nvSpPr>
-          <p:cNvPr id="1202" name="텍스트 상자 130"/>
-          <p:cNvSpPr txBox="1">
-            <a:spLocks/>
-          </p:cNvSpPr>
+      <p:pic>
+        <p:nvPicPr>
+          <p:cNvPr id="1205" name="그림 135" descr="C:/Users/Admin1/AppData/Roaming/PolarisOffice/ETemp/8256_23257792/fImage18766364153.png"/>
+          <p:cNvPicPr>
+            <a:picLocks noChangeAspect="1"/>
+          </p:cNvPicPr>
           <p:nvPr/>
-        </p:nvSpPr>
-        <p:spPr>
-          <a:xfrm rot="0">
-            <a:off x="1072515" y="2223770"/>
-            <a:ext cx="4276725" cy="1201420"/>
+        </p:nvPicPr>
+        <p:blipFill rotWithShape="1">
+          <a:blip r:embed="rId4" cstate="print">
+            <a:extLst>
+              <a:ext uri="{28A0092B-C50C-407E-A947-70E740481C1C}">
+                <a14:useLocalDpi xmlns:a14="http://schemas.microsoft.com/office/drawing/2010/main" val="0"/>
+              </a:ext>
+            </a:extLst>
+          </a:blip>
+          <a:stretch>
+            <a:fillRect/>
+          </a:stretch>
+        </p:blipFill>
+        <p:spPr>
+          <a:xfrm rot="0">
+            <a:off x="8191500" y="1220470"/>
+            <a:ext cx="2889885" cy="1647825"/>
           </a:xfrm>
           <a:prstGeom prst="rect"/>
           <a:noFill/>
-          <a:ln w="0">
-            <a:noFill/>
-            <a:prstDash/>
-          </a:ln>
-        </p:spPr>
-        <p:txBody>
-          <a:bodyPr wrap="square" lIns="89535" tIns="46355" rIns="89535" bIns="46355" numCol="1" vert="horz" anchor="t">
-            <a:spAutoFit/>
-          </a:bodyPr>
-          <a:lstStyle/>
-          <a:p>
-            <a:pPr marL="0" indent="0" rtl="0" algn="l" defTabSz="914400" eaLnBrk="1" latinLnBrk="0" hangingPunct="1">
-              <a:buFontTx/>
-              <a:buNone/>
-            </a:pPr>
-            <a:r>
-              <a:rPr sz="1800" b="1">
-                <a:solidFill>
-                  <a:srgbClr val="0611F2"/>
-                </a:solidFill>
-                <a:latin typeface="맑은 고딕" charset="0"/>
-                <a:ea typeface="맑은 고딕" charset="0"/>
-              </a:rPr>
-              <a:t>11.</a:t>
-            </a:r>
-            <a:r>
-              <a:rPr sz="1800">
-                <a:latin typeface="맑은 고딕" charset="0"/>
-                <a:ea typeface="맑은 고딕" charset="0"/>
-              </a:rPr>
-              <a:t> </a:t>
-            </a:r>
-            <a:r>
-              <a:rPr lang="ko-KR" sz="1800">
-                <a:latin typeface="맑은 고딕" charset="0"/>
-                <a:ea typeface="맑은 고딕" charset="0"/>
-              </a:rPr>
-              <a:t>이제 NavMeshAgent가 이동할 수 있는 영역을 설정하기 위해 NavMesh가 될 수 있는 게임 오브젝트를 Scene Filter를 통해 설정합니다.</a:t>
-            </a:r>
-            <a:endParaRPr lang="ko-KR" altLang="en-US" sz="1800">
-              <a:latin typeface="맑은 고딕" charset="0"/>
-              <a:ea typeface="맑은 고딕" charset="0"/>
-            </a:endParaRPr>
-          </a:p>
-        </p:txBody>
-      </p:sp>
+        </p:spPr>
+      </p:pic>
+      <p:pic>
+        <p:nvPicPr>
+          <p:cNvPr id="1206" name="그림 138" descr="C:/Users/Admin1/AppData/Roaming/PolarisOffice/ETemp/8256_23257792/fImage50928365292.png"/>
+          <p:cNvPicPr>
+            <a:picLocks noChangeAspect="1"/>
+          </p:cNvPicPr>
+          <p:nvPr/>
+        </p:nvPicPr>
+        <p:blipFill rotWithShape="1">
+          <a:blip r:embed="rId5" cstate="print">
+            <a:extLst>
+              <a:ext uri="{28A0092B-C50C-407E-A947-70E740481C1C}">
+                <a14:useLocalDpi xmlns:a14="http://schemas.microsoft.com/office/drawing/2010/main" val="0"/>
+              </a:ext>
+            </a:extLst>
+          </a:blip>
+          <a:stretch>
+            <a:fillRect/>
+          </a:stretch>
+        </p:blipFill>
+        <p:spPr>
+          <a:xfrm rot="0">
+            <a:off x="7000240" y="3048000"/>
+            <a:ext cx="4091940" cy="1164590"/>
+          </a:xfrm>
+          <a:prstGeom prst="roundRect"/>
+          <a:solidFill>
+            <a:srgbClr val="EDEDED"/>
+          </a:solidFill>
+        </p:spPr>
+      </p:pic>
     </p:spTree>
   </p:cSld>
   <p:clrMapOvr>

--- a/Assets/Class/NavMesh Agent/PPT Data/NavMesh Example.pptx
+++ b/Assets/Class/NavMesh Agent/PPT Data/NavMesh Example.pptx
@@ -2,24 +2,24 @@
 <file path=ppt/presentation.xml><?xml version="1.0" encoding="utf-8"?>
 <p:presentation xmlns:a="http://schemas.openxmlformats.org/drawingml/2006/main" xmlns:r="http://schemas.openxmlformats.org/officeDocument/2006/relationships" xmlns:p="http://schemas.openxmlformats.org/presentationml/2006/main" xmlns:p14="http://schemas.microsoft.com/office/powerpoint/2010/main" saveSubsetFonts="1" firstSlideNum="0">
   <p:sldMasterIdLst>
-    <p:sldMasterId id="2147486131" r:id="rId12"/>
+    <p:sldMasterId id="2147486132" r:id="rId12"/>
   </p:sldMasterIdLst>
   <p:notesMasterIdLst>
     <p:notesMasterId r:id="rId14"/>
   </p:notesMasterIdLst>
   <p:sldIdLst>
     <p:sldId id="299" r:id="rId16"/>
-    <p:sldId id="287" r:id="rId17"/>
-    <p:sldId id="300" r:id="rId18"/>
-    <p:sldId id="301" r:id="rId19"/>
-    <p:sldId id="303" r:id="rId20"/>
-    <p:sldId id="302" r:id="rId21"/>
-    <p:sldId id="298" r:id="rId22"/>
-    <p:sldId id="304" r:id="rId23"/>
-    <p:sldId id="305" r:id="rId24"/>
-    <p:sldId id="306" r:id="rId25"/>
-    <p:sldId id="307" r:id="rId26"/>
-    <p:sldId id="308" r:id="rId27"/>
+    <p:sldId id="287" r:id="rId18"/>
+    <p:sldId id="300" r:id="rId20"/>
+    <p:sldId id="301" r:id="rId22"/>
+    <p:sldId id="303" r:id="rId24"/>
+    <p:sldId id="302" r:id="rId26"/>
+    <p:sldId id="298" r:id="rId28"/>
+    <p:sldId id="304" r:id="rId29"/>
+    <p:sldId id="305" r:id="rId31"/>
+    <p:sldId id="306" r:id="rId33"/>
+    <p:sldId id="307" r:id="rId35"/>
+    <p:sldId id="308" r:id="rId37"/>
   </p:sldIdLst>
   <p:sldSz cx="12192000" cy="6858000"/>
   <p:notesSz cx="6858000" cy="9144000"/>
@@ -11999,9 +11999,9 @@
           <p:nvPr/>
         </p:nvSpPr>
         <p:spPr>
-          <a:xfrm rot="0">
+          <a:xfrm>
             <a:off x="1116330" y="4856480"/>
-            <a:ext cx="4283075" cy="923925"/>
+            <a:ext cx="4283710" cy="923925"/>
           </a:xfrm>
           <a:prstGeom prst="rect"/>
           <a:noFill/>
@@ -12038,39 +12038,11 @@
               <a:t> </a:t>
             </a:r>
             <a:r>
-              <a:rPr lang="ko-KR" sz="1800">
-                <a:latin typeface="맑은 고딕" charset="0"/>
-                <a:ea typeface="맑은 고딕" charset="0"/>
-              </a:rPr>
-              <a:t>그</a:t>
-            </a:r>
-            <a:r>
-              <a:rPr lang="ko-KR" sz="1800">
-                <a:latin typeface="맑은 고딕" charset="0"/>
-                <a:ea typeface="맑은 고딕" charset="0"/>
-              </a:rPr>
-              <a:t>런 다음</a:t>
-            </a:r>
-            <a:r>
-              <a:rPr lang="ko-KR" sz="1800">
-                <a:latin typeface="맑은 고딕" charset="0"/>
-                <a:ea typeface="맑은 고딕" charset="0"/>
-              </a:rPr>
-              <a:t> NavMeshAgent가 이동하기 위한 범위를</a:t>
-            </a:r>
-            <a:r>
-              <a:rPr lang="ko-KR" sz="1800">
-                <a:latin typeface="맑은 고딕" charset="0"/>
-                <a:ea typeface="맑은 고딕" charset="0"/>
-              </a:rPr>
-              <a:t> 설정되었으면</a:t>
-            </a:r>
-            <a:r>
-              <a:rPr lang="ko-KR" sz="1800">
-                <a:latin typeface="맑은 고딕" charset="0"/>
-                <a:ea typeface="맑은 고딕" charset="0"/>
-              </a:rPr>
-              <a:t> Bake를 선택합니다.</a:t>
+              <a:rPr sz="1800">
+                <a:latin typeface="맑은 고딕" charset="0"/>
+                <a:ea typeface="맑은 고딕" charset="0"/>
+              </a:rPr>
+              <a:t>그런 다음 NavMeshAgent가 이동할 수 있는 범위를 설정하였으면 Bake를 선택합니다.</a:t>
             </a:r>
             <a:endParaRPr lang="ko-KR" altLang="en-US" sz="1800">
               <a:latin typeface="맑은 고딕" charset="0"/>
@@ -12081,7 +12053,7 @@
       </p:sp>
       <p:pic>
         <p:nvPicPr>
-          <p:cNvPr id="1199" name="그림 127" descr="C:/Users/Admin1/AppData/Roaming/PolarisOffice/ETemp/8256_23257792/fImage243783454827.png"/>
+          <p:cNvPr id="1199" name="그림 127"/>
           <p:cNvPicPr>
             <a:picLocks noChangeAspect="1"/>
           </p:cNvPicPr>
@@ -12226,7 +12198,7 @@
       </p:sp>
       <p:pic>
         <p:nvPicPr>
-          <p:cNvPr id="1201" name="그림 93" descr="C:/Users/Admin1/AppData/Roaming/PolarisOffice/ETemp/8256_23257792/fImage930023004827.png"/>
+          <p:cNvPr id="1201" name="그림 93"/>
           <p:cNvPicPr>
             <a:picLocks noChangeAspect="1"/>
           </p:cNvPicPr>
